--- a/presentations/Analiza danych przestrzennych 01.pptx
+++ b/presentations/Analiza danych przestrzennych 01.pptx
@@ -51,7 +51,7 @@
       </p:grpSpPr>
       <p:sp>
         <p:nvSpPr>
-          <p:cNvPr id="96" name="PlaceHolder 1"/>
+          <p:cNvPr id="94" name="PlaceHolder 1"/>
           <p:cNvSpPr>
             <a:spLocks noGrp="1"/>
           </p:cNvSpPr>
@@ -71,27 +71,22 @@
         <p:txBody>
           <a:bodyPr lIns="0" rIns="0" tIns="0" bIns="0" anchor="ctr"/>
           <a:p>
-            <a:r>
-              <a:rPr b="0" lang="en-US" sz="2600" spc="-1" strike="noStrike">
-                <a:solidFill>
-                  <a:srgbClr val="000000"/>
-                </a:solidFill>
-                <a:latin typeface="Imago"/>
+            <a:pPr algn="ctr"/>
+            <a:r>
+              <a:rPr b="0" lang="en-US" sz="4400" spc="-1" strike="noStrike">
+                <a:latin typeface="Arial"/>
               </a:rPr>
               <a:t>Click to move the slide</a:t>
             </a:r>
-            <a:endParaRPr b="0" lang="en-US" sz="2600" spc="-1" strike="noStrike">
-              <a:solidFill>
-                <a:srgbClr val="000000"/>
-              </a:solidFill>
-              <a:latin typeface="Imago"/>
-            </a:endParaRPr>
-          </a:p>
-        </p:txBody>
-      </p:sp>
-      <p:sp>
-        <p:nvSpPr>
-          <p:cNvPr id="97" name="PlaceHolder 2"/>
+            <a:endParaRPr b="0" lang="en-US" sz="4400" spc="-1" strike="noStrike">
+              <a:latin typeface="Arial"/>
+            </a:endParaRPr>
+          </a:p>
+        </p:txBody>
+      </p:sp>
+      <p:sp>
+        <p:nvSpPr>
+          <p:cNvPr id="95" name="PlaceHolder 2"/>
           <p:cNvSpPr>
             <a:spLocks noGrp="1"/>
           </p:cNvSpPr>
@@ -125,7 +120,7 @@
       </p:sp>
       <p:sp>
         <p:nvSpPr>
-          <p:cNvPr id="98" name="PlaceHolder 3"/>
+          <p:cNvPr id="96" name="PlaceHolder 3"/>
           <p:cNvSpPr>
             <a:spLocks noGrp="1"/>
           </p:cNvSpPr>
@@ -159,7 +154,7 @@
       </p:sp>
       <p:sp>
         <p:nvSpPr>
-          <p:cNvPr id="99" name="PlaceHolder 4"/>
+          <p:cNvPr id="97" name="PlaceHolder 4"/>
           <p:cNvSpPr>
             <a:spLocks noGrp="1"/>
           </p:cNvSpPr>
@@ -194,7 +189,7 @@
       </p:sp>
       <p:sp>
         <p:nvSpPr>
-          <p:cNvPr id="100" name="PlaceHolder 5"/>
+          <p:cNvPr id="98" name="PlaceHolder 5"/>
           <p:cNvSpPr>
             <a:spLocks noGrp="1"/>
           </p:cNvSpPr>
@@ -228,7 +223,7 @@
       </p:sp>
       <p:sp>
         <p:nvSpPr>
-          <p:cNvPr id="101" name="PlaceHolder 6"/>
+          <p:cNvPr id="99" name="PlaceHolder 6"/>
           <p:cNvSpPr>
             <a:spLocks noGrp="1"/>
           </p:cNvSpPr>
@@ -249,7 +244,7 @@
           <a:bodyPr lIns="0" rIns="0" tIns="0" bIns="0" anchor="b"/>
           <a:p>
             <a:pPr algn="r"/>
-            <a:fld id="{17C92761-1E94-453C-B613-17A153B48734}" type="slidenum">
+            <a:fld id="{80B89FBF-01E2-4C33-B579-B30CFD4D711B}" type="slidenum">
               <a:rPr b="0" lang="en-US" sz="1400" spc="-1" strike="noStrike">
                 <a:latin typeface="Times New Roman"/>
               </a:rPr>
@@ -286,7 +281,7 @@
       </p:grpSpPr>
       <p:sp>
         <p:nvSpPr>
-          <p:cNvPr id="146" name="PlaceHolder 1"/>
+          <p:cNvPr id="144" name="PlaceHolder 1"/>
           <p:cNvSpPr>
             <a:spLocks noGrp="1"/>
           </p:cNvSpPr>
@@ -297,16 +292,16 @@
         <p:spPr>
           <a:xfrm>
             <a:off x="379440" y="851040"/>
-            <a:ext cx="6098760" cy="3431880"/>
-          </a:xfrm>
-          <a:prstGeom prst="rect">
-            <a:avLst/>
-          </a:prstGeom>
-        </p:spPr>
-      </p:sp>
-      <p:sp>
-        <p:nvSpPr>
-          <p:cNvPr id="147" name="PlaceHolder 2"/>
+            <a:ext cx="6098400" cy="3431520"/>
+          </a:xfrm>
+          <a:prstGeom prst="rect">
+            <a:avLst/>
+          </a:prstGeom>
+        </p:spPr>
+      </p:sp>
+      <p:sp>
+        <p:nvSpPr>
+          <p:cNvPr id="145" name="PlaceHolder 2"/>
           <p:cNvSpPr>
             <a:spLocks noGrp="1"/>
           </p:cNvSpPr>
@@ -317,7 +312,7 @@
         <p:spPr>
           <a:xfrm>
             <a:off x="914400" y="4641840"/>
-            <a:ext cx="5028840" cy="4516200"/>
+            <a:ext cx="5028480" cy="4515840"/>
           </a:xfrm>
           <a:prstGeom prst="rect">
             <a:avLst/>
@@ -326,7 +321,7 @@
         <p:txBody>
           <a:bodyPr lIns="90360" rIns="90360" tIns="44280" bIns="44280"/>
           <a:p>
-            <a:pPr marL="216000" indent="-216000">
+            <a:pPr marL="216000" indent="-215640">
               <a:lnSpc>
                 <a:spcPct val="100000"/>
               </a:lnSpc>
@@ -367,7 +362,7 @@
       </p:grpSpPr>
       <p:sp>
         <p:nvSpPr>
-          <p:cNvPr id="148" name="PlaceHolder 1"/>
+          <p:cNvPr id="146" name="PlaceHolder 1"/>
           <p:cNvSpPr>
             <a:spLocks noGrp="1"/>
           </p:cNvSpPr>
@@ -378,16 +373,16 @@
         <p:spPr>
           <a:xfrm>
             <a:off x="379440" y="851040"/>
-            <a:ext cx="6098760" cy="3431880"/>
-          </a:xfrm>
-          <a:prstGeom prst="rect">
-            <a:avLst/>
-          </a:prstGeom>
-        </p:spPr>
-      </p:sp>
-      <p:sp>
-        <p:nvSpPr>
-          <p:cNvPr id="149" name="PlaceHolder 2"/>
+            <a:ext cx="6098400" cy="3431520"/>
+          </a:xfrm>
+          <a:prstGeom prst="rect">
+            <a:avLst/>
+          </a:prstGeom>
+        </p:spPr>
+      </p:sp>
+      <p:sp>
+        <p:nvSpPr>
+          <p:cNvPr id="147" name="PlaceHolder 2"/>
           <p:cNvSpPr>
             <a:spLocks noGrp="1"/>
           </p:cNvSpPr>
@@ -398,7 +393,7 @@
         <p:spPr>
           <a:xfrm>
             <a:off x="914400" y="4641840"/>
-            <a:ext cx="5028840" cy="4516200"/>
+            <a:ext cx="5028480" cy="4515840"/>
           </a:xfrm>
           <a:prstGeom prst="rect">
             <a:avLst/>
@@ -407,7 +402,7 @@
         <p:txBody>
           <a:bodyPr lIns="90360" rIns="90360" tIns="44280" bIns="44280"/>
           <a:p>
-            <a:pPr marL="216000" indent="-216000">
+            <a:pPr marL="216000" indent="-215640">
               <a:lnSpc>
                 <a:spcPct val="100000"/>
               </a:lnSpc>
@@ -480,8 +475,8 @@
         </p:nvSpPr>
         <p:spPr>
           <a:xfrm>
-            <a:off x="517680" y="452520"/>
-            <a:ext cx="9816840" cy="1309320"/>
+            <a:off x="609480" y="273600"/>
+            <a:ext cx="10972440" cy="1144800"/>
           </a:xfrm>
           <a:prstGeom prst="rect">
             <a:avLst/>
@@ -490,11 +485,9 @@
         <p:txBody>
           <a:bodyPr lIns="0" rIns="0" tIns="0" bIns="0" anchor="ctr"/>
           <a:p>
-            <a:endParaRPr b="0" lang="en-US" sz="2600" spc="-1" strike="noStrike">
-              <a:solidFill>
-                <a:srgbClr val="000000"/>
-              </a:solidFill>
-              <a:latin typeface="Imago"/>
+            <a:pPr algn="ctr"/>
+            <a:endParaRPr b="0" lang="en-US" sz="4400" spc="-1" strike="noStrike">
+              <a:latin typeface="Arial"/>
             </a:endParaRPr>
           </a:p>
         </p:txBody>
@@ -511,8 +504,8 @@
         </p:nvSpPr>
         <p:spPr>
           <a:xfrm>
-            <a:off x="529560" y="1806480"/>
-            <a:ext cx="11138400" cy="2132640"/>
+            <a:off x="609480" y="1604520"/>
+            <a:ext cx="10972440" cy="1896840"/>
           </a:xfrm>
           <a:prstGeom prst="rect">
             <a:avLst/>
@@ -523,11 +516,8 @@
             <a:normAutofit/>
           </a:bodyPr>
           <a:p>
-            <a:endParaRPr b="0" lang="en-US" sz="2000" spc="-1" strike="noStrike">
-              <a:solidFill>
-                <a:srgbClr val="000000"/>
-              </a:solidFill>
-              <a:latin typeface="Imago"/>
+            <a:endParaRPr b="0" lang="en-US" sz="3200" spc="-1" strike="noStrike">
+              <a:latin typeface="Arial"/>
             </a:endParaRPr>
           </a:p>
         </p:txBody>
@@ -544,8 +534,8 @@
         </p:nvSpPr>
         <p:spPr>
           <a:xfrm>
-            <a:off x="529560" y="4142160"/>
-            <a:ext cx="11138400" cy="2132640"/>
+            <a:off x="609480" y="3682080"/>
+            <a:ext cx="10972440" cy="1896840"/>
           </a:xfrm>
           <a:prstGeom prst="rect">
             <a:avLst/>
@@ -556,11 +546,8 @@
             <a:normAutofit/>
           </a:bodyPr>
           <a:p>
-            <a:endParaRPr b="0" lang="en-US" sz="2000" spc="-1" strike="noStrike">
-              <a:solidFill>
-                <a:srgbClr val="000000"/>
-              </a:solidFill>
-              <a:latin typeface="Imago"/>
+            <a:endParaRPr b="0" lang="en-US" sz="3200" spc="-1" strike="noStrike">
+              <a:latin typeface="Arial"/>
             </a:endParaRPr>
           </a:p>
         </p:txBody>
@@ -599,8 +586,8 @@
         </p:nvSpPr>
         <p:spPr>
           <a:xfrm>
-            <a:off x="517680" y="452520"/>
-            <a:ext cx="9816840" cy="1309320"/>
+            <a:off x="609480" y="273600"/>
+            <a:ext cx="10972440" cy="1144800"/>
           </a:xfrm>
           <a:prstGeom prst="rect">
             <a:avLst/>
@@ -609,11 +596,9 @@
         <p:txBody>
           <a:bodyPr lIns="0" rIns="0" tIns="0" bIns="0" anchor="ctr"/>
           <a:p>
-            <a:endParaRPr b="0" lang="en-US" sz="2600" spc="-1" strike="noStrike">
-              <a:solidFill>
-                <a:srgbClr val="000000"/>
-              </a:solidFill>
-              <a:latin typeface="Imago"/>
+            <a:pPr algn="ctr"/>
+            <a:endParaRPr b="0" lang="en-US" sz="4400" spc="-1" strike="noStrike">
+              <a:latin typeface="Arial"/>
             </a:endParaRPr>
           </a:p>
         </p:txBody>
@@ -630,8 +615,8 @@
         </p:nvSpPr>
         <p:spPr>
           <a:xfrm>
-            <a:off x="529560" y="1806480"/>
-            <a:ext cx="5435280" cy="2132640"/>
+            <a:off x="609480" y="1604520"/>
+            <a:ext cx="5354280" cy="1896840"/>
           </a:xfrm>
           <a:prstGeom prst="rect">
             <a:avLst/>
@@ -642,11 +627,8 @@
             <a:normAutofit/>
           </a:bodyPr>
           <a:p>
-            <a:endParaRPr b="0" lang="en-US" sz="2000" spc="-1" strike="noStrike">
-              <a:solidFill>
-                <a:srgbClr val="000000"/>
-              </a:solidFill>
-              <a:latin typeface="Imago"/>
+            <a:endParaRPr b="0" lang="en-US" sz="3200" spc="-1" strike="noStrike">
+              <a:latin typeface="Arial"/>
             </a:endParaRPr>
           </a:p>
         </p:txBody>
@@ -663,8 +645,8 @@
         </p:nvSpPr>
         <p:spPr>
           <a:xfrm>
-            <a:off x="6237000" y="1806480"/>
-            <a:ext cx="5435280" cy="2132640"/>
+            <a:off x="6231960" y="1604520"/>
+            <a:ext cx="5354280" cy="1896840"/>
           </a:xfrm>
           <a:prstGeom prst="rect">
             <a:avLst/>
@@ -675,11 +657,8 @@
             <a:normAutofit/>
           </a:bodyPr>
           <a:p>
-            <a:endParaRPr b="0" lang="en-US" sz="2000" spc="-1" strike="noStrike">
-              <a:solidFill>
-                <a:srgbClr val="000000"/>
-              </a:solidFill>
-              <a:latin typeface="Imago"/>
+            <a:endParaRPr b="0" lang="en-US" sz="3200" spc="-1" strike="noStrike">
+              <a:latin typeface="Arial"/>
             </a:endParaRPr>
           </a:p>
         </p:txBody>
@@ -696,8 +675,8 @@
         </p:nvSpPr>
         <p:spPr>
           <a:xfrm>
-            <a:off x="529560" y="4142160"/>
-            <a:ext cx="5435280" cy="2132640"/>
+            <a:off x="609480" y="3682080"/>
+            <a:ext cx="5354280" cy="1896840"/>
           </a:xfrm>
           <a:prstGeom prst="rect">
             <a:avLst/>
@@ -708,11 +687,8 @@
             <a:normAutofit/>
           </a:bodyPr>
           <a:p>
-            <a:endParaRPr b="0" lang="en-US" sz="2000" spc="-1" strike="noStrike">
-              <a:solidFill>
-                <a:srgbClr val="000000"/>
-              </a:solidFill>
-              <a:latin typeface="Imago"/>
+            <a:endParaRPr b="0" lang="en-US" sz="3200" spc="-1" strike="noStrike">
+              <a:latin typeface="Arial"/>
             </a:endParaRPr>
           </a:p>
         </p:txBody>
@@ -729,8 +705,8 @@
         </p:nvSpPr>
         <p:spPr>
           <a:xfrm>
-            <a:off x="6237000" y="4142160"/>
-            <a:ext cx="5435280" cy="2132640"/>
+            <a:off x="6231960" y="3682080"/>
+            <a:ext cx="5354280" cy="1896840"/>
           </a:xfrm>
           <a:prstGeom prst="rect">
             <a:avLst/>
@@ -741,11 +717,8 @@
             <a:normAutofit/>
           </a:bodyPr>
           <a:p>
-            <a:endParaRPr b="0" lang="en-US" sz="2000" spc="-1" strike="noStrike">
-              <a:solidFill>
-                <a:srgbClr val="000000"/>
-              </a:solidFill>
-              <a:latin typeface="Imago"/>
+            <a:endParaRPr b="0" lang="en-US" sz="3200" spc="-1" strike="noStrike">
+              <a:latin typeface="Arial"/>
             </a:endParaRPr>
           </a:p>
         </p:txBody>
@@ -784,8 +757,8 @@
         </p:nvSpPr>
         <p:spPr>
           <a:xfrm>
-            <a:off x="517680" y="452520"/>
-            <a:ext cx="9816840" cy="1309320"/>
+            <a:off x="609480" y="273600"/>
+            <a:ext cx="10972440" cy="1144800"/>
           </a:xfrm>
           <a:prstGeom prst="rect">
             <a:avLst/>
@@ -794,11 +767,9 @@
         <p:txBody>
           <a:bodyPr lIns="0" rIns="0" tIns="0" bIns="0" anchor="ctr"/>
           <a:p>
-            <a:endParaRPr b="0" lang="en-US" sz="2600" spc="-1" strike="noStrike">
-              <a:solidFill>
-                <a:srgbClr val="000000"/>
-              </a:solidFill>
-              <a:latin typeface="Imago"/>
+            <a:pPr algn="ctr"/>
+            <a:endParaRPr b="0" lang="en-US" sz="4400" spc="-1" strike="noStrike">
+              <a:latin typeface="Arial"/>
             </a:endParaRPr>
           </a:p>
         </p:txBody>
@@ -815,8 +786,8 @@
         </p:nvSpPr>
         <p:spPr>
           <a:xfrm>
-            <a:off x="529560" y="1806480"/>
-            <a:ext cx="3586320" cy="2132640"/>
+            <a:off x="609480" y="1604520"/>
+            <a:ext cx="3533040" cy="1896840"/>
           </a:xfrm>
           <a:prstGeom prst="rect">
             <a:avLst/>
@@ -827,11 +798,8 @@
             <a:normAutofit/>
           </a:bodyPr>
           <a:p>
-            <a:endParaRPr b="0" lang="en-US" sz="2000" spc="-1" strike="noStrike">
-              <a:solidFill>
-                <a:srgbClr val="000000"/>
-              </a:solidFill>
-              <a:latin typeface="Imago"/>
+            <a:endParaRPr b="0" lang="en-US" sz="3200" spc="-1" strike="noStrike">
+              <a:latin typeface="Arial"/>
             </a:endParaRPr>
           </a:p>
         </p:txBody>
@@ -848,8 +816,8 @@
         </p:nvSpPr>
         <p:spPr>
           <a:xfrm>
-            <a:off x="4295520" y="1806480"/>
-            <a:ext cx="3586320" cy="2132640"/>
+            <a:off x="4319640" y="1604520"/>
+            <a:ext cx="3533040" cy="1896840"/>
           </a:xfrm>
           <a:prstGeom prst="rect">
             <a:avLst/>
@@ -860,11 +828,8 @@
             <a:normAutofit/>
           </a:bodyPr>
           <a:p>
-            <a:endParaRPr b="0" lang="en-US" sz="2000" spc="-1" strike="noStrike">
-              <a:solidFill>
-                <a:srgbClr val="000000"/>
-              </a:solidFill>
-              <a:latin typeface="Imago"/>
+            <a:endParaRPr b="0" lang="en-US" sz="3200" spc="-1" strike="noStrike">
+              <a:latin typeface="Arial"/>
             </a:endParaRPr>
           </a:p>
         </p:txBody>
@@ -881,8 +846,8 @@
         </p:nvSpPr>
         <p:spPr>
           <a:xfrm>
-            <a:off x="8061480" y="1806480"/>
-            <a:ext cx="3586320" cy="2132640"/>
+            <a:off x="8029800" y="1604520"/>
+            <a:ext cx="3533040" cy="1896840"/>
           </a:xfrm>
           <a:prstGeom prst="rect">
             <a:avLst/>
@@ -893,11 +858,8 @@
             <a:normAutofit/>
           </a:bodyPr>
           <a:p>
-            <a:endParaRPr b="0" lang="en-US" sz="2000" spc="-1" strike="noStrike">
-              <a:solidFill>
-                <a:srgbClr val="000000"/>
-              </a:solidFill>
-              <a:latin typeface="Imago"/>
+            <a:endParaRPr b="0" lang="en-US" sz="3200" spc="-1" strike="noStrike">
+              <a:latin typeface="Arial"/>
             </a:endParaRPr>
           </a:p>
         </p:txBody>
@@ -914,8 +876,8 @@
         </p:nvSpPr>
         <p:spPr>
           <a:xfrm>
-            <a:off x="529560" y="4142160"/>
-            <a:ext cx="3586320" cy="2132640"/>
+            <a:off x="609480" y="3682080"/>
+            <a:ext cx="3533040" cy="1896840"/>
           </a:xfrm>
           <a:prstGeom prst="rect">
             <a:avLst/>
@@ -926,11 +888,8 @@
             <a:normAutofit/>
           </a:bodyPr>
           <a:p>
-            <a:endParaRPr b="0" lang="en-US" sz="2000" spc="-1" strike="noStrike">
-              <a:solidFill>
-                <a:srgbClr val="000000"/>
-              </a:solidFill>
-              <a:latin typeface="Imago"/>
+            <a:endParaRPr b="0" lang="en-US" sz="3200" spc="-1" strike="noStrike">
+              <a:latin typeface="Arial"/>
             </a:endParaRPr>
           </a:p>
         </p:txBody>
@@ -947,8 +906,8 @@
         </p:nvSpPr>
         <p:spPr>
           <a:xfrm>
-            <a:off x="4295520" y="4142160"/>
-            <a:ext cx="3586320" cy="2132640"/>
+            <a:off x="4319640" y="3682080"/>
+            <a:ext cx="3533040" cy="1896840"/>
           </a:xfrm>
           <a:prstGeom prst="rect">
             <a:avLst/>
@@ -959,11 +918,8 @@
             <a:normAutofit/>
           </a:bodyPr>
           <a:p>
-            <a:endParaRPr b="0" lang="en-US" sz="2000" spc="-1" strike="noStrike">
-              <a:solidFill>
-                <a:srgbClr val="000000"/>
-              </a:solidFill>
-              <a:latin typeface="Imago"/>
+            <a:endParaRPr b="0" lang="en-US" sz="3200" spc="-1" strike="noStrike">
+              <a:latin typeface="Arial"/>
             </a:endParaRPr>
           </a:p>
         </p:txBody>
@@ -980,8 +936,8 @@
         </p:nvSpPr>
         <p:spPr>
           <a:xfrm>
-            <a:off x="8061480" y="4142160"/>
-            <a:ext cx="3586320" cy="2132640"/>
+            <a:off x="8029800" y="3682080"/>
+            <a:ext cx="3533040" cy="1896840"/>
           </a:xfrm>
           <a:prstGeom prst="rect">
             <a:avLst/>
@@ -992,11 +948,8 @@
             <a:normAutofit/>
           </a:bodyPr>
           <a:p>
-            <a:endParaRPr b="0" lang="en-US" sz="2000" spc="-1" strike="noStrike">
-              <a:solidFill>
-                <a:srgbClr val="000000"/>
-              </a:solidFill>
-              <a:latin typeface="Imago"/>
+            <a:endParaRPr b="0" lang="en-US" sz="3200" spc="-1" strike="noStrike">
+              <a:latin typeface="Arial"/>
             </a:endParaRPr>
           </a:p>
         </p:txBody>
@@ -1047,7 +1000,7 @@
       </p:grpSpPr>
       <p:sp>
         <p:nvSpPr>
-          <p:cNvPr id="60" name="PlaceHolder 1"/>
+          <p:cNvPr id="58" name="PlaceHolder 1"/>
           <p:cNvSpPr>
             <a:spLocks noGrp="1"/>
           </p:cNvSpPr>
@@ -1057,8 +1010,8 @@
         </p:nvSpPr>
         <p:spPr>
           <a:xfrm>
-            <a:off x="517680" y="452520"/>
-            <a:ext cx="9816840" cy="1309320"/>
+            <a:off x="609480" y="273600"/>
+            <a:ext cx="10972440" cy="1144800"/>
           </a:xfrm>
           <a:prstGeom prst="rect">
             <a:avLst/>
@@ -1067,18 +1020,16 @@
         <p:txBody>
           <a:bodyPr lIns="0" rIns="0" tIns="0" bIns="0" anchor="ctr"/>
           <a:p>
-            <a:endParaRPr b="0" lang="en-US" sz="2600" spc="-1" strike="noStrike">
-              <a:solidFill>
-                <a:srgbClr val="000000"/>
-              </a:solidFill>
-              <a:latin typeface="Imago"/>
-            </a:endParaRPr>
-          </a:p>
-        </p:txBody>
-      </p:sp>
-      <p:sp>
-        <p:nvSpPr>
-          <p:cNvPr id="61" name="PlaceHolder 2"/>
+            <a:pPr algn="ctr"/>
+            <a:endParaRPr b="0" lang="en-US" sz="4400" spc="-1" strike="noStrike">
+              <a:latin typeface="Arial"/>
+            </a:endParaRPr>
+          </a:p>
+        </p:txBody>
+      </p:sp>
+      <p:sp>
+        <p:nvSpPr>
+          <p:cNvPr id="59" name="PlaceHolder 2"/>
           <p:cNvSpPr>
             <a:spLocks noGrp="1"/>
           </p:cNvSpPr>
@@ -1088,8 +1039,8 @@
         </p:nvSpPr>
         <p:spPr>
           <a:xfrm>
-            <a:off x="529560" y="1806480"/>
-            <a:ext cx="11138400" cy="4471560"/>
+            <a:off x="609480" y="1604520"/>
+            <a:ext cx="10972440" cy="3977280"/>
           </a:xfrm>
           <a:prstGeom prst="rect">
             <a:avLst/>
@@ -1129,7 +1080,7 @@
       </p:grpSpPr>
       <p:sp>
         <p:nvSpPr>
-          <p:cNvPr id="62" name="PlaceHolder 1"/>
+          <p:cNvPr id="60" name="PlaceHolder 1"/>
           <p:cNvSpPr>
             <a:spLocks noGrp="1"/>
           </p:cNvSpPr>
@@ -1139,8 +1090,8 @@
         </p:nvSpPr>
         <p:spPr>
           <a:xfrm>
-            <a:off x="517680" y="452520"/>
-            <a:ext cx="9816840" cy="1309320"/>
+            <a:off x="609480" y="273600"/>
+            <a:ext cx="10972440" cy="1144800"/>
           </a:xfrm>
           <a:prstGeom prst="rect">
             <a:avLst/>
@@ -1149,18 +1100,16 @@
         <p:txBody>
           <a:bodyPr lIns="0" rIns="0" tIns="0" bIns="0" anchor="ctr"/>
           <a:p>
-            <a:endParaRPr b="0" lang="en-US" sz="2600" spc="-1" strike="noStrike">
-              <a:solidFill>
-                <a:srgbClr val="000000"/>
-              </a:solidFill>
-              <a:latin typeface="Imago"/>
-            </a:endParaRPr>
-          </a:p>
-        </p:txBody>
-      </p:sp>
-      <p:sp>
-        <p:nvSpPr>
-          <p:cNvPr id="63" name="PlaceHolder 2"/>
+            <a:pPr algn="ctr"/>
+            <a:endParaRPr b="0" lang="en-US" sz="4400" spc="-1" strike="noStrike">
+              <a:latin typeface="Arial"/>
+            </a:endParaRPr>
+          </a:p>
+        </p:txBody>
+      </p:sp>
+      <p:sp>
+        <p:nvSpPr>
+          <p:cNvPr id="61" name="PlaceHolder 2"/>
           <p:cNvSpPr>
             <a:spLocks noGrp="1"/>
           </p:cNvSpPr>
@@ -1170,8 +1119,8 @@
         </p:nvSpPr>
         <p:spPr>
           <a:xfrm>
-            <a:off x="529560" y="1806480"/>
-            <a:ext cx="11138400" cy="4471560"/>
+            <a:off x="609480" y="1604520"/>
+            <a:ext cx="10972440" cy="3977280"/>
           </a:xfrm>
           <a:prstGeom prst="rect">
             <a:avLst/>
@@ -1182,11 +1131,8 @@
             <a:normAutofit/>
           </a:bodyPr>
           <a:p>
-            <a:endParaRPr b="0" lang="en-US" sz="2000" spc="-1" strike="noStrike">
-              <a:solidFill>
-                <a:srgbClr val="000000"/>
-              </a:solidFill>
-              <a:latin typeface="Imago"/>
+            <a:endParaRPr b="0" lang="en-US" sz="3200" spc="-1" strike="noStrike">
+              <a:latin typeface="Arial"/>
             </a:endParaRPr>
           </a:p>
         </p:txBody>
@@ -1215,7 +1161,7 @@
       </p:grpSpPr>
       <p:sp>
         <p:nvSpPr>
-          <p:cNvPr id="64" name="PlaceHolder 1"/>
+          <p:cNvPr id="62" name="PlaceHolder 1"/>
           <p:cNvSpPr>
             <a:spLocks noGrp="1"/>
           </p:cNvSpPr>
@@ -1225,8 +1171,8 @@
         </p:nvSpPr>
         <p:spPr>
           <a:xfrm>
-            <a:off x="517680" y="452520"/>
-            <a:ext cx="9816840" cy="1309320"/>
+            <a:off x="609480" y="273600"/>
+            <a:ext cx="10972440" cy="1144800"/>
           </a:xfrm>
           <a:prstGeom prst="rect">
             <a:avLst/>
@@ -1235,18 +1181,16 @@
         <p:txBody>
           <a:bodyPr lIns="0" rIns="0" tIns="0" bIns="0" anchor="ctr"/>
           <a:p>
-            <a:endParaRPr b="0" lang="en-US" sz="2600" spc="-1" strike="noStrike">
-              <a:solidFill>
-                <a:srgbClr val="000000"/>
-              </a:solidFill>
-              <a:latin typeface="Imago"/>
-            </a:endParaRPr>
-          </a:p>
-        </p:txBody>
-      </p:sp>
-      <p:sp>
-        <p:nvSpPr>
-          <p:cNvPr id="65" name="PlaceHolder 2"/>
+            <a:pPr algn="ctr"/>
+            <a:endParaRPr b="0" lang="en-US" sz="4400" spc="-1" strike="noStrike">
+              <a:latin typeface="Arial"/>
+            </a:endParaRPr>
+          </a:p>
+        </p:txBody>
+      </p:sp>
+      <p:sp>
+        <p:nvSpPr>
+          <p:cNvPr id="63" name="PlaceHolder 2"/>
           <p:cNvSpPr>
             <a:spLocks noGrp="1"/>
           </p:cNvSpPr>
@@ -1256,8 +1200,8 @@
         </p:nvSpPr>
         <p:spPr>
           <a:xfrm>
-            <a:off x="529560" y="1806480"/>
-            <a:ext cx="5435280" cy="4471560"/>
+            <a:off x="609480" y="1604520"/>
+            <a:ext cx="5354280" cy="3977280"/>
           </a:xfrm>
           <a:prstGeom prst="rect">
             <a:avLst/>
@@ -1268,18 +1212,15 @@
             <a:normAutofit/>
           </a:bodyPr>
           <a:p>
-            <a:endParaRPr b="0" lang="en-US" sz="2000" spc="-1" strike="noStrike">
-              <a:solidFill>
-                <a:srgbClr val="000000"/>
-              </a:solidFill>
-              <a:latin typeface="Imago"/>
-            </a:endParaRPr>
-          </a:p>
-        </p:txBody>
-      </p:sp>
-      <p:sp>
-        <p:nvSpPr>
-          <p:cNvPr id="66" name="PlaceHolder 3"/>
+            <a:endParaRPr b="0" lang="en-US" sz="3200" spc="-1" strike="noStrike">
+              <a:latin typeface="Arial"/>
+            </a:endParaRPr>
+          </a:p>
+        </p:txBody>
+      </p:sp>
+      <p:sp>
+        <p:nvSpPr>
+          <p:cNvPr id="64" name="PlaceHolder 3"/>
           <p:cNvSpPr>
             <a:spLocks noGrp="1"/>
           </p:cNvSpPr>
@@ -1289,8 +1230,8 @@
         </p:nvSpPr>
         <p:spPr>
           <a:xfrm>
-            <a:off x="6237000" y="1806480"/>
-            <a:ext cx="5435280" cy="4471560"/>
+            <a:off x="6231960" y="1604520"/>
+            <a:ext cx="5354280" cy="3977280"/>
           </a:xfrm>
           <a:prstGeom prst="rect">
             <a:avLst/>
@@ -1301,11 +1242,8 @@
             <a:normAutofit/>
           </a:bodyPr>
           <a:p>
-            <a:endParaRPr b="0" lang="en-US" sz="2000" spc="-1" strike="noStrike">
-              <a:solidFill>
-                <a:srgbClr val="000000"/>
-              </a:solidFill>
-              <a:latin typeface="Imago"/>
+            <a:endParaRPr b="0" lang="en-US" sz="3200" spc="-1" strike="noStrike">
+              <a:latin typeface="Arial"/>
             </a:endParaRPr>
           </a:p>
         </p:txBody>
@@ -1334,7 +1272,7 @@
       </p:grpSpPr>
       <p:sp>
         <p:nvSpPr>
-          <p:cNvPr id="67" name="PlaceHolder 1"/>
+          <p:cNvPr id="65" name="PlaceHolder 1"/>
           <p:cNvSpPr>
             <a:spLocks noGrp="1"/>
           </p:cNvSpPr>
@@ -1344,8 +1282,8 @@
         </p:nvSpPr>
         <p:spPr>
           <a:xfrm>
-            <a:off x="517680" y="452520"/>
-            <a:ext cx="9816840" cy="1309320"/>
+            <a:off x="609480" y="273600"/>
+            <a:ext cx="10972440" cy="1144800"/>
           </a:xfrm>
           <a:prstGeom prst="rect">
             <a:avLst/>
@@ -1354,11 +1292,9 @@
         <p:txBody>
           <a:bodyPr lIns="0" rIns="0" tIns="0" bIns="0" anchor="ctr"/>
           <a:p>
-            <a:endParaRPr b="0" lang="en-US" sz="2600" spc="-1" strike="noStrike">
-              <a:solidFill>
-                <a:srgbClr val="000000"/>
-              </a:solidFill>
-              <a:latin typeface="Imago"/>
+            <a:pPr algn="ctr"/>
+            <a:endParaRPr b="0" lang="en-US" sz="4400" spc="-1" strike="noStrike">
+              <a:latin typeface="Arial"/>
             </a:endParaRPr>
           </a:p>
         </p:txBody>
@@ -1387,7 +1323,7 @@
       </p:grpSpPr>
       <p:sp>
         <p:nvSpPr>
-          <p:cNvPr id="68" name="PlaceHolder 1"/>
+          <p:cNvPr id="66" name="PlaceHolder 1"/>
           <p:cNvSpPr>
             <a:spLocks noGrp="1"/>
           </p:cNvSpPr>
@@ -1397,8 +1333,8 @@
         </p:nvSpPr>
         <p:spPr>
           <a:xfrm>
-            <a:off x="517680" y="452520"/>
-            <a:ext cx="9816840" cy="6070680"/>
+            <a:off x="609480" y="273600"/>
+            <a:ext cx="10972440" cy="5307840"/>
           </a:xfrm>
           <a:prstGeom prst="rect">
             <a:avLst/>
@@ -1438,7 +1374,7 @@
       </p:grpSpPr>
       <p:sp>
         <p:nvSpPr>
-          <p:cNvPr id="69" name="PlaceHolder 1"/>
+          <p:cNvPr id="67" name="PlaceHolder 1"/>
           <p:cNvSpPr>
             <a:spLocks noGrp="1"/>
           </p:cNvSpPr>
@@ -1448,8 +1384,8 @@
         </p:nvSpPr>
         <p:spPr>
           <a:xfrm>
-            <a:off x="517680" y="452520"/>
-            <a:ext cx="9816840" cy="1309320"/>
+            <a:off x="609480" y="273600"/>
+            <a:ext cx="10972440" cy="1144800"/>
           </a:xfrm>
           <a:prstGeom prst="rect">
             <a:avLst/>
@@ -1458,18 +1394,16 @@
         <p:txBody>
           <a:bodyPr lIns="0" rIns="0" tIns="0" bIns="0" anchor="ctr"/>
           <a:p>
-            <a:endParaRPr b="0" lang="en-US" sz="2600" spc="-1" strike="noStrike">
-              <a:solidFill>
-                <a:srgbClr val="000000"/>
-              </a:solidFill>
-              <a:latin typeface="Imago"/>
-            </a:endParaRPr>
-          </a:p>
-        </p:txBody>
-      </p:sp>
-      <p:sp>
-        <p:nvSpPr>
-          <p:cNvPr id="70" name="PlaceHolder 2"/>
+            <a:pPr algn="ctr"/>
+            <a:endParaRPr b="0" lang="en-US" sz="4400" spc="-1" strike="noStrike">
+              <a:latin typeface="Arial"/>
+            </a:endParaRPr>
+          </a:p>
+        </p:txBody>
+      </p:sp>
+      <p:sp>
+        <p:nvSpPr>
+          <p:cNvPr id="68" name="PlaceHolder 2"/>
           <p:cNvSpPr>
             <a:spLocks noGrp="1"/>
           </p:cNvSpPr>
@@ -1479,8 +1413,8 @@
         </p:nvSpPr>
         <p:spPr>
           <a:xfrm>
-            <a:off x="529560" y="1806480"/>
-            <a:ext cx="5435280" cy="2132640"/>
+            <a:off x="609480" y="1604520"/>
+            <a:ext cx="5354280" cy="1896840"/>
           </a:xfrm>
           <a:prstGeom prst="rect">
             <a:avLst/>
@@ -1491,18 +1425,15 @@
             <a:normAutofit/>
           </a:bodyPr>
           <a:p>
-            <a:endParaRPr b="0" lang="en-US" sz="2000" spc="-1" strike="noStrike">
-              <a:solidFill>
-                <a:srgbClr val="000000"/>
-              </a:solidFill>
-              <a:latin typeface="Imago"/>
-            </a:endParaRPr>
-          </a:p>
-        </p:txBody>
-      </p:sp>
-      <p:sp>
-        <p:nvSpPr>
-          <p:cNvPr id="71" name="PlaceHolder 3"/>
+            <a:endParaRPr b="0" lang="en-US" sz="3200" spc="-1" strike="noStrike">
+              <a:latin typeface="Arial"/>
+            </a:endParaRPr>
+          </a:p>
+        </p:txBody>
+      </p:sp>
+      <p:sp>
+        <p:nvSpPr>
+          <p:cNvPr id="69" name="PlaceHolder 3"/>
           <p:cNvSpPr>
             <a:spLocks noGrp="1"/>
           </p:cNvSpPr>
@@ -1512,8 +1443,8 @@
         </p:nvSpPr>
         <p:spPr>
           <a:xfrm>
-            <a:off x="6237000" y="1806480"/>
-            <a:ext cx="5435280" cy="4471560"/>
+            <a:off x="6231960" y="1604520"/>
+            <a:ext cx="5354280" cy="3977280"/>
           </a:xfrm>
           <a:prstGeom prst="rect">
             <a:avLst/>
@@ -1524,18 +1455,15 @@
             <a:normAutofit/>
           </a:bodyPr>
           <a:p>
-            <a:endParaRPr b="0" lang="en-US" sz="2000" spc="-1" strike="noStrike">
-              <a:solidFill>
-                <a:srgbClr val="000000"/>
-              </a:solidFill>
-              <a:latin typeface="Imago"/>
-            </a:endParaRPr>
-          </a:p>
-        </p:txBody>
-      </p:sp>
-      <p:sp>
-        <p:nvSpPr>
-          <p:cNvPr id="72" name="PlaceHolder 4"/>
+            <a:endParaRPr b="0" lang="en-US" sz="3200" spc="-1" strike="noStrike">
+              <a:latin typeface="Arial"/>
+            </a:endParaRPr>
+          </a:p>
+        </p:txBody>
+      </p:sp>
+      <p:sp>
+        <p:nvSpPr>
+          <p:cNvPr id="70" name="PlaceHolder 4"/>
           <p:cNvSpPr>
             <a:spLocks noGrp="1"/>
           </p:cNvSpPr>
@@ -1545,8 +1473,8 @@
         </p:nvSpPr>
         <p:spPr>
           <a:xfrm>
-            <a:off x="529560" y="4142160"/>
-            <a:ext cx="5435280" cy="2132640"/>
+            <a:off x="609480" y="3682080"/>
+            <a:ext cx="5354280" cy="1896840"/>
           </a:xfrm>
           <a:prstGeom prst="rect">
             <a:avLst/>
@@ -1557,11 +1485,8 @@
             <a:normAutofit/>
           </a:bodyPr>
           <a:p>
-            <a:endParaRPr b="0" lang="en-US" sz="2000" spc="-1" strike="noStrike">
-              <a:solidFill>
-                <a:srgbClr val="000000"/>
-              </a:solidFill>
-              <a:latin typeface="Imago"/>
+            <a:endParaRPr b="0" lang="en-US" sz="3200" spc="-1" strike="noStrike">
+              <a:latin typeface="Arial"/>
             </a:endParaRPr>
           </a:p>
         </p:txBody>
@@ -1600,8 +1525,8 @@
         </p:nvSpPr>
         <p:spPr>
           <a:xfrm>
-            <a:off x="517680" y="452520"/>
-            <a:ext cx="9816840" cy="1309320"/>
+            <a:off x="609480" y="273600"/>
+            <a:ext cx="10972440" cy="1144800"/>
           </a:xfrm>
           <a:prstGeom prst="rect">
             <a:avLst/>
@@ -1610,11 +1535,9 @@
         <p:txBody>
           <a:bodyPr lIns="0" rIns="0" tIns="0" bIns="0" anchor="ctr"/>
           <a:p>
-            <a:endParaRPr b="0" lang="en-US" sz="2600" spc="-1" strike="noStrike">
-              <a:solidFill>
-                <a:srgbClr val="000000"/>
-              </a:solidFill>
-              <a:latin typeface="Imago"/>
+            <a:pPr algn="ctr"/>
+            <a:endParaRPr b="0" lang="en-US" sz="4400" spc="-1" strike="noStrike">
+              <a:latin typeface="Arial"/>
             </a:endParaRPr>
           </a:p>
         </p:txBody>
@@ -1631,8 +1554,8 @@
         </p:nvSpPr>
         <p:spPr>
           <a:xfrm>
-            <a:off x="529560" y="1806480"/>
-            <a:ext cx="11138400" cy="4471560"/>
+            <a:off x="609480" y="1604520"/>
+            <a:ext cx="10972440" cy="3977280"/>
           </a:xfrm>
           <a:prstGeom prst="rect">
             <a:avLst/>
@@ -1672,7 +1595,7 @@
       </p:grpSpPr>
       <p:sp>
         <p:nvSpPr>
-          <p:cNvPr id="73" name="PlaceHolder 1"/>
+          <p:cNvPr id="71" name="PlaceHolder 1"/>
           <p:cNvSpPr>
             <a:spLocks noGrp="1"/>
           </p:cNvSpPr>
@@ -1682,8 +1605,8 @@
         </p:nvSpPr>
         <p:spPr>
           <a:xfrm>
-            <a:off x="517680" y="452520"/>
-            <a:ext cx="9816840" cy="1309320"/>
+            <a:off x="609480" y="273600"/>
+            <a:ext cx="10972440" cy="1144800"/>
           </a:xfrm>
           <a:prstGeom prst="rect">
             <a:avLst/>
@@ -1692,18 +1615,16 @@
         <p:txBody>
           <a:bodyPr lIns="0" rIns="0" tIns="0" bIns="0" anchor="ctr"/>
           <a:p>
-            <a:endParaRPr b="0" lang="en-US" sz="2600" spc="-1" strike="noStrike">
-              <a:solidFill>
-                <a:srgbClr val="000000"/>
-              </a:solidFill>
-              <a:latin typeface="Imago"/>
-            </a:endParaRPr>
-          </a:p>
-        </p:txBody>
-      </p:sp>
-      <p:sp>
-        <p:nvSpPr>
-          <p:cNvPr id="74" name="PlaceHolder 2"/>
+            <a:pPr algn="ctr"/>
+            <a:endParaRPr b="0" lang="en-US" sz="4400" spc="-1" strike="noStrike">
+              <a:latin typeface="Arial"/>
+            </a:endParaRPr>
+          </a:p>
+        </p:txBody>
+      </p:sp>
+      <p:sp>
+        <p:nvSpPr>
+          <p:cNvPr id="72" name="PlaceHolder 2"/>
           <p:cNvSpPr>
             <a:spLocks noGrp="1"/>
           </p:cNvSpPr>
@@ -1713,8 +1634,8 @@
         </p:nvSpPr>
         <p:spPr>
           <a:xfrm>
-            <a:off x="529560" y="1806480"/>
-            <a:ext cx="5435280" cy="4471560"/>
+            <a:off x="609480" y="1604520"/>
+            <a:ext cx="5354280" cy="3977280"/>
           </a:xfrm>
           <a:prstGeom prst="rect">
             <a:avLst/>
@@ -1725,18 +1646,15 @@
             <a:normAutofit/>
           </a:bodyPr>
           <a:p>
-            <a:endParaRPr b="0" lang="en-US" sz="2000" spc="-1" strike="noStrike">
-              <a:solidFill>
-                <a:srgbClr val="000000"/>
-              </a:solidFill>
-              <a:latin typeface="Imago"/>
-            </a:endParaRPr>
-          </a:p>
-        </p:txBody>
-      </p:sp>
-      <p:sp>
-        <p:nvSpPr>
-          <p:cNvPr id="75" name="PlaceHolder 3"/>
+            <a:endParaRPr b="0" lang="en-US" sz="3200" spc="-1" strike="noStrike">
+              <a:latin typeface="Arial"/>
+            </a:endParaRPr>
+          </a:p>
+        </p:txBody>
+      </p:sp>
+      <p:sp>
+        <p:nvSpPr>
+          <p:cNvPr id="73" name="PlaceHolder 3"/>
           <p:cNvSpPr>
             <a:spLocks noGrp="1"/>
           </p:cNvSpPr>
@@ -1746,8 +1664,8 @@
         </p:nvSpPr>
         <p:spPr>
           <a:xfrm>
-            <a:off x="6237000" y="1806480"/>
-            <a:ext cx="5435280" cy="2132640"/>
+            <a:off x="6231960" y="1604520"/>
+            <a:ext cx="5354280" cy="1896840"/>
           </a:xfrm>
           <a:prstGeom prst="rect">
             <a:avLst/>
@@ -1758,18 +1676,15 @@
             <a:normAutofit/>
           </a:bodyPr>
           <a:p>
-            <a:endParaRPr b="0" lang="en-US" sz="2000" spc="-1" strike="noStrike">
-              <a:solidFill>
-                <a:srgbClr val="000000"/>
-              </a:solidFill>
-              <a:latin typeface="Imago"/>
-            </a:endParaRPr>
-          </a:p>
-        </p:txBody>
-      </p:sp>
-      <p:sp>
-        <p:nvSpPr>
-          <p:cNvPr id="76" name="PlaceHolder 4"/>
+            <a:endParaRPr b="0" lang="en-US" sz="3200" spc="-1" strike="noStrike">
+              <a:latin typeface="Arial"/>
+            </a:endParaRPr>
+          </a:p>
+        </p:txBody>
+      </p:sp>
+      <p:sp>
+        <p:nvSpPr>
+          <p:cNvPr id="74" name="PlaceHolder 4"/>
           <p:cNvSpPr>
             <a:spLocks noGrp="1"/>
           </p:cNvSpPr>
@@ -1779,8 +1694,8 @@
         </p:nvSpPr>
         <p:spPr>
           <a:xfrm>
-            <a:off x="6237000" y="4142160"/>
-            <a:ext cx="5435280" cy="2132640"/>
+            <a:off x="6231960" y="3682080"/>
+            <a:ext cx="5354280" cy="1896840"/>
           </a:xfrm>
           <a:prstGeom prst="rect">
             <a:avLst/>
@@ -1791,11 +1706,8 @@
             <a:normAutofit/>
           </a:bodyPr>
           <a:p>
-            <a:endParaRPr b="0" lang="en-US" sz="2000" spc="-1" strike="noStrike">
-              <a:solidFill>
-                <a:srgbClr val="000000"/>
-              </a:solidFill>
-              <a:latin typeface="Imago"/>
+            <a:endParaRPr b="0" lang="en-US" sz="3200" spc="-1" strike="noStrike">
+              <a:latin typeface="Arial"/>
             </a:endParaRPr>
           </a:p>
         </p:txBody>
@@ -1824,7 +1736,7 @@
       </p:grpSpPr>
       <p:sp>
         <p:nvSpPr>
-          <p:cNvPr id="77" name="PlaceHolder 1"/>
+          <p:cNvPr id="75" name="PlaceHolder 1"/>
           <p:cNvSpPr>
             <a:spLocks noGrp="1"/>
           </p:cNvSpPr>
@@ -1834,8 +1746,8 @@
         </p:nvSpPr>
         <p:spPr>
           <a:xfrm>
-            <a:off x="517680" y="452520"/>
-            <a:ext cx="9816840" cy="1309320"/>
+            <a:off x="609480" y="273600"/>
+            <a:ext cx="10972440" cy="1144800"/>
           </a:xfrm>
           <a:prstGeom prst="rect">
             <a:avLst/>
@@ -1844,18 +1756,16 @@
         <p:txBody>
           <a:bodyPr lIns="0" rIns="0" tIns="0" bIns="0" anchor="ctr"/>
           <a:p>
-            <a:endParaRPr b="0" lang="en-US" sz="2600" spc="-1" strike="noStrike">
-              <a:solidFill>
-                <a:srgbClr val="000000"/>
-              </a:solidFill>
-              <a:latin typeface="Imago"/>
-            </a:endParaRPr>
-          </a:p>
-        </p:txBody>
-      </p:sp>
-      <p:sp>
-        <p:nvSpPr>
-          <p:cNvPr id="78" name="PlaceHolder 2"/>
+            <a:pPr algn="ctr"/>
+            <a:endParaRPr b="0" lang="en-US" sz="4400" spc="-1" strike="noStrike">
+              <a:latin typeface="Arial"/>
+            </a:endParaRPr>
+          </a:p>
+        </p:txBody>
+      </p:sp>
+      <p:sp>
+        <p:nvSpPr>
+          <p:cNvPr id="76" name="PlaceHolder 2"/>
           <p:cNvSpPr>
             <a:spLocks noGrp="1"/>
           </p:cNvSpPr>
@@ -1865,8 +1775,8 @@
         </p:nvSpPr>
         <p:spPr>
           <a:xfrm>
-            <a:off x="529560" y="1806480"/>
-            <a:ext cx="5435280" cy="2132640"/>
+            <a:off x="609480" y="1604520"/>
+            <a:ext cx="5354280" cy="1896840"/>
           </a:xfrm>
           <a:prstGeom prst="rect">
             <a:avLst/>
@@ -1877,18 +1787,15 @@
             <a:normAutofit/>
           </a:bodyPr>
           <a:p>
-            <a:endParaRPr b="0" lang="en-US" sz="2000" spc="-1" strike="noStrike">
-              <a:solidFill>
-                <a:srgbClr val="000000"/>
-              </a:solidFill>
-              <a:latin typeface="Imago"/>
-            </a:endParaRPr>
-          </a:p>
-        </p:txBody>
-      </p:sp>
-      <p:sp>
-        <p:nvSpPr>
-          <p:cNvPr id="79" name="PlaceHolder 3"/>
+            <a:endParaRPr b="0" lang="en-US" sz="3200" spc="-1" strike="noStrike">
+              <a:latin typeface="Arial"/>
+            </a:endParaRPr>
+          </a:p>
+        </p:txBody>
+      </p:sp>
+      <p:sp>
+        <p:nvSpPr>
+          <p:cNvPr id="77" name="PlaceHolder 3"/>
           <p:cNvSpPr>
             <a:spLocks noGrp="1"/>
           </p:cNvSpPr>
@@ -1898,8 +1805,8 @@
         </p:nvSpPr>
         <p:spPr>
           <a:xfrm>
-            <a:off x="6237000" y="1806480"/>
-            <a:ext cx="5435280" cy="2132640"/>
+            <a:off x="6231960" y="1604520"/>
+            <a:ext cx="5354280" cy="1896840"/>
           </a:xfrm>
           <a:prstGeom prst="rect">
             <a:avLst/>
@@ -1910,18 +1817,15 @@
             <a:normAutofit/>
           </a:bodyPr>
           <a:p>
-            <a:endParaRPr b="0" lang="en-US" sz="2000" spc="-1" strike="noStrike">
-              <a:solidFill>
-                <a:srgbClr val="000000"/>
-              </a:solidFill>
-              <a:latin typeface="Imago"/>
-            </a:endParaRPr>
-          </a:p>
-        </p:txBody>
-      </p:sp>
-      <p:sp>
-        <p:nvSpPr>
-          <p:cNvPr id="80" name="PlaceHolder 4"/>
+            <a:endParaRPr b="0" lang="en-US" sz="3200" spc="-1" strike="noStrike">
+              <a:latin typeface="Arial"/>
+            </a:endParaRPr>
+          </a:p>
+        </p:txBody>
+      </p:sp>
+      <p:sp>
+        <p:nvSpPr>
+          <p:cNvPr id="78" name="PlaceHolder 4"/>
           <p:cNvSpPr>
             <a:spLocks noGrp="1"/>
           </p:cNvSpPr>
@@ -1931,8 +1835,8 @@
         </p:nvSpPr>
         <p:spPr>
           <a:xfrm>
-            <a:off x="529560" y="4142160"/>
-            <a:ext cx="11138400" cy="2132640"/>
+            <a:off x="609480" y="3682080"/>
+            <a:ext cx="10972440" cy="1896840"/>
           </a:xfrm>
           <a:prstGeom prst="rect">
             <a:avLst/>
@@ -1943,11 +1847,8 @@
             <a:normAutofit/>
           </a:bodyPr>
           <a:p>
-            <a:endParaRPr b="0" lang="en-US" sz="2000" spc="-1" strike="noStrike">
-              <a:solidFill>
-                <a:srgbClr val="000000"/>
-              </a:solidFill>
-              <a:latin typeface="Imago"/>
+            <a:endParaRPr b="0" lang="en-US" sz="3200" spc="-1" strike="noStrike">
+              <a:latin typeface="Arial"/>
             </a:endParaRPr>
           </a:p>
         </p:txBody>
@@ -1976,7 +1877,7 @@
       </p:grpSpPr>
       <p:sp>
         <p:nvSpPr>
-          <p:cNvPr id="81" name="PlaceHolder 1"/>
+          <p:cNvPr id="79" name="PlaceHolder 1"/>
           <p:cNvSpPr>
             <a:spLocks noGrp="1"/>
           </p:cNvSpPr>
@@ -1986,8 +1887,8 @@
         </p:nvSpPr>
         <p:spPr>
           <a:xfrm>
-            <a:off x="517680" y="452520"/>
-            <a:ext cx="9816840" cy="1309320"/>
+            <a:off x="609480" y="273600"/>
+            <a:ext cx="10972440" cy="1144800"/>
           </a:xfrm>
           <a:prstGeom prst="rect">
             <a:avLst/>
@@ -1996,18 +1897,16 @@
         <p:txBody>
           <a:bodyPr lIns="0" rIns="0" tIns="0" bIns="0" anchor="ctr"/>
           <a:p>
-            <a:endParaRPr b="0" lang="en-US" sz="2600" spc="-1" strike="noStrike">
-              <a:solidFill>
-                <a:srgbClr val="000000"/>
-              </a:solidFill>
-              <a:latin typeface="Imago"/>
-            </a:endParaRPr>
-          </a:p>
-        </p:txBody>
-      </p:sp>
-      <p:sp>
-        <p:nvSpPr>
-          <p:cNvPr id="82" name="PlaceHolder 2"/>
+            <a:pPr algn="ctr"/>
+            <a:endParaRPr b="0" lang="en-US" sz="4400" spc="-1" strike="noStrike">
+              <a:latin typeface="Arial"/>
+            </a:endParaRPr>
+          </a:p>
+        </p:txBody>
+      </p:sp>
+      <p:sp>
+        <p:nvSpPr>
+          <p:cNvPr id="80" name="PlaceHolder 2"/>
           <p:cNvSpPr>
             <a:spLocks noGrp="1"/>
           </p:cNvSpPr>
@@ -2017,8 +1916,8 @@
         </p:nvSpPr>
         <p:spPr>
           <a:xfrm>
-            <a:off x="529560" y="1806480"/>
-            <a:ext cx="11138400" cy="2132640"/>
+            <a:off x="609480" y="1604520"/>
+            <a:ext cx="10972440" cy="1896840"/>
           </a:xfrm>
           <a:prstGeom prst="rect">
             <a:avLst/>
@@ -2029,18 +1928,15 @@
             <a:normAutofit/>
           </a:bodyPr>
           <a:p>
-            <a:endParaRPr b="0" lang="en-US" sz="2000" spc="-1" strike="noStrike">
-              <a:solidFill>
-                <a:srgbClr val="000000"/>
-              </a:solidFill>
-              <a:latin typeface="Imago"/>
-            </a:endParaRPr>
-          </a:p>
-        </p:txBody>
-      </p:sp>
-      <p:sp>
-        <p:nvSpPr>
-          <p:cNvPr id="83" name="PlaceHolder 3"/>
+            <a:endParaRPr b="0" lang="en-US" sz="3200" spc="-1" strike="noStrike">
+              <a:latin typeface="Arial"/>
+            </a:endParaRPr>
+          </a:p>
+        </p:txBody>
+      </p:sp>
+      <p:sp>
+        <p:nvSpPr>
+          <p:cNvPr id="81" name="PlaceHolder 3"/>
           <p:cNvSpPr>
             <a:spLocks noGrp="1"/>
           </p:cNvSpPr>
@@ -2050,8 +1946,8 @@
         </p:nvSpPr>
         <p:spPr>
           <a:xfrm>
-            <a:off x="529560" y="4142160"/>
-            <a:ext cx="11138400" cy="2132640"/>
+            <a:off x="609480" y="3682080"/>
+            <a:ext cx="10972440" cy="1896840"/>
           </a:xfrm>
           <a:prstGeom prst="rect">
             <a:avLst/>
@@ -2062,11 +1958,8 @@
             <a:normAutofit/>
           </a:bodyPr>
           <a:p>
-            <a:endParaRPr b="0" lang="en-US" sz="2000" spc="-1" strike="noStrike">
-              <a:solidFill>
-                <a:srgbClr val="000000"/>
-              </a:solidFill>
-              <a:latin typeface="Imago"/>
+            <a:endParaRPr b="0" lang="en-US" sz="3200" spc="-1" strike="noStrike">
+              <a:latin typeface="Arial"/>
             </a:endParaRPr>
           </a:p>
         </p:txBody>
@@ -2095,7 +1988,7 @@
       </p:grpSpPr>
       <p:sp>
         <p:nvSpPr>
-          <p:cNvPr id="84" name="PlaceHolder 1"/>
+          <p:cNvPr id="82" name="PlaceHolder 1"/>
           <p:cNvSpPr>
             <a:spLocks noGrp="1"/>
           </p:cNvSpPr>
@@ -2105,8 +1998,8 @@
         </p:nvSpPr>
         <p:spPr>
           <a:xfrm>
-            <a:off x="517680" y="452520"/>
-            <a:ext cx="9816840" cy="1309320"/>
+            <a:off x="609480" y="273600"/>
+            <a:ext cx="10972440" cy="1144800"/>
           </a:xfrm>
           <a:prstGeom prst="rect">
             <a:avLst/>
@@ -2115,18 +2008,16 @@
         <p:txBody>
           <a:bodyPr lIns="0" rIns="0" tIns="0" bIns="0" anchor="ctr"/>
           <a:p>
-            <a:endParaRPr b="0" lang="en-US" sz="2600" spc="-1" strike="noStrike">
-              <a:solidFill>
-                <a:srgbClr val="000000"/>
-              </a:solidFill>
-              <a:latin typeface="Imago"/>
-            </a:endParaRPr>
-          </a:p>
-        </p:txBody>
-      </p:sp>
-      <p:sp>
-        <p:nvSpPr>
-          <p:cNvPr id="85" name="PlaceHolder 2"/>
+            <a:pPr algn="ctr"/>
+            <a:endParaRPr b="0" lang="en-US" sz="4400" spc="-1" strike="noStrike">
+              <a:latin typeface="Arial"/>
+            </a:endParaRPr>
+          </a:p>
+        </p:txBody>
+      </p:sp>
+      <p:sp>
+        <p:nvSpPr>
+          <p:cNvPr id="83" name="PlaceHolder 2"/>
           <p:cNvSpPr>
             <a:spLocks noGrp="1"/>
           </p:cNvSpPr>
@@ -2136,8 +2027,8 @@
         </p:nvSpPr>
         <p:spPr>
           <a:xfrm>
-            <a:off x="529560" y="1806480"/>
-            <a:ext cx="5435280" cy="2132640"/>
+            <a:off x="609480" y="1604520"/>
+            <a:ext cx="5354280" cy="1896840"/>
           </a:xfrm>
           <a:prstGeom prst="rect">
             <a:avLst/>
@@ -2148,18 +2039,15 @@
             <a:normAutofit/>
           </a:bodyPr>
           <a:p>
-            <a:endParaRPr b="0" lang="en-US" sz="2000" spc="-1" strike="noStrike">
-              <a:solidFill>
-                <a:srgbClr val="000000"/>
-              </a:solidFill>
-              <a:latin typeface="Imago"/>
-            </a:endParaRPr>
-          </a:p>
-        </p:txBody>
-      </p:sp>
-      <p:sp>
-        <p:nvSpPr>
-          <p:cNvPr id="86" name="PlaceHolder 3"/>
+            <a:endParaRPr b="0" lang="en-US" sz="3200" spc="-1" strike="noStrike">
+              <a:latin typeface="Arial"/>
+            </a:endParaRPr>
+          </a:p>
+        </p:txBody>
+      </p:sp>
+      <p:sp>
+        <p:nvSpPr>
+          <p:cNvPr id="84" name="PlaceHolder 3"/>
           <p:cNvSpPr>
             <a:spLocks noGrp="1"/>
           </p:cNvSpPr>
@@ -2169,8 +2057,8 @@
         </p:nvSpPr>
         <p:spPr>
           <a:xfrm>
-            <a:off x="6237000" y="1806480"/>
-            <a:ext cx="5435280" cy="2132640"/>
+            <a:off x="6231960" y="1604520"/>
+            <a:ext cx="5354280" cy="1896840"/>
           </a:xfrm>
           <a:prstGeom prst="rect">
             <a:avLst/>
@@ -2181,18 +2069,15 @@
             <a:normAutofit/>
           </a:bodyPr>
           <a:p>
-            <a:endParaRPr b="0" lang="en-US" sz="2000" spc="-1" strike="noStrike">
-              <a:solidFill>
-                <a:srgbClr val="000000"/>
-              </a:solidFill>
-              <a:latin typeface="Imago"/>
-            </a:endParaRPr>
-          </a:p>
-        </p:txBody>
-      </p:sp>
-      <p:sp>
-        <p:nvSpPr>
-          <p:cNvPr id="87" name="PlaceHolder 4"/>
+            <a:endParaRPr b="0" lang="en-US" sz="3200" spc="-1" strike="noStrike">
+              <a:latin typeface="Arial"/>
+            </a:endParaRPr>
+          </a:p>
+        </p:txBody>
+      </p:sp>
+      <p:sp>
+        <p:nvSpPr>
+          <p:cNvPr id="85" name="PlaceHolder 4"/>
           <p:cNvSpPr>
             <a:spLocks noGrp="1"/>
           </p:cNvSpPr>
@@ -2202,8 +2087,8 @@
         </p:nvSpPr>
         <p:spPr>
           <a:xfrm>
-            <a:off x="529560" y="4142160"/>
-            <a:ext cx="5435280" cy="2132640"/>
+            <a:off x="609480" y="3682080"/>
+            <a:ext cx="5354280" cy="1896840"/>
           </a:xfrm>
           <a:prstGeom prst="rect">
             <a:avLst/>
@@ -2214,18 +2099,15 @@
             <a:normAutofit/>
           </a:bodyPr>
           <a:p>
-            <a:endParaRPr b="0" lang="en-US" sz="2000" spc="-1" strike="noStrike">
-              <a:solidFill>
-                <a:srgbClr val="000000"/>
-              </a:solidFill>
-              <a:latin typeface="Imago"/>
-            </a:endParaRPr>
-          </a:p>
-        </p:txBody>
-      </p:sp>
-      <p:sp>
-        <p:nvSpPr>
-          <p:cNvPr id="88" name="PlaceHolder 5"/>
+            <a:endParaRPr b="0" lang="en-US" sz="3200" spc="-1" strike="noStrike">
+              <a:latin typeface="Arial"/>
+            </a:endParaRPr>
+          </a:p>
+        </p:txBody>
+      </p:sp>
+      <p:sp>
+        <p:nvSpPr>
+          <p:cNvPr id="86" name="PlaceHolder 5"/>
           <p:cNvSpPr>
             <a:spLocks noGrp="1"/>
           </p:cNvSpPr>
@@ -2235,8 +2117,8 @@
         </p:nvSpPr>
         <p:spPr>
           <a:xfrm>
-            <a:off x="6237000" y="4142160"/>
-            <a:ext cx="5435280" cy="2132640"/>
+            <a:off x="6231960" y="3682080"/>
+            <a:ext cx="5354280" cy="1896840"/>
           </a:xfrm>
           <a:prstGeom prst="rect">
             <a:avLst/>
@@ -2247,11 +2129,8 @@
             <a:normAutofit/>
           </a:bodyPr>
           <a:p>
-            <a:endParaRPr b="0" lang="en-US" sz="2000" spc="-1" strike="noStrike">
-              <a:solidFill>
-                <a:srgbClr val="000000"/>
-              </a:solidFill>
-              <a:latin typeface="Imago"/>
+            <a:endParaRPr b="0" lang="en-US" sz="3200" spc="-1" strike="noStrike">
+              <a:latin typeface="Arial"/>
             </a:endParaRPr>
           </a:p>
         </p:txBody>
@@ -2280,7 +2159,7 @@
       </p:grpSpPr>
       <p:sp>
         <p:nvSpPr>
-          <p:cNvPr id="89" name="PlaceHolder 1"/>
+          <p:cNvPr id="87" name="PlaceHolder 1"/>
           <p:cNvSpPr>
             <a:spLocks noGrp="1"/>
           </p:cNvSpPr>
@@ -2290,8 +2169,8 @@
         </p:nvSpPr>
         <p:spPr>
           <a:xfrm>
-            <a:off x="517680" y="452520"/>
-            <a:ext cx="9816840" cy="1309320"/>
+            <a:off x="609480" y="273600"/>
+            <a:ext cx="10972440" cy="1144800"/>
           </a:xfrm>
           <a:prstGeom prst="rect">
             <a:avLst/>
@@ -2300,18 +2179,16 @@
         <p:txBody>
           <a:bodyPr lIns="0" rIns="0" tIns="0" bIns="0" anchor="ctr"/>
           <a:p>
-            <a:endParaRPr b="0" lang="en-US" sz="2600" spc="-1" strike="noStrike">
-              <a:solidFill>
-                <a:srgbClr val="000000"/>
-              </a:solidFill>
-              <a:latin typeface="Imago"/>
-            </a:endParaRPr>
-          </a:p>
-        </p:txBody>
-      </p:sp>
-      <p:sp>
-        <p:nvSpPr>
-          <p:cNvPr id="90" name="PlaceHolder 2"/>
+            <a:pPr algn="ctr"/>
+            <a:endParaRPr b="0" lang="en-US" sz="4400" spc="-1" strike="noStrike">
+              <a:latin typeface="Arial"/>
+            </a:endParaRPr>
+          </a:p>
+        </p:txBody>
+      </p:sp>
+      <p:sp>
+        <p:nvSpPr>
+          <p:cNvPr id="88" name="PlaceHolder 2"/>
           <p:cNvSpPr>
             <a:spLocks noGrp="1"/>
           </p:cNvSpPr>
@@ -2321,8 +2198,8 @@
         </p:nvSpPr>
         <p:spPr>
           <a:xfrm>
-            <a:off x="529560" y="1806480"/>
-            <a:ext cx="3586320" cy="2132640"/>
+            <a:off x="609480" y="1604520"/>
+            <a:ext cx="3533040" cy="1896840"/>
           </a:xfrm>
           <a:prstGeom prst="rect">
             <a:avLst/>
@@ -2333,18 +2210,15 @@
             <a:normAutofit/>
           </a:bodyPr>
           <a:p>
-            <a:endParaRPr b="0" lang="en-US" sz="2000" spc="-1" strike="noStrike">
-              <a:solidFill>
-                <a:srgbClr val="000000"/>
-              </a:solidFill>
-              <a:latin typeface="Imago"/>
-            </a:endParaRPr>
-          </a:p>
-        </p:txBody>
-      </p:sp>
-      <p:sp>
-        <p:nvSpPr>
-          <p:cNvPr id="91" name="PlaceHolder 3"/>
+            <a:endParaRPr b="0" lang="en-US" sz="3200" spc="-1" strike="noStrike">
+              <a:latin typeface="Arial"/>
+            </a:endParaRPr>
+          </a:p>
+        </p:txBody>
+      </p:sp>
+      <p:sp>
+        <p:nvSpPr>
+          <p:cNvPr id="89" name="PlaceHolder 3"/>
           <p:cNvSpPr>
             <a:spLocks noGrp="1"/>
           </p:cNvSpPr>
@@ -2354,8 +2228,8 @@
         </p:nvSpPr>
         <p:spPr>
           <a:xfrm>
-            <a:off x="4295520" y="1806480"/>
-            <a:ext cx="3586320" cy="2132640"/>
+            <a:off x="4319640" y="1604520"/>
+            <a:ext cx="3533040" cy="1896840"/>
           </a:xfrm>
           <a:prstGeom prst="rect">
             <a:avLst/>
@@ -2366,18 +2240,15 @@
             <a:normAutofit/>
           </a:bodyPr>
           <a:p>
-            <a:endParaRPr b="0" lang="en-US" sz="2000" spc="-1" strike="noStrike">
-              <a:solidFill>
-                <a:srgbClr val="000000"/>
-              </a:solidFill>
-              <a:latin typeface="Imago"/>
-            </a:endParaRPr>
-          </a:p>
-        </p:txBody>
-      </p:sp>
-      <p:sp>
-        <p:nvSpPr>
-          <p:cNvPr id="92" name="PlaceHolder 4"/>
+            <a:endParaRPr b="0" lang="en-US" sz="3200" spc="-1" strike="noStrike">
+              <a:latin typeface="Arial"/>
+            </a:endParaRPr>
+          </a:p>
+        </p:txBody>
+      </p:sp>
+      <p:sp>
+        <p:nvSpPr>
+          <p:cNvPr id="90" name="PlaceHolder 4"/>
           <p:cNvSpPr>
             <a:spLocks noGrp="1"/>
           </p:cNvSpPr>
@@ -2387,8 +2258,8 @@
         </p:nvSpPr>
         <p:spPr>
           <a:xfrm>
-            <a:off x="8061480" y="1806480"/>
-            <a:ext cx="3586320" cy="2132640"/>
+            <a:off x="8029800" y="1604520"/>
+            <a:ext cx="3533040" cy="1896840"/>
           </a:xfrm>
           <a:prstGeom prst="rect">
             <a:avLst/>
@@ -2399,18 +2270,15 @@
             <a:normAutofit/>
           </a:bodyPr>
           <a:p>
-            <a:endParaRPr b="0" lang="en-US" sz="2000" spc="-1" strike="noStrike">
-              <a:solidFill>
-                <a:srgbClr val="000000"/>
-              </a:solidFill>
-              <a:latin typeface="Imago"/>
-            </a:endParaRPr>
-          </a:p>
-        </p:txBody>
-      </p:sp>
-      <p:sp>
-        <p:nvSpPr>
-          <p:cNvPr id="93" name="PlaceHolder 5"/>
+            <a:endParaRPr b="0" lang="en-US" sz="3200" spc="-1" strike="noStrike">
+              <a:latin typeface="Arial"/>
+            </a:endParaRPr>
+          </a:p>
+        </p:txBody>
+      </p:sp>
+      <p:sp>
+        <p:nvSpPr>
+          <p:cNvPr id="91" name="PlaceHolder 5"/>
           <p:cNvSpPr>
             <a:spLocks noGrp="1"/>
           </p:cNvSpPr>
@@ -2420,8 +2288,8 @@
         </p:nvSpPr>
         <p:spPr>
           <a:xfrm>
-            <a:off x="529560" y="4142160"/>
-            <a:ext cx="3586320" cy="2132640"/>
+            <a:off x="609480" y="3682080"/>
+            <a:ext cx="3533040" cy="1896840"/>
           </a:xfrm>
           <a:prstGeom prst="rect">
             <a:avLst/>
@@ -2432,18 +2300,15 @@
             <a:normAutofit/>
           </a:bodyPr>
           <a:p>
-            <a:endParaRPr b="0" lang="en-US" sz="2000" spc="-1" strike="noStrike">
-              <a:solidFill>
-                <a:srgbClr val="000000"/>
-              </a:solidFill>
-              <a:latin typeface="Imago"/>
-            </a:endParaRPr>
-          </a:p>
-        </p:txBody>
-      </p:sp>
-      <p:sp>
-        <p:nvSpPr>
-          <p:cNvPr id="94" name="PlaceHolder 6"/>
+            <a:endParaRPr b="0" lang="en-US" sz="3200" spc="-1" strike="noStrike">
+              <a:latin typeface="Arial"/>
+            </a:endParaRPr>
+          </a:p>
+        </p:txBody>
+      </p:sp>
+      <p:sp>
+        <p:nvSpPr>
+          <p:cNvPr id="92" name="PlaceHolder 6"/>
           <p:cNvSpPr>
             <a:spLocks noGrp="1"/>
           </p:cNvSpPr>
@@ -2453,8 +2318,8 @@
         </p:nvSpPr>
         <p:spPr>
           <a:xfrm>
-            <a:off x="4295520" y="4142160"/>
-            <a:ext cx="3586320" cy="2132640"/>
+            <a:off x="4319640" y="3682080"/>
+            <a:ext cx="3533040" cy="1896840"/>
           </a:xfrm>
           <a:prstGeom prst="rect">
             <a:avLst/>
@@ -2465,18 +2330,15 @@
             <a:normAutofit/>
           </a:bodyPr>
           <a:p>
-            <a:endParaRPr b="0" lang="en-US" sz="2000" spc="-1" strike="noStrike">
-              <a:solidFill>
-                <a:srgbClr val="000000"/>
-              </a:solidFill>
-              <a:latin typeface="Imago"/>
-            </a:endParaRPr>
-          </a:p>
-        </p:txBody>
-      </p:sp>
-      <p:sp>
-        <p:nvSpPr>
-          <p:cNvPr id="95" name="PlaceHolder 7"/>
+            <a:endParaRPr b="0" lang="en-US" sz="3200" spc="-1" strike="noStrike">
+              <a:latin typeface="Arial"/>
+            </a:endParaRPr>
+          </a:p>
+        </p:txBody>
+      </p:sp>
+      <p:sp>
+        <p:nvSpPr>
+          <p:cNvPr id="93" name="PlaceHolder 7"/>
           <p:cNvSpPr>
             <a:spLocks noGrp="1"/>
           </p:cNvSpPr>
@@ -2486,8 +2348,8 @@
         </p:nvSpPr>
         <p:spPr>
           <a:xfrm>
-            <a:off x="8061480" y="4142160"/>
-            <a:ext cx="3586320" cy="2132640"/>
+            <a:off x="8029800" y="3682080"/>
+            <a:ext cx="3533040" cy="1896840"/>
           </a:xfrm>
           <a:prstGeom prst="rect">
             <a:avLst/>
@@ -2498,11 +2360,8 @@
             <a:normAutofit/>
           </a:bodyPr>
           <a:p>
-            <a:endParaRPr b="0" lang="en-US" sz="2000" spc="-1" strike="noStrike">
-              <a:solidFill>
-                <a:srgbClr val="000000"/>
-              </a:solidFill>
-              <a:latin typeface="Imago"/>
+            <a:endParaRPr b="0" lang="en-US" sz="3200" spc="-1" strike="noStrike">
+              <a:latin typeface="Arial"/>
             </a:endParaRPr>
           </a:p>
         </p:txBody>
@@ -2541,8 +2400,8 @@
         </p:nvSpPr>
         <p:spPr>
           <a:xfrm>
-            <a:off x="517680" y="452520"/>
-            <a:ext cx="9816840" cy="1309320"/>
+            <a:off x="609480" y="273600"/>
+            <a:ext cx="10972440" cy="1144800"/>
           </a:xfrm>
           <a:prstGeom prst="rect">
             <a:avLst/>
@@ -2551,11 +2410,9 @@
         <p:txBody>
           <a:bodyPr lIns="0" rIns="0" tIns="0" bIns="0" anchor="ctr"/>
           <a:p>
-            <a:endParaRPr b="0" lang="en-US" sz="2600" spc="-1" strike="noStrike">
-              <a:solidFill>
-                <a:srgbClr val="000000"/>
-              </a:solidFill>
-              <a:latin typeface="Imago"/>
+            <a:pPr algn="ctr"/>
+            <a:endParaRPr b="0" lang="en-US" sz="4400" spc="-1" strike="noStrike">
+              <a:latin typeface="Arial"/>
             </a:endParaRPr>
           </a:p>
         </p:txBody>
@@ -2572,8 +2429,8 @@
         </p:nvSpPr>
         <p:spPr>
           <a:xfrm>
-            <a:off x="529560" y="1806480"/>
-            <a:ext cx="11138400" cy="4471560"/>
+            <a:off x="609480" y="1604520"/>
+            <a:ext cx="10972440" cy="3977280"/>
           </a:xfrm>
           <a:prstGeom prst="rect">
             <a:avLst/>
@@ -2584,11 +2441,8 @@
             <a:normAutofit/>
           </a:bodyPr>
           <a:p>
-            <a:endParaRPr b="0" lang="en-US" sz="2000" spc="-1" strike="noStrike">
-              <a:solidFill>
-                <a:srgbClr val="000000"/>
-              </a:solidFill>
-              <a:latin typeface="Imago"/>
+            <a:endParaRPr b="0" lang="en-US" sz="3200" spc="-1" strike="noStrike">
+              <a:latin typeface="Arial"/>
             </a:endParaRPr>
           </a:p>
         </p:txBody>
@@ -2627,8 +2481,8 @@
         </p:nvSpPr>
         <p:spPr>
           <a:xfrm>
-            <a:off x="517680" y="452520"/>
-            <a:ext cx="9816840" cy="1309320"/>
+            <a:off x="609480" y="273600"/>
+            <a:ext cx="10972440" cy="1144800"/>
           </a:xfrm>
           <a:prstGeom prst="rect">
             <a:avLst/>
@@ -2637,11 +2491,9 @@
         <p:txBody>
           <a:bodyPr lIns="0" rIns="0" tIns="0" bIns="0" anchor="ctr"/>
           <a:p>
-            <a:endParaRPr b="0" lang="en-US" sz="2600" spc="-1" strike="noStrike">
-              <a:solidFill>
-                <a:srgbClr val="000000"/>
-              </a:solidFill>
-              <a:latin typeface="Imago"/>
+            <a:pPr algn="ctr"/>
+            <a:endParaRPr b="0" lang="en-US" sz="4400" spc="-1" strike="noStrike">
+              <a:latin typeface="Arial"/>
             </a:endParaRPr>
           </a:p>
         </p:txBody>
@@ -2658,8 +2510,8 @@
         </p:nvSpPr>
         <p:spPr>
           <a:xfrm>
-            <a:off x="529560" y="1806480"/>
-            <a:ext cx="5435280" cy="4471560"/>
+            <a:off x="609480" y="1604520"/>
+            <a:ext cx="5354280" cy="3977280"/>
           </a:xfrm>
           <a:prstGeom prst="rect">
             <a:avLst/>
@@ -2670,11 +2522,8 @@
             <a:normAutofit/>
           </a:bodyPr>
           <a:p>
-            <a:endParaRPr b="0" lang="en-US" sz="2000" spc="-1" strike="noStrike">
-              <a:solidFill>
-                <a:srgbClr val="000000"/>
-              </a:solidFill>
-              <a:latin typeface="Imago"/>
+            <a:endParaRPr b="0" lang="en-US" sz="3200" spc="-1" strike="noStrike">
+              <a:latin typeface="Arial"/>
             </a:endParaRPr>
           </a:p>
         </p:txBody>
@@ -2691,8 +2540,8 @@
         </p:nvSpPr>
         <p:spPr>
           <a:xfrm>
-            <a:off x="6237000" y="1806480"/>
-            <a:ext cx="5435280" cy="4471560"/>
+            <a:off x="6231960" y="1604520"/>
+            <a:ext cx="5354280" cy="3977280"/>
           </a:xfrm>
           <a:prstGeom prst="rect">
             <a:avLst/>
@@ -2703,11 +2552,8 @@
             <a:normAutofit/>
           </a:bodyPr>
           <a:p>
-            <a:endParaRPr b="0" lang="en-US" sz="2000" spc="-1" strike="noStrike">
-              <a:solidFill>
-                <a:srgbClr val="000000"/>
-              </a:solidFill>
-              <a:latin typeface="Imago"/>
+            <a:endParaRPr b="0" lang="en-US" sz="3200" spc="-1" strike="noStrike">
+              <a:latin typeface="Arial"/>
             </a:endParaRPr>
           </a:p>
         </p:txBody>
@@ -2746,8 +2592,8 @@
         </p:nvSpPr>
         <p:spPr>
           <a:xfrm>
-            <a:off x="517680" y="452520"/>
-            <a:ext cx="9816840" cy="1309320"/>
+            <a:off x="609480" y="273600"/>
+            <a:ext cx="10972440" cy="1144800"/>
           </a:xfrm>
           <a:prstGeom prst="rect">
             <a:avLst/>
@@ -2756,11 +2602,9 @@
         <p:txBody>
           <a:bodyPr lIns="0" rIns="0" tIns="0" bIns="0" anchor="ctr"/>
           <a:p>
-            <a:endParaRPr b="0" lang="en-US" sz="2600" spc="-1" strike="noStrike">
-              <a:solidFill>
-                <a:srgbClr val="000000"/>
-              </a:solidFill>
-              <a:latin typeface="Imago"/>
+            <a:pPr algn="ctr"/>
+            <a:endParaRPr b="0" lang="en-US" sz="4400" spc="-1" strike="noStrike">
+              <a:latin typeface="Arial"/>
             </a:endParaRPr>
           </a:p>
         </p:txBody>
@@ -2799,8 +2643,8 @@
         </p:nvSpPr>
         <p:spPr>
           <a:xfrm>
-            <a:off x="517680" y="452520"/>
-            <a:ext cx="9816840" cy="6070680"/>
+            <a:off x="609480" y="273600"/>
+            <a:ext cx="10972440" cy="5307840"/>
           </a:xfrm>
           <a:prstGeom prst="rect">
             <a:avLst/>
@@ -2850,8 +2694,8 @@
         </p:nvSpPr>
         <p:spPr>
           <a:xfrm>
-            <a:off x="517680" y="452520"/>
-            <a:ext cx="9816840" cy="1309320"/>
+            <a:off x="609480" y="273600"/>
+            <a:ext cx="10972440" cy="1144800"/>
           </a:xfrm>
           <a:prstGeom prst="rect">
             <a:avLst/>
@@ -2860,11 +2704,9 @@
         <p:txBody>
           <a:bodyPr lIns="0" rIns="0" tIns="0" bIns="0" anchor="ctr"/>
           <a:p>
-            <a:endParaRPr b="0" lang="en-US" sz="2600" spc="-1" strike="noStrike">
-              <a:solidFill>
-                <a:srgbClr val="000000"/>
-              </a:solidFill>
-              <a:latin typeface="Imago"/>
+            <a:pPr algn="ctr"/>
+            <a:endParaRPr b="0" lang="en-US" sz="4400" spc="-1" strike="noStrike">
+              <a:latin typeface="Arial"/>
             </a:endParaRPr>
           </a:p>
         </p:txBody>
@@ -2881,8 +2723,8 @@
         </p:nvSpPr>
         <p:spPr>
           <a:xfrm>
-            <a:off x="529560" y="1806480"/>
-            <a:ext cx="5435280" cy="2132640"/>
+            <a:off x="609480" y="1604520"/>
+            <a:ext cx="5354280" cy="1896840"/>
           </a:xfrm>
           <a:prstGeom prst="rect">
             <a:avLst/>
@@ -2893,11 +2735,8 @@
             <a:normAutofit/>
           </a:bodyPr>
           <a:p>
-            <a:endParaRPr b="0" lang="en-US" sz="2000" spc="-1" strike="noStrike">
-              <a:solidFill>
-                <a:srgbClr val="000000"/>
-              </a:solidFill>
-              <a:latin typeface="Imago"/>
+            <a:endParaRPr b="0" lang="en-US" sz="3200" spc="-1" strike="noStrike">
+              <a:latin typeface="Arial"/>
             </a:endParaRPr>
           </a:p>
         </p:txBody>
@@ -2914,8 +2753,8 @@
         </p:nvSpPr>
         <p:spPr>
           <a:xfrm>
-            <a:off x="6237000" y="1806480"/>
-            <a:ext cx="5435280" cy="4471560"/>
+            <a:off x="6231960" y="1604520"/>
+            <a:ext cx="5354280" cy="3977280"/>
           </a:xfrm>
           <a:prstGeom prst="rect">
             <a:avLst/>
@@ -2926,11 +2765,8 @@
             <a:normAutofit/>
           </a:bodyPr>
           <a:p>
-            <a:endParaRPr b="0" lang="en-US" sz="2000" spc="-1" strike="noStrike">
-              <a:solidFill>
-                <a:srgbClr val="000000"/>
-              </a:solidFill>
-              <a:latin typeface="Imago"/>
+            <a:endParaRPr b="0" lang="en-US" sz="3200" spc="-1" strike="noStrike">
+              <a:latin typeface="Arial"/>
             </a:endParaRPr>
           </a:p>
         </p:txBody>
@@ -2947,8 +2783,8 @@
         </p:nvSpPr>
         <p:spPr>
           <a:xfrm>
-            <a:off x="529560" y="4142160"/>
-            <a:ext cx="5435280" cy="2132640"/>
+            <a:off x="609480" y="3682080"/>
+            <a:ext cx="5354280" cy="1896840"/>
           </a:xfrm>
           <a:prstGeom prst="rect">
             <a:avLst/>
@@ -2959,11 +2795,8 @@
             <a:normAutofit/>
           </a:bodyPr>
           <a:p>
-            <a:endParaRPr b="0" lang="en-US" sz="2000" spc="-1" strike="noStrike">
-              <a:solidFill>
-                <a:srgbClr val="000000"/>
-              </a:solidFill>
-              <a:latin typeface="Imago"/>
+            <a:endParaRPr b="0" lang="en-US" sz="3200" spc="-1" strike="noStrike">
+              <a:latin typeface="Arial"/>
             </a:endParaRPr>
           </a:p>
         </p:txBody>
@@ -3002,8 +2835,8 @@
         </p:nvSpPr>
         <p:spPr>
           <a:xfrm>
-            <a:off x="517680" y="452520"/>
-            <a:ext cx="9816840" cy="1309320"/>
+            <a:off x="609480" y="273600"/>
+            <a:ext cx="10972440" cy="1144800"/>
           </a:xfrm>
           <a:prstGeom prst="rect">
             <a:avLst/>
@@ -3012,11 +2845,9 @@
         <p:txBody>
           <a:bodyPr lIns="0" rIns="0" tIns="0" bIns="0" anchor="ctr"/>
           <a:p>
-            <a:endParaRPr b="0" lang="en-US" sz="2600" spc="-1" strike="noStrike">
-              <a:solidFill>
-                <a:srgbClr val="000000"/>
-              </a:solidFill>
-              <a:latin typeface="Imago"/>
+            <a:pPr algn="ctr"/>
+            <a:endParaRPr b="0" lang="en-US" sz="4400" spc="-1" strike="noStrike">
+              <a:latin typeface="Arial"/>
             </a:endParaRPr>
           </a:p>
         </p:txBody>
@@ -3033,8 +2864,8 @@
         </p:nvSpPr>
         <p:spPr>
           <a:xfrm>
-            <a:off x="529560" y="1806480"/>
-            <a:ext cx="5435280" cy="4471560"/>
+            <a:off x="609480" y="1604520"/>
+            <a:ext cx="5354280" cy="3977280"/>
           </a:xfrm>
           <a:prstGeom prst="rect">
             <a:avLst/>
@@ -3045,11 +2876,8 @@
             <a:normAutofit/>
           </a:bodyPr>
           <a:p>
-            <a:endParaRPr b="0" lang="en-US" sz="2000" spc="-1" strike="noStrike">
-              <a:solidFill>
-                <a:srgbClr val="000000"/>
-              </a:solidFill>
-              <a:latin typeface="Imago"/>
+            <a:endParaRPr b="0" lang="en-US" sz="3200" spc="-1" strike="noStrike">
+              <a:latin typeface="Arial"/>
             </a:endParaRPr>
           </a:p>
         </p:txBody>
@@ -3066,8 +2894,8 @@
         </p:nvSpPr>
         <p:spPr>
           <a:xfrm>
-            <a:off x="6237000" y="1806480"/>
-            <a:ext cx="5435280" cy="2132640"/>
+            <a:off x="6231960" y="1604520"/>
+            <a:ext cx="5354280" cy="1896840"/>
           </a:xfrm>
           <a:prstGeom prst="rect">
             <a:avLst/>
@@ -3078,11 +2906,8 @@
             <a:normAutofit/>
           </a:bodyPr>
           <a:p>
-            <a:endParaRPr b="0" lang="en-US" sz="2000" spc="-1" strike="noStrike">
-              <a:solidFill>
-                <a:srgbClr val="000000"/>
-              </a:solidFill>
-              <a:latin typeface="Imago"/>
+            <a:endParaRPr b="0" lang="en-US" sz="3200" spc="-1" strike="noStrike">
+              <a:latin typeface="Arial"/>
             </a:endParaRPr>
           </a:p>
         </p:txBody>
@@ -3099,8 +2924,8 @@
         </p:nvSpPr>
         <p:spPr>
           <a:xfrm>
-            <a:off x="6237000" y="4142160"/>
-            <a:ext cx="5435280" cy="2132640"/>
+            <a:off x="6231960" y="3682080"/>
+            <a:ext cx="5354280" cy="1896840"/>
           </a:xfrm>
           <a:prstGeom prst="rect">
             <a:avLst/>
@@ -3111,11 +2936,8 @@
             <a:normAutofit/>
           </a:bodyPr>
           <a:p>
-            <a:endParaRPr b="0" lang="en-US" sz="2000" spc="-1" strike="noStrike">
-              <a:solidFill>
-                <a:srgbClr val="000000"/>
-              </a:solidFill>
-              <a:latin typeface="Imago"/>
+            <a:endParaRPr b="0" lang="en-US" sz="3200" spc="-1" strike="noStrike">
+              <a:latin typeface="Arial"/>
             </a:endParaRPr>
           </a:p>
         </p:txBody>
@@ -3154,8 +2976,8 @@
         </p:nvSpPr>
         <p:spPr>
           <a:xfrm>
-            <a:off x="517680" y="452520"/>
-            <a:ext cx="9816840" cy="1309320"/>
+            <a:off x="609480" y="273600"/>
+            <a:ext cx="10972440" cy="1144800"/>
           </a:xfrm>
           <a:prstGeom prst="rect">
             <a:avLst/>
@@ -3164,11 +2986,9 @@
         <p:txBody>
           <a:bodyPr lIns="0" rIns="0" tIns="0" bIns="0" anchor="ctr"/>
           <a:p>
-            <a:endParaRPr b="0" lang="en-US" sz="2600" spc="-1" strike="noStrike">
-              <a:solidFill>
-                <a:srgbClr val="000000"/>
-              </a:solidFill>
-              <a:latin typeface="Imago"/>
+            <a:pPr algn="ctr"/>
+            <a:endParaRPr b="0" lang="en-US" sz="4400" spc="-1" strike="noStrike">
+              <a:latin typeface="Arial"/>
             </a:endParaRPr>
           </a:p>
         </p:txBody>
@@ -3185,8 +3005,8 @@
         </p:nvSpPr>
         <p:spPr>
           <a:xfrm>
-            <a:off x="529560" y="1806480"/>
-            <a:ext cx="5435280" cy="2132640"/>
+            <a:off x="609480" y="1604520"/>
+            <a:ext cx="5354280" cy="1896840"/>
           </a:xfrm>
           <a:prstGeom prst="rect">
             <a:avLst/>
@@ -3197,11 +3017,8 @@
             <a:normAutofit/>
           </a:bodyPr>
           <a:p>
-            <a:endParaRPr b="0" lang="en-US" sz="2000" spc="-1" strike="noStrike">
-              <a:solidFill>
-                <a:srgbClr val="000000"/>
-              </a:solidFill>
-              <a:latin typeface="Imago"/>
+            <a:endParaRPr b="0" lang="en-US" sz="3200" spc="-1" strike="noStrike">
+              <a:latin typeface="Arial"/>
             </a:endParaRPr>
           </a:p>
         </p:txBody>
@@ -3218,8 +3035,8 @@
         </p:nvSpPr>
         <p:spPr>
           <a:xfrm>
-            <a:off x="6237000" y="1806480"/>
-            <a:ext cx="5435280" cy="2132640"/>
+            <a:off x="6231960" y="1604520"/>
+            <a:ext cx="5354280" cy="1896840"/>
           </a:xfrm>
           <a:prstGeom prst="rect">
             <a:avLst/>
@@ -3230,11 +3047,8 @@
             <a:normAutofit/>
           </a:bodyPr>
           <a:p>
-            <a:endParaRPr b="0" lang="en-US" sz="2000" spc="-1" strike="noStrike">
-              <a:solidFill>
-                <a:srgbClr val="000000"/>
-              </a:solidFill>
-              <a:latin typeface="Imago"/>
+            <a:endParaRPr b="0" lang="en-US" sz="3200" spc="-1" strike="noStrike">
+              <a:latin typeface="Arial"/>
             </a:endParaRPr>
           </a:p>
         </p:txBody>
@@ -3251,8 +3065,8 @@
         </p:nvSpPr>
         <p:spPr>
           <a:xfrm>
-            <a:off x="529560" y="4142160"/>
-            <a:ext cx="11138400" cy="2132640"/>
+            <a:off x="609480" y="3682080"/>
+            <a:ext cx="10972440" cy="1896840"/>
           </a:xfrm>
           <a:prstGeom prst="rect">
             <a:avLst/>
@@ -3263,11 +3077,8 @@
             <a:normAutofit/>
           </a:bodyPr>
           <a:p>
-            <a:endParaRPr b="0" lang="en-US" sz="2000" spc="-1" strike="noStrike">
-              <a:solidFill>
-                <a:srgbClr val="000000"/>
-              </a:solidFill>
-              <a:latin typeface="Imago"/>
+            <a:endParaRPr b="0" lang="en-US" sz="3200" spc="-1" strike="noStrike">
+              <a:latin typeface="Arial"/>
             </a:endParaRPr>
           </a:p>
         </p:txBody>
@@ -3310,9 +3121,9 @@
         <p:grpSpPr>
           <a:xfrm>
             <a:off x="529560" y="514440"/>
-            <a:ext cx="11138400" cy="6005160"/>
+            <a:ext cx="11138040" cy="6004800"/>
             <a:chOff x="529560" y="514440"/>
-            <a:chExt cx="11138400" cy="6005160"/>
+            <a:chExt cx="11138040" cy="6004800"/>
           </a:xfrm>
         </p:grpSpPr>
         <p:sp>
@@ -3324,7 +3135,7 @@
           <p:spPr>
             <a:xfrm>
               <a:off x="529560" y="514440"/>
-              <a:ext cx="11138400" cy="1223640"/>
+              <a:ext cx="11138040" cy="1223280"/>
             </a:xfrm>
             <a:prstGeom prst="rect">
               <a:avLst/>
@@ -3353,7 +3164,7 @@
           <p:spPr>
             <a:xfrm>
               <a:off x="529560" y="1871640"/>
-              <a:ext cx="11138400" cy="4406400"/>
+              <a:ext cx="11138040" cy="4406040"/>
             </a:xfrm>
             <a:prstGeom prst="rect">
               <a:avLst/>
@@ -3382,7 +3193,7 @@
           <p:spPr>
             <a:xfrm>
               <a:off x="529560" y="6357960"/>
-              <a:ext cx="11138400" cy="161640"/>
+              <a:ext cx="11138040" cy="161280"/>
             </a:xfrm>
             <a:prstGeom prst="rect">
               <a:avLst/>
@@ -3412,7 +3223,7 @@
         <p:spPr>
           <a:xfrm>
             <a:off x="10661760" y="115920"/>
-            <a:ext cx="1416240" cy="864720"/>
+            <a:ext cx="1415880" cy="864360"/>
           </a:xfrm>
           <a:prstGeom prst="rect">
             <a:avLst/>
@@ -3444,7 +3255,7 @@
         <p:spPr>
           <a:xfrm>
             <a:off x="10957680" y="180360"/>
-            <a:ext cx="978840" cy="654840"/>
+            <a:ext cx="978480" cy="654480"/>
           </a:xfrm>
           <a:prstGeom prst="rect">
             <a:avLst/>
@@ -3463,9 +3274,9 @@
         <p:grpSpPr>
           <a:xfrm>
             <a:off x="529560" y="514440"/>
-            <a:ext cx="11138400" cy="5763600"/>
+            <a:ext cx="11138040" cy="5763240"/>
             <a:chOff x="529560" y="514440"/>
-            <a:chExt cx="11138400" cy="5763600"/>
+            <a:chExt cx="11138040" cy="5763240"/>
           </a:xfrm>
         </p:grpSpPr>
         <p:sp>
@@ -3477,7 +3288,7 @@
           <p:spPr>
             <a:xfrm>
               <a:off x="529560" y="514440"/>
-              <a:ext cx="11138400" cy="1223640"/>
+              <a:ext cx="11138040" cy="1223280"/>
             </a:xfrm>
             <a:prstGeom prst="rect">
               <a:avLst/>
@@ -3506,7 +3317,7 @@
           <p:spPr>
             <a:xfrm>
               <a:off x="529560" y="1871640"/>
-              <a:ext cx="11138400" cy="4406400"/>
+              <a:ext cx="11138040" cy="4406040"/>
             </a:xfrm>
             <a:prstGeom prst="rect">
               <a:avLst/>
@@ -3557,59 +3368,14 @@
       </p:sp>
       <p:sp>
         <p:nvSpPr>
-          <p:cNvPr id="10" name="PlaceHolder 10"/>
-          <p:cNvSpPr>
-            <a:spLocks noGrp="1"/>
-          </p:cNvSpPr>
-          <p:nvPr>
-            <p:ph type="title"/>
-          </p:nvPr>
-        </p:nvSpPr>
-        <p:spPr>
-          <a:xfrm>
-            <a:off x="511920" y="2602080"/>
-            <a:ext cx="11167920" cy="1007640"/>
-          </a:xfrm>
-          <a:prstGeom prst="rect">
-            <a:avLst/>
-          </a:prstGeom>
-        </p:spPr>
-        <p:txBody>
-          <a:bodyPr lIns="0" rIns="0" tIns="0" bIns="0"/>
-          <a:p>
-            <a:pPr>
-              <a:lnSpc>
-                <a:spcPct val="100000"/>
-              </a:lnSpc>
-            </a:pPr>
-            <a:r>
-              <a:rPr b="1" lang="en-US" sz="3000" spc="-1" strike="noStrike">
-                <a:solidFill>
-                  <a:srgbClr val="000000"/>
-                </a:solidFill>
-                <a:latin typeface="Imago"/>
-              </a:rPr>
-              <a:t>Click to edit Master title style</a:t>
-            </a:r>
-            <a:endParaRPr b="0" lang="en-US" sz="3000" spc="-1" strike="noStrike">
-              <a:solidFill>
-                <a:srgbClr val="000000"/>
-              </a:solidFill>
-              <a:latin typeface="Imago"/>
-            </a:endParaRPr>
-          </a:p>
-        </p:txBody>
-      </p:sp>
-      <p:sp>
-        <p:nvSpPr>
-          <p:cNvPr id="11" name="CustomShape 11"/>
+          <p:cNvPr id="10" name="CustomShape 10"/>
           <p:cNvSpPr/>
           <p:nvPr/>
         </p:nvSpPr>
         <p:spPr>
           <a:xfrm>
             <a:off x="10661760" y="115920"/>
-            <a:ext cx="1416240" cy="864720"/>
+            <a:ext cx="1415880" cy="864360"/>
           </a:xfrm>
           <a:prstGeom prst="rect">
             <a:avLst/>
@@ -3630,7 +3396,7 @@
       </p:sp>
       <p:pic>
         <p:nvPicPr>
-          <p:cNvPr id="12" name="shpLogoPicDark" descr=""/>
+          <p:cNvPr id="11" name="shpLogoPicDark" descr=""/>
           <p:cNvPicPr/>
           <p:nvPr/>
         </p:nvPicPr>
@@ -3641,7 +3407,7 @@
         <p:spPr>
           <a:xfrm>
             <a:off x="10957680" y="180360"/>
-            <a:ext cx="978840" cy="654840"/>
+            <a:ext cx="978480" cy="654480"/>
           </a:xfrm>
           <a:prstGeom prst="rect">
             <a:avLst/>
@@ -3651,6 +3417,40 @@
           </a:ln>
         </p:spPr>
       </p:pic>
+      <p:sp>
+        <p:nvSpPr>
+          <p:cNvPr id="12" name="PlaceHolder 11"/>
+          <p:cNvSpPr>
+            <a:spLocks noGrp="1"/>
+          </p:cNvSpPr>
+          <p:nvPr>
+            <p:ph type="title"/>
+          </p:nvPr>
+        </p:nvSpPr>
+        <p:spPr>
+          <a:xfrm>
+            <a:off x="517680" y="452520"/>
+            <a:ext cx="9816480" cy="1308960"/>
+          </a:xfrm>
+          <a:prstGeom prst="rect">
+            <a:avLst/>
+          </a:prstGeom>
+        </p:spPr>
+        <p:txBody>
+          <a:bodyPr lIns="0" rIns="0" tIns="0" bIns="0" anchor="ctr"/>
+          <a:p>
+            <a:r>
+              <a:rPr b="0" lang="en-US" sz="1800" spc="-1" strike="noStrike">
+                <a:latin typeface="Arial"/>
+              </a:rPr>
+              <a:t>Click to edit the title text format</a:t>
+            </a:r>
+            <a:endParaRPr b="0" lang="en-US" sz="1800" spc="-1" strike="noStrike">
+              <a:latin typeface="Arial"/>
+            </a:endParaRPr>
+          </a:p>
+        </p:txBody>
+      </p:sp>
       <p:sp>
         <p:nvSpPr>
           <p:cNvPr id="13" name="PlaceHolder 12"/>
@@ -3687,19 +3487,13 @@
               <a:buChar char=""/>
             </a:pPr>
             <a:r>
-              <a:rPr b="0" lang="en-US" sz="2000" spc="-1" strike="noStrike">
-                <a:solidFill>
-                  <a:srgbClr val="000000"/>
-                </a:solidFill>
-                <a:latin typeface="Imago"/>
+              <a:rPr b="0" lang="en-US" sz="3200" spc="-1" strike="noStrike">
+                <a:latin typeface="Arial"/>
               </a:rPr>
               <a:t>Click to edit the outline text format</a:t>
             </a:r>
-            <a:endParaRPr b="0" lang="en-US" sz="2000" spc="-1" strike="noStrike">
-              <a:solidFill>
-                <a:srgbClr val="000000"/>
-              </a:solidFill>
-              <a:latin typeface="Imago"/>
+            <a:endParaRPr b="0" lang="en-US" sz="3200" spc="-1" strike="noStrike">
+              <a:latin typeface="Arial"/>
             </a:endParaRPr>
           </a:p>
           <a:p>
@@ -3715,19 +3509,13 @@
               <a:buChar char=""/>
             </a:pPr>
             <a:r>
-              <a:rPr b="0" lang="en-US" sz="2000" spc="-1" strike="noStrike">
-                <a:solidFill>
-                  <a:srgbClr val="000000"/>
-                </a:solidFill>
-                <a:latin typeface="Imago"/>
+              <a:rPr b="0" lang="en-US" sz="2800" spc="-1" strike="noStrike">
+                <a:latin typeface="Arial"/>
               </a:rPr>
               <a:t>Second Outline Level</a:t>
             </a:r>
-            <a:endParaRPr b="0" lang="en-US" sz="2000" spc="-1" strike="noStrike">
-              <a:solidFill>
-                <a:srgbClr val="000000"/>
-              </a:solidFill>
-              <a:latin typeface="Imago"/>
+            <a:endParaRPr b="0" lang="en-US" sz="2800" spc="-1" strike="noStrike">
+              <a:latin typeface="Arial"/>
             </a:endParaRPr>
           </a:p>
           <a:p>
@@ -3743,19 +3531,13 @@
               <a:buChar char=""/>
             </a:pPr>
             <a:r>
-              <a:rPr b="0" lang="en-US" sz="2000" spc="-1" strike="noStrike">
-                <a:solidFill>
-                  <a:srgbClr val="000000"/>
-                </a:solidFill>
-                <a:latin typeface="Imago"/>
+              <a:rPr b="0" lang="en-US" sz="2400" spc="-1" strike="noStrike">
+                <a:latin typeface="Arial"/>
               </a:rPr>
               <a:t>Third Outline Level</a:t>
             </a:r>
-            <a:endParaRPr b="0" lang="en-US" sz="2000" spc="-1" strike="noStrike">
-              <a:solidFill>
-                <a:srgbClr val="000000"/>
-              </a:solidFill>
-              <a:latin typeface="Imago"/>
+            <a:endParaRPr b="0" lang="en-US" sz="2400" spc="-1" strike="noStrike">
+              <a:latin typeface="Arial"/>
             </a:endParaRPr>
           </a:p>
           <a:p>
@@ -3772,18 +3554,12 @@
             </a:pPr>
             <a:r>
               <a:rPr b="0" lang="en-US" sz="2000" spc="-1" strike="noStrike">
-                <a:solidFill>
-                  <a:srgbClr val="000000"/>
-                </a:solidFill>
-                <a:latin typeface="Imago"/>
+                <a:latin typeface="Arial"/>
               </a:rPr>
               <a:t>Fourth Outline Level</a:t>
             </a:r>
             <a:endParaRPr b="0" lang="en-US" sz="2000" spc="-1" strike="noStrike">
-              <a:solidFill>
-                <a:srgbClr val="000000"/>
-              </a:solidFill>
-              <a:latin typeface="Imago"/>
+              <a:latin typeface="Arial"/>
             </a:endParaRPr>
           </a:p>
           <a:p>
@@ -3800,18 +3576,12 @@
             </a:pPr>
             <a:r>
               <a:rPr b="0" lang="en-US" sz="2000" spc="-1" strike="noStrike">
-                <a:solidFill>
-                  <a:srgbClr val="000000"/>
-                </a:solidFill>
-                <a:latin typeface="Imago"/>
+                <a:latin typeface="Arial"/>
               </a:rPr>
               <a:t>Fifth Outline Level</a:t>
             </a:r>
             <a:endParaRPr b="0" lang="en-US" sz="2000" spc="-1" strike="noStrike">
-              <a:solidFill>
-                <a:srgbClr val="000000"/>
-              </a:solidFill>
-              <a:latin typeface="Imago"/>
+              <a:latin typeface="Arial"/>
             </a:endParaRPr>
           </a:p>
           <a:p>
@@ -3828,18 +3598,12 @@
             </a:pPr>
             <a:r>
               <a:rPr b="0" lang="en-US" sz="2000" spc="-1" strike="noStrike">
-                <a:solidFill>
-                  <a:srgbClr val="000000"/>
-                </a:solidFill>
-                <a:latin typeface="Imago"/>
+                <a:latin typeface="Arial"/>
               </a:rPr>
               <a:t>Sixth Outline Level</a:t>
             </a:r>
             <a:endParaRPr b="0" lang="en-US" sz="2000" spc="-1" strike="noStrike">
-              <a:solidFill>
-                <a:srgbClr val="000000"/>
-              </a:solidFill>
-              <a:latin typeface="Imago"/>
+              <a:latin typeface="Arial"/>
             </a:endParaRPr>
           </a:p>
           <a:p>
@@ -3856,18 +3620,12 @@
             </a:pPr>
             <a:r>
               <a:rPr b="0" lang="en-US" sz="2000" spc="-1" strike="noStrike">
-                <a:solidFill>
-                  <a:srgbClr val="000000"/>
-                </a:solidFill>
-                <a:latin typeface="Imago"/>
+                <a:latin typeface="Arial"/>
               </a:rPr>
               <a:t>Seventh Outline Level</a:t>
             </a:r>
             <a:endParaRPr b="0" lang="en-US" sz="2000" spc="-1" strike="noStrike">
-              <a:solidFill>
-                <a:srgbClr val="000000"/>
-              </a:solidFill>
-              <a:latin typeface="Imago"/>
+              <a:latin typeface="Arial"/>
             </a:endParaRPr>
           </a:p>
         </p:txBody>
@@ -3925,9 +3683,9 @@
         <p:grpSpPr>
           <a:xfrm>
             <a:off x="529560" y="514440"/>
-            <a:ext cx="11138400" cy="6005160"/>
+            <a:ext cx="11138040" cy="6004800"/>
             <a:chOff x="529560" y="514440"/>
-            <a:chExt cx="11138400" cy="6005160"/>
+            <a:chExt cx="11138040" cy="6004800"/>
           </a:xfrm>
         </p:grpSpPr>
         <p:sp>
@@ -3939,7 +3697,7 @@
           <p:spPr>
             <a:xfrm>
               <a:off x="529560" y="514440"/>
-              <a:ext cx="11138400" cy="1223640"/>
+              <a:ext cx="11138040" cy="1223280"/>
             </a:xfrm>
             <a:prstGeom prst="rect">
               <a:avLst/>
@@ -3968,7 +3726,7 @@
           <p:spPr>
             <a:xfrm>
               <a:off x="529560" y="1871640"/>
-              <a:ext cx="11138400" cy="4406400"/>
+              <a:ext cx="11138040" cy="4406040"/>
             </a:xfrm>
             <a:prstGeom prst="rect">
               <a:avLst/>
@@ -3997,7 +3755,7 @@
           <p:spPr>
             <a:xfrm>
               <a:off x="529560" y="6357960"/>
-              <a:ext cx="11138400" cy="161640"/>
+              <a:ext cx="11138040" cy="161280"/>
             </a:xfrm>
             <a:prstGeom prst="rect">
               <a:avLst/>
@@ -4027,7 +3785,7 @@
         <p:spPr>
           <a:xfrm>
             <a:off x="10661760" y="115920"/>
-            <a:ext cx="1416240" cy="864720"/>
+            <a:ext cx="1415880" cy="864360"/>
           </a:xfrm>
           <a:prstGeom prst="rect">
             <a:avLst/>
@@ -4059,7 +3817,7 @@
         <p:spPr>
           <a:xfrm>
             <a:off x="10957680" y="180360"/>
-            <a:ext cx="978840" cy="654840"/>
+            <a:ext cx="978480" cy="654480"/>
           </a:xfrm>
           <a:prstGeom prst="rect">
             <a:avLst/>
@@ -4081,35 +3839,25 @@
         </p:nvSpPr>
         <p:spPr>
           <a:xfrm>
-            <a:off x="517680" y="452520"/>
-            <a:ext cx="9816840" cy="1309320"/>
-          </a:xfrm>
-          <a:prstGeom prst="rect">
-            <a:avLst/>
-          </a:prstGeom>
-        </p:spPr>
-        <p:txBody>
-          <a:bodyPr lIns="0" rIns="0" tIns="0" bIns="0"/>
-          <a:p>
-            <a:pPr>
-              <a:lnSpc>
-                <a:spcPct val="100000"/>
-              </a:lnSpc>
-            </a:pPr>
-            <a:r>
-              <a:rPr b="1" lang="en-US" sz="2600" spc="-1" strike="noStrike">
-                <a:solidFill>
-                  <a:srgbClr val="000000"/>
-                </a:solidFill>
-                <a:latin typeface="Imago"/>
-              </a:rPr>
-              <a:t>Click to edit Master title style</a:t>
-            </a:r>
-            <a:endParaRPr b="0" lang="en-US" sz="2600" spc="-1" strike="noStrike">
-              <a:solidFill>
-                <a:srgbClr val="000000"/>
-              </a:solidFill>
-              <a:latin typeface="Imago"/>
+            <a:off x="609480" y="273600"/>
+            <a:ext cx="10972440" cy="1144800"/>
+          </a:xfrm>
+          <a:prstGeom prst="rect">
+            <a:avLst/>
+          </a:prstGeom>
+        </p:spPr>
+        <p:txBody>
+          <a:bodyPr lIns="0" rIns="0" tIns="0" bIns="0" anchor="ctr"/>
+          <a:p>
+            <a:pPr algn="ctr"/>
+            <a:r>
+              <a:rPr b="0" lang="en-US" sz="4400" spc="-1" strike="noStrike">
+                <a:latin typeface="Arial"/>
+              </a:rPr>
+              <a:t>Click to edit the title text format</a:t>
+            </a:r>
+            <a:endParaRPr b="0" lang="en-US" sz="4400" spc="-1" strike="noStrike">
+              <a:latin typeface="Arial"/>
             </a:endParaRPr>
           </a:p>
         </p:txBody>
@@ -4126,233 +3874,169 @@
         </p:nvSpPr>
         <p:spPr>
           <a:xfrm>
-            <a:off x="529560" y="1806480"/>
-            <a:ext cx="11138400" cy="4471560"/>
-          </a:xfrm>
-          <a:prstGeom prst="rect">
-            <a:avLst/>
-          </a:prstGeom>
-        </p:spPr>
-        <p:txBody>
-          <a:bodyPr lIns="0" rIns="0" tIns="0" bIns="0"/>
-          <a:p>
-            <a:pPr marL="285840" indent="-285480">
-              <a:lnSpc>
-                <a:spcPct val="100000"/>
-              </a:lnSpc>
+            <a:off x="609480" y="1604520"/>
+            <a:ext cx="10972440" cy="3977280"/>
+          </a:xfrm>
+          <a:prstGeom prst="rect">
+            <a:avLst/>
+          </a:prstGeom>
+        </p:spPr>
+        <p:txBody>
+          <a:bodyPr lIns="0" rIns="0" tIns="0" bIns="0">
+            <a:normAutofit/>
+          </a:bodyPr>
+          <a:p>
+            <a:pPr marL="432000" indent="-324000">
               <a:spcBef>
-                <a:spcPts val="1500"/>
+                <a:spcPts val="1417"/>
               </a:spcBef>
               <a:buClr>
                 <a:srgbClr val="000000"/>
               </a:buClr>
-              <a:buFont typeface="Arial"/>
-              <a:buChar char="•"/>
-            </a:pPr>
-            <a:r>
-              <a:rPr b="0" lang="en-US" sz="2000" spc="-1" strike="noStrike">
-                <a:solidFill>
-                  <a:srgbClr val="000000"/>
-                </a:solidFill>
-                <a:latin typeface="Imago"/>
-              </a:rPr>
-              <a:t>Edit Master text styles</a:t>
-            </a:r>
-            <a:endParaRPr b="0" lang="en-US" sz="2000" spc="-1" strike="noStrike">
-              <a:solidFill>
-                <a:srgbClr val="000000"/>
-              </a:solidFill>
-              <a:latin typeface="Imago"/>
-            </a:endParaRPr>
-          </a:p>
-          <a:p>
-            <a:pPr lvl="1" marL="763560" indent="-286920">
-              <a:lnSpc>
-                <a:spcPct val="100000"/>
-              </a:lnSpc>
+              <a:buSzPct val="45000"/>
+              <a:buFont typeface="Wingdings" charset="2"/>
+              <a:buChar char=""/>
+            </a:pPr>
+            <a:r>
+              <a:rPr b="0" lang="en-US" sz="3200" spc="-1" strike="noStrike">
+                <a:latin typeface="Arial"/>
+              </a:rPr>
+              <a:t>Click to edit the outline text format</a:t>
+            </a:r>
+            <a:endParaRPr b="0" lang="en-US" sz="3200" spc="-1" strike="noStrike">
+              <a:latin typeface="Arial"/>
+            </a:endParaRPr>
+          </a:p>
+          <a:p>
+            <a:pPr lvl="1" marL="864000" indent="-324000">
               <a:spcBef>
-                <a:spcPts val="601"/>
+                <a:spcPts val="1134"/>
               </a:spcBef>
               <a:buClr>
                 <a:srgbClr val="000000"/>
               </a:buClr>
+              <a:buSzPct val="75000"/>
               <a:buFont typeface="Symbol" charset="2"/>
               <a:buChar char=""/>
             </a:pPr>
             <a:r>
-              <a:rPr b="0" lang="en-US" sz="2000" spc="-1" strike="noStrike">
-                <a:solidFill>
-                  <a:srgbClr val="000000"/>
-                </a:solidFill>
-                <a:latin typeface="Imago"/>
-              </a:rPr>
-              <a:t>Second level</a:t>
-            </a:r>
-            <a:endParaRPr b="0" lang="en-US" sz="2000" spc="-1" strike="noStrike">
-              <a:solidFill>
-                <a:srgbClr val="000000"/>
-              </a:solidFill>
-              <a:latin typeface="Imago"/>
-            </a:endParaRPr>
-          </a:p>
-          <a:p>
-            <a:pPr lvl="2" marL="1241280" indent="-286920">
-              <a:lnSpc>
-                <a:spcPct val="100000"/>
-              </a:lnSpc>
+              <a:rPr b="0" lang="en-US" sz="2800" spc="-1" strike="noStrike">
+                <a:latin typeface="Arial"/>
+              </a:rPr>
+              <a:t>Second Outline Level</a:t>
+            </a:r>
+            <a:endParaRPr b="0" lang="en-US" sz="2800" spc="-1" strike="noStrike">
+              <a:latin typeface="Arial"/>
+            </a:endParaRPr>
+          </a:p>
+          <a:p>
+            <a:pPr lvl="2" marL="1296000" indent="-288000">
               <a:spcBef>
-                <a:spcPts val="400"/>
+                <a:spcPts val="850"/>
               </a:spcBef>
               <a:buClr>
                 <a:srgbClr val="000000"/>
               </a:buClr>
-              <a:buFont typeface="Symbol" charset="2"/>
-              <a:buChar char=""/>
-            </a:pPr>
-            <a:r>
-              <a:rPr b="0" lang="en-US" sz="2000" spc="-1" strike="noStrike">
-                <a:solidFill>
-                  <a:srgbClr val="000000"/>
-                </a:solidFill>
-                <a:latin typeface="Imago"/>
-              </a:rPr>
-              <a:t>Third level</a:t>
-            </a:r>
-            <a:endParaRPr b="0" lang="en-US" sz="2000" spc="-1" strike="noStrike">
-              <a:solidFill>
-                <a:srgbClr val="000000"/>
-              </a:solidFill>
-              <a:latin typeface="Imago"/>
-            </a:endParaRPr>
-          </a:p>
-          <a:p>
-            <a:pPr lvl="3" marL="1719360" indent="-286920">
-              <a:lnSpc>
-                <a:spcPct val="100000"/>
-              </a:lnSpc>
+              <a:buSzPct val="45000"/>
+              <a:buFont typeface="Wingdings" charset="2"/>
+              <a:buChar char=""/>
+            </a:pPr>
+            <a:r>
+              <a:rPr b="0" lang="en-US" sz="2400" spc="-1" strike="noStrike">
+                <a:latin typeface="Arial"/>
+              </a:rPr>
+              <a:t>Third Outline Level</a:t>
+            </a:r>
+            <a:endParaRPr b="0" lang="en-US" sz="2400" spc="-1" strike="noStrike">
+              <a:latin typeface="Arial"/>
+            </a:endParaRPr>
+          </a:p>
+          <a:p>
+            <a:pPr lvl="3" marL="1728000" indent="-216000">
               <a:spcBef>
-                <a:spcPts val="400"/>
+                <a:spcPts val="567"/>
               </a:spcBef>
               <a:buClr>
                 <a:srgbClr val="000000"/>
               </a:buClr>
+              <a:buSzPct val="75000"/>
               <a:buFont typeface="Symbol" charset="2"/>
               <a:buChar char=""/>
             </a:pPr>
             <a:r>
               <a:rPr b="0" lang="en-US" sz="2000" spc="-1" strike="noStrike">
-                <a:solidFill>
-                  <a:srgbClr val="000000"/>
-                </a:solidFill>
-                <a:latin typeface="Imago"/>
-              </a:rPr>
-              <a:t>Fourth level</a:t>
+                <a:latin typeface="Arial"/>
+              </a:rPr>
+              <a:t>Fourth Outline Level</a:t>
             </a:r>
             <a:endParaRPr b="0" lang="en-US" sz="2000" spc="-1" strike="noStrike">
-              <a:solidFill>
-                <a:srgbClr val="000000"/>
-              </a:solidFill>
-              <a:latin typeface="Imago"/>
-            </a:endParaRPr>
-          </a:p>
-          <a:p>
-            <a:pPr lvl="4" marL="2195640" indent="-285480">
-              <a:lnSpc>
-                <a:spcPct val="100000"/>
-              </a:lnSpc>
+              <a:latin typeface="Arial"/>
+            </a:endParaRPr>
+          </a:p>
+          <a:p>
+            <a:pPr lvl="4" marL="2160000" indent="-216000">
               <a:spcBef>
-                <a:spcPts val="400"/>
+                <a:spcPts val="283"/>
               </a:spcBef>
               <a:buClr>
                 <a:srgbClr val="000000"/>
               </a:buClr>
-              <a:buFont typeface="StarSymbol"/>
-              <a:buChar char="»"/>
+              <a:buSzPct val="45000"/>
+              <a:buFont typeface="Wingdings" charset="2"/>
+              <a:buChar char=""/>
             </a:pPr>
             <a:r>
               <a:rPr b="0" lang="en-US" sz="2000" spc="-1" strike="noStrike">
-                <a:solidFill>
-                  <a:srgbClr val="000000"/>
-                </a:solidFill>
-                <a:latin typeface="Imago"/>
-              </a:rPr>
-              <a:t>Fifth level</a:t>
+                <a:latin typeface="Arial"/>
+              </a:rPr>
+              <a:t>Fifth Outline Level</a:t>
             </a:r>
             <a:endParaRPr b="0" lang="en-US" sz="2000" spc="-1" strike="noStrike">
-              <a:solidFill>
+              <a:latin typeface="Arial"/>
+            </a:endParaRPr>
+          </a:p>
+          <a:p>
+            <a:pPr lvl="5" marL="2592000" indent="-216000">
+              <a:spcBef>
+                <a:spcPts val="283"/>
+              </a:spcBef>
+              <a:buClr>
                 <a:srgbClr val="000000"/>
-              </a:solidFill>
-              <a:latin typeface="Imago"/>
-            </a:endParaRPr>
-          </a:p>
-        </p:txBody>
-      </p:sp>
-      <p:sp>
-        <p:nvSpPr>
-          <p:cNvPr id="58" name="PlaceHolder 8"/>
-          <p:cNvSpPr>
-            <a:spLocks noGrp="1"/>
-          </p:cNvSpPr>
-          <p:nvPr>
-            <p:ph type="dt"/>
-          </p:nvPr>
-        </p:nvSpPr>
-        <p:spPr>
-          <a:xfrm>
-            <a:off x="529560" y="6323040"/>
-            <a:ext cx="11138400" cy="193320"/>
-          </a:xfrm>
-          <a:prstGeom prst="rect">
-            <a:avLst/>
-          </a:prstGeom>
-        </p:spPr>
-        <p:txBody>
-          <a:bodyPr lIns="0" rIns="0" tIns="0" bIns="0"/>
-          <a:p>
-            <a:endParaRPr b="0" lang="en-US" sz="2400" spc="-1" strike="noStrike">
-              <a:latin typeface="Times New Roman"/>
-            </a:endParaRPr>
-          </a:p>
-        </p:txBody>
-      </p:sp>
-      <p:sp>
-        <p:nvSpPr>
-          <p:cNvPr id="59" name="PlaceHolder 9"/>
-          <p:cNvSpPr>
-            <a:spLocks noGrp="1"/>
-          </p:cNvSpPr>
-          <p:nvPr>
-            <p:ph type="sldNum"/>
-          </p:nvPr>
-        </p:nvSpPr>
-        <p:spPr>
-          <a:xfrm>
-            <a:off x="529560" y="6323040"/>
-            <a:ext cx="11138400" cy="193320"/>
-          </a:xfrm>
-          <a:prstGeom prst="rect">
-            <a:avLst/>
-          </a:prstGeom>
-        </p:spPr>
-        <p:txBody>
-          <a:bodyPr lIns="0" rIns="0" tIns="0" bIns="0"/>
-          <a:p>
-            <a:pPr algn="r">
-              <a:lnSpc>
-                <a:spcPct val="100000"/>
-              </a:lnSpc>
-            </a:pPr>
-            <a:fld id="{8C11CD56-D5B2-4D16-BF09-BD416A047FD7}" type="slidenum">
-              <a:rPr b="0" lang="en-US" sz="1600" spc="-1" strike="noStrike">
-                <a:solidFill>
-                  <a:srgbClr val="000000"/>
-                </a:solidFill>
-                <a:latin typeface="Imago"/>
-              </a:rPr>
-              <a:t>&lt;number&gt;</a:t>
-            </a:fld>
-            <a:endParaRPr b="0" lang="en-US" sz="1600" spc="-1" strike="noStrike">
-              <a:latin typeface="Times New Roman"/>
+              </a:buClr>
+              <a:buSzPct val="45000"/>
+              <a:buFont typeface="Wingdings" charset="2"/>
+              <a:buChar char=""/>
+            </a:pPr>
+            <a:r>
+              <a:rPr b="0" lang="en-US" sz="2000" spc="-1" strike="noStrike">
+                <a:latin typeface="Arial"/>
+              </a:rPr>
+              <a:t>Sixth Outline Level</a:t>
+            </a:r>
+            <a:endParaRPr b="0" lang="en-US" sz="2000" spc="-1" strike="noStrike">
+              <a:latin typeface="Arial"/>
+            </a:endParaRPr>
+          </a:p>
+          <a:p>
+            <a:pPr lvl="6" marL="3024000" indent="-216000">
+              <a:spcBef>
+                <a:spcPts val="283"/>
+              </a:spcBef>
+              <a:buClr>
+                <a:srgbClr val="000000"/>
+              </a:buClr>
+              <a:buSzPct val="45000"/>
+              <a:buFont typeface="Wingdings" charset="2"/>
+              <a:buChar char=""/>
+            </a:pPr>
+            <a:r>
+              <a:rPr b="0" lang="en-US" sz="2000" spc="-1" strike="noStrike">
+                <a:latin typeface="Arial"/>
+              </a:rPr>
+              <a:t>Seventh Outline Level</a:t>
+            </a:r>
+            <a:endParaRPr b="0" lang="en-US" sz="2000" spc="-1" strike="noStrike">
+              <a:latin typeface="Arial"/>
             </a:endParaRPr>
           </a:p>
         </p:txBody>
@@ -4396,14 +4080,14 @@
       </p:grpSpPr>
       <p:sp>
         <p:nvSpPr>
-          <p:cNvPr id="102" name="CustomShape 1"/>
+          <p:cNvPr id="100" name="CustomShape 1"/>
           <p:cNvSpPr/>
           <p:nvPr/>
         </p:nvSpPr>
         <p:spPr>
           <a:xfrm>
             <a:off x="496080" y="6672600"/>
-            <a:ext cx="184320" cy="369000"/>
+            <a:ext cx="183960" cy="368640"/>
           </a:xfrm>
           <a:prstGeom prst="rect">
             <a:avLst/>
@@ -4422,14 +4106,14 @@
       </p:sp>
       <p:sp>
         <p:nvSpPr>
-          <p:cNvPr id="103" name="TextShape 2"/>
-          <p:cNvSpPr txBox="1"/>
+          <p:cNvPr id="101" name="CustomShape 2"/>
+          <p:cNvSpPr/>
           <p:nvPr/>
         </p:nvSpPr>
         <p:spPr>
           <a:xfrm>
             <a:off x="511920" y="2603520"/>
-            <a:ext cx="10535760" cy="1145160"/>
+            <a:ext cx="10535400" cy="1144800"/>
           </a:xfrm>
           <a:prstGeom prst="rect">
             <a:avLst/>
@@ -4439,6 +4123,12 @@
             <a:noFill/>
           </a:ln>
         </p:spPr>
+        <p:style>
+          <a:lnRef idx="0"/>
+          <a:fillRef idx="0"/>
+          <a:effectRef idx="0"/>
+          <a:fontRef idx="minor"/>
+        </p:style>
         <p:txBody>
           <a:bodyPr lIns="0" rIns="0" tIns="0" bIns="0"/>
           <a:p>
@@ -4457,24 +4147,21 @@
               <a:t>Analiza danych przestrzennych</a:t>
             </a:r>
             <a:endParaRPr b="0" lang="en-US" sz="3000" spc="-1" strike="noStrike">
-              <a:solidFill>
-                <a:srgbClr val="000000"/>
-              </a:solidFill>
-              <a:latin typeface="Imago"/>
-            </a:endParaRPr>
-          </a:p>
-        </p:txBody>
-      </p:sp>
-      <p:sp>
-        <p:nvSpPr>
-          <p:cNvPr id="104" name="TextShape 3"/>
-          <p:cNvSpPr txBox="1"/>
+              <a:latin typeface="Arial"/>
+            </a:endParaRPr>
+          </a:p>
+        </p:txBody>
+      </p:sp>
+      <p:sp>
+        <p:nvSpPr>
+          <p:cNvPr id="102" name="CustomShape 3"/>
+          <p:cNvSpPr/>
           <p:nvPr/>
         </p:nvSpPr>
         <p:spPr>
           <a:xfrm>
             <a:off x="531360" y="3168360"/>
-            <a:ext cx="10535760" cy="3977640"/>
+            <a:ext cx="10535400" cy="3977280"/>
           </a:xfrm>
           <a:prstGeom prst="rect">
             <a:avLst/>
@@ -4484,6 +4171,12 @@
             <a:noFill/>
           </a:ln>
         </p:spPr>
+        <p:style>
+          <a:lnRef idx="0"/>
+          <a:fillRef idx="0"/>
+          <a:effectRef idx="0"/>
+          <a:fontRef idx="minor"/>
+        </p:style>
         <p:txBody>
           <a:bodyPr lIns="0" rIns="0" tIns="0" bIns="0"/>
           <a:p>
@@ -4509,7 +4202,7 @@
       </p:sp>
       <p:pic>
         <p:nvPicPr>
-          <p:cNvPr id="105" name="shpCollectorPicture0" descr=""/>
+          <p:cNvPr id="103" name="shpCollectorPicture0" descr=""/>
           <p:cNvPicPr/>
           <p:nvPr/>
         </p:nvPicPr>
@@ -4520,7 +4213,7 @@
         <p:spPr>
           <a:xfrm>
             <a:off x="0" y="4724280"/>
-            <a:ext cx="12191760" cy="2133360"/>
+            <a:ext cx="12191400" cy="2133000"/>
           </a:xfrm>
           <a:prstGeom prst="rect">
             <a:avLst/>
@@ -4581,14 +4274,14 @@
       </p:grpSpPr>
       <p:sp>
         <p:nvSpPr>
-          <p:cNvPr id="127" name="TextShape 1"/>
-          <p:cNvSpPr txBox="1"/>
+          <p:cNvPr id="125" name="CustomShape 1"/>
+          <p:cNvSpPr/>
           <p:nvPr/>
         </p:nvSpPr>
         <p:spPr>
           <a:xfrm>
             <a:off x="517680" y="452520"/>
-            <a:ext cx="9816840" cy="1309320"/>
+            <a:ext cx="9816480" cy="1308960"/>
           </a:xfrm>
           <a:prstGeom prst="rect">
             <a:avLst/>
@@ -4598,6 +4291,12 @@
             <a:noFill/>
           </a:ln>
         </p:spPr>
+        <p:style>
+          <a:lnRef idx="0"/>
+          <a:fillRef idx="0"/>
+          <a:effectRef idx="0"/>
+          <a:fontRef idx="minor"/>
+        </p:style>
         <p:txBody>
           <a:bodyPr lIns="0" rIns="0" tIns="0" bIns="0"/>
           <a:p>
@@ -4616,24 +4315,21 @@
               <a:t>Zanim zaczniemy</a:t>
             </a:r>
             <a:endParaRPr b="0" lang="en-US" sz="2600" spc="-1" strike="noStrike">
-              <a:solidFill>
-                <a:srgbClr val="000000"/>
-              </a:solidFill>
-              <a:latin typeface="Imago"/>
-            </a:endParaRPr>
-          </a:p>
-        </p:txBody>
-      </p:sp>
-      <p:sp>
-        <p:nvSpPr>
-          <p:cNvPr id="128" name="TextShape 2"/>
-          <p:cNvSpPr txBox="1"/>
+              <a:latin typeface="Arial"/>
+            </a:endParaRPr>
+          </a:p>
+        </p:txBody>
+      </p:sp>
+      <p:sp>
+        <p:nvSpPr>
+          <p:cNvPr id="126" name="CustomShape 2"/>
+          <p:cNvSpPr/>
           <p:nvPr/>
         </p:nvSpPr>
         <p:spPr>
           <a:xfrm>
             <a:off x="529560" y="1806480"/>
-            <a:ext cx="11138400" cy="4471560"/>
+            <a:ext cx="11138040" cy="4471200"/>
           </a:xfrm>
           <a:prstGeom prst="rect">
             <a:avLst/>
@@ -4643,10 +4339,16 @@
             <a:noFill/>
           </a:ln>
         </p:spPr>
+        <p:style>
+          <a:lnRef idx="0"/>
+          <a:fillRef idx="0"/>
+          <a:effectRef idx="0"/>
+          <a:fontRef idx="minor"/>
+        </p:style>
         <p:txBody>
           <a:bodyPr lIns="0" rIns="0" tIns="0" bIns="0"/>
           <a:p>
-            <a:pPr marL="285840" indent="-285480">
+            <a:pPr marL="285840" indent="-285120">
               <a:lnSpc>
                 <a:spcPct val="100000"/>
               </a:lnSpc>
@@ -4678,14 +4380,11 @@
               <a:t>("sf") </a:t>
             </a:r>
             <a:endParaRPr b="0" lang="en-US" sz="2000" spc="-1" strike="noStrike">
-              <a:solidFill>
-                <a:srgbClr val="000000"/>
-              </a:solidFill>
-              <a:latin typeface="Imago"/>
-            </a:endParaRPr>
-          </a:p>
-          <a:p>
-            <a:pPr marL="285840" indent="-285480">
+              <a:latin typeface="Arial"/>
+            </a:endParaRPr>
+          </a:p>
+          <a:p>
+            <a:pPr marL="285840" indent="-285120">
               <a:lnSpc>
                 <a:spcPct val="100000"/>
               </a:lnSpc>
@@ -4717,14 +4416,11 @@
               <a:t>("raster")</a:t>
             </a:r>
             <a:endParaRPr b="0" lang="en-US" sz="2000" spc="-1" strike="noStrike">
-              <a:solidFill>
-                <a:srgbClr val="000000"/>
-              </a:solidFill>
-              <a:latin typeface="Imago"/>
-            </a:endParaRPr>
-          </a:p>
-          <a:p>
-            <a:pPr marL="285840" indent="-285480">
+              <a:latin typeface="Arial"/>
+            </a:endParaRPr>
+          </a:p>
+          <a:p>
+            <a:pPr marL="285840" indent="-285120">
               <a:lnSpc>
                 <a:spcPct val="100000"/>
               </a:lnSpc>
@@ -4765,14 +4461,11 @@
               <a:t>("spData")</a:t>
             </a:r>
             <a:endParaRPr b="0" lang="en-US" sz="2000" spc="-1" strike="noStrike">
-              <a:solidFill>
-                <a:srgbClr val="000000"/>
-              </a:solidFill>
-              <a:latin typeface="Imago"/>
-            </a:endParaRPr>
-          </a:p>
-          <a:p>
-            <a:pPr marL="285840" indent="-285480">
+              <a:latin typeface="Arial"/>
+            </a:endParaRPr>
+          </a:p>
+          <a:p>
+            <a:pPr marL="285840" indent="-285120">
               <a:lnSpc>
                 <a:spcPct val="100000"/>
               </a:lnSpc>
@@ -4792,7 +4485,16 @@
                 </a:solidFill>
                 <a:latin typeface="Imago"/>
               </a:rPr>
-              <a:t> </a:t>
+              <a:t>devtools::</a:t>
+            </a:r>
+            <a:r>
+              <a:rPr b="1" lang="en-US" sz="2000" spc="-1" strike="noStrike">
+                <a:solidFill>
+                  <a:srgbClr val="000000"/>
+                </a:solidFill>
+                <a:latin typeface="Imago"/>
+              </a:rPr>
+              <a:t>install_github</a:t>
             </a:r>
             <a:r>
               <a:rPr b="0" lang="en-US" sz="2000" spc="-1" strike="noStrike">
@@ -4801,35 +4503,14 @@
                 </a:solidFill>
                 <a:latin typeface="Imago"/>
               </a:rPr>
-              <a:t>devtools::</a:t>
-            </a:r>
-            <a:r>
-              <a:rPr b="1" lang="en-US" sz="2000" spc="-1" strike="noStrike">
-                <a:solidFill>
-                  <a:srgbClr val="000000"/>
-                </a:solidFill>
-                <a:latin typeface="Imago"/>
-              </a:rPr>
-              <a:t>install_github</a:t>
-            </a:r>
-            <a:r>
-              <a:rPr b="0" lang="en-US" sz="2000" spc="-1" strike="noStrike">
-                <a:solidFill>
-                  <a:srgbClr val="000000"/>
-                </a:solidFill>
-                <a:latin typeface="Imago"/>
-              </a:rPr>
               <a:t>("Nowosad/spDataLarge")</a:t>
             </a:r>
             <a:endParaRPr b="0" lang="en-US" sz="2000" spc="-1" strike="noStrike">
-              <a:solidFill>
-                <a:srgbClr val="000000"/>
-              </a:solidFill>
-              <a:latin typeface="Imago"/>
-            </a:endParaRPr>
-          </a:p>
-          <a:p>
-            <a:pPr marL="285840" indent="-285480">
+              <a:latin typeface="Arial"/>
+            </a:endParaRPr>
+          </a:p>
+          <a:p>
+            <a:pPr marL="285840" indent="-285120">
               <a:lnSpc>
                 <a:spcPct val="100000"/>
               </a:lnSpc>
@@ -4852,14 +4533,11 @@
               <a:t>Wczytajcie powyższe pakiety:</a:t>
             </a:r>
             <a:endParaRPr b="0" lang="en-US" sz="2000" spc="-1" strike="noStrike">
-              <a:solidFill>
-                <a:srgbClr val="000000"/>
-              </a:solidFill>
-              <a:latin typeface="Imago"/>
-            </a:endParaRPr>
-          </a:p>
-          <a:p>
-            <a:pPr lvl="1" marL="763560" indent="-286920">
+              <a:latin typeface="Arial"/>
+            </a:endParaRPr>
+          </a:p>
+          <a:p>
+            <a:pPr lvl="1" marL="763560" indent="-286560">
               <a:lnSpc>
                 <a:spcPct val="100000"/>
               </a:lnSpc>
@@ -4869,7 +4547,7 @@
               <a:buClr>
                 <a:srgbClr val="000000"/>
               </a:buClr>
-              <a:buFont typeface="Symbol" charset="2"/>
+              <a:buFont typeface="Symbol"/>
               <a:buChar char=""/>
             </a:pPr>
             <a:r>
@@ -4891,10 +4569,7 @@
               <a:t>	</a:t>
             </a:r>
             <a:endParaRPr b="0" lang="en-US" sz="2000" spc="-1" strike="noStrike">
-              <a:solidFill>
-                <a:srgbClr val="000000"/>
-              </a:solidFill>
-              <a:latin typeface="Imago"/>
+              <a:latin typeface="Arial"/>
             </a:endParaRPr>
           </a:p>
         </p:txBody>
@@ -4950,14 +4625,14 @@
       </p:grpSpPr>
       <p:sp>
         <p:nvSpPr>
-          <p:cNvPr id="129" name="TextShape 1"/>
-          <p:cNvSpPr txBox="1"/>
+          <p:cNvPr id="127" name="CustomShape 1"/>
+          <p:cNvSpPr/>
           <p:nvPr/>
         </p:nvSpPr>
         <p:spPr>
           <a:xfrm>
             <a:off x="517680" y="452520"/>
-            <a:ext cx="9816840" cy="1309320"/>
+            <a:ext cx="9816480" cy="1308960"/>
           </a:xfrm>
           <a:prstGeom prst="rect">
             <a:avLst/>
@@ -4967,6 +4642,12 @@
             <a:noFill/>
           </a:ln>
         </p:spPr>
+        <p:style>
+          <a:lnRef idx="0"/>
+          <a:fillRef idx="0"/>
+          <a:effectRef idx="0"/>
+          <a:fontRef idx="minor"/>
+        </p:style>
         <p:txBody>
           <a:bodyPr lIns="0" rIns="0" tIns="0" bIns="0"/>
           <a:p>
@@ -4985,24 +4666,21 @@
               <a:t>Dane wektorowe</a:t>
             </a:r>
             <a:endParaRPr b="0" lang="en-US" sz="2600" spc="-1" strike="noStrike">
-              <a:solidFill>
-                <a:srgbClr val="000000"/>
-              </a:solidFill>
-              <a:latin typeface="Imago"/>
-            </a:endParaRPr>
-          </a:p>
-        </p:txBody>
-      </p:sp>
-      <p:sp>
-        <p:nvSpPr>
-          <p:cNvPr id="130" name="TextShape 2"/>
-          <p:cNvSpPr txBox="1"/>
+              <a:latin typeface="Arial"/>
+            </a:endParaRPr>
+          </a:p>
+        </p:txBody>
+      </p:sp>
+      <p:sp>
+        <p:nvSpPr>
+          <p:cNvPr id="128" name="CustomShape 2"/>
+          <p:cNvSpPr/>
           <p:nvPr/>
         </p:nvSpPr>
         <p:spPr>
           <a:xfrm>
             <a:off x="529560" y="1806480"/>
-            <a:ext cx="6137640" cy="4471560"/>
+            <a:ext cx="6137280" cy="4471200"/>
           </a:xfrm>
           <a:prstGeom prst="rect">
             <a:avLst/>
@@ -5012,10 +4690,16 @@
             <a:noFill/>
           </a:ln>
         </p:spPr>
+        <p:style>
+          <a:lnRef idx="0"/>
+          <a:fillRef idx="0"/>
+          <a:effectRef idx="0"/>
+          <a:fontRef idx="minor"/>
+        </p:style>
         <p:txBody>
           <a:bodyPr lIns="0" rIns="0" tIns="0" bIns="0"/>
           <a:p>
-            <a:pPr marL="285840" indent="-285480">
+            <a:pPr marL="285840" indent="-285120">
               <a:lnSpc>
                 <a:spcPct val="100000"/>
               </a:lnSpc>
@@ -5038,14 +4722,11 @@
               <a:t>Geometria + tabela atrybutowa</a:t>
             </a:r>
             <a:endParaRPr b="0" lang="en-US" sz="2000" spc="-1" strike="noStrike">
-              <a:solidFill>
-                <a:srgbClr val="000000"/>
-              </a:solidFill>
-              <a:latin typeface="Imago"/>
-            </a:endParaRPr>
-          </a:p>
-          <a:p>
-            <a:pPr marL="285840" indent="-285480">
+              <a:latin typeface="Arial"/>
+            </a:endParaRPr>
+          </a:p>
+          <a:p>
+            <a:pPr marL="285840" indent="-285120">
               <a:lnSpc>
                 <a:spcPct val="100000"/>
               </a:lnSpc>
@@ -5081,14 +4762,11 @@
               <a:t># classes and functions for vector data</a:t>
             </a:r>
             <a:endParaRPr b="0" lang="en-US" sz="2000" spc="-1" strike="noStrike">
-              <a:solidFill>
-                <a:srgbClr val="000000"/>
-              </a:solidFill>
-              <a:latin typeface="Imago"/>
-            </a:endParaRPr>
-          </a:p>
-          <a:p>
-            <a:pPr marL="285840" indent="-285480">
+              <a:latin typeface="Arial"/>
+            </a:endParaRPr>
+          </a:p>
+          <a:p>
+            <a:pPr marL="285840" indent="-285120">
               <a:lnSpc>
                 <a:spcPct val="100000"/>
               </a:lnSpc>
@@ -5115,14 +4793,11 @@
               <a:t>(world)</a:t>
             </a:r>
             <a:endParaRPr b="0" lang="en-US" sz="2000" spc="-1" strike="noStrike">
-              <a:solidFill>
-                <a:srgbClr val="000000"/>
-              </a:solidFill>
-              <a:latin typeface="Imago"/>
-            </a:endParaRPr>
-          </a:p>
-          <a:p>
-            <a:pPr marL="285840" indent="-285480">
+              <a:latin typeface="Arial"/>
+            </a:endParaRPr>
+          </a:p>
+          <a:p>
+            <a:pPr marL="285840" indent="-285120">
               <a:lnSpc>
                 <a:spcPct val="100000"/>
               </a:lnSpc>
@@ -5137,17 +4812,14 @@
                 </a:solidFill>
                 <a:latin typeface="Imago"/>
               </a:rPr>
-              <a:t>class(world</a:t>
+              <a:t>class(world)</a:t>
             </a:r>
             <a:endParaRPr b="0" lang="en-US" sz="2000" spc="-1" strike="noStrike">
-              <a:solidFill>
-                <a:srgbClr val="000000"/>
-              </a:solidFill>
-              <a:latin typeface="Imago"/>
-            </a:endParaRPr>
-          </a:p>
-          <a:p>
-            <a:pPr marL="285840" indent="-285480">
+              <a:latin typeface="Arial"/>
+            </a:endParaRPr>
+          </a:p>
+          <a:p>
+            <a:pPr marL="285840" indent="-285120">
               <a:lnSpc>
                 <a:spcPct val="100000"/>
               </a:lnSpc>
@@ -5174,14 +4846,11 @@
               <a:t>(world)</a:t>
             </a:r>
             <a:endParaRPr b="0" lang="en-US" sz="2000" spc="-1" strike="noStrike">
-              <a:solidFill>
-                <a:srgbClr val="000000"/>
-              </a:solidFill>
-              <a:latin typeface="Imago"/>
-            </a:endParaRPr>
-          </a:p>
-          <a:p>
-            <a:pPr marL="285840" indent="-285480">
+              <a:latin typeface="Arial"/>
+            </a:endParaRPr>
+          </a:p>
+          <a:p>
+            <a:pPr marL="285840" indent="-285120">
               <a:lnSpc>
                 <a:spcPct val="100000"/>
               </a:lnSpc>
@@ -5208,14 +4877,11 @@
               <a:t>(world["lifeExp"]) </a:t>
             </a:r>
             <a:endParaRPr b="0" lang="en-US" sz="2000" spc="-1" strike="noStrike">
-              <a:solidFill>
-                <a:srgbClr val="000000"/>
-              </a:solidFill>
-              <a:latin typeface="Imago"/>
-            </a:endParaRPr>
-          </a:p>
-          <a:p>
-            <a:pPr marL="285840" indent="-285480">
+              <a:latin typeface="Arial"/>
+            </a:endParaRPr>
+          </a:p>
+          <a:p>
+            <a:pPr marL="285840" indent="-285120">
               <a:lnSpc>
                 <a:spcPct val="100000"/>
               </a:lnSpc>
@@ -5242,14 +4908,11 @@
               <a:t>world_mini = world[1:2, 1:3]</a:t>
             </a:r>
             <a:endParaRPr b="0" lang="en-US" sz="2000" spc="-1" strike="noStrike">
-              <a:solidFill>
-                <a:srgbClr val="000000"/>
-              </a:solidFill>
-              <a:latin typeface="Imago"/>
-            </a:endParaRPr>
-          </a:p>
-          <a:p>
-            <a:pPr marL="285840" indent="-285480">
+              <a:latin typeface="Arial"/>
+            </a:endParaRPr>
+          </a:p>
+          <a:p>
+            <a:pPr marL="285840" indent="-285120">
               <a:lnSpc>
                 <a:spcPct val="100000"/>
               </a:lnSpc>
@@ -5276,17 +4939,14 @@
               <a:t>world_mini</a:t>
             </a:r>
             <a:endParaRPr b="0" lang="en-US" sz="2000" spc="-1" strike="noStrike">
-              <a:solidFill>
-                <a:srgbClr val="000000"/>
-              </a:solidFill>
-              <a:latin typeface="Imago"/>
+              <a:latin typeface="Arial"/>
             </a:endParaRPr>
           </a:p>
         </p:txBody>
       </p:sp>
       <p:pic>
         <p:nvPicPr>
-          <p:cNvPr id="131" name="Picture 4" descr=""/>
+          <p:cNvPr id="129" name="Picture 4" descr=""/>
           <p:cNvPicPr/>
           <p:nvPr/>
         </p:nvPicPr>
@@ -5297,7 +4957,7 @@
         <p:spPr>
           <a:xfrm>
             <a:off x="6381720" y="928800"/>
-            <a:ext cx="5595480" cy="5595480"/>
+            <a:ext cx="5595120" cy="5595120"/>
           </a:xfrm>
           <a:prstGeom prst="rect">
             <a:avLst/>
@@ -5358,14 +5018,14 @@
       </p:grpSpPr>
       <p:sp>
         <p:nvSpPr>
-          <p:cNvPr id="132" name="TextShape 1"/>
-          <p:cNvSpPr txBox="1"/>
+          <p:cNvPr id="130" name="CustomShape 1"/>
+          <p:cNvSpPr/>
           <p:nvPr/>
         </p:nvSpPr>
         <p:spPr>
           <a:xfrm>
             <a:off x="517680" y="452520"/>
-            <a:ext cx="9816840" cy="1309320"/>
+            <a:ext cx="9816480" cy="1308960"/>
           </a:xfrm>
           <a:prstGeom prst="rect">
             <a:avLst/>
@@ -5375,6 +5035,12 @@
             <a:noFill/>
           </a:ln>
         </p:spPr>
+        <p:style>
+          <a:lnRef idx="0"/>
+          <a:fillRef idx="0"/>
+          <a:effectRef idx="0"/>
+          <a:fontRef idx="minor"/>
+        </p:style>
         <p:txBody>
           <a:bodyPr lIns="0" rIns="0" tIns="0" bIns="0"/>
           <a:p>
@@ -5393,24 +5059,21 @@
               <a:t>Zadanie</a:t>
             </a:r>
             <a:endParaRPr b="0" lang="en-US" sz="2600" spc="-1" strike="noStrike">
-              <a:solidFill>
-                <a:srgbClr val="000000"/>
-              </a:solidFill>
-              <a:latin typeface="Imago"/>
-            </a:endParaRPr>
-          </a:p>
-        </p:txBody>
-      </p:sp>
-      <p:sp>
-        <p:nvSpPr>
-          <p:cNvPr id="133" name="TextShape 2"/>
-          <p:cNvSpPr txBox="1"/>
+              <a:latin typeface="Arial"/>
+            </a:endParaRPr>
+          </a:p>
+        </p:txBody>
+      </p:sp>
+      <p:sp>
+        <p:nvSpPr>
+          <p:cNvPr id="131" name="CustomShape 2"/>
+          <p:cNvSpPr/>
           <p:nvPr/>
         </p:nvSpPr>
         <p:spPr>
           <a:xfrm>
             <a:off x="529560" y="1806480"/>
-            <a:ext cx="11138400" cy="4471560"/>
+            <a:ext cx="11138040" cy="4471200"/>
           </a:xfrm>
           <a:prstGeom prst="rect">
             <a:avLst/>
@@ -5420,10 +5083,16 @@
             <a:noFill/>
           </a:ln>
         </p:spPr>
+        <p:style>
+          <a:lnRef idx="0"/>
+          <a:fillRef idx="0"/>
+          <a:effectRef idx="0"/>
+          <a:fontRef idx="minor"/>
+        </p:style>
         <p:txBody>
           <a:bodyPr lIns="0" rIns="0" tIns="0" bIns="0"/>
           <a:p>
-            <a:pPr marL="285840" indent="-285480">
+            <a:pPr marL="285840" indent="-285120">
               <a:lnSpc>
                 <a:spcPct val="100000"/>
               </a:lnSpc>
@@ -5446,14 +5115,11 @@
               <a:t>Wyświetlcie mapę krajów Europejskich  wg liczby ludności</a:t>
             </a:r>
             <a:endParaRPr b="0" lang="en-US" sz="2000" spc="-1" strike="noStrike">
-              <a:solidFill>
-                <a:srgbClr val="000000"/>
-              </a:solidFill>
-              <a:latin typeface="Imago"/>
-            </a:endParaRPr>
-          </a:p>
-          <a:p>
-            <a:pPr marL="285840" indent="-285480">
+              <a:latin typeface="Arial"/>
+            </a:endParaRPr>
+          </a:p>
+          <a:p>
+            <a:pPr marL="285840" indent="-285120">
               <a:lnSpc>
                 <a:spcPct val="100000"/>
               </a:lnSpc>
@@ -5476,14 +5142,11 @@
               <a:t>Który kraj posiada najmniejszą liczbę ludności i ile wynosi?</a:t>
             </a:r>
             <a:endParaRPr b="0" lang="en-US" sz="2000" spc="-1" strike="noStrike">
-              <a:solidFill>
-                <a:srgbClr val="000000"/>
-              </a:solidFill>
-              <a:latin typeface="Imago"/>
-            </a:endParaRPr>
-          </a:p>
-          <a:p>
-            <a:pPr marL="285840" indent="-285480">
+              <a:latin typeface="Arial"/>
+            </a:endParaRPr>
+          </a:p>
+          <a:p>
+            <a:pPr marL="285840" indent="-285120">
               <a:lnSpc>
                 <a:spcPct val="100000"/>
               </a:lnSpc>
@@ -5506,14 +5169,11 @@
               <a:t>Ile krajów znajduje się w Azji?</a:t>
             </a:r>
             <a:endParaRPr b="0" lang="en-US" sz="2000" spc="-1" strike="noStrike">
-              <a:solidFill>
-                <a:srgbClr val="000000"/>
-              </a:solidFill>
-              <a:latin typeface="Imago"/>
-            </a:endParaRPr>
-          </a:p>
-          <a:p>
-            <a:pPr marL="285840" indent="-285480">
+              <a:latin typeface="Arial"/>
+            </a:endParaRPr>
+          </a:p>
+          <a:p>
+            <a:pPr marL="285840" indent="-285120">
               <a:lnSpc>
                 <a:spcPct val="100000"/>
               </a:lnSpc>
@@ -5536,14 +5196,11 @@
               <a:t>Wyświetlcie histogram powierzchni  wszystkich niezależnych krajów (Sovereign Country)</a:t>
             </a:r>
             <a:endParaRPr b="0" lang="en-US" sz="2000" spc="-1" strike="noStrike">
-              <a:solidFill>
-                <a:srgbClr val="000000"/>
-              </a:solidFill>
-              <a:latin typeface="Imago"/>
-            </a:endParaRPr>
-          </a:p>
-          <a:p>
-            <a:pPr marL="285840" indent="-285480">
+              <a:latin typeface="Arial"/>
+            </a:endParaRPr>
+          </a:p>
+          <a:p>
+            <a:pPr marL="285840" indent="-285120">
               <a:lnSpc>
                 <a:spcPct val="100000"/>
               </a:lnSpc>
@@ -5566,10 +5223,7 @@
               <a:t>Wyświetlcie wykres punktowy relacji pomiędzy lifeExp, a gdpPercap</a:t>
             </a:r>
             <a:endParaRPr b="0" lang="en-US" sz="2000" spc="-1" strike="noStrike">
-              <a:solidFill>
-                <a:srgbClr val="000000"/>
-              </a:solidFill>
-              <a:latin typeface="Imago"/>
+              <a:latin typeface="Arial"/>
             </a:endParaRPr>
           </a:p>
         </p:txBody>
@@ -5625,14 +5279,14 @@
       </p:grpSpPr>
       <p:sp>
         <p:nvSpPr>
-          <p:cNvPr id="134" name="TextShape 1"/>
-          <p:cNvSpPr txBox="1"/>
+          <p:cNvPr id="132" name="CustomShape 1"/>
+          <p:cNvSpPr/>
           <p:nvPr/>
         </p:nvSpPr>
         <p:spPr>
           <a:xfrm>
             <a:off x="517680" y="452520"/>
-            <a:ext cx="9816840" cy="1309320"/>
+            <a:ext cx="9816480" cy="1308960"/>
           </a:xfrm>
           <a:prstGeom prst="rect">
             <a:avLst/>
@@ -5642,6 +5296,12 @@
             <a:noFill/>
           </a:ln>
         </p:spPr>
+        <p:style>
+          <a:lnRef idx="0"/>
+          <a:fillRef idx="0"/>
+          <a:effectRef idx="0"/>
+          <a:fontRef idx="minor"/>
+        </p:style>
         <p:txBody>
           <a:bodyPr lIns="0" rIns="0" tIns="0" bIns="0"/>
           <a:p>
@@ -5660,24 +5320,21 @@
               <a:t>Dane rastrowe</a:t>
             </a:r>
             <a:endParaRPr b="0" lang="en-US" sz="2600" spc="-1" strike="noStrike">
-              <a:solidFill>
-                <a:srgbClr val="000000"/>
-              </a:solidFill>
-              <a:latin typeface="Imago"/>
-            </a:endParaRPr>
-          </a:p>
-        </p:txBody>
-      </p:sp>
-      <p:sp>
-        <p:nvSpPr>
-          <p:cNvPr id="135" name="TextShape 2"/>
-          <p:cNvSpPr txBox="1"/>
+              <a:latin typeface="Arial"/>
+            </a:endParaRPr>
+          </a:p>
+        </p:txBody>
+      </p:sp>
+      <p:sp>
+        <p:nvSpPr>
+          <p:cNvPr id="133" name="CustomShape 2"/>
+          <p:cNvSpPr/>
           <p:nvPr/>
         </p:nvSpPr>
         <p:spPr>
           <a:xfrm>
             <a:off x="529560" y="1806480"/>
-            <a:ext cx="4851720" cy="4471560"/>
+            <a:ext cx="4851360" cy="4471200"/>
           </a:xfrm>
           <a:prstGeom prst="rect">
             <a:avLst/>
@@ -5687,10 +5344,16 @@
             <a:noFill/>
           </a:ln>
         </p:spPr>
+        <p:style>
+          <a:lnRef idx="0"/>
+          <a:fillRef idx="0"/>
+          <a:effectRef idx="0"/>
+          <a:fontRef idx="minor"/>
+        </p:style>
         <p:txBody>
           <a:bodyPr lIns="0" rIns="0" tIns="0" bIns="0"/>
           <a:p>
-            <a:pPr marL="285840" indent="-285480">
+            <a:pPr marL="285840" indent="-285120">
               <a:lnSpc>
                 <a:spcPct val="100000"/>
               </a:lnSpc>
@@ -5713,14 +5376,11 @@
               <a:t>Macierz wartości ze współrzędnymi (geograficznymi/geodezyjnymi/...)</a:t>
             </a:r>
             <a:endParaRPr b="0" lang="en-US" sz="2000" spc="-1" strike="noStrike">
-              <a:solidFill>
-                <a:srgbClr val="000000"/>
-              </a:solidFill>
-              <a:latin typeface="Imago"/>
-            </a:endParaRPr>
-          </a:p>
-          <a:p>
-            <a:pPr marL="285840" indent="-285480">
+              <a:latin typeface="Arial"/>
+            </a:endParaRPr>
+          </a:p>
+          <a:p>
+            <a:pPr marL="285840" indent="-285120">
               <a:lnSpc>
                 <a:spcPct val="100000"/>
               </a:lnSpc>
@@ -5761,10 +5421,7 @@
               <a:t># classes and functions for raster data</a:t>
             </a:r>
             <a:endParaRPr b="0" lang="en-US" sz="2000" spc="-1" strike="noStrike">
-              <a:solidFill>
-                <a:srgbClr val="000000"/>
-              </a:solidFill>
-              <a:latin typeface="Imago"/>
+              <a:latin typeface="Arial"/>
             </a:endParaRPr>
           </a:p>
           <a:p>
@@ -5777,17 +5434,14 @@
               </a:spcBef>
             </a:pPr>
             <a:endParaRPr b="0" lang="en-US" sz="2000" spc="-1" strike="noStrike">
-              <a:solidFill>
-                <a:srgbClr val="000000"/>
-              </a:solidFill>
-              <a:latin typeface="Imago"/>
+              <a:latin typeface="Arial"/>
             </a:endParaRPr>
           </a:p>
         </p:txBody>
       </p:sp>
       <p:pic>
         <p:nvPicPr>
-          <p:cNvPr id="136" name="Picture 2" descr=""/>
+          <p:cNvPr id="134" name="Picture 2" descr=""/>
           <p:cNvPicPr/>
           <p:nvPr/>
         </p:nvPicPr>
@@ -5798,7 +5452,7 @@
         <p:spPr>
           <a:xfrm>
             <a:off x="5385960" y="2657520"/>
-            <a:ext cx="6805440" cy="4200120"/>
+            <a:ext cx="6805080" cy="4199760"/>
           </a:xfrm>
           <a:prstGeom prst="rect">
             <a:avLst/>
@@ -5859,14 +5513,14 @@
       </p:grpSpPr>
       <p:sp>
         <p:nvSpPr>
-          <p:cNvPr id="137" name="TextShape 1"/>
-          <p:cNvSpPr txBox="1"/>
+          <p:cNvPr id="135" name="CustomShape 1"/>
+          <p:cNvSpPr/>
           <p:nvPr/>
         </p:nvSpPr>
         <p:spPr>
           <a:xfrm>
             <a:off x="517680" y="452520"/>
-            <a:ext cx="9816840" cy="1309320"/>
+            <a:ext cx="9816480" cy="1308960"/>
           </a:xfrm>
           <a:prstGeom prst="rect">
             <a:avLst/>
@@ -5876,6 +5530,12 @@
             <a:noFill/>
           </a:ln>
         </p:spPr>
+        <p:style>
+          <a:lnRef idx="0"/>
+          <a:fillRef idx="0"/>
+          <a:effectRef idx="0"/>
+          <a:fontRef idx="minor"/>
+        </p:style>
         <p:txBody>
           <a:bodyPr lIns="0" rIns="0" tIns="0" bIns="0"/>
           <a:p>
@@ -5894,17 +5554,14 @@
               <a:t>Dane rastrowe</a:t>
             </a:r>
             <a:endParaRPr b="0" lang="en-US" sz="2600" spc="-1" strike="noStrike">
-              <a:solidFill>
-                <a:srgbClr val="000000"/>
-              </a:solidFill>
-              <a:latin typeface="Imago"/>
+              <a:latin typeface="Arial"/>
             </a:endParaRPr>
           </a:p>
         </p:txBody>
       </p:sp>
       <p:pic>
         <p:nvPicPr>
-          <p:cNvPr id="138" name="Picture 4" descr=""/>
+          <p:cNvPr id="136" name="Picture 4" descr=""/>
           <p:cNvPicPr/>
           <p:nvPr/>
         </p:nvPicPr>
@@ -5915,7 +5572,7 @@
         <p:spPr>
           <a:xfrm>
             <a:off x="1380960" y="785880"/>
-            <a:ext cx="9293040" cy="5735520"/>
+            <a:ext cx="9292680" cy="5735160"/>
           </a:xfrm>
           <a:prstGeom prst="rect">
             <a:avLst/>
@@ -5976,14 +5633,14 @@
       </p:grpSpPr>
       <p:sp>
         <p:nvSpPr>
-          <p:cNvPr id="139" name="TextShape 1"/>
-          <p:cNvSpPr txBox="1"/>
+          <p:cNvPr id="137" name="CustomShape 1"/>
+          <p:cNvSpPr/>
           <p:nvPr/>
         </p:nvSpPr>
         <p:spPr>
           <a:xfrm>
             <a:off x="517680" y="452520"/>
-            <a:ext cx="9816840" cy="1309320"/>
+            <a:ext cx="9816480" cy="1308960"/>
           </a:xfrm>
           <a:prstGeom prst="rect">
             <a:avLst/>
@@ -5993,6 +5650,12 @@
             <a:noFill/>
           </a:ln>
         </p:spPr>
+        <p:style>
+          <a:lnRef idx="0"/>
+          <a:fillRef idx="0"/>
+          <a:effectRef idx="0"/>
+          <a:fontRef idx="minor"/>
+        </p:style>
         <p:txBody>
           <a:bodyPr lIns="0" rIns="0" tIns="0" bIns="0"/>
           <a:p>
@@ -6011,24 +5674,21 @@
               <a:t>Dane rastrowe</a:t>
             </a:r>
             <a:endParaRPr b="0" lang="en-US" sz="2600" spc="-1" strike="noStrike">
-              <a:solidFill>
-                <a:srgbClr val="000000"/>
-              </a:solidFill>
-              <a:latin typeface="Imago"/>
-            </a:endParaRPr>
-          </a:p>
-        </p:txBody>
-      </p:sp>
-      <p:sp>
-        <p:nvSpPr>
-          <p:cNvPr id="140" name="TextShape 2"/>
-          <p:cNvSpPr txBox="1"/>
+              <a:latin typeface="Arial"/>
+            </a:endParaRPr>
+          </a:p>
+        </p:txBody>
+      </p:sp>
+      <p:sp>
+        <p:nvSpPr>
+          <p:cNvPr id="138" name="CustomShape 2"/>
+          <p:cNvSpPr/>
           <p:nvPr/>
         </p:nvSpPr>
         <p:spPr>
           <a:xfrm>
             <a:off x="529560" y="1806480"/>
-            <a:ext cx="11138400" cy="4471560"/>
+            <a:ext cx="11138040" cy="4471200"/>
           </a:xfrm>
           <a:prstGeom prst="rect">
             <a:avLst/>
@@ -6038,10 +5698,16 @@
             <a:noFill/>
           </a:ln>
         </p:spPr>
+        <p:style>
+          <a:lnRef idx="0"/>
+          <a:fillRef idx="0"/>
+          <a:effectRef idx="0"/>
+          <a:fontRef idx="minor"/>
+        </p:style>
         <p:txBody>
           <a:bodyPr lIns="0" rIns="0" tIns="0" bIns="0"/>
           <a:p>
-            <a:pPr marL="285840" indent="-285480">
+            <a:pPr marL="285840" indent="-285120">
               <a:lnSpc>
                 <a:spcPct val="100000"/>
               </a:lnSpc>
@@ -6082,14 +5748,11 @@
               <a:t>("raster/srtm.tif", package = "spDataLarge")</a:t>
             </a:r>
             <a:endParaRPr b="0" lang="en-US" sz="2000" spc="-1" strike="noStrike">
-              <a:solidFill>
-                <a:srgbClr val="000000"/>
-              </a:solidFill>
-              <a:latin typeface="Imago"/>
-            </a:endParaRPr>
-          </a:p>
-          <a:p>
-            <a:pPr marL="285840" indent="-285480">
+              <a:latin typeface="Arial"/>
+            </a:endParaRPr>
+          </a:p>
+          <a:p>
+            <a:pPr marL="285840" indent="-285120">
               <a:lnSpc>
                 <a:spcPct val="100000"/>
               </a:lnSpc>
@@ -6109,7 +5772,16 @@
                 </a:solidFill>
                 <a:latin typeface="Imago"/>
               </a:rPr>
-              <a:t> </a:t>
+              <a:t>new_raster = </a:t>
+            </a:r>
+            <a:r>
+              <a:rPr b="1" lang="en-US" sz="2000" spc="-1" strike="noStrike">
+                <a:solidFill>
+                  <a:srgbClr val="000000"/>
+                </a:solidFill>
+                <a:latin typeface="Imago"/>
+              </a:rPr>
+              <a:t>raster</a:t>
             </a:r>
             <a:r>
               <a:rPr b="0" lang="en-US" sz="2000" spc="-1" strike="noStrike">
@@ -6118,35 +5790,14 @@
                 </a:solidFill>
                 <a:latin typeface="Imago"/>
               </a:rPr>
-              <a:t>new_raster = </a:t>
-            </a:r>
-            <a:r>
-              <a:rPr b="1" lang="en-US" sz="2000" spc="-1" strike="noStrike">
-                <a:solidFill>
-                  <a:srgbClr val="000000"/>
-                </a:solidFill>
-                <a:latin typeface="Imago"/>
-              </a:rPr>
-              <a:t>raster</a:t>
-            </a:r>
-            <a:r>
-              <a:rPr b="0" lang="en-US" sz="2000" spc="-1" strike="noStrike">
-                <a:solidFill>
-                  <a:srgbClr val="000000"/>
-                </a:solidFill>
-                <a:latin typeface="Imago"/>
-              </a:rPr>
               <a:t>(raster_filepath)</a:t>
             </a:r>
             <a:endParaRPr b="0" lang="en-US" sz="2000" spc="-1" strike="noStrike">
-              <a:solidFill>
-                <a:srgbClr val="000000"/>
-              </a:solidFill>
-              <a:latin typeface="Imago"/>
-            </a:endParaRPr>
-          </a:p>
-          <a:p>
-            <a:pPr marL="285840" indent="-285480">
+              <a:latin typeface="Arial"/>
+            </a:endParaRPr>
+          </a:p>
+          <a:p>
+            <a:pPr marL="285840" indent="-285120">
               <a:lnSpc>
                 <a:spcPct val="100000"/>
               </a:lnSpc>
@@ -6169,14 +5820,11 @@
               <a:t>new_raster</a:t>
             </a:r>
             <a:endParaRPr b="0" lang="en-US" sz="2000" spc="-1" strike="noStrike">
-              <a:solidFill>
-                <a:srgbClr val="000000"/>
-              </a:solidFill>
-              <a:latin typeface="Imago"/>
-            </a:endParaRPr>
-          </a:p>
-          <a:p>
-            <a:pPr marL="285840" indent="-285480">
+              <a:latin typeface="Arial"/>
+            </a:endParaRPr>
+          </a:p>
+          <a:p>
+            <a:pPr marL="285840" indent="-285120">
               <a:lnSpc>
                 <a:spcPct val="100000"/>
               </a:lnSpc>
@@ -6199,14 +5847,11 @@
               <a:t>new_raster[ ]</a:t>
             </a:r>
             <a:endParaRPr b="0" lang="en-US" sz="2000" spc="-1" strike="noStrike">
-              <a:solidFill>
-                <a:srgbClr val="000000"/>
-              </a:solidFill>
-              <a:latin typeface="Imago"/>
-            </a:endParaRPr>
-          </a:p>
-          <a:p>
-            <a:pPr marL="285840" indent="-285480">
+              <a:latin typeface="Arial"/>
+            </a:endParaRPr>
+          </a:p>
+          <a:p>
+            <a:pPr marL="285840" indent="-285120">
               <a:lnSpc>
                 <a:spcPct val="100000"/>
               </a:lnSpc>
@@ -6248,10 +5893,7 @@
               <a:t> </a:t>
             </a:r>
             <a:endParaRPr b="0" lang="en-US" sz="2000" spc="-1" strike="noStrike">
-              <a:solidFill>
-                <a:srgbClr val="000000"/>
-              </a:solidFill>
-              <a:latin typeface="Imago"/>
+              <a:latin typeface="Arial"/>
             </a:endParaRPr>
           </a:p>
         </p:txBody>
@@ -6307,14 +5949,14 @@
       </p:grpSpPr>
       <p:sp>
         <p:nvSpPr>
-          <p:cNvPr id="141" name="TextShape 1"/>
-          <p:cNvSpPr txBox="1"/>
+          <p:cNvPr id="139" name="CustomShape 1"/>
+          <p:cNvSpPr/>
           <p:nvPr/>
         </p:nvSpPr>
         <p:spPr>
           <a:xfrm>
             <a:off x="517680" y="452520"/>
-            <a:ext cx="9816840" cy="1309320"/>
+            <a:ext cx="9816480" cy="1308960"/>
           </a:xfrm>
           <a:prstGeom prst="rect">
             <a:avLst/>
@@ -6324,6 +5966,12 @@
             <a:noFill/>
           </a:ln>
         </p:spPr>
+        <p:style>
+          <a:lnRef idx="0"/>
+          <a:fillRef idx="0"/>
+          <a:effectRef idx="0"/>
+          <a:fontRef idx="minor"/>
+        </p:style>
         <p:txBody>
           <a:bodyPr lIns="0" rIns="0" tIns="0" bIns="0"/>
           <a:p>
@@ -6342,24 +5990,21 @@
               <a:t>Zadanie</a:t>
             </a:r>
             <a:endParaRPr b="0" lang="en-US" sz="2600" spc="-1" strike="noStrike">
-              <a:solidFill>
-                <a:srgbClr val="000000"/>
-              </a:solidFill>
-              <a:latin typeface="Imago"/>
-            </a:endParaRPr>
-          </a:p>
-        </p:txBody>
-      </p:sp>
-      <p:sp>
-        <p:nvSpPr>
-          <p:cNvPr id="142" name="TextShape 2"/>
-          <p:cNvSpPr txBox="1"/>
+              <a:latin typeface="Arial"/>
+            </a:endParaRPr>
+          </a:p>
+        </p:txBody>
+      </p:sp>
+      <p:sp>
+        <p:nvSpPr>
+          <p:cNvPr id="140" name="CustomShape 2"/>
+          <p:cNvSpPr/>
           <p:nvPr/>
         </p:nvSpPr>
         <p:spPr>
           <a:xfrm>
             <a:off x="529560" y="1806480"/>
-            <a:ext cx="11138400" cy="4471560"/>
+            <a:ext cx="11138040" cy="4471200"/>
           </a:xfrm>
           <a:prstGeom prst="rect">
             <a:avLst/>
@@ -6369,10 +6014,16 @@
             <a:noFill/>
           </a:ln>
         </p:spPr>
+        <p:style>
+          <a:lnRef idx="0"/>
+          <a:fillRef idx="0"/>
+          <a:effectRef idx="0"/>
+          <a:fontRef idx="minor"/>
+        </p:style>
         <p:txBody>
           <a:bodyPr lIns="0" rIns="0" tIns="0" bIns="0"/>
           <a:p>
-            <a:pPr marL="285840" indent="-285480">
+            <a:pPr marL="285840" indent="-285120">
               <a:lnSpc>
                 <a:spcPct val="100000"/>
               </a:lnSpc>
@@ -6395,14 +6046,11 @@
               <a:t>Jaka jest maksymalna wysokość w danym obrazie rastrowym?</a:t>
             </a:r>
             <a:endParaRPr b="0" lang="en-US" sz="2000" spc="-1" strike="noStrike">
-              <a:solidFill>
-                <a:srgbClr val="000000"/>
-              </a:solidFill>
-              <a:latin typeface="Imago"/>
-            </a:endParaRPr>
-          </a:p>
-          <a:p>
-            <a:pPr marL="285840" indent="-285480">
+              <a:latin typeface="Arial"/>
+            </a:endParaRPr>
+          </a:p>
+          <a:p>
+            <a:pPr marL="285840" indent="-285120">
               <a:lnSpc>
                 <a:spcPct val="100000"/>
               </a:lnSpc>
@@ -6422,13 +6070,10 @@
                 </a:solidFill>
                 <a:latin typeface="Imago"/>
               </a:rPr>
-              <a:t>Jaki jest rozkład wartości obrazu rastrowego?</a:t>
+              <a:t>Jaki jest rozkład wartości obrazu rastrowego (histogram)?</a:t>
             </a:r>
             <a:endParaRPr b="0" lang="en-US" sz="2000" spc="-1" strike="noStrike">
-              <a:solidFill>
-                <a:srgbClr val="000000"/>
-              </a:solidFill>
-              <a:latin typeface="Imago"/>
+              <a:latin typeface="Arial"/>
             </a:endParaRPr>
           </a:p>
           <a:p>
@@ -6441,10 +6086,7 @@
               </a:spcBef>
             </a:pPr>
             <a:endParaRPr b="0" lang="en-US" sz="2000" spc="-1" strike="noStrike">
-              <a:solidFill>
-                <a:srgbClr val="000000"/>
-              </a:solidFill>
-              <a:latin typeface="Imago"/>
+              <a:latin typeface="Arial"/>
             </a:endParaRPr>
           </a:p>
         </p:txBody>
@@ -6500,14 +6142,14 @@
       </p:grpSpPr>
       <p:sp>
         <p:nvSpPr>
-          <p:cNvPr id="143" name="CustomShape 1"/>
+          <p:cNvPr id="141" name="CustomShape 1"/>
           <p:cNvSpPr/>
           <p:nvPr/>
         </p:nvSpPr>
         <p:spPr>
           <a:xfrm>
             <a:off x="-3240" y="6843600"/>
-            <a:ext cx="56880" cy="45720"/>
+            <a:ext cx="56520" cy="45360"/>
           </a:xfrm>
           <a:prstGeom prst="rect">
             <a:avLst/>
@@ -6528,14 +6170,14 @@
       </p:sp>
       <p:sp>
         <p:nvSpPr>
-          <p:cNvPr id="144" name="TextShape 2"/>
-          <p:cNvSpPr txBox="1"/>
+          <p:cNvPr id="142" name="CustomShape 2"/>
+          <p:cNvSpPr/>
           <p:nvPr/>
         </p:nvSpPr>
         <p:spPr>
           <a:xfrm>
             <a:off x="530280" y="2924280"/>
-            <a:ext cx="11137680" cy="1009440"/>
+            <a:ext cx="11137320" cy="1009080"/>
           </a:xfrm>
           <a:prstGeom prst="rect">
             <a:avLst/>
@@ -6545,6 +6187,12 @@
             <a:noFill/>
           </a:ln>
         </p:spPr>
+        <p:style>
+          <a:lnRef idx="0"/>
+          <a:fillRef idx="0"/>
+          <a:effectRef idx="0"/>
+          <a:fontRef idx="minor"/>
+        </p:style>
         <p:txBody>
           <a:bodyPr lIns="0" rIns="0" tIns="0" bIns="0" anchor="ctr"/>
           <a:p>
@@ -6566,24 +6214,21 @@
               <a:t>Doing now what patients need next</a:t>
             </a:r>
             <a:endParaRPr b="0" lang="en-US" sz="6100" spc="-1" strike="noStrike">
-              <a:solidFill>
-                <a:srgbClr val="000000"/>
-              </a:solidFill>
-              <a:latin typeface="Imago"/>
-            </a:endParaRPr>
-          </a:p>
-        </p:txBody>
-      </p:sp>
-      <p:sp>
-        <p:nvSpPr>
-          <p:cNvPr id="145" name="CustomShape 3" hidden="1"/>
+              <a:latin typeface="Arial"/>
+            </a:endParaRPr>
+          </a:p>
+        </p:txBody>
+      </p:sp>
+      <p:sp>
+        <p:nvSpPr>
+          <p:cNvPr id="143" name="CustomShape 3" hidden="1"/>
           <p:cNvSpPr/>
           <p:nvPr/>
         </p:nvSpPr>
         <p:spPr>
           <a:xfrm>
             <a:off x="401760" y="6093000"/>
-            <a:ext cx="5625720" cy="261720"/>
+            <a:ext cx="5625360" cy="261360"/>
           </a:xfrm>
           <a:prstGeom prst="rect">
             <a:avLst/>
@@ -6651,14 +6296,14 @@
       </p:grpSpPr>
       <p:sp>
         <p:nvSpPr>
-          <p:cNvPr id="106" name="TextShape 1"/>
-          <p:cNvSpPr txBox="1"/>
+          <p:cNvPr id="104" name="CustomShape 1"/>
+          <p:cNvSpPr/>
           <p:nvPr/>
         </p:nvSpPr>
         <p:spPr>
           <a:xfrm>
             <a:off x="517680" y="452520"/>
-            <a:ext cx="9816840" cy="1309320"/>
+            <a:ext cx="9816480" cy="1308960"/>
           </a:xfrm>
           <a:prstGeom prst="rect">
             <a:avLst/>
@@ -6668,6 +6313,12 @@
             <a:noFill/>
           </a:ln>
         </p:spPr>
+        <p:style>
+          <a:lnRef idx="0"/>
+          <a:fillRef idx="0"/>
+          <a:effectRef idx="0"/>
+          <a:fontRef idx="minor"/>
+        </p:style>
         <p:txBody>
           <a:bodyPr lIns="0" rIns="0" tIns="0" bIns="0"/>
           <a:p>
@@ -6686,24 +6337,21 @@
               <a:t>Who am I?</a:t>
             </a:r>
             <a:endParaRPr b="0" lang="en-US" sz="2600" spc="-1" strike="noStrike">
-              <a:solidFill>
-                <a:srgbClr val="000000"/>
-              </a:solidFill>
-              <a:latin typeface="Imago"/>
-            </a:endParaRPr>
-          </a:p>
-        </p:txBody>
-      </p:sp>
-      <p:sp>
-        <p:nvSpPr>
-          <p:cNvPr id="107" name="TextShape 2"/>
-          <p:cNvSpPr txBox="1"/>
+              <a:latin typeface="Arial"/>
+            </a:endParaRPr>
+          </a:p>
+        </p:txBody>
+      </p:sp>
+      <p:sp>
+        <p:nvSpPr>
+          <p:cNvPr id="105" name="CustomShape 2"/>
+          <p:cNvSpPr/>
           <p:nvPr/>
         </p:nvSpPr>
         <p:spPr>
           <a:xfrm>
             <a:off x="529560" y="1806480"/>
-            <a:ext cx="11138400" cy="4471560"/>
+            <a:ext cx="11138040" cy="4471200"/>
           </a:xfrm>
           <a:prstGeom prst="rect">
             <a:avLst/>
@@ -6713,6 +6361,12 @@
             <a:noFill/>
           </a:ln>
         </p:spPr>
+        <p:style>
+          <a:lnRef idx="0"/>
+          <a:fillRef idx="0"/>
+          <a:effectRef idx="0"/>
+          <a:fontRef idx="minor"/>
+        </p:style>
         <p:txBody>
           <a:bodyPr lIns="0" rIns="0" tIns="0" bIns="0"/>
           <a:p>
@@ -6724,11 +6378,8 @@
                 <a:spcPts val="1500"/>
               </a:spcBef>
             </a:pPr>
-            <a:endParaRPr b="0" lang="en-US" sz="2000" spc="-1" strike="noStrike">
-              <a:solidFill>
-                <a:srgbClr val="000000"/>
-              </a:solidFill>
-              <a:latin typeface="Imago"/>
+            <a:endParaRPr b="0" lang="en-US" sz="1800" spc="-1" strike="noStrike">
+              <a:latin typeface="Arial"/>
             </a:endParaRPr>
           </a:p>
           <a:p>
@@ -6740,11 +6391,8 @@
                 <a:spcPts val="1500"/>
               </a:spcBef>
             </a:pPr>
-            <a:endParaRPr b="0" lang="en-US" sz="2000" spc="-1" strike="noStrike">
-              <a:solidFill>
-                <a:srgbClr val="000000"/>
-              </a:solidFill>
-              <a:latin typeface="Imago"/>
+            <a:endParaRPr b="0" lang="en-US" sz="1800" spc="-1" strike="noStrike">
+              <a:latin typeface="Arial"/>
             </a:endParaRPr>
           </a:p>
           <a:p>
@@ -6756,11 +6404,8 @@
                 <a:spcPts val="1500"/>
               </a:spcBef>
             </a:pPr>
-            <a:endParaRPr b="0" lang="en-US" sz="2000" spc="-1" strike="noStrike">
-              <a:solidFill>
-                <a:srgbClr val="000000"/>
-              </a:solidFill>
-              <a:latin typeface="Imago"/>
+            <a:endParaRPr b="0" lang="en-US" sz="1800" spc="-1" strike="noStrike">
+              <a:latin typeface="Arial"/>
             </a:endParaRPr>
           </a:p>
           <a:p>
@@ -6772,11 +6417,8 @@
                 <a:spcPts val="1500"/>
               </a:spcBef>
             </a:pPr>
-            <a:endParaRPr b="0" lang="en-US" sz="2000" spc="-1" strike="noStrike">
-              <a:solidFill>
-                <a:srgbClr val="000000"/>
-              </a:solidFill>
-              <a:latin typeface="Imago"/>
+            <a:endParaRPr b="0" lang="en-US" sz="1800" spc="-1" strike="noStrike">
+              <a:latin typeface="Arial"/>
             </a:endParaRPr>
           </a:p>
           <a:p>
@@ -6788,11 +6430,8 @@
                 <a:spcPts val="1500"/>
               </a:spcBef>
             </a:pPr>
-            <a:endParaRPr b="0" lang="en-US" sz="2000" spc="-1" strike="noStrike">
-              <a:solidFill>
-                <a:srgbClr val="000000"/>
-              </a:solidFill>
-              <a:latin typeface="Imago"/>
+            <a:endParaRPr b="0" lang="en-US" sz="1800" spc="-1" strike="noStrike">
+              <a:latin typeface="Arial"/>
             </a:endParaRPr>
           </a:p>
           <a:p>
@@ -6804,11 +6443,8 @@
                 <a:spcPts val="1500"/>
               </a:spcBef>
             </a:pPr>
-            <a:endParaRPr b="0" lang="en-US" sz="2000" spc="-1" strike="noStrike">
-              <a:solidFill>
-                <a:srgbClr val="000000"/>
-              </a:solidFill>
-              <a:latin typeface="Imago"/>
+            <a:endParaRPr b="0" lang="en-US" sz="1800" spc="-1" strike="noStrike">
+              <a:latin typeface="Arial"/>
             </a:endParaRPr>
           </a:p>
           <a:p>
@@ -6820,15 +6456,12 @@
                 <a:spcPts val="1500"/>
               </a:spcBef>
             </a:pPr>
-            <a:endParaRPr b="0" lang="en-US" sz="2000" spc="-1" strike="noStrike">
-              <a:solidFill>
-                <a:srgbClr val="000000"/>
-              </a:solidFill>
-              <a:latin typeface="Imago"/>
-            </a:endParaRPr>
-          </a:p>
-          <a:p>
-            <a:pPr marL="285840" indent="-285480">
+            <a:endParaRPr b="0" lang="en-US" sz="1800" spc="-1" strike="noStrike">
+              <a:latin typeface="Arial"/>
+            </a:endParaRPr>
+          </a:p>
+          <a:p>
+            <a:pPr marL="285840" indent="-285120">
               <a:lnSpc>
                 <a:spcPct val="100000"/>
               </a:lnSpc>
@@ -6851,10 +6484,7 @@
               <a:t>Kontakt:</a:t>
             </a:r>
             <a:endParaRPr b="0" lang="en-US" sz="2000" spc="-1" strike="noStrike">
-              <a:solidFill>
-                <a:srgbClr val="000000"/>
-              </a:solidFill>
-              <a:latin typeface="Imago"/>
+              <a:latin typeface="Arial"/>
             </a:endParaRPr>
           </a:p>
           <a:p>
@@ -6876,17 +6506,14 @@
               <a:t>adam.dabrowski@amu.edu.pl</a:t>
             </a:r>
             <a:endParaRPr b="0" lang="en-US" sz="2000" spc="-1" strike="noStrike">
-              <a:solidFill>
-                <a:srgbClr val="000000"/>
-              </a:solidFill>
-              <a:latin typeface="Imago"/>
+              <a:latin typeface="Arial"/>
             </a:endParaRPr>
           </a:p>
         </p:txBody>
       </p:sp>
       <p:pic>
         <p:nvPicPr>
-          <p:cNvPr id="108" name="Picture 3" descr=""/>
+          <p:cNvPr id="106" name="Picture 3" descr=""/>
           <p:cNvPicPr/>
           <p:nvPr/>
         </p:nvPicPr>
@@ -6898,7 +6525,7 @@
         <p:spPr>
           <a:xfrm>
             <a:off x="4871880" y="908640"/>
-            <a:ext cx="6624360" cy="5034600"/>
+            <a:ext cx="6624000" cy="5034240"/>
           </a:xfrm>
           <a:prstGeom prst="rect">
             <a:avLst/>
@@ -6910,7 +6537,7 @@
       </p:pic>
       <p:pic>
         <p:nvPicPr>
-          <p:cNvPr id="109" name="Picture 4" descr=""/>
+          <p:cNvPr id="107" name="Picture 4" descr=""/>
           <p:cNvPicPr/>
           <p:nvPr/>
         </p:nvPicPr>
@@ -6921,7 +6548,7 @@
         <p:spPr>
           <a:xfrm>
             <a:off x="1343520" y="1806480"/>
-            <a:ext cx="2378880" cy="3330360"/>
+            <a:ext cx="2378520" cy="3330000"/>
           </a:xfrm>
           <a:prstGeom prst="rect">
             <a:avLst/>
@@ -6982,14 +6609,14 @@
       </p:grpSpPr>
       <p:sp>
         <p:nvSpPr>
-          <p:cNvPr id="110" name="TextShape 1"/>
-          <p:cNvSpPr txBox="1"/>
+          <p:cNvPr id="108" name="CustomShape 1"/>
+          <p:cNvSpPr/>
           <p:nvPr/>
         </p:nvSpPr>
         <p:spPr>
           <a:xfrm>
             <a:off x="517680" y="452520"/>
-            <a:ext cx="9816840" cy="1309320"/>
+            <a:ext cx="9816480" cy="1308960"/>
           </a:xfrm>
           <a:prstGeom prst="rect">
             <a:avLst/>
@@ -6999,6 +6626,12 @@
             <a:noFill/>
           </a:ln>
         </p:spPr>
+        <p:style>
+          <a:lnRef idx="0"/>
+          <a:fillRef idx="0"/>
+          <a:effectRef idx="0"/>
+          <a:fontRef idx="minor"/>
+        </p:style>
         <p:txBody>
           <a:bodyPr lIns="0" rIns="0" tIns="0" bIns="0"/>
           <a:p>
@@ -7017,24 +6650,21 @@
               <a:t>Who are You?</a:t>
             </a:r>
             <a:endParaRPr b="0" lang="en-US" sz="2600" spc="-1" strike="noStrike">
-              <a:solidFill>
-                <a:srgbClr val="000000"/>
-              </a:solidFill>
-              <a:latin typeface="Imago"/>
-            </a:endParaRPr>
-          </a:p>
-        </p:txBody>
-      </p:sp>
-      <p:sp>
-        <p:nvSpPr>
-          <p:cNvPr id="111" name="TextShape 2"/>
-          <p:cNvSpPr txBox="1"/>
+              <a:latin typeface="Arial"/>
+            </a:endParaRPr>
+          </a:p>
+        </p:txBody>
+      </p:sp>
+      <p:sp>
+        <p:nvSpPr>
+          <p:cNvPr id="109" name="CustomShape 2"/>
+          <p:cNvSpPr/>
           <p:nvPr/>
         </p:nvSpPr>
         <p:spPr>
           <a:xfrm>
             <a:off x="529560" y="1806480"/>
-            <a:ext cx="11138400" cy="4471560"/>
+            <a:ext cx="11138040" cy="4471200"/>
           </a:xfrm>
           <a:prstGeom prst="rect">
             <a:avLst/>
@@ -7044,10 +6674,16 @@
             <a:noFill/>
           </a:ln>
         </p:spPr>
+        <p:style>
+          <a:lnRef idx="0"/>
+          <a:fillRef idx="0"/>
+          <a:effectRef idx="0"/>
+          <a:fontRef idx="minor"/>
+        </p:style>
         <p:txBody>
           <a:bodyPr lIns="0" rIns="0" tIns="0" bIns="0"/>
           <a:p>
-            <a:pPr marL="285840" indent="-285480">
+            <a:pPr marL="285840" indent="-285120">
               <a:lnSpc>
                 <a:spcPct val="100000"/>
               </a:lnSpc>
@@ -7070,14 +6706,11 @@
               <a:t>Kto pracuje „w zawodzie”?</a:t>
             </a:r>
             <a:endParaRPr b="0" lang="en-US" sz="2800" spc="-1" strike="noStrike">
-              <a:solidFill>
-                <a:srgbClr val="000000"/>
-              </a:solidFill>
-              <a:latin typeface="Imago"/>
-            </a:endParaRPr>
-          </a:p>
-          <a:p>
-            <a:pPr marL="285840" indent="-285480">
+              <a:latin typeface="Arial"/>
+            </a:endParaRPr>
+          </a:p>
+          <a:p>
+            <a:pPr marL="285840" indent="-285120">
               <a:lnSpc>
                 <a:spcPct val="100000"/>
               </a:lnSpc>
@@ -7100,14 +6733,11 @@
               <a:t>Kto mieszka w Poznaniu?</a:t>
             </a:r>
             <a:endParaRPr b="0" lang="en-US" sz="2800" spc="-1" strike="noStrike">
-              <a:solidFill>
-                <a:srgbClr val="000000"/>
-              </a:solidFill>
-              <a:latin typeface="Imago"/>
-            </a:endParaRPr>
-          </a:p>
-          <a:p>
-            <a:pPr marL="285840" indent="-285480">
+              <a:latin typeface="Arial"/>
+            </a:endParaRPr>
+          </a:p>
+          <a:p>
+            <a:pPr marL="285840" indent="-285120">
               <a:lnSpc>
                 <a:spcPct val="100000"/>
               </a:lnSpc>
@@ -7130,14 +6760,11 @@
               <a:t>Z czym kojarzy Wam się analiza danych przestrzennych?</a:t>
             </a:r>
             <a:endParaRPr b="0" lang="en-US" sz="2800" spc="-1" strike="noStrike">
-              <a:solidFill>
-                <a:srgbClr val="000000"/>
-              </a:solidFill>
-              <a:latin typeface="Imago"/>
-            </a:endParaRPr>
-          </a:p>
-          <a:p>
-            <a:pPr marL="285840" indent="-285480">
+              <a:latin typeface="Arial"/>
+            </a:endParaRPr>
+          </a:p>
+          <a:p>
+            <a:pPr marL="285840" indent="-285120">
               <a:lnSpc>
                 <a:spcPct val="100000"/>
               </a:lnSpc>
@@ -7160,14 +6787,11 @@
               <a:t>Kto miał do czynienia z analizą danych przestrzennych?</a:t>
             </a:r>
             <a:endParaRPr b="0" lang="en-US" sz="2800" spc="-1" strike="noStrike">
-              <a:solidFill>
-                <a:srgbClr val="000000"/>
-              </a:solidFill>
-              <a:latin typeface="Imago"/>
-            </a:endParaRPr>
-          </a:p>
-          <a:p>
-            <a:pPr marL="285840" indent="-285480">
+              <a:latin typeface="Arial"/>
+            </a:endParaRPr>
+          </a:p>
+          <a:p>
+            <a:pPr marL="285840" indent="-285120">
               <a:lnSpc>
                 <a:spcPct val="100000"/>
               </a:lnSpc>
@@ -7190,14 +6814,11 @@
               <a:t>Jakie macie doświadczenie w programowaniu w R?</a:t>
             </a:r>
             <a:endParaRPr b="0" lang="en-US" sz="2800" spc="-1" strike="noStrike">
-              <a:solidFill>
-                <a:srgbClr val="000000"/>
-              </a:solidFill>
-              <a:latin typeface="Imago"/>
-            </a:endParaRPr>
-          </a:p>
-          <a:p>
-            <a:pPr marL="285840" indent="-285480">
+              <a:latin typeface="Arial"/>
+            </a:endParaRPr>
+          </a:p>
+          <a:p>
+            <a:pPr marL="285840" indent="-285120">
               <a:lnSpc>
                 <a:spcPct val="100000"/>
               </a:lnSpc>
@@ -7220,10 +6841,7 @@
               <a:t>Jakie macie oczekiwania odnośnie przedmiotu?</a:t>
             </a:r>
             <a:endParaRPr b="0" lang="en-US" sz="2800" spc="-1" strike="noStrike">
-              <a:solidFill>
-                <a:srgbClr val="000000"/>
-              </a:solidFill>
-              <a:latin typeface="Imago"/>
+              <a:latin typeface="Arial"/>
             </a:endParaRPr>
           </a:p>
           <a:p>
@@ -7236,10 +6854,7 @@
               </a:spcBef>
             </a:pPr>
             <a:endParaRPr b="0" lang="en-US" sz="2800" spc="-1" strike="noStrike">
-              <a:solidFill>
-                <a:srgbClr val="000000"/>
-              </a:solidFill>
-              <a:latin typeface="Imago"/>
+              <a:latin typeface="Arial"/>
             </a:endParaRPr>
           </a:p>
           <a:p>
@@ -7252,10 +6867,7 @@
               </a:spcBef>
             </a:pPr>
             <a:endParaRPr b="0" lang="en-US" sz="2800" spc="-1" strike="noStrike">
-              <a:solidFill>
-                <a:srgbClr val="000000"/>
-              </a:solidFill>
-              <a:latin typeface="Imago"/>
+              <a:latin typeface="Arial"/>
             </a:endParaRPr>
           </a:p>
         </p:txBody>
@@ -7311,14 +6923,14 @@
       </p:grpSpPr>
       <p:sp>
         <p:nvSpPr>
-          <p:cNvPr id="112" name="TextShape 1"/>
-          <p:cNvSpPr txBox="1"/>
+          <p:cNvPr id="110" name="CustomShape 1"/>
+          <p:cNvSpPr/>
           <p:nvPr/>
         </p:nvSpPr>
         <p:spPr>
           <a:xfrm>
             <a:off x="517680" y="452520"/>
-            <a:ext cx="9816840" cy="1309320"/>
+            <a:ext cx="9816480" cy="1308960"/>
           </a:xfrm>
           <a:prstGeom prst="rect">
             <a:avLst/>
@@ -7328,6 +6940,12 @@
             <a:noFill/>
           </a:ln>
         </p:spPr>
+        <p:style>
+          <a:lnRef idx="0"/>
+          <a:fillRef idx="0"/>
+          <a:effectRef idx="0"/>
+          <a:fontRef idx="minor"/>
+        </p:style>
         <p:txBody>
           <a:bodyPr lIns="0" rIns="0" tIns="0" bIns="0"/>
           <a:p>
@@ -7346,24 +6964,21 @@
               <a:t>Jaka jest Wasza wiedza o otaczającym Was świecie?</a:t>
             </a:r>
             <a:endParaRPr b="0" lang="en-US" sz="2600" spc="-1" strike="noStrike">
-              <a:solidFill>
-                <a:srgbClr val="000000"/>
-              </a:solidFill>
-              <a:latin typeface="Imago"/>
-            </a:endParaRPr>
-          </a:p>
-        </p:txBody>
-      </p:sp>
-      <p:sp>
-        <p:nvSpPr>
-          <p:cNvPr id="113" name="TextShape 2"/>
-          <p:cNvSpPr txBox="1"/>
+              <a:latin typeface="Arial"/>
+            </a:endParaRPr>
+          </a:p>
+        </p:txBody>
+      </p:sp>
+      <p:sp>
+        <p:nvSpPr>
+          <p:cNvPr id="111" name="CustomShape 2"/>
+          <p:cNvSpPr/>
           <p:nvPr/>
         </p:nvSpPr>
         <p:spPr>
           <a:xfrm>
             <a:off x="7176240" y="1340640"/>
-            <a:ext cx="4491720" cy="4471560"/>
+            <a:ext cx="4491360" cy="4471200"/>
           </a:xfrm>
           <a:prstGeom prst="rect">
             <a:avLst/>
@@ -7373,6 +6988,12 @@
             <a:noFill/>
           </a:ln>
         </p:spPr>
+        <p:style>
+          <a:lnRef idx="0"/>
+          <a:fillRef idx="0"/>
+          <a:effectRef idx="0"/>
+          <a:fontRef idx="minor"/>
+        </p:style>
         <p:txBody>
           <a:bodyPr lIns="0" rIns="0" tIns="0" bIns="0"/>
           <a:p>
@@ -7384,11 +7005,8 @@
                 <a:spcPts val="1500"/>
               </a:spcBef>
             </a:pPr>
-            <a:endParaRPr b="0" lang="en-US" sz="2000" spc="-1" strike="noStrike">
-              <a:solidFill>
-                <a:srgbClr val="000000"/>
-              </a:solidFill>
-              <a:latin typeface="Imago"/>
+            <a:endParaRPr b="0" lang="en-US" sz="1800" spc="-1" strike="noStrike">
+              <a:latin typeface="Arial"/>
             </a:endParaRPr>
           </a:p>
           <a:p>
@@ -7400,11 +7018,8 @@
                 <a:spcPts val="1500"/>
               </a:spcBef>
             </a:pPr>
-            <a:endParaRPr b="0" lang="en-US" sz="2000" spc="-1" strike="noStrike">
-              <a:solidFill>
-                <a:srgbClr val="000000"/>
-              </a:solidFill>
-              <a:latin typeface="Imago"/>
+            <a:endParaRPr b="0" lang="en-US" sz="1800" spc="-1" strike="noStrike">
+              <a:latin typeface="Arial"/>
             </a:endParaRPr>
           </a:p>
           <a:p>
@@ -7416,11 +7031,8 @@
                 <a:spcPts val="1500"/>
               </a:spcBef>
             </a:pPr>
-            <a:endParaRPr b="0" lang="en-US" sz="2000" spc="-1" strike="noStrike">
-              <a:solidFill>
-                <a:srgbClr val="000000"/>
-              </a:solidFill>
-              <a:latin typeface="Imago"/>
+            <a:endParaRPr b="0" lang="en-US" sz="1800" spc="-1" strike="noStrike">
+              <a:latin typeface="Arial"/>
             </a:endParaRPr>
           </a:p>
           <a:p>
@@ -7444,17 +7056,14 @@
               <a:t>LINK</a:t>
             </a:r>
             <a:endParaRPr b="0" lang="en-US" sz="6000" spc="-1" strike="noStrike">
-              <a:solidFill>
-                <a:srgbClr val="000000"/>
-              </a:solidFill>
-              <a:latin typeface="Imago"/>
+              <a:latin typeface="Arial"/>
             </a:endParaRPr>
           </a:p>
         </p:txBody>
       </p:sp>
       <p:pic>
         <p:nvPicPr>
-          <p:cNvPr id="114" name="Picture 2" descr=""/>
+          <p:cNvPr id="112" name="Picture 2" descr=""/>
           <p:cNvPicPr/>
           <p:nvPr/>
         </p:nvPicPr>
@@ -7465,7 +7074,7 @@
         <p:spPr>
           <a:xfrm>
             <a:off x="452520" y="1690560"/>
-            <a:ext cx="6706080" cy="3772080"/>
+            <a:ext cx="6705720" cy="3771720"/>
           </a:xfrm>
           <a:prstGeom prst="rect">
             <a:avLst/>
@@ -7526,14 +7135,14 @@
       </p:grpSpPr>
       <p:sp>
         <p:nvSpPr>
-          <p:cNvPr id="115" name="TextShape 1"/>
-          <p:cNvSpPr txBox="1"/>
+          <p:cNvPr id="113" name="CustomShape 1"/>
+          <p:cNvSpPr/>
           <p:nvPr/>
         </p:nvSpPr>
         <p:spPr>
           <a:xfrm>
             <a:off x="517680" y="452520"/>
-            <a:ext cx="9816840" cy="1309320"/>
+            <a:ext cx="9816480" cy="1308960"/>
           </a:xfrm>
           <a:prstGeom prst="rect">
             <a:avLst/>
@@ -7543,6 +7152,12 @@
             <a:noFill/>
           </a:ln>
         </p:spPr>
+        <p:style>
+          <a:lnRef idx="0"/>
+          <a:fillRef idx="0"/>
+          <a:effectRef idx="0"/>
+          <a:fontRef idx="minor"/>
+        </p:style>
         <p:txBody>
           <a:bodyPr lIns="0" rIns="0" tIns="0" bIns="0"/>
           <a:p>
@@ -7561,24 +7176,21 @@
               <a:t>Zakres tematyczny</a:t>
             </a:r>
             <a:endParaRPr b="0" lang="en-US" sz="2600" spc="-1" strike="noStrike">
-              <a:solidFill>
-                <a:srgbClr val="000000"/>
-              </a:solidFill>
-              <a:latin typeface="Imago"/>
-            </a:endParaRPr>
-          </a:p>
-        </p:txBody>
-      </p:sp>
-      <p:sp>
-        <p:nvSpPr>
-          <p:cNvPr id="116" name="TextShape 2"/>
-          <p:cNvSpPr txBox="1"/>
+              <a:latin typeface="Arial"/>
+            </a:endParaRPr>
+          </a:p>
+        </p:txBody>
+      </p:sp>
+      <p:sp>
+        <p:nvSpPr>
+          <p:cNvPr id="114" name="CustomShape 2"/>
+          <p:cNvSpPr/>
           <p:nvPr/>
         </p:nvSpPr>
         <p:spPr>
           <a:xfrm>
             <a:off x="529560" y="1806480"/>
-            <a:ext cx="11138400" cy="4471560"/>
+            <a:ext cx="11138040" cy="4471200"/>
           </a:xfrm>
           <a:prstGeom prst="rect">
             <a:avLst/>
@@ -7588,10 +7200,16 @@
             <a:noFill/>
           </a:ln>
         </p:spPr>
+        <p:style>
+          <a:lnRef idx="0"/>
+          <a:fillRef idx="0"/>
+          <a:effectRef idx="0"/>
+          <a:fontRef idx="minor"/>
+        </p:style>
         <p:txBody>
           <a:bodyPr lIns="0" rIns="0" tIns="0" bIns="0"/>
           <a:p>
-            <a:pPr marL="285840" indent="-285480">
+            <a:pPr marL="285840" indent="-285120">
               <a:lnSpc>
                 <a:spcPct val="100000"/>
               </a:lnSpc>
@@ -7614,14 +7232,11 @@
               <a:t>Wstęp do danych przestrzennych (pakiet sf)</a:t>
             </a:r>
             <a:endParaRPr b="0" lang="en-US" sz="2800" spc="-1" strike="noStrike">
-              <a:solidFill>
-                <a:srgbClr val="000000"/>
-              </a:solidFill>
-              <a:latin typeface="Imago"/>
-            </a:endParaRPr>
-          </a:p>
-          <a:p>
-            <a:pPr marL="285840" indent="-285480">
+              <a:latin typeface="Arial"/>
+            </a:endParaRPr>
+          </a:p>
+          <a:p>
+            <a:pPr marL="285840" indent="-285120">
               <a:lnSpc>
                 <a:spcPct val="100000"/>
               </a:lnSpc>
@@ -7644,14 +7259,11 @@
               <a:t>Wizualizacje (ggplot2, tmap, leaflet)</a:t>
             </a:r>
             <a:endParaRPr b="0" lang="en-US" sz="2800" spc="-1" strike="noStrike">
-              <a:solidFill>
-                <a:srgbClr val="000000"/>
-              </a:solidFill>
-              <a:latin typeface="Imago"/>
-            </a:endParaRPr>
-          </a:p>
-          <a:p>
-            <a:pPr marL="285840" indent="-285480">
+              <a:latin typeface="Arial"/>
+            </a:endParaRPr>
+          </a:p>
+          <a:p>
+            <a:pPr marL="285840" indent="-285120">
               <a:lnSpc>
                 <a:spcPct val="100000"/>
               </a:lnSpc>
@@ -7674,14 +7286,11 @@
               <a:t>Geo-przetwarzanie (sf)</a:t>
             </a:r>
             <a:endParaRPr b="0" lang="en-US" sz="2800" spc="-1" strike="noStrike">
-              <a:solidFill>
-                <a:srgbClr val="000000"/>
-              </a:solidFill>
-              <a:latin typeface="Imago"/>
-            </a:endParaRPr>
-          </a:p>
-          <a:p>
-            <a:pPr marL="285840" indent="-285480">
+              <a:latin typeface="Arial"/>
+            </a:endParaRPr>
+          </a:p>
+          <a:p>
+            <a:pPr marL="285840" indent="-285120">
               <a:lnSpc>
                 <a:spcPct val="100000"/>
               </a:lnSpc>
@@ -7704,14 +7313,11 @@
               <a:t>Ekonometria przestrzenna (spdep)</a:t>
             </a:r>
             <a:endParaRPr b="0" lang="en-US" sz="2800" spc="-1" strike="noStrike">
-              <a:solidFill>
-                <a:srgbClr val="000000"/>
-              </a:solidFill>
-              <a:latin typeface="Imago"/>
-            </a:endParaRPr>
-          </a:p>
-          <a:p>
-            <a:pPr marL="285840" indent="-285480">
+              <a:latin typeface="Arial"/>
+            </a:endParaRPr>
+          </a:p>
+          <a:p>
+            <a:pPr marL="285840" indent="-285120">
               <a:lnSpc>
                 <a:spcPct val="100000"/>
               </a:lnSpc>
@@ -7734,10 +7340,7 @@
               <a:t>Modelowanie przestrzenne (mlr, caret)</a:t>
             </a:r>
             <a:endParaRPr b="0" lang="en-US" sz="2800" spc="-1" strike="noStrike">
-              <a:solidFill>
-                <a:srgbClr val="000000"/>
-              </a:solidFill>
-              <a:latin typeface="Imago"/>
+              <a:latin typeface="Arial"/>
             </a:endParaRPr>
           </a:p>
         </p:txBody>
@@ -7793,14 +7396,14 @@
       </p:grpSpPr>
       <p:sp>
         <p:nvSpPr>
-          <p:cNvPr id="117" name="TextShape 1"/>
-          <p:cNvSpPr txBox="1"/>
+          <p:cNvPr id="115" name="CustomShape 1"/>
+          <p:cNvSpPr/>
           <p:nvPr/>
         </p:nvSpPr>
         <p:spPr>
           <a:xfrm>
             <a:off x="517680" y="452520"/>
-            <a:ext cx="9816840" cy="1309320"/>
+            <a:ext cx="9816480" cy="1308960"/>
           </a:xfrm>
           <a:prstGeom prst="rect">
             <a:avLst/>
@@ -7810,6 +7413,12 @@
             <a:noFill/>
           </a:ln>
         </p:spPr>
+        <p:style>
+          <a:lnRef idx="0"/>
+          <a:fillRef idx="0"/>
+          <a:effectRef idx="0"/>
+          <a:fontRef idx="minor"/>
+        </p:style>
         <p:txBody>
           <a:bodyPr lIns="0" rIns="0" tIns="0" bIns="0"/>
           <a:p>
@@ -7828,24 +7437,21 @@
               <a:t>Forma zaliczenia</a:t>
             </a:r>
             <a:endParaRPr b="0" lang="en-US" sz="2600" spc="-1" strike="noStrike">
-              <a:solidFill>
-                <a:srgbClr val="000000"/>
-              </a:solidFill>
-              <a:latin typeface="Imago"/>
-            </a:endParaRPr>
-          </a:p>
-        </p:txBody>
-      </p:sp>
-      <p:sp>
-        <p:nvSpPr>
-          <p:cNvPr id="118" name="TextShape 2"/>
-          <p:cNvSpPr txBox="1"/>
+              <a:latin typeface="Arial"/>
+            </a:endParaRPr>
+          </a:p>
+        </p:txBody>
+      </p:sp>
+      <p:sp>
+        <p:nvSpPr>
+          <p:cNvPr id="116" name="CustomShape 2"/>
+          <p:cNvSpPr/>
           <p:nvPr/>
         </p:nvSpPr>
         <p:spPr>
           <a:xfrm>
             <a:off x="529560" y="1806480"/>
-            <a:ext cx="11138400" cy="4471560"/>
+            <a:ext cx="11138040" cy="4471200"/>
           </a:xfrm>
           <a:prstGeom prst="rect">
             <a:avLst/>
@@ -7855,10 +7461,16 @@
             <a:noFill/>
           </a:ln>
         </p:spPr>
+        <p:style>
+          <a:lnRef idx="0"/>
+          <a:fillRef idx="0"/>
+          <a:effectRef idx="0"/>
+          <a:fontRef idx="minor"/>
+        </p:style>
         <p:txBody>
           <a:bodyPr lIns="0" rIns="0" tIns="0" bIns="0"/>
           <a:p>
-            <a:pPr marL="285840" indent="-285480">
+            <a:pPr marL="285840" indent="-285120">
               <a:lnSpc>
                 <a:spcPct val="100000"/>
               </a:lnSpc>
@@ -7881,14 +7493,11 @@
               <a:t>Obecność na zajęciach</a:t>
             </a:r>
             <a:endParaRPr b="0" lang="en-US" sz="3200" spc="-1" strike="noStrike">
-              <a:solidFill>
-                <a:srgbClr val="000000"/>
-              </a:solidFill>
-              <a:latin typeface="Imago"/>
-            </a:endParaRPr>
-          </a:p>
-          <a:p>
-            <a:pPr marL="285840" indent="-285480">
+              <a:latin typeface="Arial"/>
+            </a:endParaRPr>
+          </a:p>
+          <a:p>
+            <a:pPr marL="285840" indent="-285120">
               <a:lnSpc>
                 <a:spcPct val="100000"/>
               </a:lnSpc>
@@ -7920,14 +7529,11 @@
               <a:t>w parach,</a:t>
             </a:r>
             <a:endParaRPr b="0" lang="en-US" sz="3200" spc="-1" strike="noStrike">
-              <a:solidFill>
-                <a:srgbClr val="000000"/>
-              </a:solidFill>
-              <a:latin typeface="Imago"/>
-            </a:endParaRPr>
-          </a:p>
-          <a:p>
-            <a:pPr lvl="1" marL="763560" indent="-286920">
+              <a:latin typeface="Arial"/>
+            </a:endParaRPr>
+          </a:p>
+          <a:p>
+            <a:pPr lvl="1" marL="763560" indent="-286560">
               <a:lnSpc>
                 <a:spcPct val="100000"/>
               </a:lnSpc>
@@ -7937,7 +7543,7 @@
               <a:buClr>
                 <a:srgbClr val="000000"/>
               </a:buClr>
-              <a:buFont typeface="Symbol" charset="2"/>
+              <a:buFont typeface="Symbol"/>
               <a:buChar char=""/>
             </a:pPr>
             <a:r>
@@ -7950,10 +7556,7 @@
               <a:t>Do oddania do końca semestru,</a:t>
             </a:r>
             <a:endParaRPr b="0" lang="en-US" sz="3200" spc="-1" strike="noStrike">
-              <a:solidFill>
-                <a:srgbClr val="000000"/>
-              </a:solidFill>
-              <a:latin typeface="Imago"/>
+              <a:latin typeface="Arial"/>
             </a:endParaRPr>
           </a:p>
         </p:txBody>
@@ -8009,14 +7612,14 @@
       </p:grpSpPr>
       <p:sp>
         <p:nvSpPr>
-          <p:cNvPr id="119" name="TextShape 1"/>
-          <p:cNvSpPr txBox="1"/>
+          <p:cNvPr id="117" name="CustomShape 1"/>
+          <p:cNvSpPr/>
           <p:nvPr/>
         </p:nvSpPr>
         <p:spPr>
           <a:xfrm>
             <a:off x="517680" y="452520"/>
-            <a:ext cx="9816840" cy="1309320"/>
+            <a:ext cx="9816480" cy="1308960"/>
           </a:xfrm>
           <a:prstGeom prst="rect">
             <a:avLst/>
@@ -8026,6 +7629,12 @@
             <a:noFill/>
           </a:ln>
         </p:spPr>
+        <p:style>
+          <a:lnRef idx="0"/>
+          <a:fillRef idx="0"/>
+          <a:effectRef idx="0"/>
+          <a:fontRef idx="minor"/>
+        </p:style>
         <p:txBody>
           <a:bodyPr lIns="0" rIns="0" tIns="0" bIns="0"/>
           <a:p>
@@ -8044,24 +7653,21 @@
               <a:t>Zalecana literatura</a:t>
             </a:r>
             <a:endParaRPr b="0" lang="en-US" sz="2600" spc="-1" strike="noStrike">
-              <a:solidFill>
-                <a:srgbClr val="000000"/>
-              </a:solidFill>
-              <a:latin typeface="Imago"/>
-            </a:endParaRPr>
-          </a:p>
-        </p:txBody>
-      </p:sp>
-      <p:sp>
-        <p:nvSpPr>
-          <p:cNvPr id="120" name="TextShape 2"/>
-          <p:cNvSpPr txBox="1"/>
+              <a:latin typeface="Arial"/>
+            </a:endParaRPr>
+          </a:p>
+        </p:txBody>
+      </p:sp>
+      <p:sp>
+        <p:nvSpPr>
+          <p:cNvPr id="118" name="CustomShape 2"/>
+          <p:cNvSpPr/>
           <p:nvPr/>
         </p:nvSpPr>
         <p:spPr>
           <a:xfrm>
             <a:off x="529560" y="1806480"/>
-            <a:ext cx="11138400" cy="4471560"/>
+            <a:ext cx="11138040" cy="4471200"/>
           </a:xfrm>
           <a:prstGeom prst="rect">
             <a:avLst/>
@@ -8071,10 +7677,16 @@
             <a:noFill/>
           </a:ln>
         </p:spPr>
+        <p:style>
+          <a:lnRef idx="0"/>
+          <a:fillRef idx="0"/>
+          <a:effectRef idx="0"/>
+          <a:fontRef idx="minor"/>
+        </p:style>
         <p:txBody>
           <a:bodyPr lIns="0" rIns="0" tIns="0" bIns="0"/>
           <a:p>
-            <a:pPr marL="285840" indent="-285480">
+            <a:pPr marL="285840" indent="-285120">
               <a:lnSpc>
                 <a:spcPct val="100000"/>
               </a:lnSpc>
@@ -8110,14 +7722,11 @@
               <a:t>r-spatial.github.io/sf/articles/sf1.html</a:t>
             </a:r>
             <a:endParaRPr b="0" lang="en-US" sz="2800" spc="-1" strike="noStrike">
-              <a:solidFill>
-                <a:srgbClr val="000000"/>
-              </a:solidFill>
-              <a:latin typeface="Imago"/>
-            </a:endParaRPr>
-          </a:p>
-          <a:p>
-            <a:pPr marL="285840" indent="-285480">
+              <a:latin typeface="Arial"/>
+            </a:endParaRPr>
+          </a:p>
+          <a:p>
+            <a:pPr marL="285840" indent="-285120">
               <a:lnSpc>
                 <a:spcPct val="100000"/>
               </a:lnSpc>
@@ -8153,14 +7762,11 @@
               <a:t>/</a:t>
             </a:r>
             <a:endParaRPr b="0" lang="en-US" sz="2800" spc="-1" strike="noStrike">
-              <a:solidFill>
-                <a:srgbClr val="000000"/>
-              </a:solidFill>
-              <a:latin typeface="Imago"/>
-            </a:endParaRPr>
-          </a:p>
-          <a:p>
-            <a:pPr marL="285840" indent="-285480">
+              <a:latin typeface="Arial"/>
+            </a:endParaRPr>
+          </a:p>
+          <a:p>
+            <a:pPr marL="285840" indent="-285120">
               <a:lnSpc>
                 <a:spcPct val="100000"/>
               </a:lnSpc>
@@ -8185,14 +7791,11 @@
               <a:t>www.datacamp.com</a:t>
             </a:r>
             <a:endParaRPr b="0" lang="en-US" sz="2800" spc="-1" strike="noStrike">
-              <a:solidFill>
-                <a:srgbClr val="000000"/>
-              </a:solidFill>
-              <a:latin typeface="Imago"/>
-            </a:endParaRPr>
-          </a:p>
-          <a:p>
-            <a:pPr marL="285840" indent="-285480">
+              <a:latin typeface="Arial"/>
+            </a:endParaRPr>
+          </a:p>
+          <a:p>
+            <a:pPr marL="285840" indent="-285120">
               <a:lnSpc>
                 <a:spcPct val="100000"/>
               </a:lnSpc>
@@ -8217,14 +7820,11 @@
               <a:t>https://stackoverflow.com/</a:t>
             </a:r>
             <a:endParaRPr b="0" lang="en-US" sz="2800" spc="-1" strike="noStrike">
-              <a:solidFill>
-                <a:srgbClr val="000000"/>
-              </a:solidFill>
-              <a:latin typeface="Imago"/>
-            </a:endParaRPr>
-          </a:p>
-          <a:p>
-            <a:pPr marL="285840" indent="-285480">
+              <a:latin typeface="Arial"/>
+            </a:endParaRPr>
+          </a:p>
+          <a:p>
+            <a:pPr marL="285840" indent="-285120">
               <a:lnSpc>
                 <a:spcPct val="100000"/>
               </a:lnSpc>
@@ -8260,10 +7860,7 @@
               <a:t>/</a:t>
             </a:r>
             <a:endParaRPr b="0" lang="en-US" sz="2800" spc="-1" strike="noStrike">
-              <a:solidFill>
-                <a:srgbClr val="000000"/>
-              </a:solidFill>
-              <a:latin typeface="Imago"/>
+              <a:latin typeface="Arial"/>
             </a:endParaRPr>
           </a:p>
           <a:p>
@@ -8276,10 +7873,7 @@
               </a:spcBef>
             </a:pPr>
             <a:endParaRPr b="0" lang="en-US" sz="2800" spc="-1" strike="noStrike">
-              <a:solidFill>
-                <a:srgbClr val="000000"/>
-              </a:solidFill>
-              <a:latin typeface="Imago"/>
+              <a:latin typeface="Arial"/>
             </a:endParaRPr>
           </a:p>
         </p:txBody>
@@ -8335,14 +7929,14 @@
       </p:grpSpPr>
       <p:sp>
         <p:nvSpPr>
-          <p:cNvPr id="121" name="TextShape 1"/>
-          <p:cNvSpPr txBox="1"/>
+          <p:cNvPr id="119" name="CustomShape 1"/>
+          <p:cNvSpPr/>
           <p:nvPr/>
         </p:nvSpPr>
         <p:spPr>
           <a:xfrm>
             <a:off x="517680" y="452520"/>
-            <a:ext cx="9816840" cy="1309320"/>
+            <a:ext cx="9816480" cy="1308960"/>
           </a:xfrm>
           <a:prstGeom prst="rect">
             <a:avLst/>
@@ -8352,6 +7946,12 @@
             <a:noFill/>
           </a:ln>
         </p:spPr>
+        <p:style>
+          <a:lnRef idx="0"/>
+          <a:fillRef idx="0"/>
+          <a:effectRef idx="0"/>
+          <a:fontRef idx="minor"/>
+        </p:style>
         <p:txBody>
           <a:bodyPr lIns="0" rIns="0" tIns="0" bIns="0"/>
           <a:p>
@@ -8379,24 +7979,21 @@
               <a:t>	</a:t>
             </a:r>
             <a:endParaRPr b="0" lang="en-US" sz="2600" spc="-1" strike="noStrike">
-              <a:solidFill>
-                <a:srgbClr val="000000"/>
-              </a:solidFill>
-              <a:latin typeface="Imago"/>
-            </a:endParaRPr>
-          </a:p>
-        </p:txBody>
-      </p:sp>
-      <p:sp>
-        <p:nvSpPr>
-          <p:cNvPr id="122" name="TextShape 2"/>
-          <p:cNvSpPr txBox="1"/>
+              <a:latin typeface="Arial"/>
+            </a:endParaRPr>
+          </a:p>
+        </p:txBody>
+      </p:sp>
+      <p:sp>
+        <p:nvSpPr>
+          <p:cNvPr id="120" name="CustomShape 2"/>
+          <p:cNvSpPr/>
           <p:nvPr/>
         </p:nvSpPr>
         <p:spPr>
           <a:xfrm>
             <a:off x="529560" y="1806480"/>
-            <a:ext cx="11138400" cy="4471560"/>
+            <a:ext cx="11138040" cy="4471200"/>
           </a:xfrm>
           <a:prstGeom prst="rect">
             <a:avLst/>
@@ -8406,10 +8003,16 @@
             <a:noFill/>
           </a:ln>
         </p:spPr>
+        <p:style>
+          <a:lnRef idx="0"/>
+          <a:fillRef idx="0"/>
+          <a:effectRef idx="0"/>
+          <a:fontRef idx="minor"/>
+        </p:style>
         <p:txBody>
           <a:bodyPr lIns="0" rIns="0" tIns="0" bIns="0"/>
           <a:p>
-            <a:pPr marL="285840" indent="-285480">
+            <a:pPr marL="285840" indent="-285120">
               <a:lnSpc>
                 <a:spcPct val="100000"/>
               </a:lnSpc>
@@ -8434,10 +8037,7 @@
               <a:t>www.adamdabrowski.eu/moodle</a:t>
             </a:r>
             <a:endParaRPr b="0" lang="en-US" sz="3600" spc="-1" strike="noStrike">
-              <a:solidFill>
-                <a:srgbClr val="000000"/>
-              </a:solidFill>
-              <a:latin typeface="Imago"/>
+              <a:latin typeface="Arial"/>
             </a:endParaRPr>
           </a:p>
           <a:p>
@@ -8450,33 +8050,31 @@
               </a:spcBef>
             </a:pPr>
             <a:r>
+              <a:rPr b="0" lang="en-US" sz="3600" spc="-1" strike="noStrike" u="sng">
+                <a:solidFill>
+                  <a:srgbClr val="9933ff"/>
+                </a:solidFill>
+                <a:uFillTx/>
+                <a:latin typeface="Imago"/>
+                <a:hlinkClick r:id="rId2"/>
+              </a:rPr>
+              <a:t>https://github.com/dabrowskia/ADP2020</a:t>
+            </a:r>
+            <a:r>
               <a:rPr b="0" lang="en-US" sz="3600" spc="-1" strike="noStrike">
                 <a:solidFill>
                   <a:srgbClr val="000000"/>
                 </a:solidFill>
                 <a:latin typeface="Imago"/>
-                <a:hlinkClick r:id="rId2"/>
-              </a:rPr>
-              <a:t>https://github.com/dabrowskia/ADP2020</a:t>
-            </a:r>
-            <a:r>
-              <a:rPr b="0" lang="en-US" sz="3600" spc="-1" strike="noStrike">
-                <a:solidFill>
-                  <a:srgbClr val="000000"/>
-                </a:solidFill>
-                <a:latin typeface="Imago"/>
               </a:rPr>
               <a:t> </a:t>
             </a:r>
             <a:endParaRPr b="0" lang="en-US" sz="3600" spc="-1" strike="noStrike">
-              <a:solidFill>
-                <a:srgbClr val="000000"/>
-              </a:solidFill>
-              <a:latin typeface="Imago"/>
-            </a:endParaRPr>
-          </a:p>
-          <a:p>
-            <a:pPr marL="285840" indent="-285480">
+              <a:latin typeface="Arial"/>
+            </a:endParaRPr>
+          </a:p>
+          <a:p>
+            <a:pPr marL="285840" indent="-285120">
               <a:lnSpc>
                 <a:spcPct val="100000"/>
               </a:lnSpc>
@@ -8499,14 +8097,11 @@
               <a:t>Dostęp do danych i prezentacji</a:t>
             </a:r>
             <a:endParaRPr b="0" lang="en-US" sz="3600" spc="-1" strike="noStrike">
-              <a:solidFill>
-                <a:srgbClr val="000000"/>
-              </a:solidFill>
-              <a:latin typeface="Imago"/>
-            </a:endParaRPr>
-          </a:p>
-          <a:p>
-            <a:pPr marL="285840" indent="-285480">
+              <a:latin typeface="Arial"/>
+            </a:endParaRPr>
+          </a:p>
+          <a:p>
+            <a:pPr marL="285840" indent="-285120">
               <a:lnSpc>
                 <a:spcPct val="100000"/>
               </a:lnSpc>
@@ -8529,10 +8124,7 @@
               <a:t>Dostęp do materiałów z innych zajęć dla chętnych pogłębienia wiedzy z zakresu analizy danych przestrzennych i geoinformacji.</a:t>
             </a:r>
             <a:endParaRPr b="0" lang="en-US" sz="3600" spc="-1" strike="noStrike">
-              <a:solidFill>
-                <a:srgbClr val="000000"/>
-              </a:solidFill>
-              <a:latin typeface="Imago"/>
+              <a:latin typeface="Arial"/>
             </a:endParaRPr>
           </a:p>
           <a:p>
@@ -8545,10 +8137,7 @@
               </a:spcBef>
             </a:pPr>
             <a:endParaRPr b="0" lang="en-US" sz="3600" spc="-1" strike="noStrike">
-              <a:solidFill>
-                <a:srgbClr val="000000"/>
-              </a:solidFill>
-              <a:latin typeface="Imago"/>
+              <a:latin typeface="Arial"/>
             </a:endParaRPr>
           </a:p>
         </p:txBody>
@@ -8604,14 +8193,14 @@
       </p:grpSpPr>
       <p:sp>
         <p:nvSpPr>
-          <p:cNvPr id="123" name="TextShape 1"/>
-          <p:cNvSpPr txBox="1"/>
+          <p:cNvPr id="121" name="CustomShape 1"/>
+          <p:cNvSpPr/>
           <p:nvPr/>
         </p:nvSpPr>
         <p:spPr>
           <a:xfrm>
             <a:off x="517680" y="452520"/>
-            <a:ext cx="9816840" cy="1309320"/>
+            <a:ext cx="9816480" cy="1308960"/>
           </a:xfrm>
           <a:prstGeom prst="rect">
             <a:avLst/>
@@ -8621,6 +8210,12 @@
             <a:noFill/>
           </a:ln>
         </p:spPr>
+        <p:style>
+          <a:lnRef idx="0"/>
+          <a:fillRef idx="0"/>
+          <a:effectRef idx="0"/>
+          <a:fontRef idx="minor"/>
+        </p:style>
         <p:txBody>
           <a:bodyPr lIns="0" rIns="0" tIns="0" bIns="0"/>
           <a:p>
@@ -8639,24 +8234,21 @@
               <a:t>Dane przestrzenne</a:t>
             </a:r>
             <a:endParaRPr b="0" lang="en-US" sz="2600" spc="-1" strike="noStrike">
-              <a:solidFill>
-                <a:srgbClr val="000000"/>
-              </a:solidFill>
-              <a:latin typeface="Imago"/>
-            </a:endParaRPr>
-          </a:p>
-        </p:txBody>
-      </p:sp>
-      <p:sp>
-        <p:nvSpPr>
-          <p:cNvPr id="124" name="TextShape 2"/>
-          <p:cNvSpPr txBox="1"/>
+              <a:latin typeface="Arial"/>
+            </a:endParaRPr>
+          </a:p>
+        </p:txBody>
+      </p:sp>
+      <p:sp>
+        <p:nvSpPr>
+          <p:cNvPr id="122" name="CustomShape 2"/>
+          <p:cNvSpPr/>
           <p:nvPr/>
         </p:nvSpPr>
         <p:spPr>
           <a:xfrm>
             <a:off x="529560" y="1806480"/>
-            <a:ext cx="11138400" cy="4471560"/>
+            <a:ext cx="11138040" cy="4471200"/>
           </a:xfrm>
           <a:prstGeom prst="rect">
             <a:avLst/>
@@ -8666,10 +8258,16 @@
             <a:noFill/>
           </a:ln>
         </p:spPr>
+        <p:style>
+          <a:lnRef idx="0"/>
+          <a:fillRef idx="0"/>
+          <a:effectRef idx="0"/>
+          <a:fontRef idx="minor"/>
+        </p:style>
         <p:txBody>
           <a:bodyPr lIns="0" rIns="0" tIns="0" bIns="0"/>
           <a:p>
-            <a:pPr marL="285840" indent="-285480">
+            <a:pPr marL="285840" indent="-285120">
               <a:lnSpc>
                 <a:spcPct val="100000"/>
               </a:lnSpc>
@@ -8692,17 +8290,14 @@
               <a:t>Wektor vs Raster</a:t>
             </a:r>
             <a:endParaRPr b="0" lang="en-US" sz="2000" spc="-1" strike="noStrike">
-              <a:solidFill>
-                <a:srgbClr val="000000"/>
-              </a:solidFill>
-              <a:latin typeface="Imago"/>
+              <a:latin typeface="Arial"/>
             </a:endParaRPr>
           </a:p>
         </p:txBody>
       </p:sp>
       <p:pic>
         <p:nvPicPr>
-          <p:cNvPr id="125" name="Picture 3" descr=""/>
+          <p:cNvPr id="123" name="Picture 3" descr=""/>
           <p:cNvPicPr/>
           <p:nvPr/>
         </p:nvPicPr>
@@ -8714,7 +8309,7 @@
         <p:spPr>
           <a:xfrm>
             <a:off x="5735880" y="919080"/>
-            <a:ext cx="6455520" cy="6027840"/>
+            <a:ext cx="6455160" cy="6027480"/>
           </a:xfrm>
           <a:prstGeom prst="rect">
             <a:avLst/>
@@ -8726,7 +8321,7 @@
       </p:pic>
       <p:pic>
         <p:nvPicPr>
-          <p:cNvPr id="126" name="Picture 4" descr=""/>
+          <p:cNvPr id="124" name="Picture 4" descr=""/>
           <p:cNvPicPr/>
           <p:nvPr/>
         </p:nvPicPr>
@@ -8738,7 +8333,7 @@
         <p:spPr>
           <a:xfrm>
             <a:off x="135000" y="2133000"/>
-            <a:ext cx="5024520" cy="4836240"/>
+            <a:ext cx="5024160" cy="4835880"/>
           </a:xfrm>
           <a:prstGeom prst="rect">
             <a:avLst/>

--- a/presentations/Analiza danych przestrzennych 01.pptx
+++ b/presentations/Analiza danych przestrzennych 01.pptx
@@ -1,39 +1,453 @@
 
 <file path=ppt/presentation.xml><?xml version="1.0" encoding="utf-8"?>
-<p:presentation xmlns:a="http://schemas.openxmlformats.org/drawingml/2006/main" xmlns:p="http://schemas.openxmlformats.org/presentationml/2006/main" xmlns:r="http://schemas.openxmlformats.org/officeDocument/2006/relationships" xmlns:p14="http://schemas.microsoft.com/office/powerpoint/2010/main" xmlns:p15="http://schemas.microsoft.com/office/powerpoint/2012/main" xmlns:mc="http://schemas.openxmlformats.org/markup-compatibility/2006">
+<p:presentation xmlns:a="http://schemas.openxmlformats.org/drawingml/2006/main" xmlns:r="http://schemas.openxmlformats.org/officeDocument/2006/relationships" xmlns:p="http://schemas.openxmlformats.org/presentationml/2006/main">
   <p:sldMasterIdLst>
-    <p:sldMasterId id="2147483648" r:id="rId2"/>
-    <p:sldMasterId id="2147483661" r:id="rId3"/>
+    <p:sldMasterId id="2147483648" r:id="rId1"/>
+    <p:sldMasterId id="2147483661" r:id="rId2"/>
   </p:sldMasterIdLst>
   <p:notesMasterIdLst>
-    <p:notesMasterId r:id="rId4"/>
+    <p:notesMasterId r:id="rId20"/>
   </p:notesMasterIdLst>
   <p:sldIdLst>
-    <p:sldId id="256" r:id="rId5"/>
-    <p:sldId id="257" r:id="rId6"/>
-    <p:sldId id="258" r:id="rId7"/>
-    <p:sldId id="259" r:id="rId8"/>
-    <p:sldId id="260" r:id="rId9"/>
-    <p:sldId id="261" r:id="rId10"/>
-    <p:sldId id="262" r:id="rId11"/>
-    <p:sldId id="263" r:id="rId12"/>
-    <p:sldId id="264" r:id="rId13"/>
-    <p:sldId id="265" r:id="rId14"/>
-    <p:sldId id="266" r:id="rId15"/>
-    <p:sldId id="267" r:id="rId16"/>
-    <p:sldId id="268" r:id="rId17"/>
-    <p:sldId id="269" r:id="rId18"/>
-    <p:sldId id="270" r:id="rId19"/>
-    <p:sldId id="271" r:id="rId20"/>
-    <p:sldId id="272" r:id="rId21"/>
+    <p:sldId id="256" r:id="rId3"/>
+    <p:sldId id="257" r:id="rId4"/>
+    <p:sldId id="258" r:id="rId5"/>
+    <p:sldId id="259" r:id="rId6"/>
+    <p:sldId id="260" r:id="rId7"/>
+    <p:sldId id="261" r:id="rId8"/>
+    <p:sldId id="262" r:id="rId9"/>
+    <p:sldId id="263" r:id="rId10"/>
+    <p:sldId id="264" r:id="rId11"/>
+    <p:sldId id="265" r:id="rId12"/>
+    <p:sldId id="266" r:id="rId13"/>
+    <p:sldId id="267" r:id="rId14"/>
+    <p:sldId id="268" r:id="rId15"/>
+    <p:sldId id="269" r:id="rId16"/>
+    <p:sldId id="270" r:id="rId17"/>
+    <p:sldId id="271" r:id="rId18"/>
+    <p:sldId id="272" r:id="rId19"/>
   </p:sldIdLst>
   <p:sldSz cx="12192000" cy="6858000"/>
-  <p:notesSz cx="6858000" cy="9777412"/>
+  <p:notesSz cx="6858000" cy="9777413"/>
+  <p:defaultTextStyle>
+    <a:defPPr>
+      <a:defRPr lang="pl-PL"/>
+    </a:defPPr>
+    <a:lvl1pPr marL="0" algn="l" defTabSz="914400" rtl="0" eaLnBrk="1" latinLnBrk="0" hangingPunct="1">
+      <a:defRPr sz="1800" kern="1200">
+        <a:solidFill>
+          <a:schemeClr val="tx1"/>
+        </a:solidFill>
+        <a:latin typeface="+mn-lt"/>
+        <a:ea typeface="+mn-ea"/>
+        <a:cs typeface="+mn-cs"/>
+      </a:defRPr>
+    </a:lvl1pPr>
+    <a:lvl2pPr marL="457200" algn="l" defTabSz="914400" rtl="0" eaLnBrk="1" latinLnBrk="0" hangingPunct="1">
+      <a:defRPr sz="1800" kern="1200">
+        <a:solidFill>
+          <a:schemeClr val="tx1"/>
+        </a:solidFill>
+        <a:latin typeface="+mn-lt"/>
+        <a:ea typeface="+mn-ea"/>
+        <a:cs typeface="+mn-cs"/>
+      </a:defRPr>
+    </a:lvl2pPr>
+    <a:lvl3pPr marL="914400" algn="l" defTabSz="914400" rtl="0" eaLnBrk="1" latinLnBrk="0" hangingPunct="1">
+      <a:defRPr sz="1800" kern="1200">
+        <a:solidFill>
+          <a:schemeClr val="tx1"/>
+        </a:solidFill>
+        <a:latin typeface="+mn-lt"/>
+        <a:ea typeface="+mn-ea"/>
+        <a:cs typeface="+mn-cs"/>
+      </a:defRPr>
+    </a:lvl3pPr>
+    <a:lvl4pPr marL="1371600" algn="l" defTabSz="914400" rtl="0" eaLnBrk="1" latinLnBrk="0" hangingPunct="1">
+      <a:defRPr sz="1800" kern="1200">
+        <a:solidFill>
+          <a:schemeClr val="tx1"/>
+        </a:solidFill>
+        <a:latin typeface="+mn-lt"/>
+        <a:ea typeface="+mn-ea"/>
+        <a:cs typeface="+mn-cs"/>
+      </a:defRPr>
+    </a:lvl4pPr>
+    <a:lvl5pPr marL="1828800" algn="l" defTabSz="914400" rtl="0" eaLnBrk="1" latinLnBrk="0" hangingPunct="1">
+      <a:defRPr sz="1800" kern="1200">
+        <a:solidFill>
+          <a:schemeClr val="tx1"/>
+        </a:solidFill>
+        <a:latin typeface="+mn-lt"/>
+        <a:ea typeface="+mn-ea"/>
+        <a:cs typeface="+mn-cs"/>
+      </a:defRPr>
+    </a:lvl5pPr>
+    <a:lvl6pPr marL="2286000" algn="l" defTabSz="914400" rtl="0" eaLnBrk="1" latinLnBrk="0" hangingPunct="1">
+      <a:defRPr sz="1800" kern="1200">
+        <a:solidFill>
+          <a:schemeClr val="tx1"/>
+        </a:solidFill>
+        <a:latin typeface="+mn-lt"/>
+        <a:ea typeface="+mn-ea"/>
+        <a:cs typeface="+mn-cs"/>
+      </a:defRPr>
+    </a:lvl6pPr>
+    <a:lvl7pPr marL="2743200" algn="l" defTabSz="914400" rtl="0" eaLnBrk="1" latinLnBrk="0" hangingPunct="1">
+      <a:defRPr sz="1800" kern="1200">
+        <a:solidFill>
+          <a:schemeClr val="tx1"/>
+        </a:solidFill>
+        <a:latin typeface="+mn-lt"/>
+        <a:ea typeface="+mn-ea"/>
+        <a:cs typeface="+mn-cs"/>
+      </a:defRPr>
+    </a:lvl7pPr>
+    <a:lvl8pPr marL="3200400" algn="l" defTabSz="914400" rtl="0" eaLnBrk="1" latinLnBrk="0" hangingPunct="1">
+      <a:defRPr sz="1800" kern="1200">
+        <a:solidFill>
+          <a:schemeClr val="tx1"/>
+        </a:solidFill>
+        <a:latin typeface="+mn-lt"/>
+        <a:ea typeface="+mn-ea"/>
+        <a:cs typeface="+mn-cs"/>
+      </a:defRPr>
+    </a:lvl8pPr>
+    <a:lvl9pPr marL="3657600" algn="l" defTabSz="914400" rtl="0" eaLnBrk="1" latinLnBrk="0" hangingPunct="1">
+      <a:defRPr sz="1800" kern="1200">
+        <a:solidFill>
+          <a:schemeClr val="tx1"/>
+        </a:solidFill>
+        <a:latin typeface="+mn-lt"/>
+        <a:ea typeface="+mn-ea"/>
+        <a:cs typeface="+mn-cs"/>
+      </a:defRPr>
+    </a:lvl9pPr>
+  </p:defaultTextStyle>
 </p:presentation>
 </file>
 
 <file path=ppt/notesMasters/notesMaster1.xml><?xml version="1.0" encoding="utf-8"?>
-<p:notesMaster xmlns:a="http://schemas.openxmlformats.org/drawingml/2006/main" xmlns:p="http://schemas.openxmlformats.org/presentationml/2006/main" xmlns:r="http://schemas.openxmlformats.org/officeDocument/2006/relationships" xmlns:p14="http://schemas.microsoft.com/office/powerpoint/2010/main" xmlns:p15="http://schemas.microsoft.com/office/powerpoint/2012/main" xmlns:mc="http://schemas.openxmlformats.org/markup-compatibility/2006">
+<p:notesMaster xmlns:a="http://schemas.openxmlformats.org/drawingml/2006/main" xmlns:r="http://schemas.openxmlformats.org/officeDocument/2006/relationships" xmlns:p="http://schemas.openxmlformats.org/presentationml/2006/main">
+  <p:cSld>
+    <p:bg>
+      <p:bgRef idx="1001">
+        <a:schemeClr val="bg1"/>
+      </p:bgRef>
+    </p:bg>
+    <p:spTree>
+      <p:nvGrpSpPr>
+        <p:cNvPr id="1" name=""/>
+        <p:cNvGrpSpPr/>
+        <p:nvPr/>
+      </p:nvGrpSpPr>
+      <p:grpSpPr>
+        <a:xfrm>
+          <a:off x="0" y="0"/>
+          <a:ext cx="0" cy="0"/>
+          <a:chOff x="0" y="0"/>
+          <a:chExt cx="0" cy="0"/>
+        </a:xfrm>
+      </p:grpSpPr>
+      <p:sp>
+        <p:nvSpPr>
+          <p:cNvPr id="94" name="PlaceHolder 1"/>
+          <p:cNvSpPr>
+            <a:spLocks noGrp="1" noRot="1" noChangeAspect="1"/>
+          </p:cNvSpPr>
+          <p:nvPr>
+            <p:ph type="sldImg"/>
+          </p:nvPr>
+        </p:nvSpPr>
+        <p:spPr>
+          <a:xfrm>
+            <a:off x="216000" y="812520"/>
+            <a:ext cx="7127280" cy="4008960"/>
+          </a:xfrm>
+          <a:prstGeom prst="rect">
+            <a:avLst/>
+          </a:prstGeom>
+        </p:spPr>
+        <p:txBody>
+          <a:bodyPr lIns="0" tIns="0" rIns="0" bIns="0" anchor="ctr"/>
+          <a:lstStyle/>
+          <a:p>
+            <a:pPr algn="ctr"/>
+            <a:r>
+              <a:rPr lang="en-US" sz="4400" b="0" strike="noStrike" spc="-1">
+                <a:latin typeface="Arial"/>
+              </a:rPr>
+              <a:t>Click to move the slide</a:t>
+            </a:r>
+          </a:p>
+        </p:txBody>
+      </p:sp>
+      <p:sp>
+        <p:nvSpPr>
+          <p:cNvPr id="95" name="PlaceHolder 2"/>
+          <p:cNvSpPr>
+            <a:spLocks noGrp="1"/>
+          </p:cNvSpPr>
+          <p:nvPr>
+            <p:ph type="body"/>
+          </p:nvPr>
+        </p:nvSpPr>
+        <p:spPr>
+          <a:xfrm>
+            <a:off x="756000" y="5078520"/>
+            <a:ext cx="6047640" cy="4811040"/>
+          </a:xfrm>
+          <a:prstGeom prst="rect">
+            <a:avLst/>
+          </a:prstGeom>
+        </p:spPr>
+        <p:txBody>
+          <a:bodyPr lIns="0" tIns="0" rIns="0" bIns="0"/>
+          <a:lstStyle/>
+          <a:p>
+            <a:r>
+              <a:rPr lang="en-US" sz="2000" b="0" strike="noStrike" spc="-1">
+                <a:latin typeface="Arial"/>
+              </a:rPr>
+              <a:t>Click to edit the notes format</a:t>
+            </a:r>
+          </a:p>
+        </p:txBody>
+      </p:sp>
+      <p:sp>
+        <p:nvSpPr>
+          <p:cNvPr id="96" name="PlaceHolder 3"/>
+          <p:cNvSpPr>
+            <a:spLocks noGrp="1"/>
+          </p:cNvSpPr>
+          <p:nvPr>
+            <p:ph type="hdr"/>
+          </p:nvPr>
+        </p:nvSpPr>
+        <p:spPr>
+          <a:xfrm>
+            <a:off x="0" y="0"/>
+            <a:ext cx="3280680" cy="534240"/>
+          </a:xfrm>
+          <a:prstGeom prst="rect">
+            <a:avLst/>
+          </a:prstGeom>
+        </p:spPr>
+        <p:txBody>
+          <a:bodyPr lIns="0" tIns="0" rIns="0" bIns="0"/>
+          <a:lstStyle/>
+          <a:p>
+            <a:r>
+              <a:rPr lang="en-US" sz="1400" b="0" strike="noStrike" spc="-1">
+                <a:latin typeface="Times New Roman"/>
+              </a:rPr>
+              <a:t>&lt;header&gt;</a:t>
+            </a:r>
+          </a:p>
+        </p:txBody>
+      </p:sp>
+      <p:sp>
+        <p:nvSpPr>
+          <p:cNvPr id="97" name="PlaceHolder 4"/>
+          <p:cNvSpPr>
+            <a:spLocks noGrp="1"/>
+          </p:cNvSpPr>
+          <p:nvPr>
+            <p:ph type="dt"/>
+          </p:nvPr>
+        </p:nvSpPr>
+        <p:spPr>
+          <a:xfrm>
+            <a:off x="4278960" y="0"/>
+            <a:ext cx="3280680" cy="534240"/>
+          </a:xfrm>
+          <a:prstGeom prst="rect">
+            <a:avLst/>
+          </a:prstGeom>
+        </p:spPr>
+        <p:txBody>
+          <a:bodyPr lIns="0" tIns="0" rIns="0" bIns="0"/>
+          <a:lstStyle/>
+          <a:p>
+            <a:pPr algn="r"/>
+            <a:r>
+              <a:rPr lang="en-US" sz="1400" b="0" strike="noStrike" spc="-1">
+                <a:latin typeface="Times New Roman"/>
+              </a:rPr>
+              <a:t>&lt;date/time&gt;</a:t>
+            </a:r>
+          </a:p>
+        </p:txBody>
+      </p:sp>
+      <p:sp>
+        <p:nvSpPr>
+          <p:cNvPr id="98" name="PlaceHolder 5"/>
+          <p:cNvSpPr>
+            <a:spLocks noGrp="1"/>
+          </p:cNvSpPr>
+          <p:nvPr>
+            <p:ph type="ftr"/>
+          </p:nvPr>
+        </p:nvSpPr>
+        <p:spPr>
+          <a:xfrm>
+            <a:off x="0" y="10157400"/>
+            <a:ext cx="3280680" cy="534240"/>
+          </a:xfrm>
+          <a:prstGeom prst="rect">
+            <a:avLst/>
+          </a:prstGeom>
+        </p:spPr>
+        <p:txBody>
+          <a:bodyPr lIns="0" tIns="0" rIns="0" bIns="0" anchor="b"/>
+          <a:lstStyle/>
+          <a:p>
+            <a:r>
+              <a:rPr lang="en-US" sz="1400" b="0" strike="noStrike" spc="-1">
+                <a:latin typeface="Times New Roman"/>
+              </a:rPr>
+              <a:t>&lt;footer&gt;</a:t>
+            </a:r>
+          </a:p>
+        </p:txBody>
+      </p:sp>
+      <p:sp>
+        <p:nvSpPr>
+          <p:cNvPr id="99" name="PlaceHolder 6"/>
+          <p:cNvSpPr>
+            <a:spLocks noGrp="1"/>
+          </p:cNvSpPr>
+          <p:nvPr>
+            <p:ph type="sldNum"/>
+          </p:nvPr>
+        </p:nvSpPr>
+        <p:spPr>
+          <a:xfrm>
+            <a:off x="4278960" y="10157400"/>
+            <a:ext cx="3280680" cy="534240"/>
+          </a:xfrm>
+          <a:prstGeom prst="rect">
+            <a:avLst/>
+          </a:prstGeom>
+        </p:spPr>
+        <p:txBody>
+          <a:bodyPr lIns="0" tIns="0" rIns="0" bIns="0" anchor="b"/>
+          <a:lstStyle/>
+          <a:p>
+            <a:pPr algn="r"/>
+            <a:fld id="{80B89FBF-01E2-4C33-B579-B30CFD4D711B}" type="slidenum">
+              <a:rPr lang="en-US" sz="1400" b="0" strike="noStrike" spc="-1">
+                <a:latin typeface="Times New Roman"/>
+              </a:rPr>
+              <a:pPr algn="r"/>
+              <a:t>‹#›</a:t>
+            </a:fld>
+            <a:endParaRPr lang="en-US" sz="1400" b="0" strike="noStrike" spc="-1">
+              <a:latin typeface="Times New Roman"/>
+            </a:endParaRPr>
+          </a:p>
+        </p:txBody>
+      </p:sp>
+    </p:spTree>
+  </p:cSld>
+  <p:clrMap bg1="lt1" tx1="dk1" bg2="lt2" tx2="dk2" accent1="accent1" accent2="accent2" accent3="accent3" accent4="accent4" accent5="accent5" accent6="accent6" hlink="hlink" folHlink="folHlink"/>
+  <p:notesStyle>
+    <a:lvl1pPr marL="0" algn="l" defTabSz="914400" rtl="0" eaLnBrk="1" latinLnBrk="0" hangingPunct="1">
+      <a:defRPr sz="1200" kern="1200">
+        <a:solidFill>
+          <a:schemeClr val="tx1"/>
+        </a:solidFill>
+        <a:latin typeface="+mn-lt"/>
+        <a:ea typeface="+mn-ea"/>
+        <a:cs typeface="+mn-cs"/>
+      </a:defRPr>
+    </a:lvl1pPr>
+    <a:lvl2pPr marL="457200" algn="l" defTabSz="914400" rtl="0" eaLnBrk="1" latinLnBrk="0" hangingPunct="1">
+      <a:defRPr sz="1200" kern="1200">
+        <a:solidFill>
+          <a:schemeClr val="tx1"/>
+        </a:solidFill>
+        <a:latin typeface="+mn-lt"/>
+        <a:ea typeface="+mn-ea"/>
+        <a:cs typeface="+mn-cs"/>
+      </a:defRPr>
+    </a:lvl2pPr>
+    <a:lvl3pPr marL="914400" algn="l" defTabSz="914400" rtl="0" eaLnBrk="1" latinLnBrk="0" hangingPunct="1">
+      <a:defRPr sz="1200" kern="1200">
+        <a:solidFill>
+          <a:schemeClr val="tx1"/>
+        </a:solidFill>
+        <a:latin typeface="+mn-lt"/>
+        <a:ea typeface="+mn-ea"/>
+        <a:cs typeface="+mn-cs"/>
+      </a:defRPr>
+    </a:lvl3pPr>
+    <a:lvl4pPr marL="1371600" algn="l" defTabSz="914400" rtl="0" eaLnBrk="1" latinLnBrk="0" hangingPunct="1">
+      <a:defRPr sz="1200" kern="1200">
+        <a:solidFill>
+          <a:schemeClr val="tx1"/>
+        </a:solidFill>
+        <a:latin typeface="+mn-lt"/>
+        <a:ea typeface="+mn-ea"/>
+        <a:cs typeface="+mn-cs"/>
+      </a:defRPr>
+    </a:lvl4pPr>
+    <a:lvl5pPr marL="1828800" algn="l" defTabSz="914400" rtl="0" eaLnBrk="1" latinLnBrk="0" hangingPunct="1">
+      <a:defRPr sz="1200" kern="1200">
+        <a:solidFill>
+          <a:schemeClr val="tx1"/>
+        </a:solidFill>
+        <a:latin typeface="+mn-lt"/>
+        <a:ea typeface="+mn-ea"/>
+        <a:cs typeface="+mn-cs"/>
+      </a:defRPr>
+    </a:lvl5pPr>
+    <a:lvl6pPr marL="2286000" algn="l" defTabSz="914400" rtl="0" eaLnBrk="1" latinLnBrk="0" hangingPunct="1">
+      <a:defRPr sz="1200" kern="1200">
+        <a:solidFill>
+          <a:schemeClr val="tx1"/>
+        </a:solidFill>
+        <a:latin typeface="+mn-lt"/>
+        <a:ea typeface="+mn-ea"/>
+        <a:cs typeface="+mn-cs"/>
+      </a:defRPr>
+    </a:lvl6pPr>
+    <a:lvl7pPr marL="2743200" algn="l" defTabSz="914400" rtl="0" eaLnBrk="1" latinLnBrk="0" hangingPunct="1">
+      <a:defRPr sz="1200" kern="1200">
+        <a:solidFill>
+          <a:schemeClr val="tx1"/>
+        </a:solidFill>
+        <a:latin typeface="+mn-lt"/>
+        <a:ea typeface="+mn-ea"/>
+        <a:cs typeface="+mn-cs"/>
+      </a:defRPr>
+    </a:lvl7pPr>
+    <a:lvl8pPr marL="3200400" algn="l" defTabSz="914400" rtl="0" eaLnBrk="1" latinLnBrk="0" hangingPunct="1">
+      <a:defRPr sz="1200" kern="1200">
+        <a:solidFill>
+          <a:schemeClr val="tx1"/>
+        </a:solidFill>
+        <a:latin typeface="+mn-lt"/>
+        <a:ea typeface="+mn-ea"/>
+        <a:cs typeface="+mn-cs"/>
+      </a:defRPr>
+    </a:lvl8pPr>
+    <a:lvl9pPr marL="3657600" algn="l" defTabSz="914400" rtl="0" eaLnBrk="1" latinLnBrk="0" hangingPunct="1">
+      <a:defRPr sz="1200" kern="1200">
+        <a:solidFill>
+          <a:schemeClr val="tx1"/>
+        </a:solidFill>
+        <a:latin typeface="+mn-lt"/>
+        <a:ea typeface="+mn-ea"/>
+        <a:cs typeface="+mn-cs"/>
+      </a:defRPr>
+    </a:lvl9pPr>
+  </p:notesStyle>
+</p:notesMaster>
+</file>
+
+<file path=ppt/notesSlides/notesSlide1.xml><?xml version="1.0" encoding="utf-8"?>
+<p:notes xmlns:a="http://schemas.openxmlformats.org/drawingml/2006/main" xmlns:r="http://schemas.openxmlformats.org/officeDocument/2006/relationships" xmlns:p="http://schemas.openxmlformats.org/presentationml/2006/main">
   <p:cSld>
     <p:spTree>
       <p:nvGrpSpPr>
@@ -51,9 +465,9 @@
       </p:grpSpPr>
       <p:sp>
         <p:nvSpPr>
-          <p:cNvPr id="94" name="PlaceHolder 1"/>
+          <p:cNvPr id="144" name="PlaceHolder 1"/>
           <p:cNvSpPr>
-            <a:spLocks noGrp="1"/>
+            <a:spLocks noGrp="1" noRot="1" noChangeAspect="1"/>
           </p:cNvSpPr>
           <p:nvPr>
             <p:ph type="sldImg"/>
@@ -61,32 +475,17 @@
         </p:nvSpPr>
         <p:spPr>
           <a:xfrm>
-            <a:off x="216000" y="812520"/>
-            <a:ext cx="7127280" cy="4008960"/>
-          </a:xfrm>
-          <a:prstGeom prst="rect">
-            <a:avLst/>
-          </a:prstGeom>
-        </p:spPr>
-        <p:txBody>
-          <a:bodyPr lIns="0" rIns="0" tIns="0" bIns="0" anchor="ctr"/>
-          <a:p>
-            <a:pPr algn="ctr"/>
-            <a:r>
-              <a:rPr b="0" lang="en-US" sz="4400" spc="-1" strike="noStrike">
-                <a:latin typeface="Arial"/>
-              </a:rPr>
-              <a:t>Click to move the slide</a:t>
-            </a:r>
-            <a:endParaRPr b="0" lang="en-US" sz="4400" spc="-1" strike="noStrike">
-              <a:latin typeface="Arial"/>
-            </a:endParaRPr>
-          </a:p>
-        </p:txBody>
-      </p:sp>
-      <p:sp>
-        <p:nvSpPr>
-          <p:cNvPr id="95" name="PlaceHolder 2"/>
+            <a:off x="379440" y="851040"/>
+            <a:ext cx="6098400" cy="3431520"/>
+          </a:xfrm>
+          <a:prstGeom prst="rect">
+            <a:avLst/>
+          </a:prstGeom>
+        </p:spPr>
+      </p:sp>
+      <p:sp>
+        <p:nvSpPr>
+          <p:cNvPr id="145" name="PlaceHolder 2"/>
           <p:cNvSpPr>
             <a:spLocks noGrp="1"/>
           </p:cNvSpPr>
@@ -96,174 +495,41 @@
         </p:nvSpPr>
         <p:spPr>
           <a:xfrm>
-            <a:off x="756000" y="5078520"/>
-            <a:ext cx="6047640" cy="4811040"/>
-          </a:xfrm>
-          <a:prstGeom prst="rect">
-            <a:avLst/>
-          </a:prstGeom>
-        </p:spPr>
-        <p:txBody>
-          <a:bodyPr lIns="0" rIns="0" tIns="0" bIns="0"/>
-          <a:p>
-            <a:r>
-              <a:rPr b="0" lang="en-US" sz="2000" spc="-1" strike="noStrike">
+            <a:off x="914400" y="4641840"/>
+            <a:ext cx="5028480" cy="4515840"/>
+          </a:xfrm>
+          <a:prstGeom prst="rect">
+            <a:avLst/>
+          </a:prstGeom>
+        </p:spPr>
+        <p:txBody>
+          <a:bodyPr lIns="90360" tIns="44280" rIns="90360" bIns="44280"/>
+          <a:lstStyle/>
+          <a:p>
+            <a:pPr marL="216000" indent="-215640">
+              <a:lnSpc>
+                <a:spcPct val="100000"/>
+              </a:lnSpc>
+            </a:pPr>
+            <a:r>
+              <a:rPr lang="en-US" sz="2000" b="0" strike="noStrike" spc="-1">
                 <a:latin typeface="Arial"/>
               </a:rPr>
-              <a:t>Click to edit the notes format</a:t>
-            </a:r>
-            <a:endParaRPr b="0" lang="en-US" sz="2000" spc="-1" strike="noStrike">
-              <a:latin typeface="Arial"/>
-            </a:endParaRPr>
-          </a:p>
-        </p:txBody>
-      </p:sp>
-      <p:sp>
-        <p:nvSpPr>
-          <p:cNvPr id="96" name="PlaceHolder 3"/>
-          <p:cNvSpPr>
-            <a:spLocks noGrp="1"/>
-          </p:cNvSpPr>
-          <p:nvPr>
-            <p:ph type="hdr"/>
-          </p:nvPr>
-        </p:nvSpPr>
-        <p:spPr>
-          <a:xfrm>
-            <a:off x="0" y="0"/>
-            <a:ext cx="3280680" cy="534240"/>
-          </a:xfrm>
-          <a:prstGeom prst="rect">
-            <a:avLst/>
-          </a:prstGeom>
-        </p:spPr>
-        <p:txBody>
-          <a:bodyPr lIns="0" rIns="0" tIns="0" bIns="0"/>
-          <a:p>
-            <a:r>
-              <a:rPr b="0" lang="en-US" sz="1400" spc="-1" strike="noStrike">
-                <a:latin typeface="Times New Roman"/>
-              </a:rPr>
-              <a:t>&lt;header&gt;</a:t>
-            </a:r>
-            <a:endParaRPr b="0" lang="en-US" sz="1400" spc="-1" strike="noStrike">
-              <a:latin typeface="Times New Roman"/>
-            </a:endParaRPr>
-          </a:p>
-        </p:txBody>
-      </p:sp>
-      <p:sp>
-        <p:nvSpPr>
-          <p:cNvPr id="97" name="PlaceHolder 4"/>
-          <p:cNvSpPr>
-            <a:spLocks noGrp="1"/>
-          </p:cNvSpPr>
-          <p:nvPr>
-            <p:ph type="dt"/>
-          </p:nvPr>
-        </p:nvSpPr>
-        <p:spPr>
-          <a:xfrm>
-            <a:off x="4278960" y="0"/>
-            <a:ext cx="3280680" cy="534240"/>
-          </a:xfrm>
-          <a:prstGeom prst="rect">
-            <a:avLst/>
-          </a:prstGeom>
-        </p:spPr>
-        <p:txBody>
-          <a:bodyPr lIns="0" rIns="0" tIns="0" bIns="0"/>
-          <a:p>
-            <a:pPr algn="r"/>
-            <a:r>
-              <a:rPr b="0" lang="en-US" sz="1400" spc="-1" strike="noStrike">
-                <a:latin typeface="Times New Roman"/>
-              </a:rPr>
-              <a:t>&lt;date/time&gt;</a:t>
-            </a:r>
-            <a:endParaRPr b="0" lang="en-US" sz="1400" spc="-1" strike="noStrike">
-              <a:latin typeface="Times New Roman"/>
-            </a:endParaRPr>
-          </a:p>
-        </p:txBody>
-      </p:sp>
-      <p:sp>
-        <p:nvSpPr>
-          <p:cNvPr id="98" name="PlaceHolder 5"/>
-          <p:cNvSpPr>
-            <a:spLocks noGrp="1"/>
-          </p:cNvSpPr>
-          <p:nvPr>
-            <p:ph type="ftr"/>
-          </p:nvPr>
-        </p:nvSpPr>
-        <p:spPr>
-          <a:xfrm>
-            <a:off x="0" y="10157400"/>
-            <a:ext cx="3280680" cy="534240"/>
-          </a:xfrm>
-          <a:prstGeom prst="rect">
-            <a:avLst/>
-          </a:prstGeom>
-        </p:spPr>
-        <p:txBody>
-          <a:bodyPr lIns="0" rIns="0" tIns="0" bIns="0" anchor="b"/>
-          <a:p>
-            <a:r>
-              <a:rPr b="0" lang="en-US" sz="1400" spc="-1" strike="noStrike">
-                <a:latin typeface="Times New Roman"/>
-              </a:rPr>
-              <a:t>&lt;footer&gt;</a:t>
-            </a:r>
-            <a:endParaRPr b="0" lang="en-US" sz="1400" spc="-1" strike="noStrike">
-              <a:latin typeface="Times New Roman"/>
-            </a:endParaRPr>
-          </a:p>
-        </p:txBody>
-      </p:sp>
-      <p:sp>
-        <p:nvSpPr>
-          <p:cNvPr id="99" name="PlaceHolder 6"/>
-          <p:cNvSpPr>
-            <a:spLocks noGrp="1"/>
-          </p:cNvSpPr>
-          <p:nvPr>
-            <p:ph type="sldNum"/>
-          </p:nvPr>
-        </p:nvSpPr>
-        <p:spPr>
-          <a:xfrm>
-            <a:off x="4278960" y="10157400"/>
-            <a:ext cx="3280680" cy="534240"/>
-          </a:xfrm>
-          <a:prstGeom prst="rect">
-            <a:avLst/>
-          </a:prstGeom>
-        </p:spPr>
-        <p:txBody>
-          <a:bodyPr lIns="0" rIns="0" tIns="0" bIns="0" anchor="b"/>
-          <a:p>
-            <a:pPr algn="r"/>
-            <a:fld id="{80B89FBF-01E2-4C33-B579-B30CFD4D711B}" type="slidenum">
-              <a:rPr b="0" lang="en-US" sz="1400" spc="-1" strike="noStrike">
-                <a:latin typeface="Times New Roman"/>
-              </a:rPr>
-              <a:t>&lt;number&gt;</a:t>
-            </a:fld>
-            <a:endParaRPr b="0" lang="en-US" sz="1400" spc="-1" strike="noStrike">
-              <a:latin typeface="Times New Roman"/>
-            </a:endParaRPr>
+              <a:t>Czy znane pakiety z tidyverse: dplyr, ggplot, data.table?</a:t>
+            </a:r>
           </a:p>
         </p:txBody>
       </p:sp>
     </p:spTree>
   </p:cSld>
-  <p:clrMap bg1="lt1" bg2="lt2" tx1="dk1" tx2="dk2" accent1="accent1" accent2="accent2" accent3="accent3" accent4="accent4" accent5="accent5" accent6="accent6" hlink="hlink" folHlink="folHlink"/>
-</p:notesMaster>
+  <p:clrMapOvr>
+    <a:masterClrMapping/>
+  </p:clrMapOvr>
+</p:notes>
 </file>
 
-<file path=ppt/notesSlides/notesSlide3.xml><?xml version="1.0" encoding="utf-8"?>
-<p:notes xmlns:a="http://schemas.openxmlformats.org/drawingml/2006/main" xmlns:p="http://schemas.openxmlformats.org/presentationml/2006/main" xmlns:r="http://schemas.openxmlformats.org/officeDocument/2006/relationships" xmlns:p14="http://schemas.microsoft.com/office/powerpoint/2010/main" xmlns:p15="http://schemas.microsoft.com/office/powerpoint/2012/main" xmlns:mc="http://schemas.openxmlformats.org/markup-compatibility/2006">
+<file path=ppt/notesSlides/notesSlide2.xml><?xml version="1.0" encoding="utf-8"?>
+<p:notes xmlns:a="http://schemas.openxmlformats.org/drawingml/2006/main" xmlns:r="http://schemas.openxmlformats.org/officeDocument/2006/relationships" xmlns:p="http://schemas.openxmlformats.org/presentationml/2006/main">
   <p:cSld>
     <p:spTree>
       <p:nvGrpSpPr>
@@ -281,90 +547,9 @@
       </p:grpSpPr>
       <p:sp>
         <p:nvSpPr>
-          <p:cNvPr id="144" name="PlaceHolder 1"/>
-          <p:cNvSpPr>
-            <a:spLocks noGrp="1"/>
-          </p:cNvSpPr>
-          <p:nvPr>
-            <p:ph type="sldImg"/>
-          </p:nvPr>
-        </p:nvSpPr>
-        <p:spPr>
-          <a:xfrm>
-            <a:off x="379440" y="851040"/>
-            <a:ext cx="6098400" cy="3431520"/>
-          </a:xfrm>
-          <a:prstGeom prst="rect">
-            <a:avLst/>
-          </a:prstGeom>
-        </p:spPr>
-      </p:sp>
-      <p:sp>
-        <p:nvSpPr>
-          <p:cNvPr id="145" name="PlaceHolder 2"/>
-          <p:cNvSpPr>
-            <a:spLocks noGrp="1"/>
-          </p:cNvSpPr>
-          <p:nvPr>
-            <p:ph type="body"/>
-          </p:nvPr>
-        </p:nvSpPr>
-        <p:spPr>
-          <a:xfrm>
-            <a:off x="914400" y="4641840"/>
-            <a:ext cx="5028480" cy="4515840"/>
-          </a:xfrm>
-          <a:prstGeom prst="rect">
-            <a:avLst/>
-          </a:prstGeom>
-        </p:spPr>
-        <p:txBody>
-          <a:bodyPr lIns="90360" rIns="90360" tIns="44280" bIns="44280"/>
-          <a:p>
-            <a:pPr marL="216000" indent="-215640">
-              <a:lnSpc>
-                <a:spcPct val="100000"/>
-              </a:lnSpc>
-            </a:pPr>
-            <a:r>
-              <a:rPr b="0" lang="en-US" sz="2000" spc="-1" strike="noStrike">
-                <a:latin typeface="Arial"/>
-              </a:rPr>
-              <a:t>Czy znane pakiety z tidyverse: dplyr, ggplot, data.table?</a:t>
-            </a:r>
-            <a:endParaRPr b="0" lang="en-US" sz="2000" spc="-1" strike="noStrike">
-              <a:latin typeface="Arial"/>
-            </a:endParaRPr>
-          </a:p>
-        </p:txBody>
-      </p:sp>
-    </p:spTree>
-  </p:cSld>
-</p:notes>
-</file>
-
-<file path=ppt/notesSlides/notesSlide9.xml><?xml version="1.0" encoding="utf-8"?>
-<p:notes xmlns:a="http://schemas.openxmlformats.org/drawingml/2006/main" xmlns:p="http://schemas.openxmlformats.org/presentationml/2006/main" xmlns:r="http://schemas.openxmlformats.org/officeDocument/2006/relationships" xmlns:p14="http://schemas.microsoft.com/office/powerpoint/2010/main" xmlns:p15="http://schemas.microsoft.com/office/powerpoint/2012/main" xmlns:mc="http://schemas.openxmlformats.org/markup-compatibility/2006">
-  <p:cSld>
-    <p:spTree>
-      <p:nvGrpSpPr>
-        <p:cNvPr id="1" name=""/>
-        <p:cNvGrpSpPr/>
-        <p:nvPr/>
-      </p:nvGrpSpPr>
-      <p:grpSpPr>
-        <a:xfrm>
-          <a:off x="0" y="0"/>
-          <a:ext cx="0" cy="0"/>
-          <a:chOff x="0" y="0"/>
-          <a:chExt cx="0" cy="0"/>
-        </a:xfrm>
-      </p:grpSpPr>
-      <p:sp>
-        <p:nvSpPr>
           <p:cNvPr id="146" name="PlaceHolder 1"/>
           <p:cNvSpPr>
-            <a:spLocks noGrp="1"/>
+            <a:spLocks noGrp="1" noRot="1" noChangeAspect="1"/>
           </p:cNvSpPr>
           <p:nvPr>
             <p:ph type="sldImg"/>
@@ -400,7 +585,8 @@
           </a:prstGeom>
         </p:spPr>
         <p:txBody>
-          <a:bodyPr lIns="90360" rIns="90360" tIns="44280" bIns="44280"/>
+          <a:bodyPr lIns="90360" tIns="44280" rIns="90360" bIns="44280"/>
+          <a:lstStyle/>
           <a:p>
             <a:pPr marL="216000" indent="-215640">
               <a:lnSpc>
@@ -408,24 +594,24 @@
               </a:lnSpc>
             </a:pPr>
             <a:r>
-              <a:rPr b="0" lang="en-US" sz="2000" spc="-1" strike="noStrike">
+              <a:rPr lang="en-US" sz="2000" b="0" strike="noStrike" spc="-1">
                 <a:latin typeface="Arial"/>
               </a:rPr>
               <a:t>Jakie obiekty można reprezentować za pomocą rastra, a co lepiej za pomocą wektora?</a:t>
             </a:r>
-            <a:endParaRPr b="0" lang="en-US" sz="2000" spc="-1" strike="noStrike">
-              <a:latin typeface="Arial"/>
-            </a:endParaRPr>
           </a:p>
         </p:txBody>
       </p:sp>
     </p:spTree>
   </p:cSld>
+  <p:clrMapOvr>
+    <a:masterClrMapping/>
+  </p:clrMapOvr>
 </p:notes>
 </file>
 
 <file path=ppt/slideLayouts/slideLayout1.xml><?xml version="1.0" encoding="utf-8"?>
-<p:sldLayout xmlns:a="http://schemas.openxmlformats.org/drawingml/2006/main" xmlns:p="http://schemas.openxmlformats.org/presentationml/2006/main" xmlns:r="http://schemas.openxmlformats.org/officeDocument/2006/relationships" xmlns:p14="http://schemas.microsoft.com/office/powerpoint/2010/main" xmlns:p15="http://schemas.microsoft.com/office/powerpoint/2012/main" xmlns:mc="http://schemas.openxmlformats.org/markup-compatibility/2006" type="blank" preserve="1">
+<p:sldLayout xmlns:a="http://schemas.openxmlformats.org/drawingml/2006/main" xmlns:r="http://schemas.openxmlformats.org/officeDocument/2006/relationships" xmlns:p="http://schemas.openxmlformats.org/presentationml/2006/main" type="blank" preserve="1">
   <p:cSld name="Blank Slide">
     <p:spTree>
       <p:nvGrpSpPr>
@@ -443,11 +629,14 @@
       </p:grpSpPr>
     </p:spTree>
   </p:cSld>
+  <p:clrMapOvr>
+    <a:masterClrMapping/>
+  </p:clrMapOvr>
 </p:sldLayout>
 </file>
 
 <file path=ppt/slideLayouts/slideLayout10.xml><?xml version="1.0" encoding="utf-8"?>
-<p:sldLayout xmlns:a="http://schemas.openxmlformats.org/drawingml/2006/main" xmlns:p="http://schemas.openxmlformats.org/presentationml/2006/main" xmlns:r="http://schemas.openxmlformats.org/officeDocument/2006/relationships" xmlns:p14="http://schemas.microsoft.com/office/powerpoint/2010/main" xmlns:p15="http://schemas.microsoft.com/office/powerpoint/2012/main" xmlns:mc="http://schemas.openxmlformats.org/markup-compatibility/2006" type="objOverTx" preserve="1">
+<p:sldLayout xmlns:a="http://schemas.openxmlformats.org/drawingml/2006/main" xmlns:r="http://schemas.openxmlformats.org/officeDocument/2006/relationships" xmlns:p="http://schemas.openxmlformats.org/presentationml/2006/main" type="objOverTx" preserve="1">
   <p:cSld name="Title, Content over Content">
     <p:spTree>
       <p:nvGrpSpPr>
@@ -483,10 +672,11 @@
           </a:prstGeom>
         </p:spPr>
         <p:txBody>
-          <a:bodyPr lIns="0" rIns="0" tIns="0" bIns="0" anchor="ctr"/>
+          <a:bodyPr lIns="0" tIns="0" rIns="0" bIns="0" anchor="ctr"/>
+          <a:lstStyle/>
           <a:p>
             <a:pPr algn="ctr"/>
-            <a:endParaRPr b="0" lang="en-US" sz="4400" spc="-1" strike="noStrike">
+            <a:endParaRPr lang="en-US" sz="4400" b="0" strike="noStrike" spc="-1">
               <a:latin typeface="Arial"/>
             </a:endParaRPr>
           </a:p>
@@ -512,11 +702,12 @@
           </a:prstGeom>
         </p:spPr>
         <p:txBody>
-          <a:bodyPr lIns="0" rIns="0" tIns="0" bIns="0">
+          <a:bodyPr lIns="0" tIns="0" rIns="0" bIns="0">
             <a:normAutofit/>
           </a:bodyPr>
-          <a:p>
-            <a:endParaRPr b="0" lang="en-US" sz="3200" spc="-1" strike="noStrike">
+          <a:lstStyle/>
+          <a:p>
+            <a:endParaRPr lang="en-US" sz="3200" b="0" strike="noStrike" spc="-1">
               <a:latin typeface="Arial"/>
             </a:endParaRPr>
           </a:p>
@@ -542,11 +733,12 @@
           </a:prstGeom>
         </p:spPr>
         <p:txBody>
-          <a:bodyPr lIns="0" rIns="0" tIns="0" bIns="0">
+          <a:bodyPr lIns="0" tIns="0" rIns="0" bIns="0">
             <a:normAutofit/>
           </a:bodyPr>
-          <a:p>
-            <a:endParaRPr b="0" lang="en-US" sz="3200" spc="-1" strike="noStrike">
+          <a:lstStyle/>
+          <a:p>
+            <a:endParaRPr lang="en-US" sz="3200" b="0" strike="noStrike" spc="-1">
               <a:latin typeface="Arial"/>
             </a:endParaRPr>
           </a:p>
@@ -554,11 +746,14 @@
       </p:sp>
     </p:spTree>
   </p:cSld>
+  <p:clrMapOvr>
+    <a:masterClrMapping/>
+  </p:clrMapOvr>
 </p:sldLayout>
 </file>
 
 <file path=ppt/slideLayouts/slideLayout11.xml><?xml version="1.0" encoding="utf-8"?>
-<p:sldLayout xmlns:a="http://schemas.openxmlformats.org/drawingml/2006/main" xmlns:p="http://schemas.openxmlformats.org/presentationml/2006/main" xmlns:r="http://schemas.openxmlformats.org/officeDocument/2006/relationships" xmlns:p14="http://schemas.microsoft.com/office/powerpoint/2010/main" xmlns:p15="http://schemas.microsoft.com/office/powerpoint/2012/main" xmlns:mc="http://schemas.openxmlformats.org/markup-compatibility/2006" type="fourObj" preserve="1">
+<p:sldLayout xmlns:a="http://schemas.openxmlformats.org/drawingml/2006/main" xmlns:r="http://schemas.openxmlformats.org/officeDocument/2006/relationships" xmlns:p="http://schemas.openxmlformats.org/presentationml/2006/main" type="fourObj" preserve="1">
   <p:cSld name="Title, 4 Content">
     <p:spTree>
       <p:nvGrpSpPr>
@@ -594,10 +789,11 @@
           </a:prstGeom>
         </p:spPr>
         <p:txBody>
-          <a:bodyPr lIns="0" rIns="0" tIns="0" bIns="0" anchor="ctr"/>
+          <a:bodyPr lIns="0" tIns="0" rIns="0" bIns="0" anchor="ctr"/>
+          <a:lstStyle/>
           <a:p>
             <a:pPr algn="ctr"/>
-            <a:endParaRPr b="0" lang="en-US" sz="4400" spc="-1" strike="noStrike">
+            <a:endParaRPr lang="en-US" sz="4400" b="0" strike="noStrike" spc="-1">
               <a:latin typeface="Arial"/>
             </a:endParaRPr>
           </a:p>
@@ -623,11 +819,12 @@
           </a:prstGeom>
         </p:spPr>
         <p:txBody>
-          <a:bodyPr lIns="0" rIns="0" tIns="0" bIns="0">
+          <a:bodyPr lIns="0" tIns="0" rIns="0" bIns="0">
             <a:normAutofit/>
           </a:bodyPr>
-          <a:p>
-            <a:endParaRPr b="0" lang="en-US" sz="3200" spc="-1" strike="noStrike">
+          <a:lstStyle/>
+          <a:p>
+            <a:endParaRPr lang="en-US" sz="3200" b="0" strike="noStrike" spc="-1">
               <a:latin typeface="Arial"/>
             </a:endParaRPr>
           </a:p>
@@ -653,11 +850,12 @@
           </a:prstGeom>
         </p:spPr>
         <p:txBody>
-          <a:bodyPr lIns="0" rIns="0" tIns="0" bIns="0">
+          <a:bodyPr lIns="0" tIns="0" rIns="0" bIns="0">
             <a:normAutofit/>
           </a:bodyPr>
-          <a:p>
-            <a:endParaRPr b="0" lang="en-US" sz="3200" spc="-1" strike="noStrike">
+          <a:lstStyle/>
+          <a:p>
+            <a:endParaRPr lang="en-US" sz="3200" b="0" strike="noStrike" spc="-1">
               <a:latin typeface="Arial"/>
             </a:endParaRPr>
           </a:p>
@@ -683,11 +881,12 @@
           </a:prstGeom>
         </p:spPr>
         <p:txBody>
-          <a:bodyPr lIns="0" rIns="0" tIns="0" bIns="0">
+          <a:bodyPr lIns="0" tIns="0" rIns="0" bIns="0">
             <a:normAutofit/>
           </a:bodyPr>
-          <a:p>
-            <a:endParaRPr b="0" lang="en-US" sz="3200" spc="-1" strike="noStrike">
+          <a:lstStyle/>
+          <a:p>
+            <a:endParaRPr lang="en-US" sz="3200" b="0" strike="noStrike" spc="-1">
               <a:latin typeface="Arial"/>
             </a:endParaRPr>
           </a:p>
@@ -713,11 +912,12 @@
           </a:prstGeom>
         </p:spPr>
         <p:txBody>
-          <a:bodyPr lIns="0" rIns="0" tIns="0" bIns="0">
+          <a:bodyPr lIns="0" tIns="0" rIns="0" bIns="0">
             <a:normAutofit/>
           </a:bodyPr>
-          <a:p>
-            <a:endParaRPr b="0" lang="en-US" sz="3200" spc="-1" strike="noStrike">
+          <a:lstStyle/>
+          <a:p>
+            <a:endParaRPr lang="en-US" sz="3200" b="0" strike="noStrike" spc="-1">
               <a:latin typeface="Arial"/>
             </a:endParaRPr>
           </a:p>
@@ -725,11 +925,14 @@
       </p:sp>
     </p:spTree>
   </p:cSld>
+  <p:clrMapOvr>
+    <a:masterClrMapping/>
+  </p:clrMapOvr>
 </p:sldLayout>
 </file>
 
 <file path=ppt/slideLayouts/slideLayout12.xml><?xml version="1.0" encoding="utf-8"?>
-<p:sldLayout xmlns:a="http://schemas.openxmlformats.org/drawingml/2006/main" xmlns:p="http://schemas.openxmlformats.org/presentationml/2006/main" xmlns:r="http://schemas.openxmlformats.org/officeDocument/2006/relationships" xmlns:p14="http://schemas.microsoft.com/office/powerpoint/2010/main" xmlns:p15="http://schemas.microsoft.com/office/powerpoint/2012/main" xmlns:mc="http://schemas.openxmlformats.org/markup-compatibility/2006" type="blank" preserve="1">
+<p:sldLayout xmlns:a="http://schemas.openxmlformats.org/drawingml/2006/main" xmlns:r="http://schemas.openxmlformats.org/officeDocument/2006/relationships" xmlns:p="http://schemas.openxmlformats.org/presentationml/2006/main" type="blank" preserve="1">
   <p:cSld name="Title, 6 Content">
     <p:spTree>
       <p:nvGrpSpPr>
@@ -765,10 +968,11 @@
           </a:prstGeom>
         </p:spPr>
         <p:txBody>
-          <a:bodyPr lIns="0" rIns="0" tIns="0" bIns="0" anchor="ctr"/>
+          <a:bodyPr lIns="0" tIns="0" rIns="0" bIns="0" anchor="ctr"/>
+          <a:lstStyle/>
           <a:p>
             <a:pPr algn="ctr"/>
-            <a:endParaRPr b="0" lang="en-US" sz="4400" spc="-1" strike="noStrike">
+            <a:endParaRPr lang="en-US" sz="4400" b="0" strike="noStrike" spc="-1">
               <a:latin typeface="Arial"/>
             </a:endParaRPr>
           </a:p>
@@ -794,11 +998,12 @@
           </a:prstGeom>
         </p:spPr>
         <p:txBody>
-          <a:bodyPr lIns="0" rIns="0" tIns="0" bIns="0">
+          <a:bodyPr lIns="0" tIns="0" rIns="0" bIns="0">
             <a:normAutofit/>
           </a:bodyPr>
-          <a:p>
-            <a:endParaRPr b="0" lang="en-US" sz="3200" spc="-1" strike="noStrike">
+          <a:lstStyle/>
+          <a:p>
+            <a:endParaRPr lang="en-US" sz="3200" b="0" strike="noStrike" spc="-1">
               <a:latin typeface="Arial"/>
             </a:endParaRPr>
           </a:p>
@@ -824,11 +1029,12 @@
           </a:prstGeom>
         </p:spPr>
         <p:txBody>
-          <a:bodyPr lIns="0" rIns="0" tIns="0" bIns="0">
+          <a:bodyPr lIns="0" tIns="0" rIns="0" bIns="0">
             <a:normAutofit/>
           </a:bodyPr>
-          <a:p>
-            <a:endParaRPr b="0" lang="en-US" sz="3200" spc="-1" strike="noStrike">
+          <a:lstStyle/>
+          <a:p>
+            <a:endParaRPr lang="en-US" sz="3200" b="0" strike="noStrike" spc="-1">
               <a:latin typeface="Arial"/>
             </a:endParaRPr>
           </a:p>
@@ -854,11 +1060,12 @@
           </a:prstGeom>
         </p:spPr>
         <p:txBody>
-          <a:bodyPr lIns="0" rIns="0" tIns="0" bIns="0">
+          <a:bodyPr lIns="0" tIns="0" rIns="0" bIns="0">
             <a:normAutofit/>
           </a:bodyPr>
-          <a:p>
-            <a:endParaRPr b="0" lang="en-US" sz="3200" spc="-1" strike="noStrike">
+          <a:lstStyle/>
+          <a:p>
+            <a:endParaRPr lang="en-US" sz="3200" b="0" strike="noStrike" spc="-1">
               <a:latin typeface="Arial"/>
             </a:endParaRPr>
           </a:p>
@@ -884,11 +1091,12 @@
           </a:prstGeom>
         </p:spPr>
         <p:txBody>
-          <a:bodyPr lIns="0" rIns="0" tIns="0" bIns="0">
+          <a:bodyPr lIns="0" tIns="0" rIns="0" bIns="0">
             <a:normAutofit/>
           </a:bodyPr>
-          <a:p>
-            <a:endParaRPr b="0" lang="en-US" sz="3200" spc="-1" strike="noStrike">
+          <a:lstStyle/>
+          <a:p>
+            <a:endParaRPr lang="en-US" sz="3200" b="0" strike="noStrike" spc="-1">
               <a:latin typeface="Arial"/>
             </a:endParaRPr>
           </a:p>
@@ -914,11 +1122,12 @@
           </a:prstGeom>
         </p:spPr>
         <p:txBody>
-          <a:bodyPr lIns="0" rIns="0" tIns="0" bIns="0">
+          <a:bodyPr lIns="0" tIns="0" rIns="0" bIns="0">
             <a:normAutofit/>
           </a:bodyPr>
-          <a:p>
-            <a:endParaRPr b="0" lang="en-US" sz="3200" spc="-1" strike="noStrike">
+          <a:lstStyle/>
+          <a:p>
+            <a:endParaRPr lang="en-US" sz="3200" b="0" strike="noStrike" spc="-1">
               <a:latin typeface="Arial"/>
             </a:endParaRPr>
           </a:p>
@@ -944,11 +1153,12 @@
           </a:prstGeom>
         </p:spPr>
         <p:txBody>
-          <a:bodyPr lIns="0" rIns="0" tIns="0" bIns="0">
+          <a:bodyPr lIns="0" tIns="0" rIns="0" bIns="0">
             <a:normAutofit/>
           </a:bodyPr>
-          <a:p>
-            <a:endParaRPr b="0" lang="en-US" sz="3200" spc="-1" strike="noStrike">
+          <a:lstStyle/>
+          <a:p>
+            <a:endParaRPr lang="en-US" sz="3200" b="0" strike="noStrike" spc="-1">
               <a:latin typeface="Arial"/>
             </a:endParaRPr>
           </a:p>
@@ -956,11 +1166,14 @@
       </p:sp>
     </p:spTree>
   </p:cSld>
+  <p:clrMapOvr>
+    <a:masterClrMapping/>
+  </p:clrMapOvr>
 </p:sldLayout>
 </file>
 
 <file path=ppt/slideLayouts/slideLayout13.xml><?xml version="1.0" encoding="utf-8"?>
-<p:sldLayout xmlns:a="http://schemas.openxmlformats.org/drawingml/2006/main" xmlns:p="http://schemas.openxmlformats.org/presentationml/2006/main" xmlns:r="http://schemas.openxmlformats.org/officeDocument/2006/relationships" xmlns:p14="http://schemas.microsoft.com/office/powerpoint/2010/main" xmlns:p15="http://schemas.microsoft.com/office/powerpoint/2012/main" xmlns:mc="http://schemas.openxmlformats.org/markup-compatibility/2006" type="blank" preserve="1">
+<p:sldLayout xmlns:a="http://schemas.openxmlformats.org/drawingml/2006/main" xmlns:r="http://schemas.openxmlformats.org/officeDocument/2006/relationships" xmlns:p="http://schemas.openxmlformats.org/presentationml/2006/main" type="blank" preserve="1">
   <p:cSld name="Blank Slide">
     <p:spTree>
       <p:nvGrpSpPr>
@@ -978,11 +1191,14 @@
       </p:grpSpPr>
     </p:spTree>
   </p:cSld>
+  <p:clrMapOvr>
+    <a:masterClrMapping/>
+  </p:clrMapOvr>
 </p:sldLayout>
 </file>
 
 <file path=ppt/slideLayouts/slideLayout14.xml><?xml version="1.0" encoding="utf-8"?>
-<p:sldLayout xmlns:a="http://schemas.openxmlformats.org/drawingml/2006/main" xmlns:p="http://schemas.openxmlformats.org/presentationml/2006/main" xmlns:r="http://schemas.openxmlformats.org/officeDocument/2006/relationships" xmlns:p14="http://schemas.microsoft.com/office/powerpoint/2010/main" xmlns:p15="http://schemas.microsoft.com/office/powerpoint/2012/main" xmlns:mc="http://schemas.openxmlformats.org/markup-compatibility/2006" type="tx" preserve="1">
+<p:sldLayout xmlns:a="http://schemas.openxmlformats.org/drawingml/2006/main" xmlns:r="http://schemas.openxmlformats.org/officeDocument/2006/relationships" xmlns:p="http://schemas.openxmlformats.org/presentationml/2006/main" type="tx" preserve="1">
   <p:cSld name="Title Slide">
     <p:spTree>
       <p:nvGrpSpPr>
@@ -1018,10 +1234,11 @@
           </a:prstGeom>
         </p:spPr>
         <p:txBody>
-          <a:bodyPr lIns="0" rIns="0" tIns="0" bIns="0" anchor="ctr"/>
+          <a:bodyPr lIns="0" tIns="0" rIns="0" bIns="0" anchor="ctr"/>
+          <a:lstStyle/>
           <a:p>
             <a:pPr algn="ctr"/>
-            <a:endParaRPr b="0" lang="en-US" sz="4400" spc="-1" strike="noStrike">
+            <a:endParaRPr lang="en-US" sz="4400" b="0" strike="noStrike" spc="-1">
               <a:latin typeface="Arial"/>
             </a:endParaRPr>
           </a:p>
@@ -1047,10 +1264,11 @@
           </a:prstGeom>
         </p:spPr>
         <p:txBody>
-          <a:bodyPr lIns="0" rIns="0" tIns="0" bIns="0" anchor="ctr"/>
+          <a:bodyPr lIns="0" tIns="0" rIns="0" bIns="0" anchor="ctr"/>
+          <a:lstStyle/>
           <a:p>
             <a:pPr algn="ctr"/>
-            <a:endParaRPr b="0" lang="en-US" sz="3200" spc="-1" strike="noStrike">
+            <a:endParaRPr lang="en-US" sz="3200" b="0" strike="noStrike" spc="-1">
               <a:latin typeface="Arial"/>
             </a:endParaRPr>
           </a:p>
@@ -1058,11 +1276,14 @@
       </p:sp>
     </p:spTree>
   </p:cSld>
+  <p:clrMapOvr>
+    <a:masterClrMapping/>
+  </p:clrMapOvr>
 </p:sldLayout>
 </file>
 
 <file path=ppt/slideLayouts/slideLayout15.xml><?xml version="1.0" encoding="utf-8"?>
-<p:sldLayout xmlns:a="http://schemas.openxmlformats.org/drawingml/2006/main" xmlns:p="http://schemas.openxmlformats.org/presentationml/2006/main" xmlns:r="http://schemas.openxmlformats.org/officeDocument/2006/relationships" xmlns:p14="http://schemas.microsoft.com/office/powerpoint/2010/main" xmlns:p15="http://schemas.microsoft.com/office/powerpoint/2012/main" xmlns:mc="http://schemas.openxmlformats.org/markup-compatibility/2006" type="obj" preserve="1">
+<p:sldLayout xmlns:a="http://schemas.openxmlformats.org/drawingml/2006/main" xmlns:r="http://schemas.openxmlformats.org/officeDocument/2006/relationships" xmlns:p="http://schemas.openxmlformats.org/presentationml/2006/main" type="obj" preserve="1">
   <p:cSld name="Title, Content">
     <p:spTree>
       <p:nvGrpSpPr>
@@ -1098,10 +1319,11 @@
           </a:prstGeom>
         </p:spPr>
         <p:txBody>
-          <a:bodyPr lIns="0" rIns="0" tIns="0" bIns="0" anchor="ctr"/>
+          <a:bodyPr lIns="0" tIns="0" rIns="0" bIns="0" anchor="ctr"/>
+          <a:lstStyle/>
           <a:p>
             <a:pPr algn="ctr"/>
-            <a:endParaRPr b="0" lang="en-US" sz="4400" spc="-1" strike="noStrike">
+            <a:endParaRPr lang="en-US" sz="4400" b="0" strike="noStrike" spc="-1">
               <a:latin typeface="Arial"/>
             </a:endParaRPr>
           </a:p>
@@ -1127,11 +1349,12 @@
           </a:prstGeom>
         </p:spPr>
         <p:txBody>
-          <a:bodyPr lIns="0" rIns="0" tIns="0" bIns="0">
+          <a:bodyPr lIns="0" tIns="0" rIns="0" bIns="0">
             <a:normAutofit/>
           </a:bodyPr>
-          <a:p>
-            <a:endParaRPr b="0" lang="en-US" sz="3200" spc="-1" strike="noStrike">
+          <a:lstStyle/>
+          <a:p>
+            <a:endParaRPr lang="en-US" sz="3200" b="0" strike="noStrike" spc="-1">
               <a:latin typeface="Arial"/>
             </a:endParaRPr>
           </a:p>
@@ -1139,11 +1362,14 @@
       </p:sp>
     </p:spTree>
   </p:cSld>
+  <p:clrMapOvr>
+    <a:masterClrMapping/>
+  </p:clrMapOvr>
 </p:sldLayout>
 </file>
 
 <file path=ppt/slideLayouts/slideLayout16.xml><?xml version="1.0" encoding="utf-8"?>
-<p:sldLayout xmlns:a="http://schemas.openxmlformats.org/drawingml/2006/main" xmlns:p="http://schemas.openxmlformats.org/presentationml/2006/main" xmlns:r="http://schemas.openxmlformats.org/officeDocument/2006/relationships" xmlns:p14="http://schemas.microsoft.com/office/powerpoint/2010/main" xmlns:p15="http://schemas.microsoft.com/office/powerpoint/2012/main" xmlns:mc="http://schemas.openxmlformats.org/markup-compatibility/2006" type="twoObj" preserve="1">
+<p:sldLayout xmlns:a="http://schemas.openxmlformats.org/drawingml/2006/main" xmlns:r="http://schemas.openxmlformats.org/officeDocument/2006/relationships" xmlns:p="http://schemas.openxmlformats.org/presentationml/2006/main" type="twoObj" preserve="1">
   <p:cSld name="Title, 2 Content">
     <p:spTree>
       <p:nvGrpSpPr>
@@ -1179,10 +1405,11 @@
           </a:prstGeom>
         </p:spPr>
         <p:txBody>
-          <a:bodyPr lIns="0" rIns="0" tIns="0" bIns="0" anchor="ctr"/>
+          <a:bodyPr lIns="0" tIns="0" rIns="0" bIns="0" anchor="ctr"/>
+          <a:lstStyle/>
           <a:p>
             <a:pPr algn="ctr"/>
-            <a:endParaRPr b="0" lang="en-US" sz="4400" spc="-1" strike="noStrike">
+            <a:endParaRPr lang="en-US" sz="4400" b="0" strike="noStrike" spc="-1">
               <a:latin typeface="Arial"/>
             </a:endParaRPr>
           </a:p>
@@ -1208,11 +1435,12 @@
           </a:prstGeom>
         </p:spPr>
         <p:txBody>
-          <a:bodyPr lIns="0" rIns="0" tIns="0" bIns="0">
+          <a:bodyPr lIns="0" tIns="0" rIns="0" bIns="0">
             <a:normAutofit/>
           </a:bodyPr>
-          <a:p>
-            <a:endParaRPr b="0" lang="en-US" sz="3200" spc="-1" strike="noStrike">
+          <a:lstStyle/>
+          <a:p>
+            <a:endParaRPr lang="en-US" sz="3200" b="0" strike="noStrike" spc="-1">
               <a:latin typeface="Arial"/>
             </a:endParaRPr>
           </a:p>
@@ -1238,11 +1466,12 @@
           </a:prstGeom>
         </p:spPr>
         <p:txBody>
-          <a:bodyPr lIns="0" rIns="0" tIns="0" bIns="0">
+          <a:bodyPr lIns="0" tIns="0" rIns="0" bIns="0">
             <a:normAutofit/>
           </a:bodyPr>
-          <a:p>
-            <a:endParaRPr b="0" lang="en-US" sz="3200" spc="-1" strike="noStrike">
+          <a:lstStyle/>
+          <a:p>
+            <a:endParaRPr lang="en-US" sz="3200" b="0" strike="noStrike" spc="-1">
               <a:latin typeface="Arial"/>
             </a:endParaRPr>
           </a:p>
@@ -1250,11 +1479,14 @@
       </p:sp>
     </p:spTree>
   </p:cSld>
+  <p:clrMapOvr>
+    <a:masterClrMapping/>
+  </p:clrMapOvr>
 </p:sldLayout>
 </file>
 
 <file path=ppt/slideLayouts/slideLayout17.xml><?xml version="1.0" encoding="utf-8"?>
-<p:sldLayout xmlns:a="http://schemas.openxmlformats.org/drawingml/2006/main" xmlns:p="http://schemas.openxmlformats.org/presentationml/2006/main" xmlns:r="http://schemas.openxmlformats.org/officeDocument/2006/relationships" xmlns:p14="http://schemas.microsoft.com/office/powerpoint/2010/main" xmlns:p15="http://schemas.microsoft.com/office/powerpoint/2012/main" xmlns:mc="http://schemas.openxmlformats.org/markup-compatibility/2006" type="titleOnly" preserve="1">
+<p:sldLayout xmlns:a="http://schemas.openxmlformats.org/drawingml/2006/main" xmlns:r="http://schemas.openxmlformats.org/officeDocument/2006/relationships" xmlns:p="http://schemas.openxmlformats.org/presentationml/2006/main" type="titleOnly" preserve="1">
   <p:cSld name="Title Only">
     <p:spTree>
       <p:nvGrpSpPr>
@@ -1290,10 +1522,11 @@
           </a:prstGeom>
         </p:spPr>
         <p:txBody>
-          <a:bodyPr lIns="0" rIns="0" tIns="0" bIns="0" anchor="ctr"/>
+          <a:bodyPr lIns="0" tIns="0" rIns="0" bIns="0" anchor="ctr"/>
+          <a:lstStyle/>
           <a:p>
             <a:pPr algn="ctr"/>
-            <a:endParaRPr b="0" lang="en-US" sz="4400" spc="-1" strike="noStrike">
+            <a:endParaRPr lang="en-US" sz="4400" b="0" strike="noStrike" spc="-1">
               <a:latin typeface="Arial"/>
             </a:endParaRPr>
           </a:p>
@@ -1301,11 +1534,14 @@
       </p:sp>
     </p:spTree>
   </p:cSld>
+  <p:clrMapOvr>
+    <a:masterClrMapping/>
+  </p:clrMapOvr>
 </p:sldLayout>
 </file>
 
 <file path=ppt/slideLayouts/slideLayout18.xml><?xml version="1.0" encoding="utf-8"?>
-<p:sldLayout xmlns:a="http://schemas.openxmlformats.org/drawingml/2006/main" xmlns:p="http://schemas.openxmlformats.org/presentationml/2006/main" xmlns:r="http://schemas.openxmlformats.org/officeDocument/2006/relationships" xmlns:p14="http://schemas.microsoft.com/office/powerpoint/2010/main" xmlns:p15="http://schemas.microsoft.com/office/powerpoint/2012/main" xmlns:mc="http://schemas.openxmlformats.org/markup-compatibility/2006" type="objOnly" preserve="1">
+<p:sldLayout xmlns:a="http://schemas.openxmlformats.org/drawingml/2006/main" xmlns:r="http://schemas.openxmlformats.org/officeDocument/2006/relationships" xmlns:p="http://schemas.openxmlformats.org/presentationml/2006/main" type="objOnly" preserve="1">
   <p:cSld name="Centered Text">
     <p:spTree>
       <p:nvGrpSpPr>
@@ -1341,10 +1577,11 @@
           </a:prstGeom>
         </p:spPr>
         <p:txBody>
-          <a:bodyPr lIns="0" rIns="0" tIns="0" bIns="0" anchor="ctr"/>
+          <a:bodyPr lIns="0" tIns="0" rIns="0" bIns="0" anchor="ctr"/>
+          <a:lstStyle/>
           <a:p>
             <a:pPr algn="ctr"/>
-            <a:endParaRPr b="0" lang="en-US" sz="3200" spc="-1" strike="noStrike">
+            <a:endParaRPr lang="en-US" sz="3200" b="0" strike="noStrike" spc="-1">
               <a:latin typeface="Arial"/>
             </a:endParaRPr>
           </a:p>
@@ -1352,11 +1589,14 @@
       </p:sp>
     </p:spTree>
   </p:cSld>
+  <p:clrMapOvr>
+    <a:masterClrMapping/>
+  </p:clrMapOvr>
 </p:sldLayout>
 </file>
 
 <file path=ppt/slideLayouts/slideLayout19.xml><?xml version="1.0" encoding="utf-8"?>
-<p:sldLayout xmlns:a="http://schemas.openxmlformats.org/drawingml/2006/main" xmlns:p="http://schemas.openxmlformats.org/presentationml/2006/main" xmlns:r="http://schemas.openxmlformats.org/officeDocument/2006/relationships" xmlns:p14="http://schemas.microsoft.com/office/powerpoint/2010/main" xmlns:p15="http://schemas.microsoft.com/office/powerpoint/2012/main" xmlns:mc="http://schemas.openxmlformats.org/markup-compatibility/2006" type="twoObjAndObj" preserve="1">
+<p:sldLayout xmlns:a="http://schemas.openxmlformats.org/drawingml/2006/main" xmlns:r="http://schemas.openxmlformats.org/officeDocument/2006/relationships" xmlns:p="http://schemas.openxmlformats.org/presentationml/2006/main" type="twoObjAndObj" preserve="1">
   <p:cSld name="Title, 2 Content and Content">
     <p:spTree>
       <p:nvGrpSpPr>
@@ -1392,10 +1632,11 @@
           </a:prstGeom>
         </p:spPr>
         <p:txBody>
-          <a:bodyPr lIns="0" rIns="0" tIns="0" bIns="0" anchor="ctr"/>
+          <a:bodyPr lIns="0" tIns="0" rIns="0" bIns="0" anchor="ctr"/>
+          <a:lstStyle/>
           <a:p>
             <a:pPr algn="ctr"/>
-            <a:endParaRPr b="0" lang="en-US" sz="4400" spc="-1" strike="noStrike">
+            <a:endParaRPr lang="en-US" sz="4400" b="0" strike="noStrike" spc="-1">
               <a:latin typeface="Arial"/>
             </a:endParaRPr>
           </a:p>
@@ -1421,11 +1662,12 @@
           </a:prstGeom>
         </p:spPr>
         <p:txBody>
-          <a:bodyPr lIns="0" rIns="0" tIns="0" bIns="0">
+          <a:bodyPr lIns="0" tIns="0" rIns="0" bIns="0">
             <a:normAutofit/>
           </a:bodyPr>
-          <a:p>
-            <a:endParaRPr b="0" lang="en-US" sz="3200" spc="-1" strike="noStrike">
+          <a:lstStyle/>
+          <a:p>
+            <a:endParaRPr lang="en-US" sz="3200" b="0" strike="noStrike" spc="-1">
               <a:latin typeface="Arial"/>
             </a:endParaRPr>
           </a:p>
@@ -1451,11 +1693,12 @@
           </a:prstGeom>
         </p:spPr>
         <p:txBody>
-          <a:bodyPr lIns="0" rIns="0" tIns="0" bIns="0">
+          <a:bodyPr lIns="0" tIns="0" rIns="0" bIns="0">
             <a:normAutofit/>
           </a:bodyPr>
-          <a:p>
-            <a:endParaRPr b="0" lang="en-US" sz="3200" spc="-1" strike="noStrike">
+          <a:lstStyle/>
+          <a:p>
+            <a:endParaRPr lang="en-US" sz="3200" b="0" strike="noStrike" spc="-1">
               <a:latin typeface="Arial"/>
             </a:endParaRPr>
           </a:p>
@@ -1481,11 +1724,12 @@
           </a:prstGeom>
         </p:spPr>
         <p:txBody>
-          <a:bodyPr lIns="0" rIns="0" tIns="0" bIns="0">
+          <a:bodyPr lIns="0" tIns="0" rIns="0" bIns="0">
             <a:normAutofit/>
           </a:bodyPr>
-          <a:p>
-            <a:endParaRPr b="0" lang="en-US" sz="3200" spc="-1" strike="noStrike">
+          <a:lstStyle/>
+          <a:p>
+            <a:endParaRPr lang="en-US" sz="3200" b="0" strike="noStrike" spc="-1">
               <a:latin typeface="Arial"/>
             </a:endParaRPr>
           </a:p>
@@ -1493,11 +1737,14 @@
       </p:sp>
     </p:spTree>
   </p:cSld>
+  <p:clrMapOvr>
+    <a:masterClrMapping/>
+  </p:clrMapOvr>
 </p:sldLayout>
 </file>
 
 <file path=ppt/slideLayouts/slideLayout2.xml><?xml version="1.0" encoding="utf-8"?>
-<p:sldLayout xmlns:a="http://schemas.openxmlformats.org/drawingml/2006/main" xmlns:p="http://schemas.openxmlformats.org/presentationml/2006/main" xmlns:r="http://schemas.openxmlformats.org/officeDocument/2006/relationships" xmlns:p14="http://schemas.microsoft.com/office/powerpoint/2010/main" xmlns:p15="http://schemas.microsoft.com/office/powerpoint/2012/main" xmlns:mc="http://schemas.openxmlformats.org/markup-compatibility/2006" type="tx" preserve="1">
+<p:sldLayout xmlns:a="http://schemas.openxmlformats.org/drawingml/2006/main" xmlns:r="http://schemas.openxmlformats.org/officeDocument/2006/relationships" xmlns:p="http://schemas.openxmlformats.org/presentationml/2006/main" type="tx" preserve="1">
   <p:cSld name="Title Slide">
     <p:spTree>
       <p:nvGrpSpPr>
@@ -1533,10 +1780,11 @@
           </a:prstGeom>
         </p:spPr>
         <p:txBody>
-          <a:bodyPr lIns="0" rIns="0" tIns="0" bIns="0" anchor="ctr"/>
+          <a:bodyPr lIns="0" tIns="0" rIns="0" bIns="0" anchor="ctr"/>
+          <a:lstStyle/>
           <a:p>
             <a:pPr algn="ctr"/>
-            <a:endParaRPr b="0" lang="en-US" sz="4400" spc="-1" strike="noStrike">
+            <a:endParaRPr lang="en-US" sz="4400" b="0" strike="noStrike" spc="-1">
               <a:latin typeface="Arial"/>
             </a:endParaRPr>
           </a:p>
@@ -1562,10 +1810,11 @@
           </a:prstGeom>
         </p:spPr>
         <p:txBody>
-          <a:bodyPr lIns="0" rIns="0" tIns="0" bIns="0" anchor="ctr"/>
+          <a:bodyPr lIns="0" tIns="0" rIns="0" bIns="0" anchor="ctr"/>
+          <a:lstStyle/>
           <a:p>
             <a:pPr algn="ctr"/>
-            <a:endParaRPr b="0" lang="en-US" sz="3200" spc="-1" strike="noStrike">
+            <a:endParaRPr lang="en-US" sz="3200" b="0" strike="noStrike" spc="-1">
               <a:latin typeface="Arial"/>
             </a:endParaRPr>
           </a:p>
@@ -1573,11 +1822,14 @@
       </p:sp>
     </p:spTree>
   </p:cSld>
+  <p:clrMapOvr>
+    <a:masterClrMapping/>
+  </p:clrMapOvr>
 </p:sldLayout>
 </file>
 
 <file path=ppt/slideLayouts/slideLayout20.xml><?xml version="1.0" encoding="utf-8"?>
-<p:sldLayout xmlns:a="http://schemas.openxmlformats.org/drawingml/2006/main" xmlns:p="http://schemas.openxmlformats.org/presentationml/2006/main" xmlns:r="http://schemas.openxmlformats.org/officeDocument/2006/relationships" xmlns:p14="http://schemas.microsoft.com/office/powerpoint/2010/main" xmlns:p15="http://schemas.microsoft.com/office/powerpoint/2012/main" xmlns:mc="http://schemas.openxmlformats.org/markup-compatibility/2006" type="objAndTwoObj" preserve="1">
+<p:sldLayout xmlns:a="http://schemas.openxmlformats.org/drawingml/2006/main" xmlns:r="http://schemas.openxmlformats.org/officeDocument/2006/relationships" xmlns:p="http://schemas.openxmlformats.org/presentationml/2006/main" type="objAndTwoObj" preserve="1">
   <p:cSld name="Title Content and 2 Content">
     <p:spTree>
       <p:nvGrpSpPr>
@@ -1613,10 +1865,11 @@
           </a:prstGeom>
         </p:spPr>
         <p:txBody>
-          <a:bodyPr lIns="0" rIns="0" tIns="0" bIns="0" anchor="ctr"/>
+          <a:bodyPr lIns="0" tIns="0" rIns="0" bIns="0" anchor="ctr"/>
+          <a:lstStyle/>
           <a:p>
             <a:pPr algn="ctr"/>
-            <a:endParaRPr b="0" lang="en-US" sz="4400" spc="-1" strike="noStrike">
+            <a:endParaRPr lang="en-US" sz="4400" b="0" strike="noStrike" spc="-1">
               <a:latin typeface="Arial"/>
             </a:endParaRPr>
           </a:p>
@@ -1642,11 +1895,12 @@
           </a:prstGeom>
         </p:spPr>
         <p:txBody>
-          <a:bodyPr lIns="0" rIns="0" tIns="0" bIns="0">
+          <a:bodyPr lIns="0" tIns="0" rIns="0" bIns="0">
             <a:normAutofit/>
           </a:bodyPr>
-          <a:p>
-            <a:endParaRPr b="0" lang="en-US" sz="3200" spc="-1" strike="noStrike">
+          <a:lstStyle/>
+          <a:p>
+            <a:endParaRPr lang="en-US" sz="3200" b="0" strike="noStrike" spc="-1">
               <a:latin typeface="Arial"/>
             </a:endParaRPr>
           </a:p>
@@ -1672,11 +1926,12 @@
           </a:prstGeom>
         </p:spPr>
         <p:txBody>
-          <a:bodyPr lIns="0" rIns="0" tIns="0" bIns="0">
+          <a:bodyPr lIns="0" tIns="0" rIns="0" bIns="0">
             <a:normAutofit/>
           </a:bodyPr>
-          <a:p>
-            <a:endParaRPr b="0" lang="en-US" sz="3200" spc="-1" strike="noStrike">
+          <a:lstStyle/>
+          <a:p>
+            <a:endParaRPr lang="en-US" sz="3200" b="0" strike="noStrike" spc="-1">
               <a:latin typeface="Arial"/>
             </a:endParaRPr>
           </a:p>
@@ -1702,11 +1957,12 @@
           </a:prstGeom>
         </p:spPr>
         <p:txBody>
-          <a:bodyPr lIns="0" rIns="0" tIns="0" bIns="0">
+          <a:bodyPr lIns="0" tIns="0" rIns="0" bIns="0">
             <a:normAutofit/>
           </a:bodyPr>
-          <a:p>
-            <a:endParaRPr b="0" lang="en-US" sz="3200" spc="-1" strike="noStrike">
+          <a:lstStyle/>
+          <a:p>
+            <a:endParaRPr lang="en-US" sz="3200" b="0" strike="noStrike" spc="-1">
               <a:latin typeface="Arial"/>
             </a:endParaRPr>
           </a:p>
@@ -1714,11 +1970,14 @@
       </p:sp>
     </p:spTree>
   </p:cSld>
+  <p:clrMapOvr>
+    <a:masterClrMapping/>
+  </p:clrMapOvr>
 </p:sldLayout>
 </file>
 
 <file path=ppt/slideLayouts/slideLayout21.xml><?xml version="1.0" encoding="utf-8"?>
-<p:sldLayout xmlns:a="http://schemas.openxmlformats.org/drawingml/2006/main" xmlns:p="http://schemas.openxmlformats.org/presentationml/2006/main" xmlns:r="http://schemas.openxmlformats.org/officeDocument/2006/relationships" xmlns:p14="http://schemas.microsoft.com/office/powerpoint/2010/main" xmlns:p15="http://schemas.microsoft.com/office/powerpoint/2012/main" xmlns:mc="http://schemas.openxmlformats.org/markup-compatibility/2006" type="twoObjOverTx" preserve="1">
+<p:sldLayout xmlns:a="http://schemas.openxmlformats.org/drawingml/2006/main" xmlns:r="http://schemas.openxmlformats.org/officeDocument/2006/relationships" xmlns:p="http://schemas.openxmlformats.org/presentationml/2006/main" type="twoObjOverTx" preserve="1">
   <p:cSld name="Title, 2 Content over Content">
     <p:spTree>
       <p:nvGrpSpPr>
@@ -1754,10 +2013,11 @@
           </a:prstGeom>
         </p:spPr>
         <p:txBody>
-          <a:bodyPr lIns="0" rIns="0" tIns="0" bIns="0" anchor="ctr"/>
+          <a:bodyPr lIns="0" tIns="0" rIns="0" bIns="0" anchor="ctr"/>
+          <a:lstStyle/>
           <a:p>
             <a:pPr algn="ctr"/>
-            <a:endParaRPr b="0" lang="en-US" sz="4400" spc="-1" strike="noStrike">
+            <a:endParaRPr lang="en-US" sz="4400" b="0" strike="noStrike" spc="-1">
               <a:latin typeface="Arial"/>
             </a:endParaRPr>
           </a:p>
@@ -1783,11 +2043,12 @@
           </a:prstGeom>
         </p:spPr>
         <p:txBody>
-          <a:bodyPr lIns="0" rIns="0" tIns="0" bIns="0">
+          <a:bodyPr lIns="0" tIns="0" rIns="0" bIns="0">
             <a:normAutofit/>
           </a:bodyPr>
-          <a:p>
-            <a:endParaRPr b="0" lang="en-US" sz="3200" spc="-1" strike="noStrike">
+          <a:lstStyle/>
+          <a:p>
+            <a:endParaRPr lang="en-US" sz="3200" b="0" strike="noStrike" spc="-1">
               <a:latin typeface="Arial"/>
             </a:endParaRPr>
           </a:p>
@@ -1813,11 +2074,12 @@
           </a:prstGeom>
         </p:spPr>
         <p:txBody>
-          <a:bodyPr lIns="0" rIns="0" tIns="0" bIns="0">
+          <a:bodyPr lIns="0" tIns="0" rIns="0" bIns="0">
             <a:normAutofit/>
           </a:bodyPr>
-          <a:p>
-            <a:endParaRPr b="0" lang="en-US" sz="3200" spc="-1" strike="noStrike">
+          <a:lstStyle/>
+          <a:p>
+            <a:endParaRPr lang="en-US" sz="3200" b="0" strike="noStrike" spc="-1">
               <a:latin typeface="Arial"/>
             </a:endParaRPr>
           </a:p>
@@ -1843,11 +2105,12 @@
           </a:prstGeom>
         </p:spPr>
         <p:txBody>
-          <a:bodyPr lIns="0" rIns="0" tIns="0" bIns="0">
+          <a:bodyPr lIns="0" tIns="0" rIns="0" bIns="0">
             <a:normAutofit/>
           </a:bodyPr>
-          <a:p>
-            <a:endParaRPr b="0" lang="en-US" sz="3200" spc="-1" strike="noStrike">
+          <a:lstStyle/>
+          <a:p>
+            <a:endParaRPr lang="en-US" sz="3200" b="0" strike="noStrike" spc="-1">
               <a:latin typeface="Arial"/>
             </a:endParaRPr>
           </a:p>
@@ -1855,11 +2118,14 @@
       </p:sp>
     </p:spTree>
   </p:cSld>
+  <p:clrMapOvr>
+    <a:masterClrMapping/>
+  </p:clrMapOvr>
 </p:sldLayout>
 </file>
 
 <file path=ppt/slideLayouts/slideLayout22.xml><?xml version="1.0" encoding="utf-8"?>
-<p:sldLayout xmlns:a="http://schemas.openxmlformats.org/drawingml/2006/main" xmlns:p="http://schemas.openxmlformats.org/presentationml/2006/main" xmlns:r="http://schemas.openxmlformats.org/officeDocument/2006/relationships" xmlns:p14="http://schemas.microsoft.com/office/powerpoint/2010/main" xmlns:p15="http://schemas.microsoft.com/office/powerpoint/2012/main" xmlns:mc="http://schemas.openxmlformats.org/markup-compatibility/2006" type="objOverTx" preserve="1">
+<p:sldLayout xmlns:a="http://schemas.openxmlformats.org/drawingml/2006/main" xmlns:r="http://schemas.openxmlformats.org/officeDocument/2006/relationships" xmlns:p="http://schemas.openxmlformats.org/presentationml/2006/main" type="objOverTx" preserve="1">
   <p:cSld name="Title, Content over Content">
     <p:spTree>
       <p:nvGrpSpPr>
@@ -1895,10 +2161,11 @@
           </a:prstGeom>
         </p:spPr>
         <p:txBody>
-          <a:bodyPr lIns="0" rIns="0" tIns="0" bIns="0" anchor="ctr"/>
+          <a:bodyPr lIns="0" tIns="0" rIns="0" bIns="0" anchor="ctr"/>
+          <a:lstStyle/>
           <a:p>
             <a:pPr algn="ctr"/>
-            <a:endParaRPr b="0" lang="en-US" sz="4400" spc="-1" strike="noStrike">
+            <a:endParaRPr lang="en-US" sz="4400" b="0" strike="noStrike" spc="-1">
               <a:latin typeface="Arial"/>
             </a:endParaRPr>
           </a:p>
@@ -1924,11 +2191,12 @@
           </a:prstGeom>
         </p:spPr>
         <p:txBody>
-          <a:bodyPr lIns="0" rIns="0" tIns="0" bIns="0">
+          <a:bodyPr lIns="0" tIns="0" rIns="0" bIns="0">
             <a:normAutofit/>
           </a:bodyPr>
-          <a:p>
-            <a:endParaRPr b="0" lang="en-US" sz="3200" spc="-1" strike="noStrike">
+          <a:lstStyle/>
+          <a:p>
+            <a:endParaRPr lang="en-US" sz="3200" b="0" strike="noStrike" spc="-1">
               <a:latin typeface="Arial"/>
             </a:endParaRPr>
           </a:p>
@@ -1954,11 +2222,12 @@
           </a:prstGeom>
         </p:spPr>
         <p:txBody>
-          <a:bodyPr lIns="0" rIns="0" tIns="0" bIns="0">
+          <a:bodyPr lIns="0" tIns="0" rIns="0" bIns="0">
             <a:normAutofit/>
           </a:bodyPr>
-          <a:p>
-            <a:endParaRPr b="0" lang="en-US" sz="3200" spc="-1" strike="noStrike">
+          <a:lstStyle/>
+          <a:p>
+            <a:endParaRPr lang="en-US" sz="3200" b="0" strike="noStrike" spc="-1">
               <a:latin typeface="Arial"/>
             </a:endParaRPr>
           </a:p>
@@ -1966,11 +2235,14 @@
       </p:sp>
     </p:spTree>
   </p:cSld>
+  <p:clrMapOvr>
+    <a:masterClrMapping/>
+  </p:clrMapOvr>
 </p:sldLayout>
 </file>
 
 <file path=ppt/slideLayouts/slideLayout23.xml><?xml version="1.0" encoding="utf-8"?>
-<p:sldLayout xmlns:a="http://schemas.openxmlformats.org/drawingml/2006/main" xmlns:p="http://schemas.openxmlformats.org/presentationml/2006/main" xmlns:r="http://schemas.openxmlformats.org/officeDocument/2006/relationships" xmlns:p14="http://schemas.microsoft.com/office/powerpoint/2010/main" xmlns:p15="http://schemas.microsoft.com/office/powerpoint/2012/main" xmlns:mc="http://schemas.openxmlformats.org/markup-compatibility/2006" type="fourObj" preserve="1">
+<p:sldLayout xmlns:a="http://schemas.openxmlformats.org/drawingml/2006/main" xmlns:r="http://schemas.openxmlformats.org/officeDocument/2006/relationships" xmlns:p="http://schemas.openxmlformats.org/presentationml/2006/main" type="fourObj" preserve="1">
   <p:cSld name="Title, 4 Content">
     <p:spTree>
       <p:nvGrpSpPr>
@@ -2006,10 +2278,11 @@
           </a:prstGeom>
         </p:spPr>
         <p:txBody>
-          <a:bodyPr lIns="0" rIns="0" tIns="0" bIns="0" anchor="ctr"/>
+          <a:bodyPr lIns="0" tIns="0" rIns="0" bIns="0" anchor="ctr"/>
+          <a:lstStyle/>
           <a:p>
             <a:pPr algn="ctr"/>
-            <a:endParaRPr b="0" lang="en-US" sz="4400" spc="-1" strike="noStrike">
+            <a:endParaRPr lang="en-US" sz="4400" b="0" strike="noStrike" spc="-1">
               <a:latin typeface="Arial"/>
             </a:endParaRPr>
           </a:p>
@@ -2035,11 +2308,12 @@
           </a:prstGeom>
         </p:spPr>
         <p:txBody>
-          <a:bodyPr lIns="0" rIns="0" tIns="0" bIns="0">
+          <a:bodyPr lIns="0" tIns="0" rIns="0" bIns="0">
             <a:normAutofit/>
           </a:bodyPr>
-          <a:p>
-            <a:endParaRPr b="0" lang="en-US" sz="3200" spc="-1" strike="noStrike">
+          <a:lstStyle/>
+          <a:p>
+            <a:endParaRPr lang="en-US" sz="3200" b="0" strike="noStrike" spc="-1">
               <a:latin typeface="Arial"/>
             </a:endParaRPr>
           </a:p>
@@ -2065,11 +2339,12 @@
           </a:prstGeom>
         </p:spPr>
         <p:txBody>
-          <a:bodyPr lIns="0" rIns="0" tIns="0" bIns="0">
+          <a:bodyPr lIns="0" tIns="0" rIns="0" bIns="0">
             <a:normAutofit/>
           </a:bodyPr>
-          <a:p>
-            <a:endParaRPr b="0" lang="en-US" sz="3200" spc="-1" strike="noStrike">
+          <a:lstStyle/>
+          <a:p>
+            <a:endParaRPr lang="en-US" sz="3200" b="0" strike="noStrike" spc="-1">
               <a:latin typeface="Arial"/>
             </a:endParaRPr>
           </a:p>
@@ -2095,11 +2370,12 @@
           </a:prstGeom>
         </p:spPr>
         <p:txBody>
-          <a:bodyPr lIns="0" rIns="0" tIns="0" bIns="0">
+          <a:bodyPr lIns="0" tIns="0" rIns="0" bIns="0">
             <a:normAutofit/>
           </a:bodyPr>
-          <a:p>
-            <a:endParaRPr b="0" lang="en-US" sz="3200" spc="-1" strike="noStrike">
+          <a:lstStyle/>
+          <a:p>
+            <a:endParaRPr lang="en-US" sz="3200" b="0" strike="noStrike" spc="-1">
               <a:latin typeface="Arial"/>
             </a:endParaRPr>
           </a:p>
@@ -2125,11 +2401,12 @@
           </a:prstGeom>
         </p:spPr>
         <p:txBody>
-          <a:bodyPr lIns="0" rIns="0" tIns="0" bIns="0">
+          <a:bodyPr lIns="0" tIns="0" rIns="0" bIns="0">
             <a:normAutofit/>
           </a:bodyPr>
-          <a:p>
-            <a:endParaRPr b="0" lang="en-US" sz="3200" spc="-1" strike="noStrike">
+          <a:lstStyle/>
+          <a:p>
+            <a:endParaRPr lang="en-US" sz="3200" b="0" strike="noStrike" spc="-1">
               <a:latin typeface="Arial"/>
             </a:endParaRPr>
           </a:p>
@@ -2137,11 +2414,14 @@
       </p:sp>
     </p:spTree>
   </p:cSld>
+  <p:clrMapOvr>
+    <a:masterClrMapping/>
+  </p:clrMapOvr>
 </p:sldLayout>
 </file>
 
 <file path=ppt/slideLayouts/slideLayout24.xml><?xml version="1.0" encoding="utf-8"?>
-<p:sldLayout xmlns:a="http://schemas.openxmlformats.org/drawingml/2006/main" xmlns:p="http://schemas.openxmlformats.org/presentationml/2006/main" xmlns:r="http://schemas.openxmlformats.org/officeDocument/2006/relationships" xmlns:p14="http://schemas.microsoft.com/office/powerpoint/2010/main" xmlns:p15="http://schemas.microsoft.com/office/powerpoint/2012/main" xmlns:mc="http://schemas.openxmlformats.org/markup-compatibility/2006" type="blank" preserve="1">
+<p:sldLayout xmlns:a="http://schemas.openxmlformats.org/drawingml/2006/main" xmlns:r="http://schemas.openxmlformats.org/officeDocument/2006/relationships" xmlns:p="http://schemas.openxmlformats.org/presentationml/2006/main" type="blank" preserve="1">
   <p:cSld name="Title, 6 Content">
     <p:spTree>
       <p:nvGrpSpPr>
@@ -2177,10 +2457,11 @@
           </a:prstGeom>
         </p:spPr>
         <p:txBody>
-          <a:bodyPr lIns="0" rIns="0" tIns="0" bIns="0" anchor="ctr"/>
+          <a:bodyPr lIns="0" tIns="0" rIns="0" bIns="0" anchor="ctr"/>
+          <a:lstStyle/>
           <a:p>
             <a:pPr algn="ctr"/>
-            <a:endParaRPr b="0" lang="en-US" sz="4400" spc="-1" strike="noStrike">
+            <a:endParaRPr lang="en-US" sz="4400" b="0" strike="noStrike" spc="-1">
               <a:latin typeface="Arial"/>
             </a:endParaRPr>
           </a:p>
@@ -2206,11 +2487,12 @@
           </a:prstGeom>
         </p:spPr>
         <p:txBody>
-          <a:bodyPr lIns="0" rIns="0" tIns="0" bIns="0">
+          <a:bodyPr lIns="0" tIns="0" rIns="0" bIns="0">
             <a:normAutofit/>
           </a:bodyPr>
-          <a:p>
-            <a:endParaRPr b="0" lang="en-US" sz="3200" spc="-1" strike="noStrike">
+          <a:lstStyle/>
+          <a:p>
+            <a:endParaRPr lang="en-US" sz="3200" b="0" strike="noStrike" spc="-1">
               <a:latin typeface="Arial"/>
             </a:endParaRPr>
           </a:p>
@@ -2236,11 +2518,12 @@
           </a:prstGeom>
         </p:spPr>
         <p:txBody>
-          <a:bodyPr lIns="0" rIns="0" tIns="0" bIns="0">
+          <a:bodyPr lIns="0" tIns="0" rIns="0" bIns="0">
             <a:normAutofit/>
           </a:bodyPr>
-          <a:p>
-            <a:endParaRPr b="0" lang="en-US" sz="3200" spc="-1" strike="noStrike">
+          <a:lstStyle/>
+          <a:p>
+            <a:endParaRPr lang="en-US" sz="3200" b="0" strike="noStrike" spc="-1">
               <a:latin typeface="Arial"/>
             </a:endParaRPr>
           </a:p>
@@ -2266,11 +2549,12 @@
           </a:prstGeom>
         </p:spPr>
         <p:txBody>
-          <a:bodyPr lIns="0" rIns="0" tIns="0" bIns="0">
+          <a:bodyPr lIns="0" tIns="0" rIns="0" bIns="0">
             <a:normAutofit/>
           </a:bodyPr>
-          <a:p>
-            <a:endParaRPr b="0" lang="en-US" sz="3200" spc="-1" strike="noStrike">
+          <a:lstStyle/>
+          <a:p>
+            <a:endParaRPr lang="en-US" sz="3200" b="0" strike="noStrike" spc="-1">
               <a:latin typeface="Arial"/>
             </a:endParaRPr>
           </a:p>
@@ -2296,11 +2580,12 @@
           </a:prstGeom>
         </p:spPr>
         <p:txBody>
-          <a:bodyPr lIns="0" rIns="0" tIns="0" bIns="0">
+          <a:bodyPr lIns="0" tIns="0" rIns="0" bIns="0">
             <a:normAutofit/>
           </a:bodyPr>
-          <a:p>
-            <a:endParaRPr b="0" lang="en-US" sz="3200" spc="-1" strike="noStrike">
+          <a:lstStyle/>
+          <a:p>
+            <a:endParaRPr lang="en-US" sz="3200" b="0" strike="noStrike" spc="-1">
               <a:latin typeface="Arial"/>
             </a:endParaRPr>
           </a:p>
@@ -2326,11 +2611,12 @@
           </a:prstGeom>
         </p:spPr>
         <p:txBody>
-          <a:bodyPr lIns="0" rIns="0" tIns="0" bIns="0">
+          <a:bodyPr lIns="0" tIns="0" rIns="0" bIns="0">
             <a:normAutofit/>
           </a:bodyPr>
-          <a:p>
-            <a:endParaRPr b="0" lang="en-US" sz="3200" spc="-1" strike="noStrike">
+          <a:lstStyle/>
+          <a:p>
+            <a:endParaRPr lang="en-US" sz="3200" b="0" strike="noStrike" spc="-1">
               <a:latin typeface="Arial"/>
             </a:endParaRPr>
           </a:p>
@@ -2356,11 +2642,12 @@
           </a:prstGeom>
         </p:spPr>
         <p:txBody>
-          <a:bodyPr lIns="0" rIns="0" tIns="0" bIns="0">
+          <a:bodyPr lIns="0" tIns="0" rIns="0" bIns="0">
             <a:normAutofit/>
           </a:bodyPr>
-          <a:p>
-            <a:endParaRPr b="0" lang="en-US" sz="3200" spc="-1" strike="noStrike">
+          <a:lstStyle/>
+          <a:p>
+            <a:endParaRPr lang="en-US" sz="3200" b="0" strike="noStrike" spc="-1">
               <a:latin typeface="Arial"/>
             </a:endParaRPr>
           </a:p>
@@ -2368,11 +2655,14 @@
       </p:sp>
     </p:spTree>
   </p:cSld>
+  <p:clrMapOvr>
+    <a:masterClrMapping/>
+  </p:clrMapOvr>
 </p:sldLayout>
 </file>
 
 <file path=ppt/slideLayouts/slideLayout3.xml><?xml version="1.0" encoding="utf-8"?>
-<p:sldLayout xmlns:a="http://schemas.openxmlformats.org/drawingml/2006/main" xmlns:p="http://schemas.openxmlformats.org/presentationml/2006/main" xmlns:r="http://schemas.openxmlformats.org/officeDocument/2006/relationships" xmlns:p14="http://schemas.microsoft.com/office/powerpoint/2010/main" xmlns:p15="http://schemas.microsoft.com/office/powerpoint/2012/main" xmlns:mc="http://schemas.openxmlformats.org/markup-compatibility/2006" type="obj" preserve="1">
+<p:sldLayout xmlns:a="http://schemas.openxmlformats.org/drawingml/2006/main" xmlns:r="http://schemas.openxmlformats.org/officeDocument/2006/relationships" xmlns:p="http://schemas.openxmlformats.org/presentationml/2006/main" type="obj" preserve="1">
   <p:cSld name="Title, Content">
     <p:spTree>
       <p:nvGrpSpPr>
@@ -2408,10 +2698,11 @@
           </a:prstGeom>
         </p:spPr>
         <p:txBody>
-          <a:bodyPr lIns="0" rIns="0" tIns="0" bIns="0" anchor="ctr"/>
+          <a:bodyPr lIns="0" tIns="0" rIns="0" bIns="0" anchor="ctr"/>
+          <a:lstStyle/>
           <a:p>
             <a:pPr algn="ctr"/>
-            <a:endParaRPr b="0" lang="en-US" sz="4400" spc="-1" strike="noStrike">
+            <a:endParaRPr lang="en-US" sz="4400" b="0" strike="noStrike" spc="-1">
               <a:latin typeface="Arial"/>
             </a:endParaRPr>
           </a:p>
@@ -2437,11 +2728,12 @@
           </a:prstGeom>
         </p:spPr>
         <p:txBody>
-          <a:bodyPr lIns="0" rIns="0" tIns="0" bIns="0">
+          <a:bodyPr lIns="0" tIns="0" rIns="0" bIns="0">
             <a:normAutofit/>
           </a:bodyPr>
-          <a:p>
-            <a:endParaRPr b="0" lang="en-US" sz="3200" spc="-1" strike="noStrike">
+          <a:lstStyle/>
+          <a:p>
+            <a:endParaRPr lang="en-US" sz="3200" b="0" strike="noStrike" spc="-1">
               <a:latin typeface="Arial"/>
             </a:endParaRPr>
           </a:p>
@@ -2449,11 +2741,14 @@
       </p:sp>
     </p:spTree>
   </p:cSld>
+  <p:clrMapOvr>
+    <a:masterClrMapping/>
+  </p:clrMapOvr>
 </p:sldLayout>
 </file>
 
 <file path=ppt/slideLayouts/slideLayout4.xml><?xml version="1.0" encoding="utf-8"?>
-<p:sldLayout xmlns:a="http://schemas.openxmlformats.org/drawingml/2006/main" xmlns:p="http://schemas.openxmlformats.org/presentationml/2006/main" xmlns:r="http://schemas.openxmlformats.org/officeDocument/2006/relationships" xmlns:p14="http://schemas.microsoft.com/office/powerpoint/2010/main" xmlns:p15="http://schemas.microsoft.com/office/powerpoint/2012/main" xmlns:mc="http://schemas.openxmlformats.org/markup-compatibility/2006" type="twoObj" preserve="1">
+<p:sldLayout xmlns:a="http://schemas.openxmlformats.org/drawingml/2006/main" xmlns:r="http://schemas.openxmlformats.org/officeDocument/2006/relationships" xmlns:p="http://schemas.openxmlformats.org/presentationml/2006/main" type="twoObj" preserve="1">
   <p:cSld name="Title, 2 Content">
     <p:spTree>
       <p:nvGrpSpPr>
@@ -2489,10 +2784,11 @@
           </a:prstGeom>
         </p:spPr>
         <p:txBody>
-          <a:bodyPr lIns="0" rIns="0" tIns="0" bIns="0" anchor="ctr"/>
+          <a:bodyPr lIns="0" tIns="0" rIns="0" bIns="0" anchor="ctr"/>
+          <a:lstStyle/>
           <a:p>
             <a:pPr algn="ctr"/>
-            <a:endParaRPr b="0" lang="en-US" sz="4400" spc="-1" strike="noStrike">
+            <a:endParaRPr lang="en-US" sz="4400" b="0" strike="noStrike" spc="-1">
               <a:latin typeface="Arial"/>
             </a:endParaRPr>
           </a:p>
@@ -2518,11 +2814,12 @@
           </a:prstGeom>
         </p:spPr>
         <p:txBody>
-          <a:bodyPr lIns="0" rIns="0" tIns="0" bIns="0">
+          <a:bodyPr lIns="0" tIns="0" rIns="0" bIns="0">
             <a:normAutofit/>
           </a:bodyPr>
-          <a:p>
-            <a:endParaRPr b="0" lang="en-US" sz="3200" spc="-1" strike="noStrike">
+          <a:lstStyle/>
+          <a:p>
+            <a:endParaRPr lang="en-US" sz="3200" b="0" strike="noStrike" spc="-1">
               <a:latin typeface="Arial"/>
             </a:endParaRPr>
           </a:p>
@@ -2548,11 +2845,12 @@
           </a:prstGeom>
         </p:spPr>
         <p:txBody>
-          <a:bodyPr lIns="0" rIns="0" tIns="0" bIns="0">
+          <a:bodyPr lIns="0" tIns="0" rIns="0" bIns="0">
             <a:normAutofit/>
           </a:bodyPr>
-          <a:p>
-            <a:endParaRPr b="0" lang="en-US" sz="3200" spc="-1" strike="noStrike">
+          <a:lstStyle/>
+          <a:p>
+            <a:endParaRPr lang="en-US" sz="3200" b="0" strike="noStrike" spc="-1">
               <a:latin typeface="Arial"/>
             </a:endParaRPr>
           </a:p>
@@ -2560,11 +2858,14 @@
       </p:sp>
     </p:spTree>
   </p:cSld>
+  <p:clrMapOvr>
+    <a:masterClrMapping/>
+  </p:clrMapOvr>
 </p:sldLayout>
 </file>
 
 <file path=ppt/slideLayouts/slideLayout5.xml><?xml version="1.0" encoding="utf-8"?>
-<p:sldLayout xmlns:a="http://schemas.openxmlformats.org/drawingml/2006/main" xmlns:p="http://schemas.openxmlformats.org/presentationml/2006/main" xmlns:r="http://schemas.openxmlformats.org/officeDocument/2006/relationships" xmlns:p14="http://schemas.microsoft.com/office/powerpoint/2010/main" xmlns:p15="http://schemas.microsoft.com/office/powerpoint/2012/main" xmlns:mc="http://schemas.openxmlformats.org/markup-compatibility/2006" type="titleOnly" preserve="1">
+<p:sldLayout xmlns:a="http://schemas.openxmlformats.org/drawingml/2006/main" xmlns:r="http://schemas.openxmlformats.org/officeDocument/2006/relationships" xmlns:p="http://schemas.openxmlformats.org/presentationml/2006/main" type="titleOnly" preserve="1">
   <p:cSld name="Title Only">
     <p:spTree>
       <p:nvGrpSpPr>
@@ -2600,10 +2901,11 @@
           </a:prstGeom>
         </p:spPr>
         <p:txBody>
-          <a:bodyPr lIns="0" rIns="0" tIns="0" bIns="0" anchor="ctr"/>
+          <a:bodyPr lIns="0" tIns="0" rIns="0" bIns="0" anchor="ctr"/>
+          <a:lstStyle/>
           <a:p>
             <a:pPr algn="ctr"/>
-            <a:endParaRPr b="0" lang="en-US" sz="4400" spc="-1" strike="noStrike">
+            <a:endParaRPr lang="en-US" sz="4400" b="0" strike="noStrike" spc="-1">
               <a:latin typeface="Arial"/>
             </a:endParaRPr>
           </a:p>
@@ -2611,11 +2913,14 @@
       </p:sp>
     </p:spTree>
   </p:cSld>
+  <p:clrMapOvr>
+    <a:masterClrMapping/>
+  </p:clrMapOvr>
 </p:sldLayout>
 </file>
 
 <file path=ppt/slideLayouts/slideLayout6.xml><?xml version="1.0" encoding="utf-8"?>
-<p:sldLayout xmlns:a="http://schemas.openxmlformats.org/drawingml/2006/main" xmlns:p="http://schemas.openxmlformats.org/presentationml/2006/main" xmlns:r="http://schemas.openxmlformats.org/officeDocument/2006/relationships" xmlns:p14="http://schemas.microsoft.com/office/powerpoint/2010/main" xmlns:p15="http://schemas.microsoft.com/office/powerpoint/2012/main" xmlns:mc="http://schemas.openxmlformats.org/markup-compatibility/2006" type="objOnly" preserve="1">
+<p:sldLayout xmlns:a="http://schemas.openxmlformats.org/drawingml/2006/main" xmlns:r="http://schemas.openxmlformats.org/officeDocument/2006/relationships" xmlns:p="http://schemas.openxmlformats.org/presentationml/2006/main" type="objOnly" preserve="1">
   <p:cSld name="Centered Text">
     <p:spTree>
       <p:nvGrpSpPr>
@@ -2651,10 +2956,11 @@
           </a:prstGeom>
         </p:spPr>
         <p:txBody>
-          <a:bodyPr lIns="0" rIns="0" tIns="0" bIns="0" anchor="ctr"/>
+          <a:bodyPr lIns="0" tIns="0" rIns="0" bIns="0" anchor="ctr"/>
+          <a:lstStyle/>
           <a:p>
             <a:pPr algn="ctr"/>
-            <a:endParaRPr b="0" lang="en-US" sz="3200" spc="-1" strike="noStrike">
+            <a:endParaRPr lang="en-US" sz="3200" b="0" strike="noStrike" spc="-1">
               <a:latin typeface="Arial"/>
             </a:endParaRPr>
           </a:p>
@@ -2662,11 +2968,14 @@
       </p:sp>
     </p:spTree>
   </p:cSld>
+  <p:clrMapOvr>
+    <a:masterClrMapping/>
+  </p:clrMapOvr>
 </p:sldLayout>
 </file>
 
 <file path=ppt/slideLayouts/slideLayout7.xml><?xml version="1.0" encoding="utf-8"?>
-<p:sldLayout xmlns:a="http://schemas.openxmlformats.org/drawingml/2006/main" xmlns:p="http://schemas.openxmlformats.org/presentationml/2006/main" xmlns:r="http://schemas.openxmlformats.org/officeDocument/2006/relationships" xmlns:p14="http://schemas.microsoft.com/office/powerpoint/2010/main" xmlns:p15="http://schemas.microsoft.com/office/powerpoint/2012/main" xmlns:mc="http://schemas.openxmlformats.org/markup-compatibility/2006" type="twoObjAndObj" preserve="1">
+<p:sldLayout xmlns:a="http://schemas.openxmlformats.org/drawingml/2006/main" xmlns:r="http://schemas.openxmlformats.org/officeDocument/2006/relationships" xmlns:p="http://schemas.openxmlformats.org/presentationml/2006/main" type="twoObjAndObj" preserve="1">
   <p:cSld name="Title, 2 Content and Content">
     <p:spTree>
       <p:nvGrpSpPr>
@@ -2702,10 +3011,11 @@
           </a:prstGeom>
         </p:spPr>
         <p:txBody>
-          <a:bodyPr lIns="0" rIns="0" tIns="0" bIns="0" anchor="ctr"/>
+          <a:bodyPr lIns="0" tIns="0" rIns="0" bIns="0" anchor="ctr"/>
+          <a:lstStyle/>
           <a:p>
             <a:pPr algn="ctr"/>
-            <a:endParaRPr b="0" lang="en-US" sz="4400" spc="-1" strike="noStrike">
+            <a:endParaRPr lang="en-US" sz="4400" b="0" strike="noStrike" spc="-1">
               <a:latin typeface="Arial"/>
             </a:endParaRPr>
           </a:p>
@@ -2731,11 +3041,12 @@
           </a:prstGeom>
         </p:spPr>
         <p:txBody>
-          <a:bodyPr lIns="0" rIns="0" tIns="0" bIns="0">
+          <a:bodyPr lIns="0" tIns="0" rIns="0" bIns="0">
             <a:normAutofit/>
           </a:bodyPr>
-          <a:p>
-            <a:endParaRPr b="0" lang="en-US" sz="3200" spc="-1" strike="noStrike">
+          <a:lstStyle/>
+          <a:p>
+            <a:endParaRPr lang="en-US" sz="3200" b="0" strike="noStrike" spc="-1">
               <a:latin typeface="Arial"/>
             </a:endParaRPr>
           </a:p>
@@ -2761,11 +3072,12 @@
           </a:prstGeom>
         </p:spPr>
         <p:txBody>
-          <a:bodyPr lIns="0" rIns="0" tIns="0" bIns="0">
+          <a:bodyPr lIns="0" tIns="0" rIns="0" bIns="0">
             <a:normAutofit/>
           </a:bodyPr>
-          <a:p>
-            <a:endParaRPr b="0" lang="en-US" sz="3200" spc="-1" strike="noStrike">
+          <a:lstStyle/>
+          <a:p>
+            <a:endParaRPr lang="en-US" sz="3200" b="0" strike="noStrike" spc="-1">
               <a:latin typeface="Arial"/>
             </a:endParaRPr>
           </a:p>
@@ -2791,11 +3103,12 @@
           </a:prstGeom>
         </p:spPr>
         <p:txBody>
-          <a:bodyPr lIns="0" rIns="0" tIns="0" bIns="0">
+          <a:bodyPr lIns="0" tIns="0" rIns="0" bIns="0">
             <a:normAutofit/>
           </a:bodyPr>
-          <a:p>
-            <a:endParaRPr b="0" lang="en-US" sz="3200" spc="-1" strike="noStrike">
+          <a:lstStyle/>
+          <a:p>
+            <a:endParaRPr lang="en-US" sz="3200" b="0" strike="noStrike" spc="-1">
               <a:latin typeface="Arial"/>
             </a:endParaRPr>
           </a:p>
@@ -2803,11 +3116,14 @@
       </p:sp>
     </p:spTree>
   </p:cSld>
+  <p:clrMapOvr>
+    <a:masterClrMapping/>
+  </p:clrMapOvr>
 </p:sldLayout>
 </file>
 
 <file path=ppt/slideLayouts/slideLayout8.xml><?xml version="1.0" encoding="utf-8"?>
-<p:sldLayout xmlns:a="http://schemas.openxmlformats.org/drawingml/2006/main" xmlns:p="http://schemas.openxmlformats.org/presentationml/2006/main" xmlns:r="http://schemas.openxmlformats.org/officeDocument/2006/relationships" xmlns:p14="http://schemas.microsoft.com/office/powerpoint/2010/main" xmlns:p15="http://schemas.microsoft.com/office/powerpoint/2012/main" xmlns:mc="http://schemas.openxmlformats.org/markup-compatibility/2006" type="objAndTwoObj" preserve="1">
+<p:sldLayout xmlns:a="http://schemas.openxmlformats.org/drawingml/2006/main" xmlns:r="http://schemas.openxmlformats.org/officeDocument/2006/relationships" xmlns:p="http://schemas.openxmlformats.org/presentationml/2006/main" type="objAndTwoObj" preserve="1">
   <p:cSld name="Title Content and 2 Content">
     <p:spTree>
       <p:nvGrpSpPr>
@@ -2843,10 +3159,11 @@
           </a:prstGeom>
         </p:spPr>
         <p:txBody>
-          <a:bodyPr lIns="0" rIns="0" tIns="0" bIns="0" anchor="ctr"/>
+          <a:bodyPr lIns="0" tIns="0" rIns="0" bIns="0" anchor="ctr"/>
+          <a:lstStyle/>
           <a:p>
             <a:pPr algn="ctr"/>
-            <a:endParaRPr b="0" lang="en-US" sz="4400" spc="-1" strike="noStrike">
+            <a:endParaRPr lang="en-US" sz="4400" b="0" strike="noStrike" spc="-1">
               <a:latin typeface="Arial"/>
             </a:endParaRPr>
           </a:p>
@@ -2872,11 +3189,12 @@
           </a:prstGeom>
         </p:spPr>
         <p:txBody>
-          <a:bodyPr lIns="0" rIns="0" tIns="0" bIns="0">
+          <a:bodyPr lIns="0" tIns="0" rIns="0" bIns="0">
             <a:normAutofit/>
           </a:bodyPr>
-          <a:p>
-            <a:endParaRPr b="0" lang="en-US" sz="3200" spc="-1" strike="noStrike">
+          <a:lstStyle/>
+          <a:p>
+            <a:endParaRPr lang="en-US" sz="3200" b="0" strike="noStrike" spc="-1">
               <a:latin typeface="Arial"/>
             </a:endParaRPr>
           </a:p>
@@ -2902,11 +3220,12 @@
           </a:prstGeom>
         </p:spPr>
         <p:txBody>
-          <a:bodyPr lIns="0" rIns="0" tIns="0" bIns="0">
+          <a:bodyPr lIns="0" tIns="0" rIns="0" bIns="0">
             <a:normAutofit/>
           </a:bodyPr>
-          <a:p>
-            <a:endParaRPr b="0" lang="en-US" sz="3200" spc="-1" strike="noStrike">
+          <a:lstStyle/>
+          <a:p>
+            <a:endParaRPr lang="en-US" sz="3200" b="0" strike="noStrike" spc="-1">
               <a:latin typeface="Arial"/>
             </a:endParaRPr>
           </a:p>
@@ -2932,11 +3251,12 @@
           </a:prstGeom>
         </p:spPr>
         <p:txBody>
-          <a:bodyPr lIns="0" rIns="0" tIns="0" bIns="0">
+          <a:bodyPr lIns="0" tIns="0" rIns="0" bIns="0">
             <a:normAutofit/>
           </a:bodyPr>
-          <a:p>
-            <a:endParaRPr b="0" lang="en-US" sz="3200" spc="-1" strike="noStrike">
+          <a:lstStyle/>
+          <a:p>
+            <a:endParaRPr lang="en-US" sz="3200" b="0" strike="noStrike" spc="-1">
               <a:latin typeface="Arial"/>
             </a:endParaRPr>
           </a:p>
@@ -2944,11 +3264,14 @@
       </p:sp>
     </p:spTree>
   </p:cSld>
+  <p:clrMapOvr>
+    <a:masterClrMapping/>
+  </p:clrMapOvr>
 </p:sldLayout>
 </file>
 
 <file path=ppt/slideLayouts/slideLayout9.xml><?xml version="1.0" encoding="utf-8"?>
-<p:sldLayout xmlns:a="http://schemas.openxmlformats.org/drawingml/2006/main" xmlns:p="http://schemas.openxmlformats.org/presentationml/2006/main" xmlns:r="http://schemas.openxmlformats.org/officeDocument/2006/relationships" xmlns:p14="http://schemas.microsoft.com/office/powerpoint/2010/main" xmlns:p15="http://schemas.microsoft.com/office/powerpoint/2012/main" xmlns:mc="http://schemas.openxmlformats.org/markup-compatibility/2006" type="twoObjOverTx" preserve="1">
+<p:sldLayout xmlns:a="http://schemas.openxmlformats.org/drawingml/2006/main" xmlns:r="http://schemas.openxmlformats.org/officeDocument/2006/relationships" xmlns:p="http://schemas.openxmlformats.org/presentationml/2006/main" type="twoObjOverTx" preserve="1">
   <p:cSld name="Title, 2 Content over Content">
     <p:spTree>
       <p:nvGrpSpPr>
@@ -2984,10 +3307,11 @@
           </a:prstGeom>
         </p:spPr>
         <p:txBody>
-          <a:bodyPr lIns="0" rIns="0" tIns="0" bIns="0" anchor="ctr"/>
+          <a:bodyPr lIns="0" tIns="0" rIns="0" bIns="0" anchor="ctr"/>
+          <a:lstStyle/>
           <a:p>
             <a:pPr algn="ctr"/>
-            <a:endParaRPr b="0" lang="en-US" sz="4400" spc="-1" strike="noStrike">
+            <a:endParaRPr lang="en-US" sz="4400" b="0" strike="noStrike" spc="-1">
               <a:latin typeface="Arial"/>
             </a:endParaRPr>
           </a:p>
@@ -3013,11 +3337,12 @@
           </a:prstGeom>
         </p:spPr>
         <p:txBody>
-          <a:bodyPr lIns="0" rIns="0" tIns="0" bIns="0">
+          <a:bodyPr lIns="0" tIns="0" rIns="0" bIns="0">
             <a:normAutofit/>
           </a:bodyPr>
-          <a:p>
-            <a:endParaRPr b="0" lang="en-US" sz="3200" spc="-1" strike="noStrike">
+          <a:lstStyle/>
+          <a:p>
+            <a:endParaRPr lang="en-US" sz="3200" b="0" strike="noStrike" spc="-1">
               <a:latin typeface="Arial"/>
             </a:endParaRPr>
           </a:p>
@@ -3043,11 +3368,12 @@
           </a:prstGeom>
         </p:spPr>
         <p:txBody>
-          <a:bodyPr lIns="0" rIns="0" tIns="0" bIns="0">
+          <a:bodyPr lIns="0" tIns="0" rIns="0" bIns="0">
             <a:normAutofit/>
           </a:bodyPr>
-          <a:p>
-            <a:endParaRPr b="0" lang="en-US" sz="3200" spc="-1" strike="noStrike">
+          <a:lstStyle/>
+          <a:p>
+            <a:endParaRPr lang="en-US" sz="3200" b="0" strike="noStrike" spc="-1">
               <a:latin typeface="Arial"/>
             </a:endParaRPr>
           </a:p>
@@ -3073,11 +3399,12 @@
           </a:prstGeom>
         </p:spPr>
         <p:txBody>
-          <a:bodyPr lIns="0" rIns="0" tIns="0" bIns="0">
+          <a:bodyPr lIns="0" tIns="0" rIns="0" bIns="0">
             <a:normAutofit/>
           </a:bodyPr>
-          <a:p>
-            <a:endParaRPr b="0" lang="en-US" sz="3200" spc="-1" strike="noStrike">
+          <a:lstStyle/>
+          <a:p>
+            <a:endParaRPr lang="en-US" sz="3200" b="0" strike="noStrike" spc="-1">
               <a:latin typeface="Arial"/>
             </a:endParaRPr>
           </a:p>
@@ -3085,17 +3412,21 @@
       </p:sp>
     </p:spTree>
   </p:cSld>
+  <p:clrMapOvr>
+    <a:masterClrMapping/>
+  </p:clrMapOvr>
 </p:sldLayout>
 </file>
 
 <file path=ppt/slideMasters/slideMaster1.xml><?xml version="1.0" encoding="utf-8"?>
-<p:sldMaster xmlns:a="http://schemas.openxmlformats.org/drawingml/2006/main" xmlns:p="http://schemas.openxmlformats.org/presentationml/2006/main" xmlns:r="http://schemas.openxmlformats.org/officeDocument/2006/relationships" xmlns:p14="http://schemas.microsoft.com/office/powerpoint/2010/main" xmlns:p15="http://schemas.microsoft.com/office/powerpoint/2012/main" xmlns:mc="http://schemas.openxmlformats.org/markup-compatibility/2006">
+<p:sldMaster xmlns:a="http://schemas.openxmlformats.org/drawingml/2006/main" xmlns:r="http://schemas.openxmlformats.org/officeDocument/2006/relationships" xmlns:p="http://schemas.openxmlformats.org/presentationml/2006/main">
   <p:cSld>
     <p:bg>
       <p:bgPr>
         <a:solidFill>
-          <a:srgbClr val="ffffff"/>
+          <a:srgbClr val="FFFFFF"/>
         </a:solidFill>
+        <a:effectLst/>
       </p:bgPr>
     </p:bg>
     <p:spTree>
@@ -3114,7 +3445,7 @@
       </p:grpSpPr>
       <p:grpSp>
         <p:nvGrpSpPr>
-          <p:cNvPr id="0" name="Group 1"/>
+          <p:cNvPr id="14" name="Group 1"/>
           <p:cNvGrpSpPr/>
           <p:nvPr/>
         </p:nvGrpSpPr>
@@ -3128,7 +3459,7 @@
         </p:grpSpPr>
         <p:sp>
           <p:nvSpPr>
-            <p:cNvPr id="1" name="CustomShape 2" hidden="1"/>
+            <p:cNvPr id="15" name="CustomShape 2" hidden="1"/>
             <p:cNvSpPr/>
             <p:nvPr/>
           </p:nvSpPr>
@@ -3149,9 +3480,15 @@
             </a:ln>
           </p:spPr>
           <p:style>
-            <a:lnRef idx="0"/>
-            <a:fillRef idx="0"/>
-            <a:effectRef idx="0"/>
+            <a:lnRef idx="0">
+              <a:scrgbClr r="0" g="0" b="0"/>
+            </a:lnRef>
+            <a:fillRef idx="0">
+              <a:scrgbClr r="0" g="0" b="0"/>
+            </a:fillRef>
+            <a:effectRef idx="0">
+              <a:scrgbClr r="0" g="0" b="0"/>
+            </a:effectRef>
             <a:fontRef idx="minor"/>
           </p:style>
         </p:sp>
@@ -3178,9 +3515,15 @@
             </a:ln>
           </p:spPr>
           <p:style>
-            <a:lnRef idx="0"/>
-            <a:fillRef idx="0"/>
-            <a:effectRef idx="0"/>
+            <a:lnRef idx="0">
+              <a:scrgbClr r="0" g="0" b="0"/>
+            </a:lnRef>
+            <a:fillRef idx="0">
+              <a:scrgbClr r="0" g="0" b="0"/>
+            </a:fillRef>
+            <a:effectRef idx="0">
+              <a:scrgbClr r="0" g="0" b="0"/>
+            </a:effectRef>
             <a:fontRef idx="minor"/>
           </p:style>
         </p:sp>
@@ -3207,9 +3550,15 @@
             </a:ln>
           </p:spPr>
           <p:style>
-            <a:lnRef idx="0"/>
-            <a:fillRef idx="0"/>
-            <a:effectRef idx="0"/>
+            <a:lnRef idx="0">
+              <a:scrgbClr r="0" g="0" b="0"/>
+            </a:lnRef>
+            <a:fillRef idx="0">
+              <a:scrgbClr r="0" g="0" b="0"/>
+            </a:fillRef>
+            <a:effectRef idx="0">
+              <a:scrgbClr r="0" g="0" b="0"/>
+            </a:effectRef>
             <a:fontRef idx="minor"/>
           </p:style>
         </p:sp>
@@ -3236,20 +3585,26 @@
           </a:ln>
         </p:spPr>
         <p:style>
-          <a:lnRef idx="0"/>
-          <a:fillRef idx="0"/>
-          <a:effectRef idx="0"/>
+          <a:lnRef idx="0">
+            <a:scrgbClr r="0" g="0" b="0"/>
+          </a:lnRef>
+          <a:fillRef idx="0">
+            <a:scrgbClr r="0" g="0" b="0"/>
+          </a:fillRef>
+          <a:effectRef idx="0">
+            <a:scrgbClr r="0" g="0" b="0"/>
+          </a:effectRef>
           <a:fontRef idx="minor"/>
         </p:style>
       </p:sp>
       <p:pic>
         <p:nvPicPr>
-          <p:cNvPr id="5" name="shpLogoPicDark" descr=""/>
+          <p:cNvPr id="5" name="shpLogoPicDark"/>
           <p:cNvPicPr/>
           <p:nvPr/>
         </p:nvPicPr>
         <p:blipFill>
-          <a:blip r:embed="rId2"/>
+          <a:blip r:embed="rId14" cstate="print"/>
           <a:stretch/>
         </p:blipFill>
         <p:spPr>
@@ -3302,9 +3657,15 @@
             </a:ln>
           </p:spPr>
           <p:style>
-            <a:lnRef idx="0"/>
-            <a:fillRef idx="0"/>
-            <a:effectRef idx="0"/>
+            <a:lnRef idx="0">
+              <a:scrgbClr r="0" g="0" b="0"/>
+            </a:lnRef>
+            <a:fillRef idx="0">
+              <a:scrgbClr r="0" g="0" b="0"/>
+            </a:fillRef>
+            <a:effectRef idx="0">
+              <a:scrgbClr r="0" g="0" b="0"/>
+            </a:effectRef>
             <a:fontRef idx="minor"/>
           </p:style>
         </p:sp>
@@ -3331,9 +3692,15 @@
             </a:ln>
           </p:spPr>
           <p:style>
-            <a:lnRef idx="0"/>
-            <a:fillRef idx="0"/>
-            <a:effectRef idx="0"/>
+            <a:lnRef idx="0">
+              <a:scrgbClr r="0" g="0" b="0"/>
+            </a:lnRef>
+            <a:fillRef idx="0">
+              <a:scrgbClr r="0" g="0" b="0"/>
+            </a:fillRef>
+            <a:effectRef idx="0">
+              <a:scrgbClr r="0" g="0" b="0"/>
+            </a:effectRef>
             <a:fontRef idx="minor"/>
           </p:style>
         </p:sp>
@@ -3360,9 +3727,15 @@
           </a:ln>
         </p:spPr>
         <p:style>
-          <a:lnRef idx="0"/>
-          <a:fillRef idx="0"/>
-          <a:effectRef idx="0"/>
+          <a:lnRef idx="0">
+            <a:scrgbClr r="0" g="0" b="0"/>
+          </a:lnRef>
+          <a:fillRef idx="0">
+            <a:scrgbClr r="0" g="0" b="0"/>
+          </a:fillRef>
+          <a:effectRef idx="0">
+            <a:scrgbClr r="0" g="0" b="0"/>
+          </a:effectRef>
           <a:fontRef idx="minor"/>
         </p:style>
       </p:sp>
@@ -3388,20 +3761,26 @@
           </a:ln>
         </p:spPr>
         <p:style>
-          <a:lnRef idx="0"/>
-          <a:fillRef idx="0"/>
-          <a:effectRef idx="0"/>
+          <a:lnRef idx="0">
+            <a:scrgbClr r="0" g="0" b="0"/>
+          </a:lnRef>
+          <a:fillRef idx="0">
+            <a:scrgbClr r="0" g="0" b="0"/>
+          </a:fillRef>
+          <a:effectRef idx="0">
+            <a:scrgbClr r="0" g="0" b="0"/>
+          </a:effectRef>
           <a:fontRef idx="minor"/>
         </p:style>
       </p:sp>
       <p:pic>
         <p:nvPicPr>
-          <p:cNvPr id="11" name="shpLogoPicDark" descr=""/>
+          <p:cNvPr id="11" name="shpLogoPicDark"/>
           <p:cNvPicPr/>
           <p:nvPr/>
         </p:nvPicPr>
         <p:blipFill>
-          <a:blip r:embed="rId3"/>
+          <a:blip r:embed="rId14" cstate="print"/>
           <a:stretch/>
         </p:blipFill>
         <p:spPr>
@@ -3437,17 +3816,15 @@
           </a:prstGeom>
         </p:spPr>
         <p:txBody>
-          <a:bodyPr lIns="0" rIns="0" tIns="0" bIns="0" anchor="ctr"/>
-          <a:p>
-            <a:r>
-              <a:rPr b="0" lang="en-US" sz="1800" spc="-1" strike="noStrike">
+          <a:bodyPr lIns="0" tIns="0" rIns="0" bIns="0" anchor="ctr"/>
+          <a:lstStyle/>
+          <a:p>
+            <a:r>
+              <a:rPr lang="en-US" sz="1800" b="0" strike="noStrike" spc="-1">
                 <a:latin typeface="Arial"/>
               </a:rPr>
               <a:t>Click to edit the title text format</a:t>
             </a:r>
-            <a:endParaRPr b="0" lang="en-US" sz="1800" spc="-1" strike="noStrike">
-              <a:latin typeface="Arial"/>
-            </a:endParaRPr>
           </a:p>
         </p:txBody>
       </p:sp>
@@ -3471,9 +3848,10 @@
           </a:prstGeom>
         </p:spPr>
         <p:txBody>
-          <a:bodyPr lIns="0" rIns="0" tIns="0" bIns="0">
+          <a:bodyPr lIns="0" tIns="0" rIns="0" bIns="0">
             <a:normAutofit/>
           </a:bodyPr>
+          <a:lstStyle/>
           <a:p>
             <a:pPr marL="432000" indent="-324000">
               <a:spcBef>
@@ -3487,17 +3865,14 @@
               <a:buChar char=""/>
             </a:pPr>
             <a:r>
-              <a:rPr b="0" lang="en-US" sz="3200" spc="-1" strike="noStrike">
+              <a:rPr lang="en-US" sz="3200" b="0" strike="noStrike" spc="-1">
                 <a:latin typeface="Arial"/>
               </a:rPr>
               <a:t>Click to edit the outline text format</a:t>
             </a:r>
-            <a:endParaRPr b="0" lang="en-US" sz="3200" spc="-1" strike="noStrike">
-              <a:latin typeface="Arial"/>
-            </a:endParaRPr>
-          </a:p>
-          <a:p>
-            <a:pPr lvl="1" marL="864000" indent="-324000">
+          </a:p>
+          <a:p>
+            <a:pPr marL="864000" lvl="1" indent="-324000">
               <a:spcBef>
                 <a:spcPts val="1134"/>
               </a:spcBef>
@@ -3509,17 +3884,14 @@
               <a:buChar char=""/>
             </a:pPr>
             <a:r>
-              <a:rPr b="0" lang="en-US" sz="2800" spc="-1" strike="noStrike">
+              <a:rPr lang="en-US" sz="2800" b="0" strike="noStrike" spc="-1">
                 <a:latin typeface="Arial"/>
               </a:rPr>
               <a:t>Second Outline Level</a:t>
             </a:r>
-            <a:endParaRPr b="0" lang="en-US" sz="2800" spc="-1" strike="noStrike">
-              <a:latin typeface="Arial"/>
-            </a:endParaRPr>
-          </a:p>
-          <a:p>
-            <a:pPr lvl="2" marL="1296000" indent="-288000">
+          </a:p>
+          <a:p>
+            <a:pPr marL="1296000" lvl="2" indent="-288000">
               <a:spcBef>
                 <a:spcPts val="850"/>
               </a:spcBef>
@@ -3531,17 +3903,14 @@
               <a:buChar char=""/>
             </a:pPr>
             <a:r>
-              <a:rPr b="0" lang="en-US" sz="2400" spc="-1" strike="noStrike">
+              <a:rPr lang="en-US" sz="2400" b="0" strike="noStrike" spc="-1">
                 <a:latin typeface="Arial"/>
               </a:rPr>
               <a:t>Third Outline Level</a:t>
             </a:r>
-            <a:endParaRPr b="0" lang="en-US" sz="2400" spc="-1" strike="noStrike">
-              <a:latin typeface="Arial"/>
-            </a:endParaRPr>
-          </a:p>
-          <a:p>
-            <a:pPr lvl="3" marL="1728000" indent="-216000">
+          </a:p>
+          <a:p>
+            <a:pPr marL="1728000" lvl="3" indent="-216000">
               <a:spcBef>
                 <a:spcPts val="567"/>
               </a:spcBef>
@@ -3553,17 +3922,14 @@
               <a:buChar char=""/>
             </a:pPr>
             <a:r>
-              <a:rPr b="0" lang="en-US" sz="2000" spc="-1" strike="noStrike">
+              <a:rPr lang="en-US" sz="2000" b="0" strike="noStrike" spc="-1">
                 <a:latin typeface="Arial"/>
               </a:rPr>
               <a:t>Fourth Outline Level</a:t>
             </a:r>
-            <a:endParaRPr b="0" lang="en-US" sz="2000" spc="-1" strike="noStrike">
-              <a:latin typeface="Arial"/>
-            </a:endParaRPr>
-          </a:p>
-          <a:p>
-            <a:pPr lvl="4" marL="2160000" indent="-216000">
+          </a:p>
+          <a:p>
+            <a:pPr marL="2160000" lvl="4" indent="-216000">
               <a:spcBef>
                 <a:spcPts val="283"/>
               </a:spcBef>
@@ -3575,17 +3941,14 @@
               <a:buChar char=""/>
             </a:pPr>
             <a:r>
-              <a:rPr b="0" lang="en-US" sz="2000" spc="-1" strike="noStrike">
+              <a:rPr lang="en-US" sz="2000" b="0" strike="noStrike" spc="-1">
                 <a:latin typeface="Arial"/>
               </a:rPr>
               <a:t>Fifth Outline Level</a:t>
             </a:r>
-            <a:endParaRPr b="0" lang="en-US" sz="2000" spc="-1" strike="noStrike">
-              <a:latin typeface="Arial"/>
-            </a:endParaRPr>
-          </a:p>
-          <a:p>
-            <a:pPr lvl="5" marL="2592000" indent="-216000">
+          </a:p>
+          <a:p>
+            <a:pPr marL="2592000" lvl="5" indent="-216000">
               <a:spcBef>
                 <a:spcPts val="283"/>
               </a:spcBef>
@@ -3597,17 +3960,14 @@
               <a:buChar char=""/>
             </a:pPr>
             <a:r>
-              <a:rPr b="0" lang="en-US" sz="2000" spc="-1" strike="noStrike">
+              <a:rPr lang="en-US" sz="2000" b="0" strike="noStrike" spc="-1">
                 <a:latin typeface="Arial"/>
               </a:rPr>
               <a:t>Sixth Outline Level</a:t>
             </a:r>
-            <a:endParaRPr b="0" lang="en-US" sz="2000" spc="-1" strike="noStrike">
-              <a:latin typeface="Arial"/>
-            </a:endParaRPr>
-          </a:p>
-          <a:p>
-            <a:pPr lvl="6" marL="3024000" indent="-216000">
+          </a:p>
+          <a:p>
+            <a:pPr marL="3024000" lvl="6" indent="-216000">
               <a:spcBef>
                 <a:spcPts val="283"/>
               </a:spcBef>
@@ -3619,45 +3979,48 @@
               <a:buChar char=""/>
             </a:pPr>
             <a:r>
-              <a:rPr b="0" lang="en-US" sz="2000" spc="-1" strike="noStrike">
+              <a:rPr lang="en-US" sz="2000" b="0" strike="noStrike" spc="-1">
                 <a:latin typeface="Arial"/>
               </a:rPr>
               <a:t>Seventh Outline Level</a:t>
             </a:r>
-            <a:endParaRPr b="0" lang="en-US" sz="2000" spc="-1" strike="noStrike">
-              <a:latin typeface="Arial"/>
-            </a:endParaRPr>
           </a:p>
         </p:txBody>
       </p:sp>
     </p:spTree>
   </p:cSld>
-  <p:clrMap bg1="lt1" bg2="lt2" tx1="dk1" tx2="dk2" accent1="accent1" accent2="accent2" accent3="accent3" accent4="accent4" accent5="accent5" accent6="accent6" hlink="hlink" folHlink="folHlink"/>
+  <p:clrMap bg1="lt1" tx1="dk1" bg2="lt2" tx2="dk2" accent1="accent1" accent2="accent2" accent3="accent3" accent4="accent4" accent5="accent5" accent6="accent6" hlink="hlink" folHlink="folHlink"/>
   <p:sldLayoutIdLst>
-    <p:sldLayoutId id="2147483649" r:id="rId4"/>
-    <p:sldLayoutId id="2147483650" r:id="rId5"/>
-    <p:sldLayoutId id="2147483651" r:id="rId6"/>
-    <p:sldLayoutId id="2147483652" r:id="rId7"/>
-    <p:sldLayoutId id="2147483653" r:id="rId8"/>
-    <p:sldLayoutId id="2147483654" r:id="rId9"/>
-    <p:sldLayoutId id="2147483655" r:id="rId10"/>
-    <p:sldLayoutId id="2147483656" r:id="rId11"/>
-    <p:sldLayoutId id="2147483657" r:id="rId12"/>
-    <p:sldLayoutId id="2147483658" r:id="rId13"/>
-    <p:sldLayoutId id="2147483659" r:id="rId14"/>
-    <p:sldLayoutId id="2147483660" r:id="rId15"/>
+    <p:sldLayoutId id="2147483649" r:id="rId1"/>
+    <p:sldLayoutId id="2147483650" r:id="rId2"/>
+    <p:sldLayoutId id="2147483651" r:id="rId3"/>
+    <p:sldLayoutId id="2147483652" r:id="rId4"/>
+    <p:sldLayoutId id="2147483653" r:id="rId5"/>
+    <p:sldLayoutId id="2147483654" r:id="rId6"/>
+    <p:sldLayoutId id="2147483655" r:id="rId7"/>
+    <p:sldLayoutId id="2147483656" r:id="rId8"/>
+    <p:sldLayoutId id="2147483657" r:id="rId9"/>
+    <p:sldLayoutId id="2147483658" r:id="rId10"/>
+    <p:sldLayoutId id="2147483659" r:id="rId11"/>
+    <p:sldLayoutId id="2147483660" r:id="rId12"/>
   </p:sldLayoutIdLst>
+  <p:txStyles>
+    <p:titleStyle/>
+    <p:bodyStyle/>
+    <p:otherStyle/>
+  </p:txStyles>
 </p:sldMaster>
 </file>
 
 <file path=ppt/slideMasters/slideMaster2.xml><?xml version="1.0" encoding="utf-8"?>
-<p:sldMaster xmlns:a="http://schemas.openxmlformats.org/drawingml/2006/main" xmlns:p="http://schemas.openxmlformats.org/presentationml/2006/main" xmlns:r="http://schemas.openxmlformats.org/officeDocument/2006/relationships" xmlns:p14="http://schemas.microsoft.com/office/powerpoint/2010/main" xmlns:p15="http://schemas.microsoft.com/office/powerpoint/2012/main" xmlns:mc="http://schemas.openxmlformats.org/markup-compatibility/2006">
+<p:sldMaster xmlns:a="http://schemas.openxmlformats.org/drawingml/2006/main" xmlns:r="http://schemas.openxmlformats.org/officeDocument/2006/relationships" xmlns:p="http://schemas.openxmlformats.org/presentationml/2006/main">
   <p:cSld>
     <p:bg>
       <p:bgPr>
         <a:solidFill>
-          <a:srgbClr val="ffffff"/>
+          <a:srgbClr val="FFFFFF"/>
         </a:solidFill>
+        <a:effectLst/>
       </p:bgPr>
     </p:bg>
     <p:spTree>
@@ -3711,9 +4074,15 @@
             </a:ln>
           </p:spPr>
           <p:style>
-            <a:lnRef idx="0"/>
-            <a:fillRef idx="0"/>
-            <a:effectRef idx="0"/>
+            <a:lnRef idx="0">
+              <a:scrgbClr r="0" g="0" b="0"/>
+            </a:lnRef>
+            <a:fillRef idx="0">
+              <a:scrgbClr r="0" g="0" b="0"/>
+            </a:fillRef>
+            <a:effectRef idx="0">
+              <a:scrgbClr r="0" g="0" b="0"/>
+            </a:effectRef>
             <a:fontRef idx="minor"/>
           </p:style>
         </p:sp>
@@ -3740,9 +4109,15 @@
             </a:ln>
           </p:spPr>
           <p:style>
-            <a:lnRef idx="0"/>
-            <a:fillRef idx="0"/>
-            <a:effectRef idx="0"/>
+            <a:lnRef idx="0">
+              <a:scrgbClr r="0" g="0" b="0"/>
+            </a:lnRef>
+            <a:fillRef idx="0">
+              <a:scrgbClr r="0" g="0" b="0"/>
+            </a:fillRef>
+            <a:effectRef idx="0">
+              <a:scrgbClr r="0" g="0" b="0"/>
+            </a:effectRef>
             <a:fontRef idx="minor"/>
           </p:style>
         </p:sp>
@@ -3769,9 +4144,15 @@
             </a:ln>
           </p:spPr>
           <p:style>
-            <a:lnRef idx="0"/>
-            <a:fillRef idx="0"/>
-            <a:effectRef idx="0"/>
+            <a:lnRef idx="0">
+              <a:scrgbClr r="0" g="0" b="0"/>
+            </a:lnRef>
+            <a:fillRef idx="0">
+              <a:scrgbClr r="0" g="0" b="0"/>
+            </a:fillRef>
+            <a:effectRef idx="0">
+              <a:scrgbClr r="0" g="0" b="0"/>
+            </a:effectRef>
             <a:fontRef idx="minor"/>
           </p:style>
         </p:sp>
@@ -3798,20 +4179,26 @@
           </a:ln>
         </p:spPr>
         <p:style>
-          <a:lnRef idx="0"/>
-          <a:fillRef idx="0"/>
-          <a:effectRef idx="0"/>
+          <a:lnRef idx="0">
+            <a:scrgbClr r="0" g="0" b="0"/>
+          </a:lnRef>
+          <a:fillRef idx="0">
+            <a:scrgbClr r="0" g="0" b="0"/>
+          </a:fillRef>
+          <a:effectRef idx="0">
+            <a:scrgbClr r="0" g="0" b="0"/>
+          </a:effectRef>
           <a:fontRef idx="minor"/>
         </p:style>
       </p:sp>
       <p:pic>
         <p:nvPicPr>
-          <p:cNvPr id="55" name="shpLogoPicDark" descr=""/>
+          <p:cNvPr id="55" name="shpLogoPicDark"/>
           <p:cNvPicPr/>
           <p:nvPr/>
         </p:nvPicPr>
         <p:blipFill>
-          <a:blip r:embed="rId2"/>
+          <a:blip r:embed="rId14" cstate="print"/>
           <a:stretch/>
         </p:blipFill>
         <p:spPr>
@@ -3847,18 +4234,16 @@
           </a:prstGeom>
         </p:spPr>
         <p:txBody>
-          <a:bodyPr lIns="0" rIns="0" tIns="0" bIns="0" anchor="ctr"/>
+          <a:bodyPr lIns="0" tIns="0" rIns="0" bIns="0" anchor="ctr"/>
+          <a:lstStyle/>
           <a:p>
             <a:pPr algn="ctr"/>
             <a:r>
-              <a:rPr b="0" lang="en-US" sz="4400" spc="-1" strike="noStrike">
+              <a:rPr lang="en-US" sz="4400" b="0" strike="noStrike" spc="-1">
                 <a:latin typeface="Arial"/>
               </a:rPr>
               <a:t>Click to edit the title text format</a:t>
             </a:r>
-            <a:endParaRPr b="0" lang="en-US" sz="4400" spc="-1" strike="noStrike">
-              <a:latin typeface="Arial"/>
-            </a:endParaRPr>
           </a:p>
         </p:txBody>
       </p:sp>
@@ -3882,9 +4267,10 @@
           </a:prstGeom>
         </p:spPr>
         <p:txBody>
-          <a:bodyPr lIns="0" rIns="0" tIns="0" bIns="0">
+          <a:bodyPr lIns="0" tIns="0" rIns="0" bIns="0">
             <a:normAutofit/>
           </a:bodyPr>
+          <a:lstStyle/>
           <a:p>
             <a:pPr marL="432000" indent="-324000">
               <a:spcBef>
@@ -3898,17 +4284,14 @@
               <a:buChar char=""/>
             </a:pPr>
             <a:r>
-              <a:rPr b="0" lang="en-US" sz="3200" spc="-1" strike="noStrike">
+              <a:rPr lang="en-US" sz="3200" b="0" strike="noStrike" spc="-1">
                 <a:latin typeface="Arial"/>
               </a:rPr>
               <a:t>Click to edit the outline text format</a:t>
             </a:r>
-            <a:endParaRPr b="0" lang="en-US" sz="3200" spc="-1" strike="noStrike">
-              <a:latin typeface="Arial"/>
-            </a:endParaRPr>
-          </a:p>
-          <a:p>
-            <a:pPr lvl="1" marL="864000" indent="-324000">
+          </a:p>
+          <a:p>
+            <a:pPr marL="864000" lvl="1" indent="-324000">
               <a:spcBef>
                 <a:spcPts val="1134"/>
               </a:spcBef>
@@ -3920,17 +4303,14 @@
               <a:buChar char=""/>
             </a:pPr>
             <a:r>
-              <a:rPr b="0" lang="en-US" sz="2800" spc="-1" strike="noStrike">
+              <a:rPr lang="en-US" sz="2800" b="0" strike="noStrike" spc="-1">
                 <a:latin typeface="Arial"/>
               </a:rPr>
               <a:t>Second Outline Level</a:t>
             </a:r>
-            <a:endParaRPr b="0" lang="en-US" sz="2800" spc="-1" strike="noStrike">
-              <a:latin typeface="Arial"/>
-            </a:endParaRPr>
-          </a:p>
-          <a:p>
-            <a:pPr lvl="2" marL="1296000" indent="-288000">
+          </a:p>
+          <a:p>
+            <a:pPr marL="1296000" lvl="2" indent="-288000">
               <a:spcBef>
                 <a:spcPts val="850"/>
               </a:spcBef>
@@ -3942,17 +4322,14 @@
               <a:buChar char=""/>
             </a:pPr>
             <a:r>
-              <a:rPr b="0" lang="en-US" sz="2400" spc="-1" strike="noStrike">
+              <a:rPr lang="en-US" sz="2400" b="0" strike="noStrike" spc="-1">
                 <a:latin typeface="Arial"/>
               </a:rPr>
               <a:t>Third Outline Level</a:t>
             </a:r>
-            <a:endParaRPr b="0" lang="en-US" sz="2400" spc="-1" strike="noStrike">
-              <a:latin typeface="Arial"/>
-            </a:endParaRPr>
-          </a:p>
-          <a:p>
-            <a:pPr lvl="3" marL="1728000" indent="-216000">
+          </a:p>
+          <a:p>
+            <a:pPr marL="1728000" lvl="3" indent="-216000">
               <a:spcBef>
                 <a:spcPts val="567"/>
               </a:spcBef>
@@ -3964,17 +4341,14 @@
               <a:buChar char=""/>
             </a:pPr>
             <a:r>
-              <a:rPr b="0" lang="en-US" sz="2000" spc="-1" strike="noStrike">
+              <a:rPr lang="en-US" sz="2000" b="0" strike="noStrike" spc="-1">
                 <a:latin typeface="Arial"/>
               </a:rPr>
               <a:t>Fourth Outline Level</a:t>
             </a:r>
-            <a:endParaRPr b="0" lang="en-US" sz="2000" spc="-1" strike="noStrike">
-              <a:latin typeface="Arial"/>
-            </a:endParaRPr>
-          </a:p>
-          <a:p>
-            <a:pPr lvl="4" marL="2160000" indent="-216000">
+          </a:p>
+          <a:p>
+            <a:pPr marL="2160000" lvl="4" indent="-216000">
               <a:spcBef>
                 <a:spcPts val="283"/>
               </a:spcBef>
@@ -3986,17 +4360,14 @@
               <a:buChar char=""/>
             </a:pPr>
             <a:r>
-              <a:rPr b="0" lang="en-US" sz="2000" spc="-1" strike="noStrike">
+              <a:rPr lang="en-US" sz="2000" b="0" strike="noStrike" spc="-1">
                 <a:latin typeface="Arial"/>
               </a:rPr>
               <a:t>Fifth Outline Level</a:t>
             </a:r>
-            <a:endParaRPr b="0" lang="en-US" sz="2000" spc="-1" strike="noStrike">
-              <a:latin typeface="Arial"/>
-            </a:endParaRPr>
-          </a:p>
-          <a:p>
-            <a:pPr lvl="5" marL="2592000" indent="-216000">
+          </a:p>
+          <a:p>
+            <a:pPr marL="2592000" lvl="5" indent="-216000">
               <a:spcBef>
                 <a:spcPts val="283"/>
               </a:spcBef>
@@ -4008,17 +4379,14 @@
               <a:buChar char=""/>
             </a:pPr>
             <a:r>
-              <a:rPr b="0" lang="en-US" sz="2000" spc="-1" strike="noStrike">
+              <a:rPr lang="en-US" sz="2000" b="0" strike="noStrike" spc="-1">
                 <a:latin typeface="Arial"/>
               </a:rPr>
               <a:t>Sixth Outline Level</a:t>
             </a:r>
-            <a:endParaRPr b="0" lang="en-US" sz="2000" spc="-1" strike="noStrike">
-              <a:latin typeface="Arial"/>
-            </a:endParaRPr>
-          </a:p>
-          <a:p>
-            <a:pPr lvl="6" marL="3024000" indent="-216000">
+          </a:p>
+          <a:p>
+            <a:pPr marL="3024000" lvl="6" indent="-216000">
               <a:spcBef>
                 <a:spcPts val="283"/>
               </a:spcBef>
@@ -4030,39 +4398,41 @@
               <a:buChar char=""/>
             </a:pPr>
             <a:r>
-              <a:rPr b="0" lang="en-US" sz="2000" spc="-1" strike="noStrike">
+              <a:rPr lang="en-US" sz="2000" b="0" strike="noStrike" spc="-1">
                 <a:latin typeface="Arial"/>
               </a:rPr>
               <a:t>Seventh Outline Level</a:t>
             </a:r>
-            <a:endParaRPr b="0" lang="en-US" sz="2000" spc="-1" strike="noStrike">
-              <a:latin typeface="Arial"/>
-            </a:endParaRPr>
           </a:p>
         </p:txBody>
       </p:sp>
     </p:spTree>
   </p:cSld>
-  <p:clrMap bg1="lt1" bg2="lt2" tx1="dk1" tx2="dk2" accent1="accent1" accent2="accent2" accent3="accent3" accent4="accent4" accent5="accent5" accent6="accent6" hlink="hlink" folHlink="folHlink"/>
+  <p:clrMap bg1="lt1" tx1="dk1" bg2="lt2" tx2="dk2" accent1="accent1" accent2="accent2" accent3="accent3" accent4="accent4" accent5="accent5" accent6="accent6" hlink="hlink" folHlink="folHlink"/>
   <p:sldLayoutIdLst>
-    <p:sldLayoutId id="2147483662" r:id="rId3"/>
-    <p:sldLayoutId id="2147483663" r:id="rId4"/>
-    <p:sldLayoutId id="2147483664" r:id="rId5"/>
-    <p:sldLayoutId id="2147483665" r:id="rId6"/>
-    <p:sldLayoutId id="2147483666" r:id="rId7"/>
-    <p:sldLayoutId id="2147483667" r:id="rId8"/>
-    <p:sldLayoutId id="2147483668" r:id="rId9"/>
-    <p:sldLayoutId id="2147483669" r:id="rId10"/>
-    <p:sldLayoutId id="2147483670" r:id="rId11"/>
-    <p:sldLayoutId id="2147483671" r:id="rId12"/>
-    <p:sldLayoutId id="2147483672" r:id="rId13"/>
-    <p:sldLayoutId id="2147483673" r:id="rId14"/>
+    <p:sldLayoutId id="2147483662" r:id="rId1"/>
+    <p:sldLayoutId id="2147483663" r:id="rId2"/>
+    <p:sldLayoutId id="2147483664" r:id="rId3"/>
+    <p:sldLayoutId id="2147483665" r:id="rId4"/>
+    <p:sldLayoutId id="2147483666" r:id="rId5"/>
+    <p:sldLayoutId id="2147483667" r:id="rId6"/>
+    <p:sldLayoutId id="2147483668" r:id="rId7"/>
+    <p:sldLayoutId id="2147483669" r:id="rId8"/>
+    <p:sldLayoutId id="2147483670" r:id="rId9"/>
+    <p:sldLayoutId id="2147483671" r:id="rId10"/>
+    <p:sldLayoutId id="2147483672" r:id="rId11"/>
+    <p:sldLayoutId id="2147483673" r:id="rId12"/>
   </p:sldLayoutIdLst>
+  <p:txStyles>
+    <p:titleStyle/>
+    <p:bodyStyle/>
+    <p:otherStyle/>
+  </p:txStyles>
 </p:sldMaster>
 </file>
 
 <file path=ppt/slides/slide1.xml><?xml version="1.0" encoding="utf-8"?>
-<p:sld xmlns:a="http://schemas.openxmlformats.org/drawingml/2006/main" xmlns:p="http://schemas.openxmlformats.org/presentationml/2006/main" xmlns:r="http://schemas.openxmlformats.org/officeDocument/2006/relationships" xmlns:p14="http://schemas.microsoft.com/office/powerpoint/2010/main" xmlns:p15="http://schemas.microsoft.com/office/powerpoint/2012/main" xmlns:mc="http://schemas.openxmlformats.org/markup-compatibility/2006">
+<p:sld xmlns:a="http://schemas.openxmlformats.org/drawingml/2006/main" xmlns:r="http://schemas.openxmlformats.org/officeDocument/2006/relationships" xmlns:p="http://schemas.openxmlformats.org/presentationml/2006/main">
   <p:cSld>
     <p:spTree>
       <p:nvGrpSpPr>
@@ -4098,9 +4468,15 @@
           </a:ln>
         </p:spPr>
         <p:style>
-          <a:lnRef idx="0"/>
-          <a:fillRef idx="0"/>
-          <a:effectRef idx="0"/>
+          <a:lnRef idx="0">
+            <a:scrgbClr r="0" g="0" b="0"/>
+          </a:lnRef>
+          <a:fillRef idx="0">
+            <a:scrgbClr r="0" g="0" b="0"/>
+          </a:fillRef>
+          <a:effectRef idx="0">
+            <a:scrgbClr r="0" g="0" b="0"/>
+          </a:effectRef>
           <a:fontRef idx="minor"/>
         </p:style>
       </p:sp>
@@ -4124,13 +4500,20 @@
           </a:ln>
         </p:spPr>
         <p:style>
-          <a:lnRef idx="0"/>
-          <a:fillRef idx="0"/>
-          <a:effectRef idx="0"/>
+          <a:lnRef idx="0">
+            <a:scrgbClr r="0" g="0" b="0"/>
+          </a:lnRef>
+          <a:fillRef idx="0">
+            <a:scrgbClr r="0" g="0" b="0"/>
+          </a:fillRef>
+          <a:effectRef idx="0">
+            <a:scrgbClr r="0" g="0" b="0"/>
+          </a:effectRef>
           <a:fontRef idx="minor"/>
         </p:style>
         <p:txBody>
-          <a:bodyPr lIns="0" rIns="0" tIns="0" bIns="0"/>
+          <a:bodyPr lIns="0" tIns="0" rIns="0" bIns="0"/>
+          <a:lstStyle/>
           <a:p>
             <a:pPr>
               <a:lnSpc>
@@ -4138,7 +4521,7 @@
               </a:lnSpc>
             </a:pPr>
             <a:r>
-              <a:rPr b="1" lang="en-US" sz="3000" spc="-1" strike="noStrike">
+              <a:rPr lang="en-US" sz="3000" b="1" strike="noStrike" spc="-1">
                 <a:solidFill>
                   <a:srgbClr val="000000"/>
                 </a:solidFill>
@@ -4146,7 +4529,7 @@
               </a:rPr>
               <a:t>Analiza danych przestrzennych</a:t>
             </a:r>
-            <a:endParaRPr b="0" lang="en-US" sz="3000" spc="-1" strike="noStrike">
+            <a:endParaRPr lang="en-US" sz="3000" b="0" strike="noStrike" spc="-1">
               <a:latin typeface="Arial"/>
             </a:endParaRPr>
           </a:p>
@@ -4172,13 +4555,20 @@
           </a:ln>
         </p:spPr>
         <p:style>
-          <a:lnRef idx="0"/>
-          <a:fillRef idx="0"/>
-          <a:effectRef idx="0"/>
+          <a:lnRef idx="0">
+            <a:scrgbClr r="0" g="0" b="0"/>
+          </a:lnRef>
+          <a:fillRef idx="0">
+            <a:scrgbClr r="0" g="0" b="0"/>
+          </a:fillRef>
+          <a:effectRef idx="0">
+            <a:scrgbClr r="0" g="0" b="0"/>
+          </a:effectRef>
           <a:fontRef idx="minor"/>
         </p:style>
         <p:txBody>
-          <a:bodyPr lIns="0" rIns="0" tIns="0" bIns="0"/>
+          <a:bodyPr lIns="0" tIns="0" rIns="0" bIns="0"/>
+          <a:lstStyle/>
           <a:p>
             <a:pPr>
               <a:lnSpc>
@@ -4186,7 +4576,7 @@
               </a:lnSpc>
             </a:pPr>
             <a:r>
-              <a:rPr b="1" i="1" lang="en-US" sz="3300" spc="-1" strike="noStrike">
+              <a:rPr lang="en-US" sz="3300" b="1" i="1" strike="noStrike" spc="-1">
                 <a:solidFill>
                   <a:srgbClr val="000000"/>
                 </a:solidFill>
@@ -4194,7 +4584,7 @@
               </a:rPr>
               <a:t>Adam Dąbrowski</a:t>
             </a:r>
-            <a:endParaRPr b="0" lang="en-US" sz="3300" spc="-1" strike="noStrike">
+            <a:endParaRPr lang="en-US" sz="3300" b="0" strike="noStrike" spc="-1">
               <a:latin typeface="Arial"/>
             </a:endParaRPr>
           </a:p>
@@ -4202,12 +4592,12 @@
       </p:sp>
       <p:pic>
         <p:nvPicPr>
-          <p:cNvPr id="103" name="shpCollectorPicture0" descr=""/>
+          <p:cNvPr id="103" name="shpCollectorPicture0"/>
           <p:cNvPicPr/>
           <p:nvPr/>
         </p:nvPicPr>
         <p:blipFill>
-          <a:blip r:embed="rId1"/>
+          <a:blip r:embed="rId2" cstate="print"/>
           <a:stretch/>
         </p:blipFill>
         <p:spPr>
@@ -4225,6 +4615,9 @@
       </p:pic>
     </p:spTree>
   </p:cSld>
+  <p:clrMapOvr>
+    <a:masterClrMapping/>
+  </p:clrMapOvr>
   <p:timing>
     <p:tnLst>
       <p:par>
@@ -4233,14 +4626,14 @@
             <p:seq>
               <p:cTn id="2" dur="indefinite" nodeType="mainSeq"/>
               <p:prevCondLst>
-                <p:cond delay="0" evt="onPrev">
+                <p:cond evt="onPrev" delay="0">
                   <p:tgtEl>
                     <p:sldTgt/>
                   </p:tgtEl>
                 </p:cond>
               </p:prevCondLst>
               <p:nextCondLst>
-                <p:cond delay="0" evt="onNext">
+                <p:cond evt="onNext" delay="0">
                   <p:tgtEl>
                     <p:sldTgt/>
                   </p:tgtEl>
@@ -4256,7 +4649,7 @@
 </file>
 
 <file path=ppt/slides/slide10.xml><?xml version="1.0" encoding="utf-8"?>
-<p:sld xmlns:a="http://schemas.openxmlformats.org/drawingml/2006/main" xmlns:p="http://schemas.openxmlformats.org/presentationml/2006/main" xmlns:r="http://schemas.openxmlformats.org/officeDocument/2006/relationships" xmlns:p14="http://schemas.microsoft.com/office/powerpoint/2010/main" xmlns:p15="http://schemas.microsoft.com/office/powerpoint/2012/main" xmlns:mc="http://schemas.openxmlformats.org/markup-compatibility/2006">
+<p:sld xmlns:a="http://schemas.openxmlformats.org/drawingml/2006/main" xmlns:r="http://schemas.openxmlformats.org/officeDocument/2006/relationships" xmlns:p="http://schemas.openxmlformats.org/presentationml/2006/main">
   <p:cSld>
     <p:spTree>
       <p:nvGrpSpPr>
@@ -4292,13 +4685,20 @@
           </a:ln>
         </p:spPr>
         <p:style>
-          <a:lnRef idx="0"/>
-          <a:fillRef idx="0"/>
-          <a:effectRef idx="0"/>
+          <a:lnRef idx="0">
+            <a:scrgbClr r="0" g="0" b="0"/>
+          </a:lnRef>
+          <a:fillRef idx="0">
+            <a:scrgbClr r="0" g="0" b="0"/>
+          </a:fillRef>
+          <a:effectRef idx="0">
+            <a:scrgbClr r="0" g="0" b="0"/>
+          </a:effectRef>
           <a:fontRef idx="minor"/>
         </p:style>
         <p:txBody>
-          <a:bodyPr lIns="0" rIns="0" tIns="0" bIns="0"/>
+          <a:bodyPr lIns="0" tIns="0" rIns="0" bIns="0"/>
+          <a:lstStyle/>
           <a:p>
             <a:pPr>
               <a:lnSpc>
@@ -4306,7 +4706,7 @@
               </a:lnSpc>
             </a:pPr>
             <a:r>
-              <a:rPr b="1" lang="en-US" sz="2600" spc="-1" strike="noStrike">
+              <a:rPr lang="en-US" sz="2600" b="1" strike="noStrike" spc="-1">
                 <a:solidFill>
                   <a:srgbClr val="000000"/>
                 </a:solidFill>
@@ -4314,7 +4714,7 @@
               </a:rPr>
               <a:t>Zanim zaczniemy</a:t>
             </a:r>
-            <a:endParaRPr b="0" lang="en-US" sz="2600" spc="-1" strike="noStrike">
+            <a:endParaRPr lang="en-US" sz="2600" b="0" strike="noStrike" spc="-1">
               <a:latin typeface="Arial"/>
             </a:endParaRPr>
           </a:p>
@@ -4340,13 +4740,20 @@
           </a:ln>
         </p:spPr>
         <p:style>
-          <a:lnRef idx="0"/>
-          <a:fillRef idx="0"/>
-          <a:effectRef idx="0"/>
+          <a:lnRef idx="0">
+            <a:scrgbClr r="0" g="0" b="0"/>
+          </a:lnRef>
+          <a:fillRef idx="0">
+            <a:scrgbClr r="0" g="0" b="0"/>
+          </a:fillRef>
+          <a:effectRef idx="0">
+            <a:scrgbClr r="0" g="0" b="0"/>
+          </a:effectRef>
           <a:fontRef idx="minor"/>
         </p:style>
         <p:txBody>
-          <a:bodyPr lIns="0" rIns="0" tIns="0" bIns="0"/>
+          <a:bodyPr lIns="0" tIns="0" rIns="0" bIns="0"/>
+          <a:lstStyle/>
           <a:p>
             <a:pPr marL="285840" indent="-285120">
               <a:lnSpc>
@@ -4362,7 +4769,7 @@
               <a:buChar char="•"/>
             </a:pPr>
             <a:r>
-              <a:rPr b="1" lang="en-US" sz="2000" spc="-1" strike="noStrike">
+              <a:rPr lang="en-US" sz="2000" b="1" strike="noStrike" spc="-1">
                 <a:solidFill>
                   <a:srgbClr val="000000"/>
                 </a:solidFill>
@@ -4371,7 +4778,7 @@
               <a:t>install.packages</a:t>
             </a:r>
             <a:r>
-              <a:rPr b="0" lang="en-US" sz="2000" spc="-1" strike="noStrike">
+              <a:rPr lang="en-US" sz="2000" b="0" strike="noStrike" spc="-1">
                 <a:solidFill>
                   <a:srgbClr val="000000"/>
                 </a:solidFill>
@@ -4379,7 +4786,7 @@
               </a:rPr>
               <a:t>("sf") </a:t>
             </a:r>
-            <a:endParaRPr b="0" lang="en-US" sz="2000" spc="-1" strike="noStrike">
+            <a:endParaRPr lang="en-US" sz="2000" b="0" strike="noStrike" spc="-1">
               <a:latin typeface="Arial"/>
             </a:endParaRPr>
           </a:p>
@@ -4398,7 +4805,7 @@
               <a:buChar char="•"/>
             </a:pPr>
             <a:r>
-              <a:rPr b="1" lang="en-US" sz="2000" spc="-1" strike="noStrike">
+              <a:rPr lang="en-US" sz="2000" b="1" strike="noStrike" spc="-1">
                 <a:solidFill>
                   <a:srgbClr val="000000"/>
                 </a:solidFill>
@@ -4407,7 +4814,7 @@
               <a:t>install.packages</a:t>
             </a:r>
             <a:r>
-              <a:rPr b="0" lang="en-US" sz="2000" spc="-1" strike="noStrike">
+              <a:rPr lang="en-US" sz="2000" b="0" strike="noStrike" spc="-1">
                 <a:solidFill>
                   <a:srgbClr val="000000"/>
                 </a:solidFill>
@@ -4415,7 +4822,7 @@
               </a:rPr>
               <a:t>("raster")</a:t>
             </a:r>
-            <a:endParaRPr b="0" lang="en-US" sz="2000" spc="-1" strike="noStrike">
+            <a:endParaRPr lang="en-US" sz="2000" b="0" strike="noStrike" spc="-1">
               <a:latin typeface="Arial"/>
             </a:endParaRPr>
           </a:p>
@@ -4434,7 +4841,7 @@
               <a:buChar char="•"/>
             </a:pPr>
             <a:r>
-              <a:rPr b="0" lang="en-US" sz="2000" spc="-1" strike="noStrike">
+              <a:rPr lang="en-US" sz="2000" b="0" strike="noStrike" spc="-1">
                 <a:solidFill>
                   <a:srgbClr val="000000"/>
                 </a:solidFill>
@@ -4443,7 +4850,7 @@
               <a:t> </a:t>
             </a:r>
             <a:r>
-              <a:rPr b="1" lang="en-US" sz="2000" spc="-1" strike="noStrike">
+              <a:rPr lang="en-US" sz="2000" b="1" strike="noStrike" spc="-1">
                 <a:solidFill>
                   <a:srgbClr val="000000"/>
                 </a:solidFill>
@@ -4452,7 +4859,7 @@
               <a:t>install.packages</a:t>
             </a:r>
             <a:r>
-              <a:rPr b="0" lang="en-US" sz="2000" spc="-1" strike="noStrike">
+              <a:rPr lang="en-US" sz="2000" b="0" strike="noStrike" spc="-1">
                 <a:solidFill>
                   <a:srgbClr val="000000"/>
                 </a:solidFill>
@@ -4460,7 +4867,7 @@
               </a:rPr>
               <a:t>("spData")</a:t>
             </a:r>
-            <a:endParaRPr b="0" lang="en-US" sz="2000" spc="-1" strike="noStrike">
+            <a:endParaRPr lang="en-US" sz="2000" b="0" strike="noStrike" spc="-1">
               <a:latin typeface="Arial"/>
             </a:endParaRPr>
           </a:p>
@@ -4479,7 +4886,7 @@
               <a:buChar char="•"/>
             </a:pPr>
             <a:r>
-              <a:rPr b="0" lang="en-US" sz="2000" spc="-1" strike="noStrike">
+              <a:rPr lang="en-US" sz="2000" b="0" strike="noStrike" spc="-1">
                 <a:solidFill>
                   <a:srgbClr val="000000"/>
                 </a:solidFill>
@@ -4488,7 +4895,7 @@
               <a:t>devtools::</a:t>
             </a:r>
             <a:r>
-              <a:rPr b="1" lang="en-US" sz="2000" spc="-1" strike="noStrike">
+              <a:rPr lang="en-US" sz="2000" b="1" strike="noStrike" spc="-1">
                 <a:solidFill>
                   <a:srgbClr val="000000"/>
                 </a:solidFill>
@@ -4497,7 +4904,7 @@
               <a:t>install_github</a:t>
             </a:r>
             <a:r>
-              <a:rPr b="0" lang="en-US" sz="2000" spc="-1" strike="noStrike">
+              <a:rPr lang="en-US" sz="2000" b="0" strike="noStrike" spc="-1">
                 <a:solidFill>
                   <a:srgbClr val="000000"/>
                 </a:solidFill>
@@ -4505,7 +4912,7 @@
               </a:rPr>
               <a:t>("Nowosad/spDataLarge")</a:t>
             </a:r>
-            <a:endParaRPr b="0" lang="en-US" sz="2000" spc="-1" strike="noStrike">
+            <a:endParaRPr lang="en-US" sz="2000" b="0" strike="noStrike" spc="-1">
               <a:latin typeface="Arial"/>
             </a:endParaRPr>
           </a:p>
@@ -4524,7 +4931,7 @@
               <a:buChar char="•"/>
             </a:pPr>
             <a:r>
-              <a:rPr b="0" lang="en-US" sz="2000" spc="-1" strike="noStrike">
+              <a:rPr lang="en-US" sz="2000" b="0" strike="noStrike" spc="-1">
                 <a:solidFill>
                   <a:srgbClr val="000000"/>
                 </a:solidFill>
@@ -4532,12 +4939,12 @@
               </a:rPr>
               <a:t>Wczytajcie powyższe pakiety:</a:t>
             </a:r>
-            <a:endParaRPr b="0" lang="en-US" sz="2000" spc="-1" strike="noStrike">
-              <a:latin typeface="Arial"/>
-            </a:endParaRPr>
-          </a:p>
-          <a:p>
-            <a:pPr lvl="1" marL="763560" indent="-286560">
+            <a:endParaRPr lang="en-US" sz="2000" b="0" strike="noStrike" spc="-1">
+              <a:latin typeface="Arial"/>
+            </a:endParaRPr>
+          </a:p>
+          <a:p>
+            <a:pPr marL="763560" lvl="1" indent="-286560">
               <a:lnSpc>
                 <a:spcPct val="100000"/>
               </a:lnSpc>
@@ -4551,24 +4958,15 @@
               <a:buChar char=""/>
             </a:pPr>
             <a:r>
-              <a:rPr b="0" lang="en-US" sz="2000" spc="-1" strike="noStrike">
-                <a:solidFill>
-                  <a:srgbClr val="000000"/>
-                </a:solidFill>
-                <a:latin typeface="Imago"/>
-              </a:rPr>
-              <a:t>library(&lt;pakiet&gt;)</a:t>
-            </a:r>
-            <a:r>
-              <a:rPr b="0" lang="en-US" sz="2000" spc="-1" strike="noStrike">
-                <a:solidFill>
-                  <a:srgbClr val="000000"/>
-                </a:solidFill>
-                <a:latin typeface="Imago"/>
-              </a:rPr>
-              <a:t>	</a:t>
-            </a:r>
-            <a:endParaRPr b="0" lang="en-US" sz="2000" spc="-1" strike="noStrike">
+              <a:rPr lang="en-US" sz="2000" b="0" strike="noStrike" spc="-1">
+                <a:solidFill>
+                  <a:srgbClr val="000000"/>
+                </a:solidFill>
+                <a:latin typeface="Imago"/>
+              </a:rPr>
+              <a:t>library(&lt;pakiet&gt;)	</a:t>
+            </a:r>
+            <a:endParaRPr lang="en-US" sz="2000" b="0" strike="noStrike" spc="-1">
               <a:latin typeface="Arial"/>
             </a:endParaRPr>
           </a:p>
@@ -4576,22 +4974,25 @@
       </p:sp>
     </p:spTree>
   </p:cSld>
+  <p:clrMapOvr>
+    <a:masterClrMapping/>
+  </p:clrMapOvr>
   <p:timing>
     <p:tnLst>
       <p:par>
-        <p:cTn id="19" dur="indefinite" restart="never" nodeType="tmRoot">
+        <p:cTn id="1" dur="indefinite" restart="never" nodeType="tmRoot">
           <p:childTnLst>
             <p:seq>
-              <p:cTn id="20" dur="indefinite" nodeType="mainSeq"/>
+              <p:cTn id="2" dur="indefinite" nodeType="mainSeq"/>
               <p:prevCondLst>
-                <p:cond delay="0" evt="onPrev">
+                <p:cond evt="onPrev" delay="0">
                   <p:tgtEl>
                     <p:sldTgt/>
                   </p:tgtEl>
                 </p:cond>
               </p:prevCondLst>
               <p:nextCondLst>
-                <p:cond delay="0" evt="onNext">
+                <p:cond evt="onNext" delay="0">
                   <p:tgtEl>
                     <p:sldTgt/>
                   </p:tgtEl>
@@ -4607,7 +5008,7 @@
 </file>
 
 <file path=ppt/slides/slide11.xml><?xml version="1.0" encoding="utf-8"?>
-<p:sld xmlns:a="http://schemas.openxmlformats.org/drawingml/2006/main" xmlns:p="http://schemas.openxmlformats.org/presentationml/2006/main" xmlns:r="http://schemas.openxmlformats.org/officeDocument/2006/relationships" xmlns:p14="http://schemas.microsoft.com/office/powerpoint/2010/main" xmlns:p15="http://schemas.microsoft.com/office/powerpoint/2012/main" xmlns:mc="http://schemas.openxmlformats.org/markup-compatibility/2006">
+<p:sld xmlns:a="http://schemas.openxmlformats.org/drawingml/2006/main" xmlns:r="http://schemas.openxmlformats.org/officeDocument/2006/relationships" xmlns:p="http://schemas.openxmlformats.org/presentationml/2006/main">
   <p:cSld>
     <p:spTree>
       <p:nvGrpSpPr>
@@ -4643,13 +5044,20 @@
           </a:ln>
         </p:spPr>
         <p:style>
-          <a:lnRef idx="0"/>
-          <a:fillRef idx="0"/>
-          <a:effectRef idx="0"/>
+          <a:lnRef idx="0">
+            <a:scrgbClr r="0" g="0" b="0"/>
+          </a:lnRef>
+          <a:fillRef idx="0">
+            <a:scrgbClr r="0" g="0" b="0"/>
+          </a:fillRef>
+          <a:effectRef idx="0">
+            <a:scrgbClr r="0" g="0" b="0"/>
+          </a:effectRef>
           <a:fontRef idx="minor"/>
         </p:style>
         <p:txBody>
-          <a:bodyPr lIns="0" rIns="0" tIns="0" bIns="0"/>
+          <a:bodyPr lIns="0" tIns="0" rIns="0" bIns="0"/>
+          <a:lstStyle/>
           <a:p>
             <a:pPr>
               <a:lnSpc>
@@ -4657,7 +5065,7 @@
               </a:lnSpc>
             </a:pPr>
             <a:r>
-              <a:rPr b="1" lang="en-US" sz="2600" spc="-1" strike="noStrike">
+              <a:rPr lang="en-US" sz="2600" b="1" strike="noStrike" spc="-1">
                 <a:solidFill>
                   <a:srgbClr val="000000"/>
                 </a:solidFill>
@@ -4665,7 +5073,7 @@
               </a:rPr>
               <a:t>Dane wektorowe</a:t>
             </a:r>
-            <a:endParaRPr b="0" lang="en-US" sz="2600" spc="-1" strike="noStrike">
+            <a:endParaRPr lang="en-US" sz="2600" b="0" strike="noStrike" spc="-1">
               <a:latin typeface="Arial"/>
             </a:endParaRPr>
           </a:p>
@@ -4691,13 +5099,20 @@
           </a:ln>
         </p:spPr>
         <p:style>
-          <a:lnRef idx="0"/>
-          <a:fillRef idx="0"/>
-          <a:effectRef idx="0"/>
+          <a:lnRef idx="0">
+            <a:scrgbClr r="0" g="0" b="0"/>
+          </a:lnRef>
+          <a:fillRef idx="0">
+            <a:scrgbClr r="0" g="0" b="0"/>
+          </a:fillRef>
+          <a:effectRef idx="0">
+            <a:scrgbClr r="0" g="0" b="0"/>
+          </a:effectRef>
           <a:fontRef idx="minor"/>
         </p:style>
         <p:txBody>
-          <a:bodyPr lIns="0" rIns="0" tIns="0" bIns="0"/>
+          <a:bodyPr lIns="0" tIns="0" rIns="0" bIns="0"/>
+          <a:lstStyle/>
           <a:p>
             <a:pPr marL="285840" indent="-285120">
               <a:lnSpc>
@@ -4713,15 +5128,51 @@
               <a:buChar char="•"/>
             </a:pPr>
             <a:r>
-              <a:rPr b="0" lang="en-US" sz="2000" spc="-1" strike="noStrike">
-                <a:solidFill>
-                  <a:srgbClr val="000000"/>
-                </a:solidFill>
-                <a:latin typeface="Imago"/>
-              </a:rPr>
-              <a:t>Geometria + tabela atrybutowa</a:t>
-            </a:r>
-            <a:endParaRPr b="0" lang="en-US" sz="2000" spc="-1" strike="noStrike">
+              <a:rPr lang="en-US" sz="2000" b="0" strike="noStrike" spc="-1" dirty="0" err="1">
+                <a:solidFill>
+                  <a:srgbClr val="000000"/>
+                </a:solidFill>
+                <a:latin typeface="Imago"/>
+              </a:rPr>
+              <a:t>Geometria</a:t>
+            </a:r>
+            <a:r>
+              <a:rPr lang="en-US" sz="2000" b="0" strike="noStrike" spc="-1" dirty="0">
+                <a:solidFill>
+                  <a:srgbClr val="000000"/>
+                </a:solidFill>
+                <a:latin typeface="Imago"/>
+              </a:rPr>
+              <a:t> + </a:t>
+            </a:r>
+            <a:r>
+              <a:rPr lang="en-US" sz="2000" b="0" strike="noStrike" spc="-1" dirty="0" err="1">
+                <a:solidFill>
+                  <a:srgbClr val="000000"/>
+                </a:solidFill>
+                <a:latin typeface="Imago"/>
+              </a:rPr>
+              <a:t>tabela</a:t>
+            </a:r>
+            <a:r>
+              <a:rPr lang="en-US" sz="2000" b="0" strike="noStrike" spc="-1" dirty="0">
+                <a:solidFill>
+                  <a:srgbClr val="000000"/>
+                </a:solidFill>
+                <a:latin typeface="Imago"/>
+              </a:rPr>
+              <a:t> </a:t>
+            </a:r>
+            <a:r>
+              <a:rPr lang="en-US" sz="2000" b="0" strike="noStrike" spc="-1" dirty="0" err="1">
+                <a:solidFill>
+                  <a:srgbClr val="000000"/>
+                </a:solidFill>
+                <a:latin typeface="Imago"/>
+              </a:rPr>
+              <a:t>atrybutowa</a:t>
+            </a:r>
+            <a:endParaRPr lang="en-US" sz="2000" b="0" strike="noStrike" spc="-1" dirty="0">
               <a:latin typeface="Arial"/>
             </a:endParaRPr>
           </a:p>
@@ -4735,7 +5186,7 @@
               </a:spcBef>
             </a:pPr>
             <a:r>
-              <a:rPr b="1" lang="en-US" sz="2000" spc="-1" strike="noStrike">
+              <a:rPr lang="en-US" sz="2000" b="1" strike="noStrike" spc="-1" dirty="0">
                 <a:solidFill>
                   <a:srgbClr val="000000"/>
                 </a:solidFill>
@@ -4744,16 +5195,34 @@
               <a:t>library</a:t>
             </a:r>
             <a:r>
-              <a:rPr b="0" lang="en-US" sz="2000" spc="-1" strike="noStrike">
-                <a:solidFill>
-                  <a:srgbClr val="000000"/>
-                </a:solidFill>
-                <a:latin typeface="Imago"/>
-              </a:rPr>
-              <a:t>(sf) </a:t>
-            </a:r>
-            <a:r>
-              <a:rPr b="0" i="1" lang="en-US" sz="2000" spc="-1" strike="noStrike">
+              <a:rPr lang="en-US" sz="2000" b="0" strike="noStrike" spc="-1" dirty="0">
+                <a:solidFill>
+                  <a:srgbClr val="000000"/>
+                </a:solidFill>
+                <a:latin typeface="Imago"/>
+              </a:rPr>
+              <a:t>(</a:t>
+            </a:r>
+            <a:r>
+              <a:rPr lang="en-US" sz="2000" b="0" strike="noStrike" spc="-1" dirty="0" err="1">
+                <a:solidFill>
+                  <a:srgbClr val="000000"/>
+                </a:solidFill>
+                <a:latin typeface="Imago"/>
+              </a:rPr>
+              <a:t>sf</a:t>
+            </a:r>
+            <a:r>
+              <a:rPr lang="en-US" sz="2000" b="0" strike="noStrike" spc="-1" dirty="0">
+                <a:solidFill>
+                  <a:srgbClr val="000000"/>
+                </a:solidFill>
+                <a:latin typeface="Imago"/>
+              </a:rPr>
+              <a:t>) </a:t>
+            </a:r>
+            <a:r>
+              <a:rPr lang="en-US" sz="2000" b="0" i="1" strike="noStrike" spc="-1" dirty="0">
                 <a:solidFill>
                   <a:srgbClr val="000000"/>
                 </a:solidFill>
@@ -4761,7 +5230,7 @@
               </a:rPr>
               <a:t># classes and functions for vector data</a:t>
             </a:r>
-            <a:endParaRPr b="0" lang="en-US" sz="2000" spc="-1" strike="noStrike">
+            <a:endParaRPr lang="en-US" sz="2000" b="0" strike="noStrike" spc="-1" dirty="0">
               <a:latin typeface="Arial"/>
             </a:endParaRPr>
           </a:p>
@@ -4775,7 +5244,7 @@
               </a:spcBef>
             </a:pPr>
             <a:r>
-              <a:rPr b="1" lang="en-US" sz="2000" spc="-1" strike="noStrike">
+              <a:rPr lang="en-US" sz="2000" b="1" strike="noStrike" spc="-1" dirty="0">
                 <a:solidFill>
                   <a:srgbClr val="000000"/>
                 </a:solidFill>
@@ -4784,7 +5253,7 @@
               <a:t>names</a:t>
             </a:r>
             <a:r>
-              <a:rPr b="0" lang="en-US" sz="2000" spc="-1" strike="noStrike">
+              <a:rPr lang="en-US" sz="2000" b="0" strike="noStrike" spc="-1" dirty="0">
                 <a:solidFill>
                   <a:srgbClr val="000000"/>
                 </a:solidFill>
@@ -4792,7 +5261,7 @@
               </a:rPr>
               <a:t>(world)</a:t>
             </a:r>
-            <a:endParaRPr b="0" lang="en-US" sz="2000" spc="-1" strike="noStrike">
+            <a:endParaRPr lang="en-US" sz="2000" b="0" strike="noStrike" spc="-1" dirty="0">
               <a:latin typeface="Arial"/>
             </a:endParaRPr>
           </a:p>
@@ -4806,7 +5275,7 @@
               </a:spcBef>
             </a:pPr>
             <a:r>
-              <a:rPr b="0" lang="en-US" sz="2000" spc="-1" strike="noStrike">
+              <a:rPr lang="en-US" sz="2000" b="0" strike="noStrike" spc="-1" dirty="0">
                 <a:solidFill>
                   <a:srgbClr val="000000"/>
                 </a:solidFill>
@@ -4814,7 +5283,7 @@
               </a:rPr>
               <a:t>class(world)</a:t>
             </a:r>
-            <a:endParaRPr b="0" lang="en-US" sz="2000" spc="-1" strike="noStrike">
+            <a:endParaRPr lang="en-US" sz="2000" b="0" strike="noStrike" spc="-1" dirty="0">
               <a:latin typeface="Arial"/>
             </a:endParaRPr>
           </a:p>
@@ -4828,7 +5297,7 @@
               </a:spcBef>
             </a:pPr>
             <a:r>
-              <a:rPr b="1" lang="en-US" sz="2000" spc="-1" strike="noStrike">
+              <a:rPr lang="en-US" sz="2000" b="1" strike="noStrike" spc="-1" dirty="0">
                 <a:solidFill>
                   <a:srgbClr val="000000"/>
                 </a:solidFill>
@@ -4837,7 +5306,7 @@
               <a:t>plot</a:t>
             </a:r>
             <a:r>
-              <a:rPr b="0" lang="en-US" sz="2000" spc="-1" strike="noStrike">
+              <a:rPr lang="en-US" sz="2000" b="0" strike="noStrike" spc="-1" dirty="0">
                 <a:solidFill>
                   <a:srgbClr val="000000"/>
                 </a:solidFill>
@@ -4845,7 +5314,7 @@
               </a:rPr>
               <a:t>(world)</a:t>
             </a:r>
-            <a:endParaRPr b="0" lang="en-US" sz="2000" spc="-1" strike="noStrike">
+            <a:endParaRPr lang="en-US" sz="2000" b="0" strike="noStrike" spc="-1" dirty="0">
               <a:latin typeface="Arial"/>
             </a:endParaRPr>
           </a:p>
@@ -4859,7 +5328,7 @@
               </a:spcBef>
             </a:pPr>
             <a:r>
-              <a:rPr b="1" lang="en-US" sz="2000" spc="-1" strike="noStrike">
+              <a:rPr lang="en-US" sz="2000" b="1" strike="noStrike" spc="-1" dirty="0">
                 <a:solidFill>
                   <a:srgbClr val="000000"/>
                 </a:solidFill>
@@ -4868,15 +5337,33 @@
               <a:t>summary</a:t>
             </a:r>
             <a:r>
-              <a:rPr b="0" lang="en-US" sz="2000" spc="-1" strike="noStrike">
-                <a:solidFill>
-                  <a:srgbClr val="000000"/>
-                </a:solidFill>
-                <a:latin typeface="Imago"/>
-              </a:rPr>
-              <a:t>(world["lifeExp"]) </a:t>
-            </a:r>
-            <a:endParaRPr b="0" lang="en-US" sz="2000" spc="-1" strike="noStrike">
+              <a:rPr lang="en-US" sz="2000" b="0" strike="noStrike" spc="-1" dirty="0">
+                <a:solidFill>
+                  <a:srgbClr val="000000"/>
+                </a:solidFill>
+                <a:latin typeface="Imago"/>
+              </a:rPr>
+              <a:t>(world["</a:t>
+            </a:r>
+            <a:r>
+              <a:rPr lang="en-US" sz="2000" b="0" strike="noStrike" spc="-1" dirty="0" err="1">
+                <a:solidFill>
+                  <a:srgbClr val="000000"/>
+                </a:solidFill>
+                <a:latin typeface="Imago"/>
+              </a:rPr>
+              <a:t>lifeExp</a:t>
+            </a:r>
+            <a:r>
+              <a:rPr lang="en-US" sz="2000" b="0" strike="noStrike" spc="-1" dirty="0">
+                <a:solidFill>
+                  <a:srgbClr val="000000"/>
+                </a:solidFill>
+                <a:latin typeface="Imago"/>
+              </a:rPr>
+              <a:t>"]) </a:t>
+            </a:r>
+            <a:endParaRPr lang="en-US" sz="2000" b="0" strike="noStrike" spc="-1" dirty="0">
               <a:latin typeface="Arial"/>
             </a:endParaRPr>
           </a:p>
@@ -4890,7 +5377,7 @@
               </a:spcBef>
             </a:pPr>
             <a:r>
-              <a:rPr b="0" lang="en-US" sz="2000" spc="-1" strike="noStrike">
+              <a:rPr lang="en-US" sz="2000" b="0" strike="noStrike" spc="-1" dirty="0">
                 <a:solidFill>
                   <a:srgbClr val="000000"/>
                 </a:solidFill>
@@ -4899,15 +5386,51 @@
               <a:t> </a:t>
             </a:r>
             <a:r>
-              <a:rPr b="0" lang="en-US" sz="2000" spc="-1" strike="noStrike">
-                <a:solidFill>
-                  <a:srgbClr val="000000"/>
-                </a:solidFill>
-                <a:latin typeface="Imago"/>
-              </a:rPr>
-              <a:t>world_mini = world[1:2, 1:3]</a:t>
-            </a:r>
-            <a:endParaRPr b="0" lang="en-US" sz="2000" spc="-1" strike="noStrike">
+              <a:rPr lang="en-US" sz="2000" b="0" strike="noStrike" spc="-1" dirty="0" err="1">
+                <a:solidFill>
+                  <a:srgbClr val="000000"/>
+                </a:solidFill>
+                <a:latin typeface="Imago"/>
+              </a:rPr>
+              <a:t>world_mini</a:t>
+            </a:r>
+            <a:r>
+              <a:rPr lang="en-US" sz="2000" b="0" strike="noStrike" spc="-1" dirty="0">
+                <a:solidFill>
+                  <a:srgbClr val="000000"/>
+                </a:solidFill>
+                <a:latin typeface="Imago"/>
+              </a:rPr>
+              <a:t> </a:t>
+            </a:r>
+            <a:r>
+              <a:rPr lang="pl-PL" sz="2000" b="0" strike="noStrike" spc="-1" dirty="0" smtClean="0">
+                <a:solidFill>
+                  <a:srgbClr val="000000"/>
+                </a:solidFill>
+                <a:latin typeface="Imago"/>
+              </a:rPr>
+              <a:t>&lt;-</a:t>
+            </a:r>
+            <a:r>
+              <a:rPr lang="en-US" sz="2000" b="0" strike="noStrike" spc="-1" dirty="0" smtClean="0">
+                <a:solidFill>
+                  <a:srgbClr val="000000"/>
+                </a:solidFill>
+                <a:latin typeface="Imago"/>
+              </a:rPr>
+              <a:t> </a:t>
+            </a:r>
+            <a:r>
+              <a:rPr lang="en-US" sz="2000" b="0" strike="noStrike" spc="-1" dirty="0">
+                <a:solidFill>
+                  <a:srgbClr val="000000"/>
+                </a:solidFill>
+                <a:latin typeface="Imago"/>
+              </a:rPr>
+              <a:t>world[1:2, 1:3]</a:t>
+            </a:r>
+            <a:endParaRPr lang="en-US" sz="2000" b="0" strike="noStrike" spc="-1" dirty="0">
               <a:latin typeface="Arial"/>
             </a:endParaRPr>
           </a:p>
@@ -4921,7 +5444,7 @@
               </a:spcBef>
             </a:pPr>
             <a:r>
-              <a:rPr b="0" lang="en-US" sz="2000" spc="-1" strike="noStrike">
+              <a:rPr lang="en-US" sz="2000" b="0" strike="noStrike" spc="-1" dirty="0">
                 <a:solidFill>
                   <a:srgbClr val="000000"/>
                 </a:solidFill>
@@ -4930,7 +5453,7 @@
               <a:t> </a:t>
             </a:r>
             <a:r>
-              <a:rPr b="0" lang="en-US" sz="2000" spc="-1" strike="noStrike">
+              <a:rPr lang="en-US" sz="2000" b="0" strike="noStrike" spc="-1" dirty="0" err="1">
                 <a:solidFill>
                   <a:srgbClr val="000000"/>
                 </a:solidFill>
@@ -4938,7 +5461,7 @@
               </a:rPr>
               <a:t>world_mini</a:t>
             </a:r>
-            <a:endParaRPr b="0" lang="en-US" sz="2000" spc="-1" strike="noStrike">
+            <a:endParaRPr lang="en-US" sz="2000" b="0" strike="noStrike" spc="-1" dirty="0">
               <a:latin typeface="Arial"/>
             </a:endParaRPr>
           </a:p>
@@ -4946,12 +5469,12 @@
       </p:sp>
       <p:pic>
         <p:nvPicPr>
-          <p:cNvPr id="129" name="Picture 4" descr=""/>
+          <p:cNvPr id="129" name="Picture 4"/>
           <p:cNvPicPr/>
           <p:nvPr/>
         </p:nvPicPr>
         <p:blipFill>
-          <a:blip r:embed="rId1"/>
+          <a:blip r:embed="rId2" cstate="print"/>
           <a:stretch/>
         </p:blipFill>
         <p:spPr>
@@ -4969,22 +5492,25 @@
       </p:pic>
     </p:spTree>
   </p:cSld>
+  <p:clrMapOvr>
+    <a:masterClrMapping/>
+  </p:clrMapOvr>
   <p:timing>
     <p:tnLst>
       <p:par>
-        <p:cTn id="21" dur="indefinite" restart="never" nodeType="tmRoot">
+        <p:cTn id="1" dur="indefinite" restart="never" nodeType="tmRoot">
           <p:childTnLst>
             <p:seq>
-              <p:cTn id="22" dur="indefinite" nodeType="mainSeq"/>
+              <p:cTn id="2" dur="indefinite" nodeType="mainSeq"/>
               <p:prevCondLst>
-                <p:cond delay="0" evt="onPrev">
+                <p:cond evt="onPrev" delay="0">
                   <p:tgtEl>
                     <p:sldTgt/>
                   </p:tgtEl>
                 </p:cond>
               </p:prevCondLst>
               <p:nextCondLst>
-                <p:cond delay="0" evt="onNext">
+                <p:cond evt="onNext" delay="0">
                   <p:tgtEl>
                     <p:sldTgt/>
                   </p:tgtEl>
@@ -5000,7 +5526,7 @@
 </file>
 
 <file path=ppt/slides/slide12.xml><?xml version="1.0" encoding="utf-8"?>
-<p:sld xmlns:a="http://schemas.openxmlformats.org/drawingml/2006/main" xmlns:p="http://schemas.openxmlformats.org/presentationml/2006/main" xmlns:r="http://schemas.openxmlformats.org/officeDocument/2006/relationships" xmlns:p14="http://schemas.microsoft.com/office/powerpoint/2010/main" xmlns:p15="http://schemas.microsoft.com/office/powerpoint/2012/main" xmlns:mc="http://schemas.openxmlformats.org/markup-compatibility/2006">
+<p:sld xmlns:a="http://schemas.openxmlformats.org/drawingml/2006/main" xmlns:r="http://schemas.openxmlformats.org/officeDocument/2006/relationships" xmlns:p="http://schemas.openxmlformats.org/presentationml/2006/main">
   <p:cSld>
     <p:spTree>
       <p:nvGrpSpPr>
@@ -5036,13 +5562,20 @@
           </a:ln>
         </p:spPr>
         <p:style>
-          <a:lnRef idx="0"/>
-          <a:fillRef idx="0"/>
-          <a:effectRef idx="0"/>
+          <a:lnRef idx="0">
+            <a:scrgbClr r="0" g="0" b="0"/>
+          </a:lnRef>
+          <a:fillRef idx="0">
+            <a:scrgbClr r="0" g="0" b="0"/>
+          </a:fillRef>
+          <a:effectRef idx="0">
+            <a:scrgbClr r="0" g="0" b="0"/>
+          </a:effectRef>
           <a:fontRef idx="minor"/>
         </p:style>
         <p:txBody>
-          <a:bodyPr lIns="0" rIns="0" tIns="0" bIns="0"/>
+          <a:bodyPr lIns="0" tIns="0" rIns="0" bIns="0"/>
+          <a:lstStyle/>
           <a:p>
             <a:pPr>
               <a:lnSpc>
@@ -5050,7 +5583,7 @@
               </a:lnSpc>
             </a:pPr>
             <a:r>
-              <a:rPr b="1" lang="en-US" sz="2600" spc="-1" strike="noStrike">
+              <a:rPr lang="en-US" sz="2600" b="1" strike="noStrike" spc="-1">
                 <a:solidFill>
                   <a:srgbClr val="000000"/>
                 </a:solidFill>
@@ -5058,7 +5591,7 @@
               </a:rPr>
               <a:t>Zadanie</a:t>
             </a:r>
-            <a:endParaRPr b="0" lang="en-US" sz="2600" spc="-1" strike="noStrike">
+            <a:endParaRPr lang="en-US" sz="2600" b="0" strike="noStrike" spc="-1">
               <a:latin typeface="Arial"/>
             </a:endParaRPr>
           </a:p>
@@ -5084,13 +5617,20 @@
           </a:ln>
         </p:spPr>
         <p:style>
-          <a:lnRef idx="0"/>
-          <a:fillRef idx="0"/>
-          <a:effectRef idx="0"/>
+          <a:lnRef idx="0">
+            <a:scrgbClr r="0" g="0" b="0"/>
+          </a:lnRef>
+          <a:fillRef idx="0">
+            <a:scrgbClr r="0" g="0" b="0"/>
+          </a:fillRef>
+          <a:effectRef idx="0">
+            <a:scrgbClr r="0" g="0" b="0"/>
+          </a:effectRef>
           <a:fontRef idx="minor"/>
         </p:style>
         <p:txBody>
-          <a:bodyPr lIns="0" rIns="0" tIns="0" bIns="0"/>
+          <a:bodyPr lIns="0" tIns="0" rIns="0" bIns="0"/>
+          <a:lstStyle/>
           <a:p>
             <a:pPr marL="285840" indent="-285120">
               <a:lnSpc>
@@ -5106,7 +5646,7 @@
               <a:buChar char="•"/>
             </a:pPr>
             <a:r>
-              <a:rPr b="0" lang="en-US" sz="2000" spc="-1" strike="noStrike">
+              <a:rPr lang="en-US" sz="2000" b="0" strike="noStrike" spc="-1">
                 <a:solidFill>
                   <a:srgbClr val="000000"/>
                 </a:solidFill>
@@ -5114,7 +5654,7 @@
               </a:rPr>
               <a:t>Wyświetlcie mapę krajów Europejskich  wg liczby ludności</a:t>
             </a:r>
-            <a:endParaRPr b="0" lang="en-US" sz="2000" spc="-1" strike="noStrike">
+            <a:endParaRPr lang="en-US" sz="2000" b="0" strike="noStrike" spc="-1">
               <a:latin typeface="Arial"/>
             </a:endParaRPr>
           </a:p>
@@ -5133,7 +5673,7 @@
               <a:buChar char="•"/>
             </a:pPr>
             <a:r>
-              <a:rPr b="0" lang="en-US" sz="2000" spc="-1" strike="noStrike">
+              <a:rPr lang="en-US" sz="2000" b="0" strike="noStrike" spc="-1">
                 <a:solidFill>
                   <a:srgbClr val="000000"/>
                 </a:solidFill>
@@ -5141,7 +5681,7 @@
               </a:rPr>
               <a:t>Który kraj posiada najmniejszą liczbę ludności i ile wynosi?</a:t>
             </a:r>
-            <a:endParaRPr b="0" lang="en-US" sz="2000" spc="-1" strike="noStrike">
+            <a:endParaRPr lang="en-US" sz="2000" b="0" strike="noStrike" spc="-1">
               <a:latin typeface="Arial"/>
             </a:endParaRPr>
           </a:p>
@@ -5160,7 +5700,7 @@
               <a:buChar char="•"/>
             </a:pPr>
             <a:r>
-              <a:rPr b="0" lang="en-US" sz="2000" spc="-1" strike="noStrike">
+              <a:rPr lang="en-US" sz="2000" b="0" strike="noStrike" spc="-1">
                 <a:solidFill>
                   <a:srgbClr val="000000"/>
                 </a:solidFill>
@@ -5168,7 +5708,7 @@
               </a:rPr>
               <a:t>Ile krajów znajduje się w Azji?</a:t>
             </a:r>
-            <a:endParaRPr b="0" lang="en-US" sz="2000" spc="-1" strike="noStrike">
+            <a:endParaRPr lang="en-US" sz="2000" b="0" strike="noStrike" spc="-1">
               <a:latin typeface="Arial"/>
             </a:endParaRPr>
           </a:p>
@@ -5187,7 +5727,7 @@
               <a:buChar char="•"/>
             </a:pPr>
             <a:r>
-              <a:rPr b="0" lang="en-US" sz="2000" spc="-1" strike="noStrike">
+              <a:rPr lang="en-US" sz="2000" b="0" strike="noStrike" spc="-1">
                 <a:solidFill>
                   <a:srgbClr val="000000"/>
                 </a:solidFill>
@@ -5195,7 +5735,7 @@
               </a:rPr>
               <a:t>Wyświetlcie histogram powierzchni  wszystkich niezależnych krajów (Sovereign Country)</a:t>
             </a:r>
-            <a:endParaRPr b="0" lang="en-US" sz="2000" spc="-1" strike="noStrike">
+            <a:endParaRPr lang="en-US" sz="2000" b="0" strike="noStrike" spc="-1">
               <a:latin typeface="Arial"/>
             </a:endParaRPr>
           </a:p>
@@ -5214,7 +5754,7 @@
               <a:buChar char="•"/>
             </a:pPr>
             <a:r>
-              <a:rPr b="0" lang="en-US" sz="2000" spc="-1" strike="noStrike">
+              <a:rPr lang="en-US" sz="2000" b="0" strike="noStrike" spc="-1">
                 <a:solidFill>
                   <a:srgbClr val="000000"/>
                 </a:solidFill>
@@ -5222,7 +5762,7 @@
               </a:rPr>
               <a:t>Wyświetlcie wykres punktowy relacji pomiędzy lifeExp, a gdpPercap</a:t>
             </a:r>
-            <a:endParaRPr b="0" lang="en-US" sz="2000" spc="-1" strike="noStrike">
+            <a:endParaRPr lang="en-US" sz="2000" b="0" strike="noStrike" spc="-1">
               <a:latin typeface="Arial"/>
             </a:endParaRPr>
           </a:p>
@@ -5230,22 +5770,25 @@
       </p:sp>
     </p:spTree>
   </p:cSld>
+  <p:clrMapOvr>
+    <a:masterClrMapping/>
+  </p:clrMapOvr>
   <p:timing>
     <p:tnLst>
       <p:par>
-        <p:cTn id="23" dur="indefinite" restart="never" nodeType="tmRoot">
+        <p:cTn id="1" dur="indefinite" restart="never" nodeType="tmRoot">
           <p:childTnLst>
             <p:seq>
-              <p:cTn id="24" dur="indefinite" nodeType="mainSeq"/>
+              <p:cTn id="2" dur="indefinite" nodeType="mainSeq"/>
               <p:prevCondLst>
-                <p:cond delay="0" evt="onPrev">
+                <p:cond evt="onPrev" delay="0">
                   <p:tgtEl>
                     <p:sldTgt/>
                   </p:tgtEl>
                 </p:cond>
               </p:prevCondLst>
               <p:nextCondLst>
-                <p:cond delay="0" evt="onNext">
+                <p:cond evt="onNext" delay="0">
                   <p:tgtEl>
                     <p:sldTgt/>
                   </p:tgtEl>
@@ -5261,7 +5804,7 @@
 </file>
 
 <file path=ppt/slides/slide13.xml><?xml version="1.0" encoding="utf-8"?>
-<p:sld xmlns:a="http://schemas.openxmlformats.org/drawingml/2006/main" xmlns:p="http://schemas.openxmlformats.org/presentationml/2006/main" xmlns:r="http://schemas.openxmlformats.org/officeDocument/2006/relationships" xmlns:p14="http://schemas.microsoft.com/office/powerpoint/2010/main" xmlns:p15="http://schemas.microsoft.com/office/powerpoint/2012/main" xmlns:mc="http://schemas.openxmlformats.org/markup-compatibility/2006">
+<p:sld xmlns:a="http://schemas.openxmlformats.org/drawingml/2006/main" xmlns:r="http://schemas.openxmlformats.org/officeDocument/2006/relationships" xmlns:p="http://schemas.openxmlformats.org/presentationml/2006/main">
   <p:cSld>
     <p:spTree>
       <p:nvGrpSpPr>
@@ -5297,13 +5840,20 @@
           </a:ln>
         </p:spPr>
         <p:style>
-          <a:lnRef idx="0"/>
-          <a:fillRef idx="0"/>
-          <a:effectRef idx="0"/>
+          <a:lnRef idx="0">
+            <a:scrgbClr r="0" g="0" b="0"/>
+          </a:lnRef>
+          <a:fillRef idx="0">
+            <a:scrgbClr r="0" g="0" b="0"/>
+          </a:fillRef>
+          <a:effectRef idx="0">
+            <a:scrgbClr r="0" g="0" b="0"/>
+          </a:effectRef>
           <a:fontRef idx="minor"/>
         </p:style>
         <p:txBody>
-          <a:bodyPr lIns="0" rIns="0" tIns="0" bIns="0"/>
+          <a:bodyPr lIns="0" tIns="0" rIns="0" bIns="0"/>
+          <a:lstStyle/>
           <a:p>
             <a:pPr>
               <a:lnSpc>
@@ -5311,7 +5861,7 @@
               </a:lnSpc>
             </a:pPr>
             <a:r>
-              <a:rPr b="1" lang="en-US" sz="2600" spc="-1" strike="noStrike">
+              <a:rPr lang="en-US" sz="2600" b="1" strike="noStrike" spc="-1">
                 <a:solidFill>
                   <a:srgbClr val="000000"/>
                 </a:solidFill>
@@ -5319,7 +5869,7 @@
               </a:rPr>
               <a:t>Dane rastrowe</a:t>
             </a:r>
-            <a:endParaRPr b="0" lang="en-US" sz="2600" spc="-1" strike="noStrike">
+            <a:endParaRPr lang="en-US" sz="2600" b="0" strike="noStrike" spc="-1">
               <a:latin typeface="Arial"/>
             </a:endParaRPr>
           </a:p>
@@ -5345,13 +5895,20 @@
           </a:ln>
         </p:spPr>
         <p:style>
-          <a:lnRef idx="0"/>
-          <a:fillRef idx="0"/>
-          <a:effectRef idx="0"/>
+          <a:lnRef idx="0">
+            <a:scrgbClr r="0" g="0" b="0"/>
+          </a:lnRef>
+          <a:fillRef idx="0">
+            <a:scrgbClr r="0" g="0" b="0"/>
+          </a:fillRef>
+          <a:effectRef idx="0">
+            <a:scrgbClr r="0" g="0" b="0"/>
+          </a:effectRef>
           <a:fontRef idx="minor"/>
         </p:style>
         <p:txBody>
-          <a:bodyPr lIns="0" rIns="0" tIns="0" bIns="0"/>
+          <a:bodyPr lIns="0" tIns="0" rIns="0" bIns="0"/>
+          <a:lstStyle/>
           <a:p>
             <a:pPr marL="285840" indent="-285120">
               <a:lnSpc>
@@ -5367,7 +5924,7 @@
               <a:buChar char="•"/>
             </a:pPr>
             <a:r>
-              <a:rPr b="0" lang="en-US" sz="2000" spc="-1" strike="noStrike">
+              <a:rPr lang="en-US" sz="2000" b="0" strike="noStrike" spc="-1">
                 <a:solidFill>
                   <a:srgbClr val="000000"/>
                 </a:solidFill>
@@ -5375,7 +5932,7 @@
               </a:rPr>
               <a:t>Macierz wartości ze współrzędnymi (geograficznymi/geodezyjnymi/...)</a:t>
             </a:r>
-            <a:endParaRPr b="0" lang="en-US" sz="2000" spc="-1" strike="noStrike">
+            <a:endParaRPr lang="en-US" sz="2000" b="0" strike="noStrike" spc="-1">
               <a:latin typeface="Arial"/>
             </a:endParaRPr>
           </a:p>
@@ -5394,7 +5951,7 @@
               <a:buChar char="•"/>
             </a:pPr>
             <a:r>
-              <a:rPr b="1" lang="en-US" sz="2000" spc="-1" strike="noStrike">
+              <a:rPr lang="en-US" sz="2000" b="1" strike="noStrike" spc="-1">
                 <a:solidFill>
                   <a:srgbClr val="000000"/>
                 </a:solidFill>
@@ -5403,7 +5960,7 @@
               <a:t>library</a:t>
             </a:r>
             <a:r>
-              <a:rPr b="0" lang="en-US" sz="2000" spc="-1" strike="noStrike">
+              <a:rPr lang="en-US" sz="2000" b="0" strike="noStrike" spc="-1">
                 <a:solidFill>
                   <a:srgbClr val="000000"/>
                 </a:solidFill>
@@ -5412,7 +5969,7 @@
               <a:t>(raster) </a:t>
             </a:r>
             <a:r>
-              <a:rPr b="0" i="1" lang="en-US" sz="2000" spc="-1" strike="noStrike">
+              <a:rPr lang="en-US" sz="2000" b="0" i="1" strike="noStrike" spc="-1">
                 <a:solidFill>
                   <a:srgbClr val="000000"/>
                 </a:solidFill>
@@ -5420,7 +5977,7 @@
               </a:rPr>
               <a:t># classes and functions for raster data</a:t>
             </a:r>
-            <a:endParaRPr b="0" lang="en-US" sz="2000" spc="-1" strike="noStrike">
+            <a:endParaRPr lang="en-US" sz="2000" b="0" strike="noStrike" spc="-1">
               <a:latin typeface="Arial"/>
             </a:endParaRPr>
           </a:p>
@@ -5433,7 +5990,7 @@
                 <a:spcPts val="1500"/>
               </a:spcBef>
             </a:pPr>
-            <a:endParaRPr b="0" lang="en-US" sz="2000" spc="-1" strike="noStrike">
+            <a:endParaRPr lang="en-US" sz="2000" b="0" strike="noStrike" spc="-1">
               <a:latin typeface="Arial"/>
             </a:endParaRPr>
           </a:p>
@@ -5441,12 +5998,12 @@
       </p:sp>
       <p:pic>
         <p:nvPicPr>
-          <p:cNvPr id="134" name="Picture 2" descr=""/>
+          <p:cNvPr id="134" name="Picture 2"/>
           <p:cNvPicPr/>
           <p:nvPr/>
         </p:nvPicPr>
         <p:blipFill>
-          <a:blip r:embed="rId1"/>
+          <a:blip r:embed="rId2" cstate="print"/>
           <a:stretch/>
         </p:blipFill>
         <p:spPr>
@@ -5464,22 +6021,25 @@
       </p:pic>
     </p:spTree>
   </p:cSld>
+  <p:clrMapOvr>
+    <a:masterClrMapping/>
+  </p:clrMapOvr>
   <p:timing>
     <p:tnLst>
       <p:par>
-        <p:cTn id="25" dur="indefinite" restart="never" nodeType="tmRoot">
+        <p:cTn id="1" dur="indefinite" restart="never" nodeType="tmRoot">
           <p:childTnLst>
             <p:seq>
-              <p:cTn id="26" dur="indefinite" nodeType="mainSeq"/>
+              <p:cTn id="2" dur="indefinite" nodeType="mainSeq"/>
               <p:prevCondLst>
-                <p:cond delay="0" evt="onPrev">
+                <p:cond evt="onPrev" delay="0">
                   <p:tgtEl>
                     <p:sldTgt/>
                   </p:tgtEl>
                 </p:cond>
               </p:prevCondLst>
               <p:nextCondLst>
-                <p:cond delay="0" evt="onNext">
+                <p:cond evt="onNext" delay="0">
                   <p:tgtEl>
                     <p:sldTgt/>
                   </p:tgtEl>
@@ -5495,7 +6055,7 @@
 </file>
 
 <file path=ppt/slides/slide14.xml><?xml version="1.0" encoding="utf-8"?>
-<p:sld xmlns:a="http://schemas.openxmlformats.org/drawingml/2006/main" xmlns:p="http://schemas.openxmlformats.org/presentationml/2006/main" xmlns:r="http://schemas.openxmlformats.org/officeDocument/2006/relationships" xmlns:p14="http://schemas.microsoft.com/office/powerpoint/2010/main" xmlns:p15="http://schemas.microsoft.com/office/powerpoint/2012/main" xmlns:mc="http://schemas.openxmlformats.org/markup-compatibility/2006">
+<p:sld xmlns:a="http://schemas.openxmlformats.org/drawingml/2006/main" xmlns:r="http://schemas.openxmlformats.org/officeDocument/2006/relationships" xmlns:p="http://schemas.openxmlformats.org/presentationml/2006/main">
   <p:cSld>
     <p:spTree>
       <p:nvGrpSpPr>
@@ -5531,13 +6091,20 @@
           </a:ln>
         </p:spPr>
         <p:style>
-          <a:lnRef idx="0"/>
-          <a:fillRef idx="0"/>
-          <a:effectRef idx="0"/>
+          <a:lnRef idx="0">
+            <a:scrgbClr r="0" g="0" b="0"/>
+          </a:lnRef>
+          <a:fillRef idx="0">
+            <a:scrgbClr r="0" g="0" b="0"/>
+          </a:fillRef>
+          <a:effectRef idx="0">
+            <a:scrgbClr r="0" g="0" b="0"/>
+          </a:effectRef>
           <a:fontRef idx="minor"/>
         </p:style>
         <p:txBody>
-          <a:bodyPr lIns="0" rIns="0" tIns="0" bIns="0"/>
+          <a:bodyPr lIns="0" tIns="0" rIns="0" bIns="0"/>
+          <a:lstStyle/>
           <a:p>
             <a:pPr>
               <a:lnSpc>
@@ -5545,7 +6112,7 @@
               </a:lnSpc>
             </a:pPr>
             <a:r>
-              <a:rPr b="1" lang="en-US" sz="2600" spc="-1" strike="noStrike">
+              <a:rPr lang="en-US" sz="2600" b="1" strike="noStrike" spc="-1">
                 <a:solidFill>
                   <a:srgbClr val="000000"/>
                 </a:solidFill>
@@ -5553,7 +6120,7 @@
               </a:rPr>
               <a:t>Dane rastrowe</a:t>
             </a:r>
-            <a:endParaRPr b="0" lang="en-US" sz="2600" spc="-1" strike="noStrike">
+            <a:endParaRPr lang="en-US" sz="2600" b="0" strike="noStrike" spc="-1">
               <a:latin typeface="Arial"/>
             </a:endParaRPr>
           </a:p>
@@ -5561,12 +6128,12 @@
       </p:sp>
       <p:pic>
         <p:nvPicPr>
-          <p:cNvPr id="136" name="Picture 4" descr=""/>
+          <p:cNvPr id="136" name="Picture 4"/>
           <p:cNvPicPr/>
           <p:nvPr/>
         </p:nvPicPr>
         <p:blipFill>
-          <a:blip r:embed="rId1"/>
+          <a:blip r:embed="rId2" cstate="print"/>
           <a:stretch/>
         </p:blipFill>
         <p:spPr>
@@ -5584,22 +6151,25 @@
       </p:pic>
     </p:spTree>
   </p:cSld>
+  <p:clrMapOvr>
+    <a:masterClrMapping/>
+  </p:clrMapOvr>
   <p:timing>
     <p:tnLst>
       <p:par>
-        <p:cTn id="27" dur="indefinite" restart="never" nodeType="tmRoot">
+        <p:cTn id="1" dur="indefinite" restart="never" nodeType="tmRoot">
           <p:childTnLst>
             <p:seq>
-              <p:cTn id="28" dur="indefinite" nodeType="mainSeq"/>
+              <p:cTn id="2" dur="indefinite" nodeType="mainSeq"/>
               <p:prevCondLst>
-                <p:cond delay="0" evt="onPrev">
+                <p:cond evt="onPrev" delay="0">
                   <p:tgtEl>
                     <p:sldTgt/>
                   </p:tgtEl>
                 </p:cond>
               </p:prevCondLst>
               <p:nextCondLst>
-                <p:cond delay="0" evt="onNext">
+                <p:cond evt="onNext" delay="0">
                   <p:tgtEl>
                     <p:sldTgt/>
                   </p:tgtEl>
@@ -5615,7 +6185,7 @@
 </file>
 
 <file path=ppt/slides/slide15.xml><?xml version="1.0" encoding="utf-8"?>
-<p:sld xmlns:a="http://schemas.openxmlformats.org/drawingml/2006/main" xmlns:p="http://schemas.openxmlformats.org/presentationml/2006/main" xmlns:r="http://schemas.openxmlformats.org/officeDocument/2006/relationships" xmlns:p14="http://schemas.microsoft.com/office/powerpoint/2010/main" xmlns:p15="http://schemas.microsoft.com/office/powerpoint/2012/main" xmlns:mc="http://schemas.openxmlformats.org/markup-compatibility/2006">
+<p:sld xmlns:a="http://schemas.openxmlformats.org/drawingml/2006/main" xmlns:r="http://schemas.openxmlformats.org/officeDocument/2006/relationships" xmlns:p="http://schemas.openxmlformats.org/presentationml/2006/main">
   <p:cSld>
     <p:spTree>
       <p:nvGrpSpPr>
@@ -5651,13 +6221,20 @@
           </a:ln>
         </p:spPr>
         <p:style>
-          <a:lnRef idx="0"/>
-          <a:fillRef idx="0"/>
-          <a:effectRef idx="0"/>
+          <a:lnRef idx="0">
+            <a:scrgbClr r="0" g="0" b="0"/>
+          </a:lnRef>
+          <a:fillRef idx="0">
+            <a:scrgbClr r="0" g="0" b="0"/>
+          </a:fillRef>
+          <a:effectRef idx="0">
+            <a:scrgbClr r="0" g="0" b="0"/>
+          </a:effectRef>
           <a:fontRef idx="minor"/>
         </p:style>
         <p:txBody>
-          <a:bodyPr lIns="0" rIns="0" tIns="0" bIns="0"/>
+          <a:bodyPr lIns="0" tIns="0" rIns="0" bIns="0"/>
+          <a:lstStyle/>
           <a:p>
             <a:pPr>
               <a:lnSpc>
@@ -5665,7 +6242,7 @@
               </a:lnSpc>
             </a:pPr>
             <a:r>
-              <a:rPr b="1" lang="en-US" sz="2600" spc="-1" strike="noStrike">
+              <a:rPr lang="en-US" sz="2600" b="1" strike="noStrike" spc="-1">
                 <a:solidFill>
                   <a:srgbClr val="000000"/>
                 </a:solidFill>
@@ -5673,7 +6250,7 @@
               </a:rPr>
               <a:t>Dane rastrowe</a:t>
             </a:r>
-            <a:endParaRPr b="0" lang="en-US" sz="2600" spc="-1" strike="noStrike">
+            <a:endParaRPr lang="en-US" sz="2600" b="0" strike="noStrike" spc="-1">
               <a:latin typeface="Arial"/>
             </a:endParaRPr>
           </a:p>
@@ -5699,13 +6276,20 @@
           </a:ln>
         </p:spPr>
         <p:style>
-          <a:lnRef idx="0"/>
-          <a:fillRef idx="0"/>
-          <a:effectRef idx="0"/>
+          <a:lnRef idx="0">
+            <a:scrgbClr r="0" g="0" b="0"/>
+          </a:lnRef>
+          <a:fillRef idx="0">
+            <a:scrgbClr r="0" g="0" b="0"/>
+          </a:fillRef>
+          <a:effectRef idx="0">
+            <a:scrgbClr r="0" g="0" b="0"/>
+          </a:effectRef>
           <a:fontRef idx="minor"/>
         </p:style>
         <p:txBody>
-          <a:bodyPr lIns="0" rIns="0" tIns="0" bIns="0"/>
+          <a:bodyPr lIns="0" tIns="0" rIns="0" bIns="0"/>
+          <a:lstStyle/>
           <a:p>
             <a:pPr marL="285840" indent="-285120">
               <a:lnSpc>
@@ -5721,16 +6305,43 @@
               <a:buChar char="•"/>
             </a:pPr>
             <a:r>
-              <a:rPr b="0" lang="en-US" sz="2000" spc="-1" strike="noStrike">
-                <a:solidFill>
-                  <a:srgbClr val="000000"/>
-                </a:solidFill>
-                <a:latin typeface="Imago"/>
-              </a:rPr>
-              <a:t>raster_filepath = </a:t>
-            </a:r>
-            <a:r>
-              <a:rPr b="1" lang="en-US" sz="2000" spc="-1" strike="noStrike">
+              <a:rPr lang="en-US" sz="2000" b="0" strike="noStrike" spc="-1" dirty="0" err="1">
+                <a:solidFill>
+                  <a:srgbClr val="000000"/>
+                </a:solidFill>
+                <a:latin typeface="Imago"/>
+              </a:rPr>
+              <a:t>raster_filepath</a:t>
+            </a:r>
+            <a:r>
+              <a:rPr lang="en-US" sz="2000" b="0" strike="noStrike" spc="-1" dirty="0">
+                <a:solidFill>
+                  <a:srgbClr val="000000"/>
+                </a:solidFill>
+                <a:latin typeface="Imago"/>
+              </a:rPr>
+              <a:t> </a:t>
+            </a:r>
+            <a:r>
+              <a:rPr lang="pl-PL" sz="2000" b="0" strike="noStrike" spc="-1" dirty="0" smtClean="0">
+                <a:solidFill>
+                  <a:srgbClr val="000000"/>
+                </a:solidFill>
+                <a:latin typeface="Imago"/>
+              </a:rPr>
+              <a:t>&lt;-</a:t>
+            </a:r>
+            <a:r>
+              <a:rPr lang="en-US" sz="2000" b="0" strike="noStrike" spc="-1" dirty="0" smtClean="0">
+                <a:solidFill>
+                  <a:srgbClr val="000000"/>
+                </a:solidFill>
+                <a:latin typeface="Imago"/>
+              </a:rPr>
+              <a:t> </a:t>
+            </a:r>
+            <a:r>
+              <a:rPr lang="en-US" sz="2000" b="1" strike="noStrike" spc="-1" dirty="0" err="1">
                 <a:solidFill>
                   <a:srgbClr val="000000"/>
                 </a:solidFill>
@@ -5739,15 +6350,33 @@
               <a:t>system.file</a:t>
             </a:r>
             <a:r>
-              <a:rPr b="0" lang="en-US" sz="2000" spc="-1" strike="noStrike">
-                <a:solidFill>
-                  <a:srgbClr val="000000"/>
-                </a:solidFill>
-                <a:latin typeface="Imago"/>
-              </a:rPr>
-              <a:t>("raster/srtm.tif", package = "spDataLarge")</a:t>
-            </a:r>
-            <a:endParaRPr b="0" lang="en-US" sz="2000" spc="-1" strike="noStrike">
+              <a:rPr lang="en-US" sz="2000" b="0" strike="noStrike" spc="-1" dirty="0">
+                <a:solidFill>
+                  <a:srgbClr val="000000"/>
+                </a:solidFill>
+                <a:latin typeface="Imago"/>
+              </a:rPr>
+              <a:t>("raster/srtm.tif", package = "</a:t>
+            </a:r>
+            <a:r>
+              <a:rPr lang="en-US" sz="2000" b="0" strike="noStrike" spc="-1" dirty="0" err="1">
+                <a:solidFill>
+                  <a:srgbClr val="000000"/>
+                </a:solidFill>
+                <a:latin typeface="Imago"/>
+              </a:rPr>
+              <a:t>spDataLarge</a:t>
+            </a:r>
+            <a:r>
+              <a:rPr lang="en-US" sz="2000" b="0" strike="noStrike" spc="-1" dirty="0">
+                <a:solidFill>
+                  <a:srgbClr val="000000"/>
+                </a:solidFill>
+                <a:latin typeface="Imago"/>
+              </a:rPr>
+              <a:t>")</a:t>
+            </a:r>
+            <a:endParaRPr lang="en-US" sz="2000" b="0" strike="noStrike" spc="-1" dirty="0">
               <a:latin typeface="Arial"/>
             </a:endParaRPr>
           </a:p>
@@ -5766,16 +6395,43 @@
               <a:buChar char="•"/>
             </a:pPr>
             <a:r>
-              <a:rPr b="0" lang="en-US" sz="2000" spc="-1" strike="noStrike">
-                <a:solidFill>
-                  <a:srgbClr val="000000"/>
-                </a:solidFill>
-                <a:latin typeface="Imago"/>
-              </a:rPr>
-              <a:t>new_raster = </a:t>
-            </a:r>
-            <a:r>
-              <a:rPr b="1" lang="en-US" sz="2000" spc="-1" strike="noStrike">
+              <a:rPr lang="en-US" sz="2000" b="0" strike="noStrike" spc="-1" dirty="0" err="1">
+                <a:solidFill>
+                  <a:srgbClr val="000000"/>
+                </a:solidFill>
+                <a:latin typeface="Imago"/>
+              </a:rPr>
+              <a:t>new_raster</a:t>
+            </a:r>
+            <a:r>
+              <a:rPr lang="en-US" sz="2000" b="0" strike="noStrike" spc="-1" dirty="0">
+                <a:solidFill>
+                  <a:srgbClr val="000000"/>
+                </a:solidFill>
+                <a:latin typeface="Imago"/>
+              </a:rPr>
+              <a:t> </a:t>
+            </a:r>
+            <a:r>
+              <a:rPr lang="pl-PL" sz="2000" b="0" strike="noStrike" spc="-1" dirty="0" smtClean="0">
+                <a:solidFill>
+                  <a:srgbClr val="000000"/>
+                </a:solidFill>
+                <a:latin typeface="Imago"/>
+              </a:rPr>
+              <a:t>&lt;-</a:t>
+            </a:r>
+            <a:r>
+              <a:rPr lang="en-US" sz="2000" b="0" strike="noStrike" spc="-1" dirty="0" smtClean="0">
+                <a:solidFill>
+                  <a:srgbClr val="000000"/>
+                </a:solidFill>
+                <a:latin typeface="Imago"/>
+              </a:rPr>
+              <a:t> </a:t>
+            </a:r>
+            <a:r>
+              <a:rPr lang="en-US" sz="2000" b="1" strike="noStrike" spc="-1" dirty="0">
                 <a:solidFill>
                   <a:srgbClr val="000000"/>
                 </a:solidFill>
@@ -5784,15 +6440,33 @@
               <a:t>raster</a:t>
             </a:r>
             <a:r>
-              <a:rPr b="0" lang="en-US" sz="2000" spc="-1" strike="noStrike">
-                <a:solidFill>
-                  <a:srgbClr val="000000"/>
-                </a:solidFill>
-                <a:latin typeface="Imago"/>
-              </a:rPr>
-              <a:t>(raster_filepath)</a:t>
-            </a:r>
-            <a:endParaRPr b="0" lang="en-US" sz="2000" spc="-1" strike="noStrike">
+              <a:rPr lang="en-US" sz="2000" b="0" strike="noStrike" spc="-1" dirty="0">
+                <a:solidFill>
+                  <a:srgbClr val="000000"/>
+                </a:solidFill>
+                <a:latin typeface="Imago"/>
+              </a:rPr>
+              <a:t>(</a:t>
+            </a:r>
+            <a:r>
+              <a:rPr lang="en-US" sz="2000" b="0" strike="noStrike" spc="-1" dirty="0" err="1">
+                <a:solidFill>
+                  <a:srgbClr val="000000"/>
+                </a:solidFill>
+                <a:latin typeface="Imago"/>
+              </a:rPr>
+              <a:t>raster_filepath</a:t>
+            </a:r>
+            <a:r>
+              <a:rPr lang="en-US" sz="2000" b="0" strike="noStrike" spc="-1" dirty="0">
+                <a:solidFill>
+                  <a:srgbClr val="000000"/>
+                </a:solidFill>
+                <a:latin typeface="Imago"/>
+              </a:rPr>
+              <a:t>)</a:t>
+            </a:r>
+            <a:endParaRPr lang="en-US" sz="2000" b="0" strike="noStrike" spc="-1" dirty="0">
               <a:latin typeface="Arial"/>
             </a:endParaRPr>
           </a:p>
@@ -5811,7 +6485,7 @@
               <a:buChar char="•"/>
             </a:pPr>
             <a:r>
-              <a:rPr b="0" lang="en-US" sz="2000" spc="-1" strike="noStrike">
+              <a:rPr lang="en-US" sz="2000" b="0" strike="noStrike" spc="-1" dirty="0" err="1">
                 <a:solidFill>
                   <a:srgbClr val="000000"/>
                 </a:solidFill>
@@ -5819,7 +6493,7 @@
               </a:rPr>
               <a:t>new_raster</a:t>
             </a:r>
-            <a:endParaRPr b="0" lang="en-US" sz="2000" spc="-1" strike="noStrike">
+            <a:endParaRPr lang="en-US" sz="2000" b="0" strike="noStrike" spc="-1" dirty="0">
               <a:latin typeface="Arial"/>
             </a:endParaRPr>
           </a:p>
@@ -5838,15 +6512,24 @@
               <a:buChar char="•"/>
             </a:pPr>
             <a:r>
-              <a:rPr b="0" lang="en-US" sz="2000" spc="-1" strike="noStrike">
-                <a:solidFill>
-                  <a:srgbClr val="000000"/>
-                </a:solidFill>
-                <a:latin typeface="Imago"/>
-              </a:rPr>
-              <a:t>new_raster[ ]</a:t>
-            </a:r>
-            <a:endParaRPr b="0" lang="en-US" sz="2000" spc="-1" strike="noStrike">
+              <a:rPr lang="en-US" sz="2000" b="0" strike="noStrike" spc="-1" dirty="0" err="1">
+                <a:solidFill>
+                  <a:srgbClr val="000000"/>
+                </a:solidFill>
+                <a:latin typeface="Imago"/>
+              </a:rPr>
+              <a:t>new_raster</a:t>
+            </a:r>
+            <a:r>
+              <a:rPr lang="en-US" sz="2000" b="0" strike="noStrike" spc="-1" dirty="0">
+                <a:solidFill>
+                  <a:srgbClr val="000000"/>
+                </a:solidFill>
+                <a:latin typeface="Imago"/>
+              </a:rPr>
+              <a:t>[ ]</a:t>
+            </a:r>
+            <a:endParaRPr lang="en-US" sz="2000" b="0" strike="noStrike" spc="-1" dirty="0">
               <a:latin typeface="Arial"/>
             </a:endParaRPr>
           </a:p>
@@ -5865,7 +6548,7 @@
               <a:buChar char="•"/>
             </a:pPr>
             <a:r>
-              <a:rPr b="1" lang="en-US" sz="2000" spc="-1" strike="noStrike">
+              <a:rPr lang="en-US" sz="2000" b="1" strike="noStrike" spc="-1" dirty="0">
                 <a:solidFill>
                   <a:srgbClr val="000000"/>
                 </a:solidFill>
@@ -5874,17 +6557,41 @@
               <a:t>plot</a:t>
             </a:r>
             <a:r>
-              <a:rPr b="0" lang="en-US" sz="2000" spc="-1" strike="noStrike">
-                <a:solidFill>
-                  <a:srgbClr val="000000"/>
-                </a:solidFill>
-                <a:latin typeface="Imago"/>
-              </a:rPr>
-              <a:t>(new_raster)</a:t>
-            </a:r>
-            <a:br/>
-            <a:r>
-              <a:rPr b="0" lang="en-US" sz="2000" spc="-1" strike="noStrike">
+              <a:rPr lang="en-US" sz="2000" b="0" strike="noStrike" spc="-1" dirty="0">
+                <a:solidFill>
+                  <a:srgbClr val="000000"/>
+                </a:solidFill>
+                <a:latin typeface="Imago"/>
+              </a:rPr>
+              <a:t>(</a:t>
+            </a:r>
+            <a:r>
+              <a:rPr lang="en-US" sz="2000" b="0" strike="noStrike" spc="-1" dirty="0" err="1">
+                <a:solidFill>
+                  <a:srgbClr val="000000"/>
+                </a:solidFill>
+                <a:latin typeface="Imago"/>
+              </a:rPr>
+              <a:t>new_raster</a:t>
+            </a:r>
+            <a:r>
+              <a:rPr lang="en-US" sz="2000" b="0" strike="noStrike" spc="-1" dirty="0">
+                <a:solidFill>
+                  <a:srgbClr val="000000"/>
+                </a:solidFill>
+                <a:latin typeface="Imago"/>
+              </a:rPr>
+              <a:t>)</a:t>
+            </a:r>
+            <a:r>
+              <a:rPr dirty="0"/>
+              <a:t/>
+            </a:r>
+            <a:br>
+              <a:rPr dirty="0"/>
+            </a:br>
+            <a:r>
+              <a:rPr lang="en-US" sz="2000" b="0" strike="noStrike" spc="-1" dirty="0">
                 <a:solidFill>
                   <a:srgbClr val="000000"/>
                 </a:solidFill>
@@ -5892,7 +6599,7 @@
               </a:rPr>
               <a:t> </a:t>
             </a:r>
-            <a:endParaRPr b="0" lang="en-US" sz="2000" spc="-1" strike="noStrike">
+            <a:endParaRPr lang="en-US" sz="2000" b="0" strike="noStrike" spc="-1" dirty="0">
               <a:latin typeface="Arial"/>
             </a:endParaRPr>
           </a:p>
@@ -5900,22 +6607,25 @@
       </p:sp>
     </p:spTree>
   </p:cSld>
+  <p:clrMapOvr>
+    <a:masterClrMapping/>
+  </p:clrMapOvr>
   <p:timing>
     <p:tnLst>
       <p:par>
-        <p:cTn id="29" dur="indefinite" restart="never" nodeType="tmRoot">
+        <p:cTn id="1" dur="indefinite" restart="never" nodeType="tmRoot">
           <p:childTnLst>
             <p:seq>
-              <p:cTn id="30" dur="indefinite" nodeType="mainSeq"/>
+              <p:cTn id="2" dur="indefinite" nodeType="mainSeq"/>
               <p:prevCondLst>
-                <p:cond delay="0" evt="onPrev">
+                <p:cond evt="onPrev" delay="0">
                   <p:tgtEl>
                     <p:sldTgt/>
                   </p:tgtEl>
                 </p:cond>
               </p:prevCondLst>
               <p:nextCondLst>
-                <p:cond delay="0" evt="onNext">
+                <p:cond evt="onNext" delay="0">
                   <p:tgtEl>
                     <p:sldTgt/>
                   </p:tgtEl>
@@ -5931,7 +6641,7 @@
 </file>
 
 <file path=ppt/slides/slide16.xml><?xml version="1.0" encoding="utf-8"?>
-<p:sld xmlns:a="http://schemas.openxmlformats.org/drawingml/2006/main" xmlns:p="http://schemas.openxmlformats.org/presentationml/2006/main" xmlns:r="http://schemas.openxmlformats.org/officeDocument/2006/relationships" xmlns:p14="http://schemas.microsoft.com/office/powerpoint/2010/main" xmlns:p15="http://schemas.microsoft.com/office/powerpoint/2012/main" xmlns:mc="http://schemas.openxmlformats.org/markup-compatibility/2006">
+<p:sld xmlns:a="http://schemas.openxmlformats.org/drawingml/2006/main" xmlns:r="http://schemas.openxmlformats.org/officeDocument/2006/relationships" xmlns:p="http://schemas.openxmlformats.org/presentationml/2006/main">
   <p:cSld>
     <p:spTree>
       <p:nvGrpSpPr>
@@ -5967,13 +6677,20 @@
           </a:ln>
         </p:spPr>
         <p:style>
-          <a:lnRef idx="0"/>
-          <a:fillRef idx="0"/>
-          <a:effectRef idx="0"/>
+          <a:lnRef idx="0">
+            <a:scrgbClr r="0" g="0" b="0"/>
+          </a:lnRef>
+          <a:fillRef idx="0">
+            <a:scrgbClr r="0" g="0" b="0"/>
+          </a:fillRef>
+          <a:effectRef idx="0">
+            <a:scrgbClr r="0" g="0" b="0"/>
+          </a:effectRef>
           <a:fontRef idx="minor"/>
         </p:style>
         <p:txBody>
-          <a:bodyPr lIns="0" rIns="0" tIns="0" bIns="0"/>
+          <a:bodyPr lIns="0" tIns="0" rIns="0" bIns="0"/>
+          <a:lstStyle/>
           <a:p>
             <a:pPr>
               <a:lnSpc>
@@ -5981,7 +6698,7 @@
               </a:lnSpc>
             </a:pPr>
             <a:r>
-              <a:rPr b="1" lang="en-US" sz="2600" spc="-1" strike="noStrike">
+              <a:rPr lang="en-US" sz="2600" b="1" strike="noStrike" spc="-1">
                 <a:solidFill>
                   <a:srgbClr val="000000"/>
                 </a:solidFill>
@@ -5989,7 +6706,7 @@
               </a:rPr>
               <a:t>Zadanie</a:t>
             </a:r>
-            <a:endParaRPr b="0" lang="en-US" sz="2600" spc="-1" strike="noStrike">
+            <a:endParaRPr lang="en-US" sz="2600" b="0" strike="noStrike" spc="-1">
               <a:latin typeface="Arial"/>
             </a:endParaRPr>
           </a:p>
@@ -6015,13 +6732,20 @@
           </a:ln>
         </p:spPr>
         <p:style>
-          <a:lnRef idx="0"/>
-          <a:fillRef idx="0"/>
-          <a:effectRef idx="0"/>
+          <a:lnRef idx="0">
+            <a:scrgbClr r="0" g="0" b="0"/>
+          </a:lnRef>
+          <a:fillRef idx="0">
+            <a:scrgbClr r="0" g="0" b="0"/>
+          </a:fillRef>
+          <a:effectRef idx="0">
+            <a:scrgbClr r="0" g="0" b="0"/>
+          </a:effectRef>
           <a:fontRef idx="minor"/>
         </p:style>
         <p:txBody>
-          <a:bodyPr lIns="0" rIns="0" tIns="0" bIns="0"/>
+          <a:bodyPr lIns="0" tIns="0" rIns="0" bIns="0"/>
+          <a:lstStyle/>
           <a:p>
             <a:pPr marL="285840" indent="-285120">
               <a:lnSpc>
@@ -6037,7 +6761,7 @@
               <a:buChar char="•"/>
             </a:pPr>
             <a:r>
-              <a:rPr b="0" lang="en-US" sz="2000" spc="-1" strike="noStrike">
+              <a:rPr lang="en-US" sz="2000" b="0" strike="noStrike" spc="-1">
                 <a:solidFill>
                   <a:srgbClr val="000000"/>
                 </a:solidFill>
@@ -6045,7 +6769,7 @@
               </a:rPr>
               <a:t>Jaka jest maksymalna wysokość w danym obrazie rastrowym?</a:t>
             </a:r>
-            <a:endParaRPr b="0" lang="en-US" sz="2000" spc="-1" strike="noStrike">
+            <a:endParaRPr lang="en-US" sz="2000" b="0" strike="noStrike" spc="-1">
               <a:latin typeface="Arial"/>
             </a:endParaRPr>
           </a:p>
@@ -6064,7 +6788,7 @@
               <a:buChar char="•"/>
             </a:pPr>
             <a:r>
-              <a:rPr b="0" lang="en-US" sz="2000" spc="-1" strike="noStrike">
+              <a:rPr lang="en-US" sz="2000" b="0" strike="noStrike" spc="-1">
                 <a:solidFill>
                   <a:srgbClr val="000000"/>
                 </a:solidFill>
@@ -6072,7 +6796,7 @@
               </a:rPr>
               <a:t>Jaki jest rozkład wartości obrazu rastrowego (histogram)?</a:t>
             </a:r>
-            <a:endParaRPr b="0" lang="en-US" sz="2000" spc="-1" strike="noStrike">
+            <a:endParaRPr lang="en-US" sz="2000" b="0" strike="noStrike" spc="-1">
               <a:latin typeface="Arial"/>
             </a:endParaRPr>
           </a:p>
@@ -6085,7 +6809,7 @@
                 <a:spcPts val="1500"/>
               </a:spcBef>
             </a:pPr>
-            <a:endParaRPr b="0" lang="en-US" sz="2000" spc="-1" strike="noStrike">
+            <a:endParaRPr lang="en-US" sz="2000" b="0" strike="noStrike" spc="-1">
               <a:latin typeface="Arial"/>
             </a:endParaRPr>
           </a:p>
@@ -6093,22 +6817,25 @@
       </p:sp>
     </p:spTree>
   </p:cSld>
+  <p:clrMapOvr>
+    <a:masterClrMapping/>
+  </p:clrMapOvr>
   <p:timing>
     <p:tnLst>
       <p:par>
-        <p:cTn id="31" dur="indefinite" restart="never" nodeType="tmRoot">
+        <p:cTn id="1" dur="indefinite" restart="never" nodeType="tmRoot">
           <p:childTnLst>
             <p:seq>
-              <p:cTn id="32" dur="indefinite" nodeType="mainSeq"/>
+              <p:cTn id="2" dur="indefinite" nodeType="mainSeq"/>
               <p:prevCondLst>
-                <p:cond delay="0" evt="onPrev">
+                <p:cond evt="onPrev" delay="0">
                   <p:tgtEl>
                     <p:sldTgt/>
                   </p:tgtEl>
                 </p:cond>
               </p:prevCondLst>
               <p:nextCondLst>
-                <p:cond delay="0" evt="onNext">
+                <p:cond evt="onNext" delay="0">
                   <p:tgtEl>
                     <p:sldTgt/>
                   </p:tgtEl>
@@ -6124,7 +6851,7 @@
 </file>
 
 <file path=ppt/slides/slide17.xml><?xml version="1.0" encoding="utf-8"?>
-<p:sld xmlns:a="http://schemas.openxmlformats.org/drawingml/2006/main" xmlns:p="http://schemas.openxmlformats.org/presentationml/2006/main" xmlns:r="http://schemas.openxmlformats.org/officeDocument/2006/relationships" xmlns:p14="http://schemas.microsoft.com/office/powerpoint/2010/main" xmlns:p15="http://schemas.microsoft.com/office/powerpoint/2012/main" xmlns:mc="http://schemas.openxmlformats.org/markup-compatibility/2006">
+<p:sld xmlns:a="http://schemas.openxmlformats.org/drawingml/2006/main" xmlns:r="http://schemas.openxmlformats.org/officeDocument/2006/relationships" xmlns:p="http://schemas.openxmlformats.org/presentationml/2006/main">
   <p:cSld>
     <p:spTree>
       <p:nvGrpSpPr>
@@ -6162,9 +6889,15 @@
           </a:ln>
         </p:spPr>
         <p:style>
-          <a:lnRef idx="0"/>
-          <a:fillRef idx="0"/>
-          <a:effectRef idx="0"/>
+          <a:lnRef idx="0">
+            <a:scrgbClr r="0" g="0" b="0"/>
+          </a:lnRef>
+          <a:fillRef idx="0">
+            <a:scrgbClr r="0" g="0" b="0"/>
+          </a:fillRef>
+          <a:effectRef idx="0">
+            <a:scrgbClr r="0" g="0" b="0"/>
+          </a:effectRef>
           <a:fontRef idx="minor"/>
         </p:style>
       </p:sp>
@@ -6188,13 +6921,20 @@
           </a:ln>
         </p:spPr>
         <p:style>
-          <a:lnRef idx="0"/>
-          <a:fillRef idx="0"/>
-          <a:effectRef idx="0"/>
+          <a:lnRef idx="0">
+            <a:scrgbClr r="0" g="0" b="0"/>
+          </a:lnRef>
+          <a:fillRef idx="0">
+            <a:scrgbClr r="0" g="0" b="0"/>
+          </a:fillRef>
+          <a:effectRef idx="0">
+            <a:scrgbClr r="0" g="0" b="0"/>
+          </a:effectRef>
           <a:fontRef idx="minor"/>
         </p:style>
         <p:txBody>
-          <a:bodyPr lIns="0" rIns="0" tIns="0" bIns="0" anchor="ctr"/>
+          <a:bodyPr lIns="0" tIns="0" rIns="0" bIns="0" anchor="ctr"/>
+          <a:lstStyle/>
           <a:p>
             <a:pPr algn="ctr">
               <a:lnSpc>
@@ -6205,15 +6945,15 @@
               </a:spcBef>
             </a:pPr>
             <a:r>
-              <a:rPr b="1" i="1" lang="en-US" sz="6100" spc="-1" strike="noStrike">
-                <a:solidFill>
-                  <a:srgbClr val="0082da"/>
+              <a:rPr lang="en-US" sz="6100" b="1" i="1" strike="noStrike" spc="-1">
+                <a:solidFill>
+                  <a:srgbClr val="0082DA"/>
                 </a:solidFill>
                 <a:latin typeface="Minion"/>
               </a:rPr>
               <a:t>Doing now what patients need next</a:t>
             </a:r>
-            <a:endParaRPr b="0" lang="en-US" sz="6100" spc="-1" strike="noStrike">
+            <a:endParaRPr lang="en-US" sz="6100" b="0" strike="noStrike" spc="-1">
               <a:latin typeface="Arial"/>
             </a:endParaRPr>
           </a:p>
@@ -6239,30 +6979,39 @@
           </a:ln>
         </p:spPr>
         <p:style>
-          <a:lnRef idx="0"/>
-          <a:fillRef idx="0"/>
-          <a:effectRef idx="0"/>
+          <a:lnRef idx="0">
+            <a:scrgbClr r="0" g="0" b="0"/>
+          </a:lnRef>
+          <a:fillRef idx="0">
+            <a:scrgbClr r="0" g="0" b="0"/>
+          </a:fillRef>
+          <a:effectRef idx="0">
+            <a:scrgbClr r="0" g="0" b="0"/>
+          </a:effectRef>
           <a:fontRef idx="minor"/>
         </p:style>
       </p:sp>
     </p:spTree>
   </p:cSld>
+  <p:clrMapOvr>
+    <a:masterClrMapping/>
+  </p:clrMapOvr>
   <p:timing>
     <p:tnLst>
       <p:par>
-        <p:cTn id="33" dur="indefinite" restart="never" nodeType="tmRoot">
+        <p:cTn id="1" dur="indefinite" restart="never" nodeType="tmRoot">
           <p:childTnLst>
             <p:seq>
-              <p:cTn id="34" dur="indefinite" nodeType="mainSeq"/>
+              <p:cTn id="2" dur="indefinite" nodeType="mainSeq"/>
               <p:prevCondLst>
-                <p:cond delay="0" evt="onPrev">
+                <p:cond evt="onPrev" delay="0">
                   <p:tgtEl>
                     <p:sldTgt/>
                   </p:tgtEl>
                 </p:cond>
               </p:prevCondLst>
               <p:nextCondLst>
-                <p:cond delay="0" evt="onNext">
+                <p:cond evt="onNext" delay="0">
                   <p:tgtEl>
                     <p:sldTgt/>
                   </p:tgtEl>
@@ -6278,7 +7027,7 @@
 </file>
 
 <file path=ppt/slides/slide2.xml><?xml version="1.0" encoding="utf-8"?>
-<p:sld xmlns:a="http://schemas.openxmlformats.org/drawingml/2006/main" xmlns:p="http://schemas.openxmlformats.org/presentationml/2006/main" xmlns:r="http://schemas.openxmlformats.org/officeDocument/2006/relationships" xmlns:p14="http://schemas.microsoft.com/office/powerpoint/2010/main" xmlns:p15="http://schemas.microsoft.com/office/powerpoint/2012/main" xmlns:mc="http://schemas.openxmlformats.org/markup-compatibility/2006">
+<p:sld xmlns:a="http://schemas.openxmlformats.org/drawingml/2006/main" xmlns:r="http://schemas.openxmlformats.org/officeDocument/2006/relationships" xmlns:p="http://schemas.openxmlformats.org/presentationml/2006/main">
   <p:cSld>
     <p:spTree>
       <p:nvGrpSpPr>
@@ -6314,13 +7063,20 @@
           </a:ln>
         </p:spPr>
         <p:style>
-          <a:lnRef idx="0"/>
-          <a:fillRef idx="0"/>
-          <a:effectRef idx="0"/>
+          <a:lnRef idx="0">
+            <a:scrgbClr r="0" g="0" b="0"/>
+          </a:lnRef>
+          <a:fillRef idx="0">
+            <a:scrgbClr r="0" g="0" b="0"/>
+          </a:fillRef>
+          <a:effectRef idx="0">
+            <a:scrgbClr r="0" g="0" b="0"/>
+          </a:effectRef>
           <a:fontRef idx="minor"/>
         </p:style>
         <p:txBody>
-          <a:bodyPr lIns="0" rIns="0" tIns="0" bIns="0"/>
+          <a:bodyPr lIns="0" tIns="0" rIns="0" bIns="0"/>
+          <a:lstStyle/>
           <a:p>
             <a:pPr>
               <a:lnSpc>
@@ -6328,7 +7084,7 @@
               </a:lnSpc>
             </a:pPr>
             <a:r>
-              <a:rPr b="1" lang="en-US" sz="2600" spc="-1" strike="noStrike">
+              <a:rPr lang="en-US" sz="2600" b="1" strike="noStrike" spc="-1">
                 <a:solidFill>
                   <a:srgbClr val="000000"/>
                 </a:solidFill>
@@ -6336,7 +7092,7 @@
               </a:rPr>
               <a:t>Who am I?</a:t>
             </a:r>
-            <a:endParaRPr b="0" lang="en-US" sz="2600" spc="-1" strike="noStrike">
+            <a:endParaRPr lang="en-US" sz="2600" b="0" strike="noStrike" spc="-1">
               <a:latin typeface="Arial"/>
             </a:endParaRPr>
           </a:p>
@@ -6362,13 +7118,20 @@
           </a:ln>
         </p:spPr>
         <p:style>
-          <a:lnRef idx="0"/>
-          <a:fillRef idx="0"/>
-          <a:effectRef idx="0"/>
+          <a:lnRef idx="0">
+            <a:scrgbClr r="0" g="0" b="0"/>
+          </a:lnRef>
+          <a:fillRef idx="0">
+            <a:scrgbClr r="0" g="0" b="0"/>
+          </a:fillRef>
+          <a:effectRef idx="0">
+            <a:scrgbClr r="0" g="0" b="0"/>
+          </a:effectRef>
           <a:fontRef idx="minor"/>
         </p:style>
         <p:txBody>
-          <a:bodyPr lIns="0" rIns="0" tIns="0" bIns="0"/>
+          <a:bodyPr lIns="0" tIns="0" rIns="0" bIns="0"/>
+          <a:lstStyle/>
           <a:p>
             <a:pPr>
               <a:lnSpc>
@@ -6378,7 +7141,7 @@
                 <a:spcPts val="1500"/>
               </a:spcBef>
             </a:pPr>
-            <a:endParaRPr b="0" lang="en-US" sz="1800" spc="-1" strike="noStrike">
+            <a:endParaRPr lang="en-US" sz="1800" b="0" strike="noStrike" spc="-1">
               <a:latin typeface="Arial"/>
             </a:endParaRPr>
           </a:p>
@@ -6391,7 +7154,7 @@
                 <a:spcPts val="1500"/>
               </a:spcBef>
             </a:pPr>
-            <a:endParaRPr b="0" lang="en-US" sz="1800" spc="-1" strike="noStrike">
+            <a:endParaRPr lang="en-US" sz="1800" b="0" strike="noStrike" spc="-1">
               <a:latin typeface="Arial"/>
             </a:endParaRPr>
           </a:p>
@@ -6404,7 +7167,7 @@
                 <a:spcPts val="1500"/>
               </a:spcBef>
             </a:pPr>
-            <a:endParaRPr b="0" lang="en-US" sz="1800" spc="-1" strike="noStrike">
+            <a:endParaRPr lang="en-US" sz="1800" b="0" strike="noStrike" spc="-1">
               <a:latin typeface="Arial"/>
             </a:endParaRPr>
           </a:p>
@@ -6417,7 +7180,7 @@
                 <a:spcPts val="1500"/>
               </a:spcBef>
             </a:pPr>
-            <a:endParaRPr b="0" lang="en-US" sz="1800" spc="-1" strike="noStrike">
+            <a:endParaRPr lang="en-US" sz="1800" b="0" strike="noStrike" spc="-1">
               <a:latin typeface="Arial"/>
             </a:endParaRPr>
           </a:p>
@@ -6430,7 +7193,7 @@
                 <a:spcPts val="1500"/>
               </a:spcBef>
             </a:pPr>
-            <a:endParaRPr b="0" lang="en-US" sz="1800" spc="-1" strike="noStrike">
+            <a:endParaRPr lang="en-US" sz="1800" b="0" strike="noStrike" spc="-1">
               <a:latin typeface="Arial"/>
             </a:endParaRPr>
           </a:p>
@@ -6443,7 +7206,7 @@
                 <a:spcPts val="1500"/>
               </a:spcBef>
             </a:pPr>
-            <a:endParaRPr b="0" lang="en-US" sz="1800" spc="-1" strike="noStrike">
+            <a:endParaRPr lang="en-US" sz="1800" b="0" strike="noStrike" spc="-1">
               <a:latin typeface="Arial"/>
             </a:endParaRPr>
           </a:p>
@@ -6456,7 +7219,7 @@
                 <a:spcPts val="1500"/>
               </a:spcBef>
             </a:pPr>
-            <a:endParaRPr b="0" lang="en-US" sz="1800" spc="-1" strike="noStrike">
+            <a:endParaRPr lang="en-US" sz="1800" b="0" strike="noStrike" spc="-1">
               <a:latin typeface="Arial"/>
             </a:endParaRPr>
           </a:p>
@@ -6475,7 +7238,7 @@
               <a:buChar char="•"/>
             </a:pPr>
             <a:r>
-              <a:rPr b="0" lang="en-US" sz="2000" spc="-1" strike="noStrike">
+              <a:rPr lang="en-US" sz="2000" b="0" strike="noStrike" spc="-1">
                 <a:solidFill>
                   <a:srgbClr val="000000"/>
                 </a:solidFill>
@@ -6483,7 +7246,7 @@
               </a:rPr>
               <a:t>Kontakt:</a:t>
             </a:r>
-            <a:endParaRPr b="0" lang="en-US" sz="2000" spc="-1" strike="noStrike">
+            <a:endParaRPr lang="en-US" sz="2000" b="0" strike="noStrike" spc="-1">
               <a:latin typeface="Arial"/>
             </a:endParaRPr>
           </a:p>
@@ -6497,7 +7260,7 @@
               </a:spcBef>
             </a:pPr>
             <a:r>
-              <a:rPr b="0" lang="en-US" sz="2000" spc="-1" strike="noStrike">
+              <a:rPr lang="en-US" sz="2000" b="0" strike="noStrike" spc="-1">
                 <a:solidFill>
                   <a:srgbClr val="000000"/>
                 </a:solidFill>
@@ -6505,7 +7268,7 @@
               </a:rPr>
               <a:t>adam.dabrowski@amu.edu.pl</a:t>
             </a:r>
-            <a:endParaRPr b="0" lang="en-US" sz="2000" spc="-1" strike="noStrike">
+            <a:endParaRPr lang="en-US" sz="2000" b="0" strike="noStrike" spc="-1">
               <a:latin typeface="Arial"/>
             </a:endParaRPr>
           </a:p>
@@ -6513,12 +7276,12 @@
       </p:sp>
       <p:pic>
         <p:nvPicPr>
-          <p:cNvPr id="106" name="Picture 3" descr=""/>
+          <p:cNvPr id="106" name="Picture 3"/>
           <p:cNvPicPr/>
           <p:nvPr/>
         </p:nvPicPr>
         <p:blipFill>
-          <a:blip r:embed="rId1"/>
+          <a:blip r:embed="rId2" cstate="print"/>
           <a:srcRect l="23680" t="18573" r="23680" b="18573"/>
           <a:stretch/>
         </p:blipFill>
@@ -6537,12 +7300,12 @@
       </p:pic>
       <p:pic>
         <p:nvPicPr>
-          <p:cNvPr id="107" name="Picture 4" descr=""/>
+          <p:cNvPr id="107" name="Picture 4"/>
           <p:cNvPicPr/>
           <p:nvPr/>
         </p:nvPicPr>
         <p:blipFill>
-          <a:blip r:embed="rId2"/>
+          <a:blip r:embed="rId3" cstate="print"/>
           <a:stretch/>
         </p:blipFill>
         <p:spPr>
@@ -6560,22 +7323,25 @@
       </p:pic>
     </p:spTree>
   </p:cSld>
+  <p:clrMapOvr>
+    <a:masterClrMapping/>
+  </p:clrMapOvr>
   <p:timing>
     <p:tnLst>
       <p:par>
-        <p:cTn id="3" dur="indefinite" restart="never" nodeType="tmRoot">
+        <p:cTn id="1" dur="indefinite" restart="never" nodeType="tmRoot">
           <p:childTnLst>
             <p:seq>
-              <p:cTn id="4" dur="indefinite" nodeType="mainSeq"/>
+              <p:cTn id="2" dur="indefinite" nodeType="mainSeq"/>
               <p:prevCondLst>
-                <p:cond delay="0" evt="onPrev">
+                <p:cond evt="onPrev" delay="0">
                   <p:tgtEl>
                     <p:sldTgt/>
                   </p:tgtEl>
                 </p:cond>
               </p:prevCondLst>
               <p:nextCondLst>
-                <p:cond delay="0" evt="onNext">
+                <p:cond evt="onNext" delay="0">
                   <p:tgtEl>
                     <p:sldTgt/>
                   </p:tgtEl>
@@ -6591,7 +7357,7 @@
 </file>
 
 <file path=ppt/slides/slide3.xml><?xml version="1.0" encoding="utf-8"?>
-<p:sld xmlns:a="http://schemas.openxmlformats.org/drawingml/2006/main" xmlns:p="http://schemas.openxmlformats.org/presentationml/2006/main" xmlns:r="http://schemas.openxmlformats.org/officeDocument/2006/relationships" xmlns:p14="http://schemas.microsoft.com/office/powerpoint/2010/main" xmlns:p15="http://schemas.microsoft.com/office/powerpoint/2012/main" xmlns:mc="http://schemas.openxmlformats.org/markup-compatibility/2006">
+<p:sld xmlns:a="http://schemas.openxmlformats.org/drawingml/2006/main" xmlns:r="http://schemas.openxmlformats.org/officeDocument/2006/relationships" xmlns:p="http://schemas.openxmlformats.org/presentationml/2006/main">
   <p:cSld>
     <p:spTree>
       <p:nvGrpSpPr>
@@ -6627,13 +7393,20 @@
           </a:ln>
         </p:spPr>
         <p:style>
-          <a:lnRef idx="0"/>
-          <a:fillRef idx="0"/>
-          <a:effectRef idx="0"/>
+          <a:lnRef idx="0">
+            <a:scrgbClr r="0" g="0" b="0"/>
+          </a:lnRef>
+          <a:fillRef idx="0">
+            <a:scrgbClr r="0" g="0" b="0"/>
+          </a:fillRef>
+          <a:effectRef idx="0">
+            <a:scrgbClr r="0" g="0" b="0"/>
+          </a:effectRef>
           <a:fontRef idx="minor"/>
         </p:style>
         <p:txBody>
-          <a:bodyPr lIns="0" rIns="0" tIns="0" bIns="0"/>
+          <a:bodyPr lIns="0" tIns="0" rIns="0" bIns="0"/>
+          <a:lstStyle/>
           <a:p>
             <a:pPr>
               <a:lnSpc>
@@ -6641,7 +7414,7 @@
               </a:lnSpc>
             </a:pPr>
             <a:r>
-              <a:rPr b="1" lang="en-US" sz="2600" spc="-1" strike="noStrike">
+              <a:rPr lang="en-US" sz="2600" b="1" strike="noStrike" spc="-1">
                 <a:solidFill>
                   <a:srgbClr val="000000"/>
                 </a:solidFill>
@@ -6649,7 +7422,7 @@
               </a:rPr>
               <a:t>Who are You?</a:t>
             </a:r>
-            <a:endParaRPr b="0" lang="en-US" sz="2600" spc="-1" strike="noStrike">
+            <a:endParaRPr lang="en-US" sz="2600" b="0" strike="noStrike" spc="-1">
               <a:latin typeface="Arial"/>
             </a:endParaRPr>
           </a:p>
@@ -6675,13 +7448,20 @@
           </a:ln>
         </p:spPr>
         <p:style>
-          <a:lnRef idx="0"/>
-          <a:fillRef idx="0"/>
-          <a:effectRef idx="0"/>
+          <a:lnRef idx="0">
+            <a:scrgbClr r="0" g="0" b="0"/>
+          </a:lnRef>
+          <a:fillRef idx="0">
+            <a:scrgbClr r="0" g="0" b="0"/>
+          </a:fillRef>
+          <a:effectRef idx="0">
+            <a:scrgbClr r="0" g="0" b="0"/>
+          </a:effectRef>
           <a:fontRef idx="minor"/>
         </p:style>
         <p:txBody>
-          <a:bodyPr lIns="0" rIns="0" tIns="0" bIns="0"/>
+          <a:bodyPr lIns="0" tIns="0" rIns="0" bIns="0"/>
+          <a:lstStyle/>
           <a:p>
             <a:pPr marL="285840" indent="-285120">
               <a:lnSpc>
@@ -6697,7 +7477,7 @@
               <a:buChar char="•"/>
             </a:pPr>
             <a:r>
-              <a:rPr b="0" lang="en-US" sz="2800" spc="-1" strike="noStrike">
+              <a:rPr lang="en-US" sz="2800" b="0" strike="noStrike" spc="-1">
                 <a:solidFill>
                   <a:srgbClr val="000000"/>
                 </a:solidFill>
@@ -6705,7 +7485,7 @@
               </a:rPr>
               <a:t>Kto pracuje „w zawodzie”?</a:t>
             </a:r>
-            <a:endParaRPr b="0" lang="en-US" sz="2800" spc="-1" strike="noStrike">
+            <a:endParaRPr lang="en-US" sz="2800" b="0" strike="noStrike" spc="-1">
               <a:latin typeface="Arial"/>
             </a:endParaRPr>
           </a:p>
@@ -6724,7 +7504,7 @@
               <a:buChar char="•"/>
             </a:pPr>
             <a:r>
-              <a:rPr b="0" lang="en-US" sz="2800" spc="-1" strike="noStrike">
+              <a:rPr lang="en-US" sz="2800" b="0" strike="noStrike" spc="-1">
                 <a:solidFill>
                   <a:srgbClr val="000000"/>
                 </a:solidFill>
@@ -6732,7 +7512,7 @@
               </a:rPr>
               <a:t>Kto mieszka w Poznaniu?</a:t>
             </a:r>
-            <a:endParaRPr b="0" lang="en-US" sz="2800" spc="-1" strike="noStrike">
+            <a:endParaRPr lang="en-US" sz="2800" b="0" strike="noStrike" spc="-1">
               <a:latin typeface="Arial"/>
             </a:endParaRPr>
           </a:p>
@@ -6751,7 +7531,7 @@
               <a:buChar char="•"/>
             </a:pPr>
             <a:r>
-              <a:rPr b="0" lang="en-US" sz="2800" spc="-1" strike="noStrike">
+              <a:rPr lang="en-US" sz="2800" b="0" strike="noStrike" spc="-1">
                 <a:solidFill>
                   <a:srgbClr val="000000"/>
                 </a:solidFill>
@@ -6759,7 +7539,7 @@
               </a:rPr>
               <a:t>Z czym kojarzy Wam się analiza danych przestrzennych?</a:t>
             </a:r>
-            <a:endParaRPr b="0" lang="en-US" sz="2800" spc="-1" strike="noStrike">
+            <a:endParaRPr lang="en-US" sz="2800" b="0" strike="noStrike" spc="-1">
               <a:latin typeface="Arial"/>
             </a:endParaRPr>
           </a:p>
@@ -6778,7 +7558,7 @@
               <a:buChar char="•"/>
             </a:pPr>
             <a:r>
-              <a:rPr b="0" lang="en-US" sz="2800" spc="-1" strike="noStrike">
+              <a:rPr lang="en-US" sz="2800" b="0" strike="noStrike" spc="-1">
                 <a:solidFill>
                   <a:srgbClr val="000000"/>
                 </a:solidFill>
@@ -6786,7 +7566,7 @@
               </a:rPr>
               <a:t>Kto miał do czynienia z analizą danych przestrzennych?</a:t>
             </a:r>
-            <a:endParaRPr b="0" lang="en-US" sz="2800" spc="-1" strike="noStrike">
+            <a:endParaRPr lang="en-US" sz="2800" b="0" strike="noStrike" spc="-1">
               <a:latin typeface="Arial"/>
             </a:endParaRPr>
           </a:p>
@@ -6805,7 +7585,7 @@
               <a:buChar char="•"/>
             </a:pPr>
             <a:r>
-              <a:rPr b="0" lang="en-US" sz="2800" spc="-1" strike="noStrike">
+              <a:rPr lang="en-US" sz="2800" b="0" strike="noStrike" spc="-1">
                 <a:solidFill>
                   <a:srgbClr val="000000"/>
                 </a:solidFill>
@@ -6813,7 +7593,7 @@
               </a:rPr>
               <a:t>Jakie macie doświadczenie w programowaniu w R?</a:t>
             </a:r>
-            <a:endParaRPr b="0" lang="en-US" sz="2800" spc="-1" strike="noStrike">
+            <a:endParaRPr lang="en-US" sz="2800" b="0" strike="noStrike" spc="-1">
               <a:latin typeface="Arial"/>
             </a:endParaRPr>
           </a:p>
@@ -6832,7 +7612,7 @@
               <a:buChar char="•"/>
             </a:pPr>
             <a:r>
-              <a:rPr b="0" lang="en-US" sz="2800" spc="-1" strike="noStrike">
+              <a:rPr lang="en-US" sz="2800" b="0" strike="noStrike" spc="-1">
                 <a:solidFill>
                   <a:srgbClr val="000000"/>
                 </a:solidFill>
@@ -6840,7 +7620,7 @@
               </a:rPr>
               <a:t>Jakie macie oczekiwania odnośnie przedmiotu?</a:t>
             </a:r>
-            <a:endParaRPr b="0" lang="en-US" sz="2800" spc="-1" strike="noStrike">
+            <a:endParaRPr lang="en-US" sz="2800" b="0" strike="noStrike" spc="-1">
               <a:latin typeface="Arial"/>
             </a:endParaRPr>
           </a:p>
@@ -6853,7 +7633,7 @@
                 <a:spcPts val="2100"/>
               </a:spcBef>
             </a:pPr>
-            <a:endParaRPr b="0" lang="en-US" sz="2800" spc="-1" strike="noStrike">
+            <a:endParaRPr lang="en-US" sz="2800" b="0" strike="noStrike" spc="-1">
               <a:latin typeface="Arial"/>
             </a:endParaRPr>
           </a:p>
@@ -6866,7 +7646,7 @@
                 <a:spcPts val="2100"/>
               </a:spcBef>
             </a:pPr>
-            <a:endParaRPr b="0" lang="en-US" sz="2800" spc="-1" strike="noStrike">
+            <a:endParaRPr lang="en-US" sz="2800" b="0" strike="noStrike" spc="-1">
               <a:latin typeface="Arial"/>
             </a:endParaRPr>
           </a:p>
@@ -6874,22 +7654,25 @@
       </p:sp>
     </p:spTree>
   </p:cSld>
+  <p:clrMapOvr>
+    <a:masterClrMapping/>
+  </p:clrMapOvr>
   <p:timing>
     <p:tnLst>
       <p:par>
-        <p:cTn id="5" dur="indefinite" restart="never" nodeType="tmRoot">
+        <p:cTn id="1" dur="indefinite" restart="never" nodeType="tmRoot">
           <p:childTnLst>
             <p:seq>
-              <p:cTn id="6" dur="indefinite" nodeType="mainSeq"/>
+              <p:cTn id="2" dur="indefinite" nodeType="mainSeq"/>
               <p:prevCondLst>
-                <p:cond delay="0" evt="onPrev">
+                <p:cond evt="onPrev" delay="0">
                   <p:tgtEl>
                     <p:sldTgt/>
                   </p:tgtEl>
                 </p:cond>
               </p:prevCondLst>
               <p:nextCondLst>
-                <p:cond delay="0" evt="onNext">
+                <p:cond evt="onNext" delay="0">
                   <p:tgtEl>
                     <p:sldTgt/>
                   </p:tgtEl>
@@ -6905,7 +7688,7 @@
 </file>
 
 <file path=ppt/slides/slide4.xml><?xml version="1.0" encoding="utf-8"?>
-<p:sld xmlns:a="http://schemas.openxmlformats.org/drawingml/2006/main" xmlns:p="http://schemas.openxmlformats.org/presentationml/2006/main" xmlns:r="http://schemas.openxmlformats.org/officeDocument/2006/relationships" xmlns:p14="http://schemas.microsoft.com/office/powerpoint/2010/main" xmlns:p15="http://schemas.microsoft.com/office/powerpoint/2012/main" xmlns:mc="http://schemas.openxmlformats.org/markup-compatibility/2006">
+<p:sld xmlns:a="http://schemas.openxmlformats.org/drawingml/2006/main" xmlns:r="http://schemas.openxmlformats.org/officeDocument/2006/relationships" xmlns:p="http://schemas.openxmlformats.org/presentationml/2006/main">
   <p:cSld>
     <p:spTree>
       <p:nvGrpSpPr>
@@ -6941,13 +7724,20 @@
           </a:ln>
         </p:spPr>
         <p:style>
-          <a:lnRef idx="0"/>
-          <a:fillRef idx="0"/>
-          <a:effectRef idx="0"/>
+          <a:lnRef idx="0">
+            <a:scrgbClr r="0" g="0" b="0"/>
+          </a:lnRef>
+          <a:fillRef idx="0">
+            <a:scrgbClr r="0" g="0" b="0"/>
+          </a:fillRef>
+          <a:effectRef idx="0">
+            <a:scrgbClr r="0" g="0" b="0"/>
+          </a:effectRef>
           <a:fontRef idx="minor"/>
         </p:style>
         <p:txBody>
-          <a:bodyPr lIns="0" rIns="0" tIns="0" bIns="0"/>
+          <a:bodyPr lIns="0" tIns="0" rIns="0" bIns="0"/>
+          <a:lstStyle/>
           <a:p>
             <a:pPr>
               <a:lnSpc>
@@ -6955,7 +7745,7 @@
               </a:lnSpc>
             </a:pPr>
             <a:r>
-              <a:rPr b="1" lang="en-US" sz="2600" spc="-1" strike="noStrike">
+              <a:rPr lang="en-US" sz="2600" b="1" strike="noStrike" spc="-1">
                 <a:solidFill>
                   <a:srgbClr val="000000"/>
                 </a:solidFill>
@@ -6963,7 +7753,7 @@
               </a:rPr>
               <a:t>Jaka jest Wasza wiedza o otaczającym Was świecie?</a:t>
             </a:r>
-            <a:endParaRPr b="0" lang="en-US" sz="2600" spc="-1" strike="noStrike">
+            <a:endParaRPr lang="en-US" sz="2600" b="0" strike="noStrike" spc="-1">
               <a:latin typeface="Arial"/>
             </a:endParaRPr>
           </a:p>
@@ -6989,13 +7779,20 @@
           </a:ln>
         </p:spPr>
         <p:style>
-          <a:lnRef idx="0"/>
-          <a:fillRef idx="0"/>
-          <a:effectRef idx="0"/>
+          <a:lnRef idx="0">
+            <a:scrgbClr r="0" g="0" b="0"/>
+          </a:lnRef>
+          <a:fillRef idx="0">
+            <a:scrgbClr r="0" g="0" b="0"/>
+          </a:fillRef>
+          <a:effectRef idx="0">
+            <a:scrgbClr r="0" g="0" b="0"/>
+          </a:effectRef>
           <a:fontRef idx="minor"/>
         </p:style>
         <p:txBody>
-          <a:bodyPr lIns="0" rIns="0" tIns="0" bIns="0"/>
+          <a:bodyPr lIns="0" tIns="0" rIns="0" bIns="0"/>
+          <a:lstStyle/>
           <a:p>
             <a:pPr>
               <a:lnSpc>
@@ -7005,7 +7802,7 @@
                 <a:spcPts val="1500"/>
               </a:spcBef>
             </a:pPr>
-            <a:endParaRPr b="0" lang="en-US" sz="1800" spc="-1" strike="noStrike">
+            <a:endParaRPr lang="en-US" sz="1800" b="0" strike="noStrike" spc="-1">
               <a:latin typeface="Arial"/>
             </a:endParaRPr>
           </a:p>
@@ -7018,7 +7815,7 @@
                 <a:spcPts val="1500"/>
               </a:spcBef>
             </a:pPr>
-            <a:endParaRPr b="0" lang="en-US" sz="1800" spc="-1" strike="noStrike">
+            <a:endParaRPr lang="en-US" sz="1800" b="0" strike="noStrike" spc="-1">
               <a:latin typeface="Arial"/>
             </a:endParaRPr>
           </a:p>
@@ -7031,7 +7828,7 @@
                 <a:spcPts val="1500"/>
               </a:spcBef>
             </a:pPr>
-            <a:endParaRPr b="0" lang="en-US" sz="1800" spc="-1" strike="noStrike">
+            <a:endParaRPr lang="en-US" sz="1800" b="0" strike="noStrike" spc="-1">
               <a:latin typeface="Arial"/>
             </a:endParaRPr>
           </a:p>
@@ -7045,17 +7842,17 @@
               </a:spcBef>
             </a:pPr>
             <a:r>
-              <a:rPr b="0" lang="en-US" sz="6000" spc="-1" strike="noStrike" u="sng">
-                <a:solidFill>
-                  <a:srgbClr val="9933ff"/>
+              <a:rPr lang="en-US" sz="6000" b="0" u="sng" strike="noStrike" spc="-1">
+                <a:solidFill>
+                  <a:srgbClr val="9933FF"/>
                 </a:solidFill>
                 <a:uFillTx/>
                 <a:latin typeface="Imago"/>
-                <a:hlinkClick r:id="rId1"/>
+                <a:hlinkClick r:id="rId2"/>
               </a:rPr>
               <a:t>LINK</a:t>
             </a:r>
-            <a:endParaRPr b="0" lang="en-US" sz="6000" spc="-1" strike="noStrike">
+            <a:endParaRPr lang="en-US" sz="6000" b="0" strike="noStrike" spc="-1">
               <a:latin typeface="Arial"/>
             </a:endParaRPr>
           </a:p>
@@ -7063,12 +7860,12 @@
       </p:sp>
       <p:pic>
         <p:nvPicPr>
-          <p:cNvPr id="112" name="Picture 2" descr=""/>
+          <p:cNvPr id="112" name="Picture 2"/>
           <p:cNvPicPr/>
           <p:nvPr/>
         </p:nvPicPr>
         <p:blipFill>
-          <a:blip r:embed="rId2"/>
+          <a:blip r:embed="rId3" cstate="print"/>
           <a:stretch/>
         </p:blipFill>
         <p:spPr>
@@ -7086,22 +7883,25 @@
       </p:pic>
     </p:spTree>
   </p:cSld>
+  <p:clrMapOvr>
+    <a:masterClrMapping/>
+  </p:clrMapOvr>
   <p:timing>
     <p:tnLst>
       <p:par>
-        <p:cTn id="7" dur="indefinite" restart="never" nodeType="tmRoot">
+        <p:cTn id="1" dur="indefinite" restart="never" nodeType="tmRoot">
           <p:childTnLst>
             <p:seq>
-              <p:cTn id="8" dur="indefinite" nodeType="mainSeq"/>
+              <p:cTn id="2" dur="indefinite" nodeType="mainSeq"/>
               <p:prevCondLst>
-                <p:cond delay="0" evt="onPrev">
+                <p:cond evt="onPrev" delay="0">
                   <p:tgtEl>
                     <p:sldTgt/>
                   </p:tgtEl>
                 </p:cond>
               </p:prevCondLst>
               <p:nextCondLst>
-                <p:cond delay="0" evt="onNext">
+                <p:cond evt="onNext" delay="0">
                   <p:tgtEl>
                     <p:sldTgt/>
                   </p:tgtEl>
@@ -7117,7 +7917,7 @@
 </file>
 
 <file path=ppt/slides/slide5.xml><?xml version="1.0" encoding="utf-8"?>
-<p:sld xmlns:a="http://schemas.openxmlformats.org/drawingml/2006/main" xmlns:p="http://schemas.openxmlformats.org/presentationml/2006/main" xmlns:r="http://schemas.openxmlformats.org/officeDocument/2006/relationships" xmlns:p14="http://schemas.microsoft.com/office/powerpoint/2010/main" xmlns:p15="http://schemas.microsoft.com/office/powerpoint/2012/main" xmlns:mc="http://schemas.openxmlformats.org/markup-compatibility/2006">
+<p:sld xmlns:a="http://schemas.openxmlformats.org/drawingml/2006/main" xmlns:r="http://schemas.openxmlformats.org/officeDocument/2006/relationships" xmlns:p="http://schemas.openxmlformats.org/presentationml/2006/main">
   <p:cSld>
     <p:spTree>
       <p:nvGrpSpPr>
@@ -7153,13 +7953,20 @@
           </a:ln>
         </p:spPr>
         <p:style>
-          <a:lnRef idx="0"/>
-          <a:fillRef idx="0"/>
-          <a:effectRef idx="0"/>
+          <a:lnRef idx="0">
+            <a:scrgbClr r="0" g="0" b="0"/>
+          </a:lnRef>
+          <a:fillRef idx="0">
+            <a:scrgbClr r="0" g="0" b="0"/>
+          </a:fillRef>
+          <a:effectRef idx="0">
+            <a:scrgbClr r="0" g="0" b="0"/>
+          </a:effectRef>
           <a:fontRef idx="minor"/>
         </p:style>
         <p:txBody>
-          <a:bodyPr lIns="0" rIns="0" tIns="0" bIns="0"/>
+          <a:bodyPr lIns="0" tIns="0" rIns="0" bIns="0"/>
+          <a:lstStyle/>
           <a:p>
             <a:pPr>
               <a:lnSpc>
@@ -7167,7 +7974,7 @@
               </a:lnSpc>
             </a:pPr>
             <a:r>
-              <a:rPr b="1" lang="en-US" sz="2600" spc="-1" strike="noStrike">
+              <a:rPr lang="en-US" sz="2600" b="1" strike="noStrike" spc="-1">
                 <a:solidFill>
                   <a:srgbClr val="000000"/>
                 </a:solidFill>
@@ -7175,7 +7982,7 @@
               </a:rPr>
               <a:t>Zakres tematyczny</a:t>
             </a:r>
-            <a:endParaRPr b="0" lang="en-US" sz="2600" spc="-1" strike="noStrike">
+            <a:endParaRPr lang="en-US" sz="2600" b="0" strike="noStrike" spc="-1">
               <a:latin typeface="Arial"/>
             </a:endParaRPr>
           </a:p>
@@ -7201,13 +8008,20 @@
           </a:ln>
         </p:spPr>
         <p:style>
-          <a:lnRef idx="0"/>
-          <a:fillRef idx="0"/>
-          <a:effectRef idx="0"/>
+          <a:lnRef idx="0">
+            <a:scrgbClr r="0" g="0" b="0"/>
+          </a:lnRef>
+          <a:fillRef idx="0">
+            <a:scrgbClr r="0" g="0" b="0"/>
+          </a:fillRef>
+          <a:effectRef idx="0">
+            <a:scrgbClr r="0" g="0" b="0"/>
+          </a:effectRef>
           <a:fontRef idx="minor"/>
         </p:style>
         <p:txBody>
-          <a:bodyPr lIns="0" rIns="0" tIns="0" bIns="0"/>
+          <a:bodyPr lIns="0" tIns="0" rIns="0" bIns="0"/>
+          <a:lstStyle/>
           <a:p>
             <a:pPr marL="285840" indent="-285120">
               <a:lnSpc>
@@ -7223,7 +8037,7 @@
               <a:buChar char="•"/>
             </a:pPr>
             <a:r>
-              <a:rPr b="0" lang="en-US" sz="2800" spc="-1" strike="noStrike">
+              <a:rPr lang="en-US" sz="2800" b="0" strike="noStrike" spc="-1">
                 <a:solidFill>
                   <a:srgbClr val="000000"/>
                 </a:solidFill>
@@ -7231,7 +8045,7 @@
               </a:rPr>
               <a:t>Wstęp do danych przestrzennych (pakiet sf)</a:t>
             </a:r>
-            <a:endParaRPr b="0" lang="en-US" sz="2800" spc="-1" strike="noStrike">
+            <a:endParaRPr lang="en-US" sz="2800" b="0" strike="noStrike" spc="-1">
               <a:latin typeface="Arial"/>
             </a:endParaRPr>
           </a:p>
@@ -7250,7 +8064,7 @@
               <a:buChar char="•"/>
             </a:pPr>
             <a:r>
-              <a:rPr b="0" lang="en-US" sz="2800" spc="-1" strike="noStrike">
+              <a:rPr lang="en-US" sz="2800" b="0" strike="noStrike" spc="-1">
                 <a:solidFill>
                   <a:srgbClr val="000000"/>
                 </a:solidFill>
@@ -7258,7 +8072,7 @@
               </a:rPr>
               <a:t>Wizualizacje (ggplot2, tmap, leaflet)</a:t>
             </a:r>
-            <a:endParaRPr b="0" lang="en-US" sz="2800" spc="-1" strike="noStrike">
+            <a:endParaRPr lang="en-US" sz="2800" b="0" strike="noStrike" spc="-1">
               <a:latin typeface="Arial"/>
             </a:endParaRPr>
           </a:p>
@@ -7277,7 +8091,7 @@
               <a:buChar char="•"/>
             </a:pPr>
             <a:r>
-              <a:rPr b="0" lang="en-US" sz="2800" spc="-1" strike="noStrike">
+              <a:rPr lang="en-US" sz="2800" b="0" strike="noStrike" spc="-1">
                 <a:solidFill>
                   <a:srgbClr val="000000"/>
                 </a:solidFill>
@@ -7285,7 +8099,7 @@
               </a:rPr>
               <a:t>Geo-przetwarzanie (sf)</a:t>
             </a:r>
-            <a:endParaRPr b="0" lang="en-US" sz="2800" spc="-1" strike="noStrike">
+            <a:endParaRPr lang="en-US" sz="2800" b="0" strike="noStrike" spc="-1">
               <a:latin typeface="Arial"/>
             </a:endParaRPr>
           </a:p>
@@ -7304,7 +8118,7 @@
               <a:buChar char="•"/>
             </a:pPr>
             <a:r>
-              <a:rPr b="0" lang="en-US" sz="2800" spc="-1" strike="noStrike">
+              <a:rPr lang="en-US" sz="2800" b="0" strike="noStrike" spc="-1">
                 <a:solidFill>
                   <a:srgbClr val="000000"/>
                 </a:solidFill>
@@ -7312,7 +8126,7 @@
               </a:rPr>
               <a:t>Ekonometria przestrzenna (spdep)</a:t>
             </a:r>
-            <a:endParaRPr b="0" lang="en-US" sz="2800" spc="-1" strike="noStrike">
+            <a:endParaRPr lang="en-US" sz="2800" b="0" strike="noStrike" spc="-1">
               <a:latin typeface="Arial"/>
             </a:endParaRPr>
           </a:p>
@@ -7331,7 +8145,7 @@
               <a:buChar char="•"/>
             </a:pPr>
             <a:r>
-              <a:rPr b="0" lang="en-US" sz="2800" spc="-1" strike="noStrike">
+              <a:rPr lang="en-US" sz="2800" b="0" strike="noStrike" spc="-1">
                 <a:solidFill>
                   <a:srgbClr val="000000"/>
                 </a:solidFill>
@@ -7339,7 +8153,7 @@
               </a:rPr>
               <a:t>Modelowanie przestrzenne (mlr, caret)</a:t>
             </a:r>
-            <a:endParaRPr b="0" lang="en-US" sz="2800" spc="-1" strike="noStrike">
+            <a:endParaRPr lang="en-US" sz="2800" b="0" strike="noStrike" spc="-1">
               <a:latin typeface="Arial"/>
             </a:endParaRPr>
           </a:p>
@@ -7347,22 +8161,25 @@
       </p:sp>
     </p:spTree>
   </p:cSld>
+  <p:clrMapOvr>
+    <a:masterClrMapping/>
+  </p:clrMapOvr>
   <p:timing>
     <p:tnLst>
       <p:par>
-        <p:cTn id="9" dur="indefinite" restart="never" nodeType="tmRoot">
+        <p:cTn id="1" dur="indefinite" restart="never" nodeType="tmRoot">
           <p:childTnLst>
             <p:seq>
-              <p:cTn id="10" dur="indefinite" nodeType="mainSeq"/>
+              <p:cTn id="2" dur="indefinite" nodeType="mainSeq"/>
               <p:prevCondLst>
-                <p:cond delay="0" evt="onPrev">
+                <p:cond evt="onPrev" delay="0">
                   <p:tgtEl>
                     <p:sldTgt/>
                   </p:tgtEl>
                 </p:cond>
               </p:prevCondLst>
               <p:nextCondLst>
-                <p:cond delay="0" evt="onNext">
+                <p:cond evt="onNext" delay="0">
                   <p:tgtEl>
                     <p:sldTgt/>
                   </p:tgtEl>
@@ -7378,7 +8195,7 @@
 </file>
 
 <file path=ppt/slides/slide6.xml><?xml version="1.0" encoding="utf-8"?>
-<p:sld xmlns:a="http://schemas.openxmlformats.org/drawingml/2006/main" xmlns:p="http://schemas.openxmlformats.org/presentationml/2006/main" xmlns:r="http://schemas.openxmlformats.org/officeDocument/2006/relationships" xmlns:p14="http://schemas.microsoft.com/office/powerpoint/2010/main" xmlns:p15="http://schemas.microsoft.com/office/powerpoint/2012/main" xmlns:mc="http://schemas.openxmlformats.org/markup-compatibility/2006">
+<p:sld xmlns:a="http://schemas.openxmlformats.org/drawingml/2006/main" xmlns:r="http://schemas.openxmlformats.org/officeDocument/2006/relationships" xmlns:p="http://schemas.openxmlformats.org/presentationml/2006/main">
   <p:cSld>
     <p:spTree>
       <p:nvGrpSpPr>
@@ -7414,13 +8231,20 @@
           </a:ln>
         </p:spPr>
         <p:style>
-          <a:lnRef idx="0"/>
-          <a:fillRef idx="0"/>
-          <a:effectRef idx="0"/>
+          <a:lnRef idx="0">
+            <a:scrgbClr r="0" g="0" b="0"/>
+          </a:lnRef>
+          <a:fillRef idx="0">
+            <a:scrgbClr r="0" g="0" b="0"/>
+          </a:fillRef>
+          <a:effectRef idx="0">
+            <a:scrgbClr r="0" g="0" b="0"/>
+          </a:effectRef>
           <a:fontRef idx="minor"/>
         </p:style>
         <p:txBody>
-          <a:bodyPr lIns="0" rIns="0" tIns="0" bIns="0"/>
+          <a:bodyPr lIns="0" tIns="0" rIns="0" bIns="0"/>
+          <a:lstStyle/>
           <a:p>
             <a:pPr>
               <a:lnSpc>
@@ -7428,7 +8252,7 @@
               </a:lnSpc>
             </a:pPr>
             <a:r>
-              <a:rPr b="1" lang="en-US" sz="2600" spc="-1" strike="noStrike">
+              <a:rPr lang="en-US" sz="2600" b="1" strike="noStrike" spc="-1">
                 <a:solidFill>
                   <a:srgbClr val="000000"/>
                 </a:solidFill>
@@ -7436,7 +8260,7 @@
               </a:rPr>
               <a:t>Forma zaliczenia</a:t>
             </a:r>
-            <a:endParaRPr b="0" lang="en-US" sz="2600" spc="-1" strike="noStrike">
+            <a:endParaRPr lang="en-US" sz="2600" b="0" strike="noStrike" spc="-1">
               <a:latin typeface="Arial"/>
             </a:endParaRPr>
           </a:p>
@@ -7462,13 +8286,20 @@
           </a:ln>
         </p:spPr>
         <p:style>
-          <a:lnRef idx="0"/>
-          <a:fillRef idx="0"/>
-          <a:effectRef idx="0"/>
+          <a:lnRef idx="0">
+            <a:scrgbClr r="0" g="0" b="0"/>
+          </a:lnRef>
+          <a:fillRef idx="0">
+            <a:scrgbClr r="0" g="0" b="0"/>
+          </a:fillRef>
+          <a:effectRef idx="0">
+            <a:scrgbClr r="0" g="0" b="0"/>
+          </a:effectRef>
           <a:fontRef idx="minor"/>
         </p:style>
         <p:txBody>
-          <a:bodyPr lIns="0" rIns="0" tIns="0" bIns="0"/>
+          <a:bodyPr lIns="0" tIns="0" rIns="0" bIns="0"/>
+          <a:lstStyle/>
           <a:p>
             <a:pPr marL="285840" indent="-285120">
               <a:lnSpc>
@@ -7484,7 +8315,7 @@
               <a:buChar char="•"/>
             </a:pPr>
             <a:r>
-              <a:rPr b="0" lang="en-US" sz="3200" spc="-1" strike="noStrike">
+              <a:rPr lang="en-US" sz="3200" b="0" strike="noStrike" spc="-1">
                 <a:solidFill>
                   <a:srgbClr val="000000"/>
                 </a:solidFill>
@@ -7492,7 +8323,7 @@
               </a:rPr>
               <a:t>Obecność na zajęciach</a:t>
             </a:r>
-            <a:endParaRPr b="0" lang="en-US" sz="3200" spc="-1" strike="noStrike">
+            <a:endParaRPr lang="en-US" sz="3200" b="0" strike="noStrike" spc="-1">
               <a:latin typeface="Arial"/>
             </a:endParaRPr>
           </a:p>
@@ -7511,7 +8342,7 @@
               <a:buChar char="•"/>
             </a:pPr>
             <a:r>
-              <a:rPr b="1" lang="en-US" sz="3200" spc="-1" strike="noStrike">
+              <a:rPr lang="en-US" sz="3200" b="1" strike="noStrike" spc="-1">
                 <a:solidFill>
                   <a:srgbClr val="000000"/>
                 </a:solidFill>
@@ -7520,7 +8351,7 @@
               <a:t>Terminowo oddany projekt zaliczeniowy </a:t>
             </a:r>
             <a:r>
-              <a:rPr b="0" lang="en-US" sz="3200" spc="-1" strike="noStrike">
+              <a:rPr lang="en-US" sz="3200" b="0" strike="noStrike" spc="-1">
                 <a:solidFill>
                   <a:srgbClr val="000000"/>
                 </a:solidFill>
@@ -7528,12 +8359,12 @@
               </a:rPr>
               <a:t>w parach,</a:t>
             </a:r>
-            <a:endParaRPr b="0" lang="en-US" sz="3200" spc="-1" strike="noStrike">
-              <a:latin typeface="Arial"/>
-            </a:endParaRPr>
-          </a:p>
-          <a:p>
-            <a:pPr lvl="1" marL="763560" indent="-286560">
+            <a:endParaRPr lang="en-US" sz="3200" b="0" strike="noStrike" spc="-1">
+              <a:latin typeface="Arial"/>
+            </a:endParaRPr>
+          </a:p>
+          <a:p>
+            <a:pPr marL="763560" lvl="1" indent="-286560">
               <a:lnSpc>
                 <a:spcPct val="100000"/>
               </a:lnSpc>
@@ -7547,7 +8378,7 @@
               <a:buChar char=""/>
             </a:pPr>
             <a:r>
-              <a:rPr b="0" lang="en-US" sz="3200" spc="-1" strike="noStrike">
+              <a:rPr lang="en-US" sz="3200" b="0" strike="noStrike" spc="-1">
                 <a:solidFill>
                   <a:srgbClr val="000000"/>
                 </a:solidFill>
@@ -7555,7 +8386,7 @@
               </a:rPr>
               <a:t>Do oddania do końca semestru,</a:t>
             </a:r>
-            <a:endParaRPr b="0" lang="en-US" sz="3200" spc="-1" strike="noStrike">
+            <a:endParaRPr lang="en-US" sz="3200" b="0" strike="noStrike" spc="-1">
               <a:latin typeface="Arial"/>
             </a:endParaRPr>
           </a:p>
@@ -7563,22 +8394,25 @@
       </p:sp>
     </p:spTree>
   </p:cSld>
+  <p:clrMapOvr>
+    <a:masterClrMapping/>
+  </p:clrMapOvr>
   <p:timing>
     <p:tnLst>
       <p:par>
-        <p:cTn id="11" dur="indefinite" restart="never" nodeType="tmRoot">
+        <p:cTn id="1" dur="indefinite" restart="never" nodeType="tmRoot">
           <p:childTnLst>
             <p:seq>
-              <p:cTn id="12" dur="indefinite" nodeType="mainSeq"/>
+              <p:cTn id="2" dur="indefinite" nodeType="mainSeq"/>
               <p:prevCondLst>
-                <p:cond delay="0" evt="onPrev">
+                <p:cond evt="onPrev" delay="0">
                   <p:tgtEl>
                     <p:sldTgt/>
                   </p:tgtEl>
                 </p:cond>
               </p:prevCondLst>
               <p:nextCondLst>
-                <p:cond delay="0" evt="onNext">
+                <p:cond evt="onNext" delay="0">
                   <p:tgtEl>
                     <p:sldTgt/>
                   </p:tgtEl>
@@ -7594,7 +8428,7 @@
 </file>
 
 <file path=ppt/slides/slide7.xml><?xml version="1.0" encoding="utf-8"?>
-<p:sld xmlns:a="http://schemas.openxmlformats.org/drawingml/2006/main" xmlns:p="http://schemas.openxmlformats.org/presentationml/2006/main" xmlns:r="http://schemas.openxmlformats.org/officeDocument/2006/relationships" xmlns:p14="http://schemas.microsoft.com/office/powerpoint/2010/main" xmlns:p15="http://schemas.microsoft.com/office/powerpoint/2012/main" xmlns:mc="http://schemas.openxmlformats.org/markup-compatibility/2006">
+<p:sld xmlns:a="http://schemas.openxmlformats.org/drawingml/2006/main" xmlns:r="http://schemas.openxmlformats.org/officeDocument/2006/relationships" xmlns:p="http://schemas.openxmlformats.org/presentationml/2006/main">
   <p:cSld>
     <p:spTree>
       <p:nvGrpSpPr>
@@ -7630,13 +8464,20 @@
           </a:ln>
         </p:spPr>
         <p:style>
-          <a:lnRef idx="0"/>
-          <a:fillRef idx="0"/>
-          <a:effectRef idx="0"/>
+          <a:lnRef idx="0">
+            <a:scrgbClr r="0" g="0" b="0"/>
+          </a:lnRef>
+          <a:fillRef idx="0">
+            <a:scrgbClr r="0" g="0" b="0"/>
+          </a:fillRef>
+          <a:effectRef idx="0">
+            <a:scrgbClr r="0" g="0" b="0"/>
+          </a:effectRef>
           <a:fontRef idx="minor"/>
         </p:style>
         <p:txBody>
-          <a:bodyPr lIns="0" rIns="0" tIns="0" bIns="0"/>
+          <a:bodyPr lIns="0" tIns="0" rIns="0" bIns="0"/>
+          <a:lstStyle/>
           <a:p>
             <a:pPr>
               <a:lnSpc>
@@ -7644,7 +8485,7 @@
               </a:lnSpc>
             </a:pPr>
             <a:r>
-              <a:rPr b="1" lang="en-US" sz="2600" spc="-1" strike="noStrike">
+              <a:rPr lang="en-US" sz="2600" b="1" strike="noStrike" spc="-1">
                 <a:solidFill>
                   <a:srgbClr val="000000"/>
                 </a:solidFill>
@@ -7652,7 +8493,7 @@
               </a:rPr>
               <a:t>Zalecana literatura</a:t>
             </a:r>
-            <a:endParaRPr b="0" lang="en-US" sz="2600" spc="-1" strike="noStrike">
+            <a:endParaRPr lang="en-US" sz="2600" b="0" strike="noStrike" spc="-1">
               <a:latin typeface="Arial"/>
             </a:endParaRPr>
           </a:p>
@@ -7678,13 +8519,20 @@
           </a:ln>
         </p:spPr>
         <p:style>
-          <a:lnRef idx="0"/>
-          <a:fillRef idx="0"/>
-          <a:effectRef idx="0"/>
+          <a:lnRef idx="0">
+            <a:scrgbClr r="0" g="0" b="0"/>
+          </a:lnRef>
+          <a:fillRef idx="0">
+            <a:scrgbClr r="0" g="0" b="0"/>
+          </a:fillRef>
+          <a:effectRef idx="0">
+            <a:scrgbClr r="0" g="0" b="0"/>
+          </a:effectRef>
           <a:fontRef idx="minor"/>
         </p:style>
         <p:txBody>
-          <a:bodyPr lIns="0" rIns="0" tIns="0" bIns="0"/>
+          <a:bodyPr lIns="0" tIns="0" rIns="0" bIns="0"/>
+          <a:lstStyle/>
           <a:p>
             <a:pPr marL="285840" indent="-285120">
               <a:lnSpc>
@@ -7700,20 +8548,20 @@
               <a:buChar char="•"/>
             </a:pPr>
             <a:r>
-              <a:rPr b="0" lang="en-US" sz="2800" spc="-1" strike="noStrike" u="sng">
-                <a:solidFill>
-                  <a:srgbClr val="9933ff"/>
+              <a:rPr lang="en-US" sz="2800" b="0" u="sng" strike="noStrike" spc="-1">
+                <a:solidFill>
+                  <a:srgbClr val="9933FF"/>
                 </a:solidFill>
                 <a:uFillTx/>
                 <a:latin typeface="Imago"/>
-                <a:hlinkClick r:id="rId1"/>
+                <a:hlinkClick r:id="rId2"/>
               </a:rPr>
               <a:t>https://</a:t>
             </a:r>
             <a:r>
-              <a:rPr b="0" lang="en-US" sz="2800" spc="-1" strike="noStrike" u="sng">
-                <a:solidFill>
-                  <a:srgbClr val="9933ff"/>
+              <a:rPr lang="en-US" sz="2800" b="0" u="sng" strike="noStrike" spc="-1">
+                <a:solidFill>
+                  <a:srgbClr val="9933FF"/>
                 </a:solidFill>
                 <a:uFillTx/>
                 <a:latin typeface="Imago"/>
@@ -7721,7 +8569,7 @@
               </a:rPr>
               <a:t>r-spatial.github.io/sf/articles/sf1.html</a:t>
             </a:r>
-            <a:endParaRPr b="0" lang="en-US" sz="2800" spc="-1" strike="noStrike">
+            <a:endParaRPr lang="en-US" sz="2800" b="0" strike="noStrike" spc="-1">
               <a:latin typeface="Arial"/>
             </a:endParaRPr>
           </a:p>
@@ -7740,9 +8588,9 @@
               <a:buChar char="•"/>
             </a:pPr>
             <a:r>
-              <a:rPr b="0" lang="en-US" sz="2800" spc="-1" strike="noStrike" u="sng">
-                <a:solidFill>
-                  <a:srgbClr val="9933ff"/>
+              <a:rPr lang="en-US" sz="2800" b="0" u="sng" strike="noStrike" spc="-1">
+                <a:solidFill>
+                  <a:srgbClr val="9933FF"/>
                 </a:solidFill>
                 <a:uFillTx/>
                 <a:latin typeface="Imago"/>
@@ -7751,17 +8599,17 @@
               <a:t>https://geocompr.robinlovelace.net</a:t>
             </a:r>
             <a:r>
-              <a:rPr b="0" lang="en-US" sz="2800" spc="-1" strike="noStrike" u="sng">
-                <a:solidFill>
-                  <a:srgbClr val="9933ff"/>
+              <a:rPr lang="en-US" sz="2800" b="0" u="sng" strike="noStrike" spc="-1">
+                <a:solidFill>
+                  <a:srgbClr val="9933FF"/>
                 </a:solidFill>
                 <a:uFillTx/>
                 <a:latin typeface="Imago"/>
-                <a:hlinkClick r:id="rId4"/>
+                <a:hlinkClick r:id="rId3"/>
               </a:rPr>
               <a:t>/</a:t>
             </a:r>
-            <a:endParaRPr b="0" lang="en-US" sz="2800" spc="-1" strike="noStrike">
+            <a:endParaRPr lang="en-US" sz="2800" b="0" strike="noStrike" spc="-1">
               <a:latin typeface="Arial"/>
             </a:endParaRPr>
           </a:p>
@@ -7780,17 +8628,17 @@
               <a:buChar char="•"/>
             </a:pPr>
             <a:r>
-              <a:rPr b="0" lang="en-US" sz="2800" spc="-1" strike="noStrike" u="sng">
-                <a:solidFill>
-                  <a:srgbClr val="9933ff"/>
+              <a:rPr lang="en-US" sz="2800" b="0" u="sng" strike="noStrike" spc="-1">
+                <a:solidFill>
+                  <a:srgbClr val="9933FF"/>
                 </a:solidFill>
                 <a:uFillTx/>
                 <a:latin typeface="Imago"/>
-                <a:hlinkClick r:id="rId5"/>
+                <a:hlinkClick r:id="rId4"/>
               </a:rPr>
               <a:t>www.datacamp.com</a:t>
             </a:r>
-            <a:endParaRPr b="0" lang="en-US" sz="2800" spc="-1" strike="noStrike">
+            <a:endParaRPr lang="en-US" sz="2800" b="0" strike="noStrike" spc="-1">
               <a:latin typeface="Arial"/>
             </a:endParaRPr>
           </a:p>
@@ -7809,17 +8657,17 @@
               <a:buChar char="•"/>
             </a:pPr>
             <a:r>
-              <a:rPr b="0" lang="en-US" sz="2800" spc="-1" strike="noStrike" u="sng">
-                <a:solidFill>
-                  <a:srgbClr val="9933ff"/>
+              <a:rPr lang="en-US" sz="2800" b="0" u="sng" strike="noStrike" spc="-1">
+                <a:solidFill>
+                  <a:srgbClr val="9933FF"/>
                 </a:solidFill>
                 <a:uFillTx/>
                 <a:latin typeface="Imago"/>
-                <a:hlinkClick r:id="rId6"/>
+                <a:hlinkClick r:id="rId5"/>
               </a:rPr>
               <a:t>https://stackoverflow.com/</a:t>
             </a:r>
-            <a:endParaRPr b="0" lang="en-US" sz="2800" spc="-1" strike="noStrike">
+            <a:endParaRPr lang="en-US" sz="2800" b="0" strike="noStrike" spc="-1">
               <a:latin typeface="Arial"/>
             </a:endParaRPr>
           </a:p>
@@ -7838,28 +8686,28 @@
               <a:buChar char="•"/>
             </a:pPr>
             <a:r>
-              <a:rPr b="0" lang="en-US" sz="2800" spc="-1" strike="noStrike" u="sng">
-                <a:solidFill>
-                  <a:srgbClr val="9933ff"/>
+              <a:rPr lang="en-US" sz="2800" b="0" u="sng" strike="noStrike" spc="-1">
+                <a:solidFill>
+                  <a:srgbClr val="9933FF"/>
                 </a:solidFill>
                 <a:uFillTx/>
                 <a:latin typeface="Imago"/>
-                <a:hlinkClick r:id="rId7"/>
+                <a:hlinkClick r:id="rId6"/>
               </a:rPr>
               <a:t>https://www.r-bloggers.com</a:t>
             </a:r>
             <a:r>
-              <a:rPr b="0" lang="en-US" sz="2800" spc="-1" strike="noStrike" u="sng">
-                <a:solidFill>
-                  <a:srgbClr val="9933ff"/>
+              <a:rPr lang="en-US" sz="2800" b="0" u="sng" strike="noStrike" spc="-1">
+                <a:solidFill>
+                  <a:srgbClr val="9933FF"/>
                 </a:solidFill>
                 <a:uFillTx/>
                 <a:latin typeface="Imago"/>
-                <a:hlinkClick r:id="rId8"/>
+                <a:hlinkClick r:id="rId6"/>
               </a:rPr>
               <a:t>/</a:t>
             </a:r>
-            <a:endParaRPr b="0" lang="en-US" sz="2800" spc="-1" strike="noStrike">
+            <a:endParaRPr lang="en-US" sz="2800" b="0" strike="noStrike" spc="-1">
               <a:latin typeface="Arial"/>
             </a:endParaRPr>
           </a:p>
@@ -7872,7 +8720,7 @@
                 <a:spcPts val="2100"/>
               </a:spcBef>
             </a:pPr>
-            <a:endParaRPr b="0" lang="en-US" sz="2800" spc="-1" strike="noStrike">
+            <a:endParaRPr lang="en-US" sz="2800" b="0" strike="noStrike" spc="-1">
               <a:latin typeface="Arial"/>
             </a:endParaRPr>
           </a:p>
@@ -7880,22 +8728,25 @@
       </p:sp>
     </p:spTree>
   </p:cSld>
+  <p:clrMapOvr>
+    <a:masterClrMapping/>
+  </p:clrMapOvr>
   <p:timing>
     <p:tnLst>
       <p:par>
-        <p:cTn id="13" dur="indefinite" restart="never" nodeType="tmRoot">
+        <p:cTn id="1" dur="indefinite" restart="never" nodeType="tmRoot">
           <p:childTnLst>
             <p:seq>
-              <p:cTn id="14" dur="indefinite" nodeType="mainSeq"/>
+              <p:cTn id="2" dur="indefinite" nodeType="mainSeq"/>
               <p:prevCondLst>
-                <p:cond delay="0" evt="onPrev">
+                <p:cond evt="onPrev" delay="0">
                   <p:tgtEl>
                     <p:sldTgt/>
                   </p:tgtEl>
                 </p:cond>
               </p:prevCondLst>
               <p:nextCondLst>
-                <p:cond delay="0" evt="onNext">
+                <p:cond evt="onNext" delay="0">
                   <p:tgtEl>
                     <p:sldTgt/>
                   </p:tgtEl>
@@ -7911,7 +8762,7 @@
 </file>
 
 <file path=ppt/slides/slide8.xml><?xml version="1.0" encoding="utf-8"?>
-<p:sld xmlns:a="http://schemas.openxmlformats.org/drawingml/2006/main" xmlns:p="http://schemas.openxmlformats.org/presentationml/2006/main" xmlns:r="http://schemas.openxmlformats.org/officeDocument/2006/relationships" xmlns:p14="http://schemas.microsoft.com/office/powerpoint/2010/main" xmlns:p15="http://schemas.microsoft.com/office/powerpoint/2012/main" xmlns:mc="http://schemas.openxmlformats.org/markup-compatibility/2006">
+<p:sld xmlns:a="http://schemas.openxmlformats.org/drawingml/2006/main" xmlns:r="http://schemas.openxmlformats.org/officeDocument/2006/relationships" xmlns:p="http://schemas.openxmlformats.org/presentationml/2006/main">
   <p:cSld>
     <p:spTree>
       <p:nvGrpSpPr>
@@ -7947,13 +8798,20 @@
           </a:ln>
         </p:spPr>
         <p:style>
-          <a:lnRef idx="0"/>
-          <a:fillRef idx="0"/>
-          <a:effectRef idx="0"/>
+          <a:lnRef idx="0">
+            <a:scrgbClr r="0" g="0" b="0"/>
+          </a:lnRef>
+          <a:fillRef idx="0">
+            <a:scrgbClr r="0" g="0" b="0"/>
+          </a:fillRef>
+          <a:effectRef idx="0">
+            <a:scrgbClr r="0" g="0" b="0"/>
+          </a:effectRef>
           <a:fontRef idx="minor"/>
         </p:style>
         <p:txBody>
-          <a:bodyPr lIns="0" rIns="0" tIns="0" bIns="0"/>
+          <a:bodyPr lIns="0" tIns="0" rIns="0" bIns="0"/>
+          <a:lstStyle/>
           <a:p>
             <a:pPr>
               <a:lnSpc>
@@ -7961,24 +8819,15 @@
               </a:lnSpc>
             </a:pPr>
             <a:r>
-              <a:rPr b="1" lang="en-US" sz="2600" spc="-1" strike="noStrike">
-                <a:solidFill>
-                  <a:srgbClr val="000000"/>
-                </a:solidFill>
-                <a:latin typeface="Imago"/>
-              </a:rPr>
-              <a:t>Platforma moodle</a:t>
-            </a:r>
-            <a:r>
-              <a:rPr b="1" lang="en-US" sz="2600" spc="-1" strike="noStrike">
-                <a:solidFill>
-                  <a:srgbClr val="000000"/>
-                </a:solidFill>
-                <a:latin typeface="Imago"/>
-              </a:rPr>
-              <a:t>	</a:t>
-            </a:r>
-            <a:endParaRPr b="0" lang="en-US" sz="2600" spc="-1" strike="noStrike">
+              <a:rPr lang="en-US" sz="2600" b="1" strike="noStrike" spc="-1">
+                <a:solidFill>
+                  <a:srgbClr val="000000"/>
+                </a:solidFill>
+                <a:latin typeface="Imago"/>
+              </a:rPr>
+              <a:t>Platforma moodle	</a:t>
+            </a:r>
+            <a:endParaRPr lang="en-US" sz="2600" b="0" strike="noStrike" spc="-1">
               <a:latin typeface="Arial"/>
             </a:endParaRPr>
           </a:p>
@@ -8004,13 +8853,20 @@
           </a:ln>
         </p:spPr>
         <p:style>
-          <a:lnRef idx="0"/>
-          <a:fillRef idx="0"/>
-          <a:effectRef idx="0"/>
+          <a:lnRef idx="0">
+            <a:scrgbClr r="0" g="0" b="0"/>
+          </a:lnRef>
+          <a:fillRef idx="0">
+            <a:scrgbClr r="0" g="0" b="0"/>
+          </a:fillRef>
+          <a:effectRef idx="0">
+            <a:scrgbClr r="0" g="0" b="0"/>
+          </a:effectRef>
           <a:fontRef idx="minor"/>
         </p:style>
         <p:txBody>
-          <a:bodyPr lIns="0" rIns="0" tIns="0" bIns="0"/>
+          <a:bodyPr lIns="0" tIns="0" rIns="0" bIns="0"/>
+          <a:lstStyle/>
           <a:p>
             <a:pPr marL="285840" indent="-285120">
               <a:lnSpc>
@@ -8026,17 +8882,17 @@
               <a:buChar char="•"/>
             </a:pPr>
             <a:r>
-              <a:rPr b="0" lang="en-US" sz="3600" spc="-1" strike="noStrike" u="sng">
-                <a:solidFill>
-                  <a:srgbClr val="9933ff"/>
+              <a:rPr lang="en-US" sz="3600" b="0" u="sng" strike="noStrike" spc="-1">
+                <a:solidFill>
+                  <a:srgbClr val="9933FF"/>
                 </a:solidFill>
                 <a:uFillTx/>
                 <a:latin typeface="Imago"/>
-                <a:hlinkClick r:id="rId1"/>
+                <a:hlinkClick r:id="rId2"/>
               </a:rPr>
               <a:t>www.adamdabrowski.eu/moodle</a:t>
             </a:r>
-            <a:endParaRPr b="0" lang="en-US" sz="3600" spc="-1" strike="noStrike">
+            <a:endParaRPr lang="en-US" sz="3600" b="0" strike="noStrike" spc="-1">
               <a:latin typeface="Arial"/>
             </a:endParaRPr>
           </a:p>
@@ -8050,18 +8906,18 @@
               </a:spcBef>
             </a:pPr>
             <a:r>
-              <a:rPr b="0" lang="en-US" sz="3600" spc="-1" strike="noStrike" u="sng">
-                <a:solidFill>
-                  <a:srgbClr val="9933ff"/>
+              <a:rPr lang="en-US" sz="3600" b="0" u="sng" strike="noStrike" spc="-1">
+                <a:solidFill>
+                  <a:srgbClr val="9933FF"/>
                 </a:solidFill>
                 <a:uFillTx/>
                 <a:latin typeface="Imago"/>
-                <a:hlinkClick r:id="rId2"/>
+                <a:hlinkClick r:id="rId3"/>
               </a:rPr>
               <a:t>https://github.com/dabrowskia/ADP2020</a:t>
             </a:r>
             <a:r>
-              <a:rPr b="0" lang="en-US" sz="3600" spc="-1" strike="noStrike">
+              <a:rPr lang="en-US" sz="3600" b="0" strike="noStrike" spc="-1">
                 <a:solidFill>
                   <a:srgbClr val="000000"/>
                 </a:solidFill>
@@ -8069,7 +8925,7 @@
               </a:rPr>
               <a:t> </a:t>
             </a:r>
-            <a:endParaRPr b="0" lang="en-US" sz="3600" spc="-1" strike="noStrike">
+            <a:endParaRPr lang="en-US" sz="3600" b="0" strike="noStrike" spc="-1">
               <a:latin typeface="Arial"/>
             </a:endParaRPr>
           </a:p>
@@ -8088,7 +8944,7 @@
               <a:buChar char="•"/>
             </a:pPr>
             <a:r>
-              <a:rPr b="0" lang="en-US" sz="3600" spc="-1" strike="noStrike">
+              <a:rPr lang="en-US" sz="3600" b="0" strike="noStrike" spc="-1">
                 <a:solidFill>
                   <a:srgbClr val="000000"/>
                 </a:solidFill>
@@ -8096,7 +8952,7 @@
               </a:rPr>
               <a:t>Dostęp do danych i prezentacji</a:t>
             </a:r>
-            <a:endParaRPr b="0" lang="en-US" sz="3600" spc="-1" strike="noStrike">
+            <a:endParaRPr lang="en-US" sz="3600" b="0" strike="noStrike" spc="-1">
               <a:latin typeface="Arial"/>
             </a:endParaRPr>
           </a:p>
@@ -8115,7 +8971,7 @@
               <a:buChar char="•"/>
             </a:pPr>
             <a:r>
-              <a:rPr b="0" lang="en-US" sz="3600" spc="-1" strike="noStrike">
+              <a:rPr lang="en-US" sz="3600" b="0" strike="noStrike" spc="-1">
                 <a:solidFill>
                   <a:srgbClr val="000000"/>
                 </a:solidFill>
@@ -8123,7 +8979,7 @@
               </a:rPr>
               <a:t>Dostęp do materiałów z innych zajęć dla chętnych pogłębienia wiedzy z zakresu analizy danych przestrzennych i geoinformacji.</a:t>
             </a:r>
-            <a:endParaRPr b="0" lang="en-US" sz="3600" spc="-1" strike="noStrike">
+            <a:endParaRPr lang="en-US" sz="3600" b="0" strike="noStrike" spc="-1">
               <a:latin typeface="Arial"/>
             </a:endParaRPr>
           </a:p>
@@ -8136,7 +8992,7 @@
                 <a:spcPts val="2701"/>
               </a:spcBef>
             </a:pPr>
-            <a:endParaRPr b="0" lang="en-US" sz="3600" spc="-1" strike="noStrike">
+            <a:endParaRPr lang="en-US" sz="3600" b="0" strike="noStrike" spc="-1">
               <a:latin typeface="Arial"/>
             </a:endParaRPr>
           </a:p>
@@ -8144,22 +9000,25 @@
       </p:sp>
     </p:spTree>
   </p:cSld>
+  <p:clrMapOvr>
+    <a:masterClrMapping/>
+  </p:clrMapOvr>
   <p:timing>
     <p:tnLst>
       <p:par>
-        <p:cTn id="15" dur="indefinite" restart="never" nodeType="tmRoot">
+        <p:cTn id="1" dur="indefinite" restart="never" nodeType="tmRoot">
           <p:childTnLst>
             <p:seq>
-              <p:cTn id="16" dur="indefinite" nodeType="mainSeq"/>
+              <p:cTn id="2" dur="indefinite" nodeType="mainSeq"/>
               <p:prevCondLst>
-                <p:cond delay="0" evt="onPrev">
+                <p:cond evt="onPrev" delay="0">
                   <p:tgtEl>
                     <p:sldTgt/>
                   </p:tgtEl>
                 </p:cond>
               </p:prevCondLst>
               <p:nextCondLst>
-                <p:cond delay="0" evt="onNext">
+                <p:cond evt="onNext" delay="0">
                   <p:tgtEl>
                     <p:sldTgt/>
                   </p:tgtEl>
@@ -8175,7 +9034,7 @@
 </file>
 
 <file path=ppt/slides/slide9.xml><?xml version="1.0" encoding="utf-8"?>
-<p:sld xmlns:a="http://schemas.openxmlformats.org/drawingml/2006/main" xmlns:p="http://schemas.openxmlformats.org/presentationml/2006/main" xmlns:r="http://schemas.openxmlformats.org/officeDocument/2006/relationships" xmlns:p14="http://schemas.microsoft.com/office/powerpoint/2010/main" xmlns:p15="http://schemas.microsoft.com/office/powerpoint/2012/main" xmlns:mc="http://schemas.openxmlformats.org/markup-compatibility/2006">
+<p:sld xmlns:a="http://schemas.openxmlformats.org/drawingml/2006/main" xmlns:r="http://schemas.openxmlformats.org/officeDocument/2006/relationships" xmlns:p="http://schemas.openxmlformats.org/presentationml/2006/main">
   <p:cSld>
     <p:spTree>
       <p:nvGrpSpPr>
@@ -8211,13 +9070,20 @@
           </a:ln>
         </p:spPr>
         <p:style>
-          <a:lnRef idx="0"/>
-          <a:fillRef idx="0"/>
-          <a:effectRef idx="0"/>
+          <a:lnRef idx="0">
+            <a:scrgbClr r="0" g="0" b="0"/>
+          </a:lnRef>
+          <a:fillRef idx="0">
+            <a:scrgbClr r="0" g="0" b="0"/>
+          </a:fillRef>
+          <a:effectRef idx="0">
+            <a:scrgbClr r="0" g="0" b="0"/>
+          </a:effectRef>
           <a:fontRef idx="minor"/>
         </p:style>
         <p:txBody>
-          <a:bodyPr lIns="0" rIns="0" tIns="0" bIns="0"/>
+          <a:bodyPr lIns="0" tIns="0" rIns="0" bIns="0"/>
+          <a:lstStyle/>
           <a:p>
             <a:pPr>
               <a:lnSpc>
@@ -8225,7 +9091,7 @@
               </a:lnSpc>
             </a:pPr>
             <a:r>
-              <a:rPr b="1" lang="en-US" sz="2600" spc="-1" strike="noStrike">
+              <a:rPr lang="en-US" sz="2600" b="1" strike="noStrike" spc="-1">
                 <a:solidFill>
                   <a:srgbClr val="000000"/>
                 </a:solidFill>
@@ -8233,7 +9099,7 @@
               </a:rPr>
               <a:t>Dane przestrzenne</a:t>
             </a:r>
-            <a:endParaRPr b="0" lang="en-US" sz="2600" spc="-1" strike="noStrike">
+            <a:endParaRPr lang="en-US" sz="2600" b="0" strike="noStrike" spc="-1">
               <a:latin typeface="Arial"/>
             </a:endParaRPr>
           </a:p>
@@ -8259,13 +9125,20 @@
           </a:ln>
         </p:spPr>
         <p:style>
-          <a:lnRef idx="0"/>
-          <a:fillRef idx="0"/>
-          <a:effectRef idx="0"/>
+          <a:lnRef idx="0">
+            <a:scrgbClr r="0" g="0" b="0"/>
+          </a:lnRef>
+          <a:fillRef idx="0">
+            <a:scrgbClr r="0" g="0" b="0"/>
+          </a:fillRef>
+          <a:effectRef idx="0">
+            <a:scrgbClr r="0" g="0" b="0"/>
+          </a:effectRef>
           <a:fontRef idx="minor"/>
         </p:style>
         <p:txBody>
-          <a:bodyPr lIns="0" rIns="0" tIns="0" bIns="0"/>
+          <a:bodyPr lIns="0" tIns="0" rIns="0" bIns="0"/>
+          <a:lstStyle/>
           <a:p>
             <a:pPr marL="285840" indent="-285120">
               <a:lnSpc>
@@ -8281,7 +9154,7 @@
               <a:buChar char="•"/>
             </a:pPr>
             <a:r>
-              <a:rPr b="0" lang="en-US" sz="2000" spc="-1" strike="noStrike">
+              <a:rPr lang="en-US" sz="2000" b="0" strike="noStrike" spc="-1">
                 <a:solidFill>
                   <a:srgbClr val="000000"/>
                 </a:solidFill>
@@ -8289,7 +9162,7 @@
               </a:rPr>
               <a:t>Wektor vs Raster</a:t>
             </a:r>
-            <a:endParaRPr b="0" lang="en-US" sz="2000" spc="-1" strike="noStrike">
+            <a:endParaRPr lang="en-US" sz="2000" b="0" strike="noStrike" spc="-1">
               <a:latin typeface="Arial"/>
             </a:endParaRPr>
           </a:p>
@@ -8297,13 +9170,13 @@
       </p:sp>
       <p:pic>
         <p:nvPicPr>
-          <p:cNvPr id="123" name="Picture 3" descr=""/>
+          <p:cNvPr id="123" name="Picture 3"/>
           <p:cNvPicPr/>
           <p:nvPr/>
         </p:nvPicPr>
         <p:blipFill>
-          <a:blip r:embed="rId1"/>
-          <a:srcRect l="16257" t="0" r="16257" b="0"/>
+          <a:blip r:embed="rId3" cstate="print"/>
+          <a:srcRect l="16257" r="16257"/>
           <a:stretch/>
         </p:blipFill>
         <p:spPr>
@@ -8321,12 +9194,12 @@
       </p:pic>
       <p:pic>
         <p:nvPicPr>
-          <p:cNvPr id="124" name="Picture 4" descr=""/>
+          <p:cNvPr id="124" name="Picture 4"/>
           <p:cNvPicPr/>
           <p:nvPr/>
         </p:nvPicPr>
         <p:blipFill>
-          <a:blip r:embed="rId2"/>
+          <a:blip r:embed="rId4" cstate="print"/>
           <a:srcRect l="32137" t="21831" r="29492" b="19549"/>
           <a:stretch/>
         </p:blipFill>
@@ -8345,22 +9218,25 @@
       </p:pic>
     </p:spTree>
   </p:cSld>
+  <p:clrMapOvr>
+    <a:masterClrMapping/>
+  </p:clrMapOvr>
   <p:timing>
     <p:tnLst>
       <p:par>
-        <p:cTn id="17" dur="indefinite" restart="never" nodeType="tmRoot">
+        <p:cTn id="1" dur="indefinite" restart="never" nodeType="tmRoot">
           <p:childTnLst>
             <p:seq>
-              <p:cTn id="18" dur="indefinite" nodeType="mainSeq"/>
+              <p:cTn id="2" dur="indefinite" nodeType="mainSeq"/>
               <p:prevCondLst>
-                <p:cond delay="0" evt="onPrev">
+                <p:cond evt="onPrev" delay="0">
                   <p:tgtEl>
                     <p:sldTgt/>
                   </p:tgtEl>
                 </p:cond>
               </p:prevCondLst>
               <p:nextCondLst>
-                <p:cond delay="0" evt="onNext">
+                <p:cond evt="onNext" delay="0">
                   <p:tgtEl>
                     <p:sldTgt/>
                   </p:tgtEl>
@@ -8389,31 +9265,31 @@
         <a:srgbClr val="969696"/>
       </a:dk2>
       <a:lt2>
-        <a:srgbClr val="ff7f00"/>
+        <a:srgbClr val="FF7F00"/>
       </a:lt2>
       <a:accent1>
-        <a:srgbClr val="ff7f00"/>
+        <a:srgbClr val="FF7F00"/>
       </a:accent1>
       <a:accent2>
         <a:srgbClr val="800080"/>
       </a:accent2>
       <a:accent3>
-        <a:srgbClr val="ffcc00"/>
+        <a:srgbClr val="FFCC00"/>
       </a:accent3>
       <a:accent4>
-        <a:srgbClr val="9933ff"/>
+        <a:srgbClr val="9933FF"/>
       </a:accent4>
       <a:accent5>
         <a:srgbClr val="009900"/>
       </a:accent5>
       <a:accent6>
-        <a:srgbClr val="0082da"/>
+        <a:srgbClr val="0082DA"/>
       </a:accent6>
       <a:hlink>
-        <a:srgbClr val="9933ff"/>
+        <a:srgbClr val="9933FF"/>
       </a:hlink>
       <a:folHlink>
-        <a:srgbClr val="ff3300"/>
+        <a:srgbClr val="FF3300"/>
       </a:folHlink>
     </a:clrScheme>
     <a:fontScheme name="Office">
@@ -8595,6 +9471,8 @@
       </a:bgFillStyleLst>
     </a:fmtScheme>
   </a:themeElements>
+  <a:objectDefaults/>
+  <a:extraClrSchemeLst/>
 </a:theme>
 </file>
 
@@ -8612,31 +9490,31 @@
         <a:srgbClr val="969696"/>
       </a:dk2>
       <a:lt2>
-        <a:srgbClr val="ff7f00"/>
+        <a:srgbClr val="FF7F00"/>
       </a:lt2>
       <a:accent1>
-        <a:srgbClr val="ff7f00"/>
+        <a:srgbClr val="FF7F00"/>
       </a:accent1>
       <a:accent2>
         <a:srgbClr val="800080"/>
       </a:accent2>
       <a:accent3>
-        <a:srgbClr val="ffcc00"/>
+        <a:srgbClr val="FFCC00"/>
       </a:accent3>
       <a:accent4>
-        <a:srgbClr val="9933ff"/>
+        <a:srgbClr val="9933FF"/>
       </a:accent4>
       <a:accent5>
         <a:srgbClr val="009900"/>
       </a:accent5>
       <a:accent6>
-        <a:srgbClr val="0082da"/>
+        <a:srgbClr val="0082DA"/>
       </a:accent6>
       <a:hlink>
-        <a:srgbClr val="9933ff"/>
+        <a:srgbClr val="9933FF"/>
       </a:hlink>
       <a:folHlink>
-        <a:srgbClr val="ff3300"/>
+        <a:srgbClr val="FF3300"/>
       </a:folHlink>
     </a:clrScheme>
     <a:fontScheme name="Office">
@@ -8818,6 +9696,8 @@
       </a:bgFillStyleLst>
     </a:fmtScheme>
   </a:themeElements>
+  <a:objectDefaults/>
+  <a:extraClrSchemeLst/>
 </a:theme>
 </file>
 
@@ -8835,31 +9715,31 @@
         <a:srgbClr val="969696"/>
       </a:dk2>
       <a:lt2>
-        <a:srgbClr val="ff7f00"/>
+        <a:srgbClr val="FF7F00"/>
       </a:lt2>
       <a:accent1>
-        <a:srgbClr val="ff7f00"/>
+        <a:srgbClr val="FF7F00"/>
       </a:accent1>
       <a:accent2>
         <a:srgbClr val="800080"/>
       </a:accent2>
       <a:accent3>
-        <a:srgbClr val="ffcc00"/>
+        <a:srgbClr val="FFCC00"/>
       </a:accent3>
       <a:accent4>
-        <a:srgbClr val="9933ff"/>
+        <a:srgbClr val="9933FF"/>
       </a:accent4>
       <a:accent5>
         <a:srgbClr val="009900"/>
       </a:accent5>
       <a:accent6>
-        <a:srgbClr val="0082da"/>
+        <a:srgbClr val="0082DA"/>
       </a:accent6>
       <a:hlink>
-        <a:srgbClr val="9933ff"/>
+        <a:srgbClr val="9933FF"/>
       </a:hlink>
       <a:folHlink>
-        <a:srgbClr val="ff3300"/>
+        <a:srgbClr val="FF3300"/>
       </a:folHlink>
     </a:clrScheme>
     <a:fontScheme name="Office">
@@ -9041,5 +9921,7 @@
       </a:bgFillStyleLst>
     </a:fmtScheme>
   </a:themeElements>
+  <a:objectDefaults/>
+  <a:extraClrSchemeLst/>
 </a:theme>
 </file>